--- a/简单理解mq.pptx
+++ b/简单理解mq.pptx
@@ -5,7 +5,7 @@
     <p:sldMasterId id="2147483648" r:id="rId1"/>
   </p:sldMasterIdLst>
   <p:notesMasterIdLst>
-    <p:notesMasterId r:id="rId54"/>
+    <p:notesMasterId r:id="rId64"/>
   </p:notesMasterIdLst>
   <p:sldIdLst>
     <p:sldId id="256" r:id="rId2"/>
@@ -22,44 +22,54 @@
     <p:sldId id="275" r:id="rId13"/>
     <p:sldId id="279" r:id="rId14"/>
     <p:sldId id="285" r:id="rId15"/>
-    <p:sldId id="264" r:id="rId16"/>
-    <p:sldId id="265" r:id="rId17"/>
-    <p:sldId id="261" r:id="rId18"/>
-    <p:sldId id="313" r:id="rId19"/>
-    <p:sldId id="266" r:id="rId20"/>
-    <p:sldId id="267" r:id="rId21"/>
-    <p:sldId id="268" r:id="rId22"/>
-    <p:sldId id="269" r:id="rId23"/>
-    <p:sldId id="271" r:id="rId24"/>
-    <p:sldId id="281" r:id="rId25"/>
-    <p:sldId id="282" r:id="rId26"/>
-    <p:sldId id="286" r:id="rId27"/>
-    <p:sldId id="287" r:id="rId28"/>
-    <p:sldId id="288" r:id="rId29"/>
-    <p:sldId id="289" r:id="rId30"/>
-    <p:sldId id="290" r:id="rId31"/>
-    <p:sldId id="291" r:id="rId32"/>
-    <p:sldId id="292" r:id="rId33"/>
-    <p:sldId id="293" r:id="rId34"/>
-    <p:sldId id="295" r:id="rId35"/>
-    <p:sldId id="296" r:id="rId36"/>
-    <p:sldId id="297" r:id="rId37"/>
-    <p:sldId id="298" r:id="rId38"/>
-    <p:sldId id="305" r:id="rId39"/>
-    <p:sldId id="299" r:id="rId40"/>
-    <p:sldId id="300" r:id="rId41"/>
-    <p:sldId id="301" r:id="rId42"/>
-    <p:sldId id="302" r:id="rId43"/>
-    <p:sldId id="303" r:id="rId44"/>
-    <p:sldId id="304" r:id="rId45"/>
-    <p:sldId id="308" r:id="rId46"/>
-    <p:sldId id="309" r:id="rId47"/>
-    <p:sldId id="310" r:id="rId48"/>
-    <p:sldId id="311" r:id="rId49"/>
-    <p:sldId id="312" r:id="rId50"/>
-    <p:sldId id="273" r:id="rId51"/>
-    <p:sldId id="307" r:id="rId52"/>
-    <p:sldId id="306" r:id="rId53"/>
+    <p:sldId id="319" r:id="rId16"/>
+    <p:sldId id="264" r:id="rId17"/>
+    <p:sldId id="265" r:id="rId18"/>
+    <p:sldId id="261" r:id="rId19"/>
+    <p:sldId id="320" r:id="rId20"/>
+    <p:sldId id="313" r:id="rId21"/>
+    <p:sldId id="266" r:id="rId22"/>
+    <p:sldId id="267" r:id="rId23"/>
+    <p:sldId id="268" r:id="rId24"/>
+    <p:sldId id="269" r:id="rId25"/>
+    <p:sldId id="271" r:id="rId26"/>
+    <p:sldId id="281" r:id="rId27"/>
+    <p:sldId id="282" r:id="rId28"/>
+    <p:sldId id="286" r:id="rId29"/>
+    <p:sldId id="287" r:id="rId30"/>
+    <p:sldId id="288" r:id="rId31"/>
+    <p:sldId id="289" r:id="rId32"/>
+    <p:sldId id="290" r:id="rId33"/>
+    <p:sldId id="291" r:id="rId34"/>
+    <p:sldId id="292" r:id="rId35"/>
+    <p:sldId id="293" r:id="rId36"/>
+    <p:sldId id="295" r:id="rId37"/>
+    <p:sldId id="296" r:id="rId38"/>
+    <p:sldId id="297" r:id="rId39"/>
+    <p:sldId id="298" r:id="rId40"/>
+    <p:sldId id="305" r:id="rId41"/>
+    <p:sldId id="299" r:id="rId42"/>
+    <p:sldId id="300" r:id="rId43"/>
+    <p:sldId id="301" r:id="rId44"/>
+    <p:sldId id="302" r:id="rId45"/>
+    <p:sldId id="303" r:id="rId46"/>
+    <p:sldId id="304" r:id="rId47"/>
+    <p:sldId id="308" r:id="rId48"/>
+    <p:sldId id="309" r:id="rId49"/>
+    <p:sldId id="310" r:id="rId50"/>
+    <p:sldId id="311" r:id="rId51"/>
+    <p:sldId id="314" r:id="rId52"/>
+    <p:sldId id="312" r:id="rId53"/>
+    <p:sldId id="315" r:id="rId54"/>
+    <p:sldId id="317" r:id="rId55"/>
+    <p:sldId id="318" r:id="rId56"/>
+    <p:sldId id="321" r:id="rId57"/>
+    <p:sldId id="322" r:id="rId58"/>
+    <p:sldId id="323" r:id="rId59"/>
+    <p:sldId id="324" r:id="rId60"/>
+    <p:sldId id="325" r:id="rId61"/>
+    <p:sldId id="273" r:id="rId62"/>
+    <p:sldId id="306" r:id="rId63"/>
   </p:sldIdLst>
   <p:sldSz cx="12192000" cy="6858000"/>
   <p:notesSz cx="6858000" cy="9144000"/>
@@ -248,7 +258,7 @@
           <a:p>
             <a:fld id="{F36B1BF3-1984-454C-A7A6-594DA1D5F659}" type="datetimeFigureOut">
               <a:rPr lang="zh-CN" altLang="en-US" smtClean="0"/>
-              <a:t>2020/3/24</a:t>
+              <a:t>2020/3/25</a:t>
             </a:fld>
             <a:endParaRPr lang="zh-CN" altLang="en-US"/>
           </a:p>
@@ -705,76 +715,39 @@
           <a:p>
             <a:r>
               <a:rPr lang="zh-CN" altLang="en-US" dirty="0"/>
-              <a:t>堆积消息是必然的。生产者速度大于消费者速度。</a:t>
-            </a:r>
-            <a:endParaRPr lang="en-US" altLang="zh-CN" dirty="0"/>
-          </a:p>
-          <a:p>
-            <a:r>
-              <a:rPr lang="zh-CN" altLang="en-US" dirty="0"/>
-              <a:t>但是堆积了，系统不能挂，系统不能慢，市面</a:t>
+              <a:t>例子：</a:t>
             </a:r>
             <a:r>
               <a:rPr lang="en-US" altLang="zh-CN" dirty="0"/>
-              <a:t>MQ</a:t>
-            </a:r>
-            <a:r>
-              <a:rPr lang="zh-CN" altLang="en-US" dirty="0"/>
-              <a:t>看似</a:t>
+              <a:t>NIO</a:t>
+            </a:r>
+            <a:r>
+              <a:rPr lang="zh-CN" altLang="en-US" dirty="0"/>
+              <a:t>，</a:t>
             </a:r>
             <a:r>
               <a:rPr lang="en-US" altLang="zh-CN" dirty="0"/>
-              <a:t>QPS</a:t>
-            </a:r>
-            <a:r>
-              <a:rPr lang="zh-CN" altLang="en-US" dirty="0"/>
-              <a:t>和</a:t>
+              <a:t>IOC(DI),</a:t>
+            </a:r>
+            <a:r>
+              <a:rPr lang="zh-CN" altLang="en-US" dirty="0"/>
+              <a:t>调用类库</a:t>
             </a:r>
             <a:r>
               <a:rPr lang="en-US" altLang="zh-CN" dirty="0"/>
-              <a:t>TPS</a:t>
-            </a:r>
-            <a:r>
-              <a:rPr lang="zh-CN" altLang="en-US" dirty="0"/>
-              <a:t>很高，但是是以内存占用为代价的。</a:t>
-            </a:r>
-            <a:r>
-              <a:rPr lang="en-US" altLang="zh-CN" dirty="0"/>
-              <a:t>MQ</a:t>
-            </a:r>
-            <a:r>
-              <a:rPr lang="zh-CN" altLang="en-US" dirty="0"/>
-              <a:t>会突然雪崩。</a:t>
-            </a:r>
-            <a:endParaRPr lang="en-US" altLang="zh-CN" dirty="0"/>
-          </a:p>
-          <a:p>
-            <a:r>
-              <a:rPr lang="zh-CN" altLang="en-US" dirty="0"/>
-              <a:t>消息堆积了怎么办？</a:t>
-            </a:r>
-            <a:r>
-              <a:rPr lang="en-US" altLang="zh-CN" dirty="0"/>
-              <a:t>1 </a:t>
-            </a:r>
-            <a:r>
-              <a:rPr lang="zh-CN" altLang="en-US" dirty="0"/>
-              <a:t>如果消峰，必然需要堆积能力  </a:t>
-            </a:r>
-            <a:r>
-              <a:rPr lang="en-US" altLang="zh-CN" dirty="0"/>
-              <a:t>2 </a:t>
-            </a:r>
-            <a:r>
-              <a:rPr lang="zh-CN" altLang="en-US" dirty="0"/>
-              <a:t>消费者很慢，加消费者。</a:t>
-            </a:r>
-            <a:endParaRPr lang="en-US" altLang="zh-CN" dirty="0"/>
-          </a:p>
-          <a:p>
-            <a:r>
-              <a:rPr lang="zh-CN" altLang="en-US" dirty="0"/>
-              <a:t>消息堆积是双刃剑。</a:t>
+              <a:t>-----</a:t>
+            </a:r>
+            <a:r>
+              <a:rPr lang="zh-CN" altLang="en-US" dirty="0"/>
+              <a:t>解耦，</a:t>
+            </a:r>
+            <a:r>
+              <a:rPr lang="en-US" altLang="zh-CN" dirty="0" err="1"/>
+              <a:t>netty</a:t>
+            </a:r>
+            <a:r>
+              <a:rPr lang="zh-CN" altLang="en-US" dirty="0"/>
+              <a:t>类似</a:t>
             </a:r>
           </a:p>
         </p:txBody>
@@ -796,7 +769,7 @@
           <a:p>
             <a:fld id="{4B582AF9-37B1-44A1-84CA-4FD7192A976E}" type="slidenum">
               <a:rPr lang="zh-CN" altLang="en-US" smtClean="0"/>
-              <a:t>19</a:t>
+              <a:t>13</a:t>
             </a:fld>
             <a:endParaRPr lang="zh-CN" altLang="en-US"/>
           </a:p>
@@ -805,7 +778,7 @@
     </p:spTree>
     <p:extLst>
       <p:ext uri="{BB962C8B-B14F-4D97-AF65-F5344CB8AC3E}">
-        <p14:creationId xmlns:p14="http://schemas.microsoft.com/office/powerpoint/2010/main" val="3746604027"/>
+        <p14:creationId xmlns:p14="http://schemas.microsoft.com/office/powerpoint/2010/main" val="1749708304"/>
       </p:ext>
     </p:extLst>
   </p:cSld>
@@ -859,7 +832,32 @@
           <a:bodyPr/>
           <a:lstStyle/>
           <a:p>
-            <a:endParaRPr lang="zh-CN" altLang="en-US" dirty="0"/>
+            <a:r>
+              <a:rPr lang="zh-CN" altLang="en-US" dirty="0"/>
+              <a:t>万一消息不知道怎么丢了呢？或者删消息跑路呢？万一为了性能而没有开启持久化呢？</a:t>
+            </a:r>
+            <a:endParaRPr lang="en-US" altLang="zh-CN" dirty="0"/>
+          </a:p>
+          <a:p>
+            <a:r>
+              <a:rPr lang="zh-CN" altLang="en-US" dirty="0"/>
+              <a:t>落盘策略防君子，不妨小人。</a:t>
+            </a:r>
+            <a:endParaRPr lang="en-US" altLang="zh-CN" dirty="0"/>
+          </a:p>
+          <a:p>
+            <a:r>
+              <a:rPr lang="en-US" altLang="zh-CN" dirty="0" err="1"/>
+              <a:t>Rabbitmq</a:t>
+            </a:r>
+            <a:r>
+              <a:rPr lang="en-US" altLang="zh-CN" dirty="0"/>
+              <a:t> </a:t>
+            </a:r>
+            <a:r>
+              <a:rPr lang="zh-CN" altLang="en-US" dirty="0"/>
+              <a:t>镜像队列方式。</a:t>
+            </a:r>
           </a:p>
         </p:txBody>
       </p:sp>
@@ -880,7 +878,7 @@
           <a:p>
             <a:fld id="{4B582AF9-37B1-44A1-84CA-4FD7192A976E}" type="slidenum">
               <a:rPr lang="zh-CN" altLang="en-US" smtClean="0"/>
-              <a:t>20</a:t>
+              <a:t>18</a:t>
             </a:fld>
             <a:endParaRPr lang="zh-CN" altLang="en-US"/>
           </a:p>
@@ -889,7 +887,7 @@
     </p:spTree>
     <p:extLst>
       <p:ext uri="{BB962C8B-B14F-4D97-AF65-F5344CB8AC3E}">
-        <p14:creationId xmlns:p14="http://schemas.microsoft.com/office/powerpoint/2010/main" val="892700102"/>
+        <p14:creationId xmlns:p14="http://schemas.microsoft.com/office/powerpoint/2010/main" val="4202081942"/>
       </p:ext>
     </p:extLst>
   </p:cSld>
@@ -945,78 +943,97 @@
           <a:p>
             <a:r>
               <a:rPr lang="zh-CN" altLang="en-US" dirty="0"/>
-              <a:t>投递方式：推，拉，推拉结合</a:t>
-            </a:r>
-            <a:endParaRPr lang="en-US" altLang="zh-CN" dirty="0"/>
-          </a:p>
-          <a:p>
-            <a:r>
-              <a:rPr lang="zh-CN" altLang="en-US" dirty="0"/>
-              <a:t>拉关注吞吐量。</a:t>
-            </a:r>
+              <a:t>丢了咋办？ 找回来啊，怎么找回来，怎么放进去怎么找回来。</a:t>
+            </a:r>
+            <a:endParaRPr lang="en-US" altLang="zh-CN" dirty="0"/>
+          </a:p>
+          <a:p>
             <a:r>
               <a:rPr lang="en-US" altLang="zh-CN" dirty="0"/>
-              <a:t>Kafka</a:t>
-            </a:r>
-            <a:r>
-              <a:rPr lang="zh-CN" altLang="en-US" dirty="0"/>
-              <a:t>。</a:t>
-            </a:r>
-            <a:endParaRPr lang="en-US" altLang="zh-CN" dirty="0"/>
-          </a:p>
-          <a:p>
-            <a:r>
-              <a:rPr lang="zh-CN" altLang="en-US" dirty="0"/>
-              <a:t>推：延时低，消费者逻辑简单。</a:t>
-            </a:r>
-            <a:br>
-              <a:rPr lang="zh-CN" altLang="en-US" dirty="0"/>
-            </a:br>
-            <a:r>
-              <a:rPr lang="zh-CN" altLang="en-US" dirty="0"/>
-              <a:t>拉：频次快，</a:t>
-            </a:r>
-            <a:r>
-              <a:rPr lang="en-US" altLang="zh-CN" sz="1200" kern="1200" dirty="0" err="1">
-                <a:solidFill>
-                  <a:schemeClr val="tx1"/>
-                </a:solidFill>
-                <a:effectLst/>
-                <a:latin typeface="+mn-lt"/>
-                <a:ea typeface="+mn-ea"/>
-                <a:cs typeface="+mn-cs"/>
-              </a:rPr>
-              <a:t>mq</a:t>
-            </a:r>
-            <a:r>
-              <a:rPr lang="zh-CN" altLang="en-US" dirty="0"/>
-              <a:t>压力大，拉消息关注吞吐量。但是消费端逻辑复杂。</a:t>
-            </a:r>
-            <a:br>
-              <a:rPr lang="zh-CN" altLang="en-US" dirty="0"/>
-            </a:br>
-            <a:r>
-              <a:rPr lang="zh-CN" altLang="en-US" dirty="0"/>
-              <a:t>推拉结合：有消息发送，然后在拉。</a:t>
-            </a:r>
-            <a:br>
-              <a:rPr lang="zh-CN" altLang="en-US" dirty="0"/>
-            </a:br>
-            <a:r>
-              <a:rPr lang="en-US" altLang="zh-CN" sz="1200" kern="1200" dirty="0">
-                <a:solidFill>
-                  <a:schemeClr val="tx1"/>
-                </a:solidFill>
-                <a:effectLst/>
-                <a:latin typeface="+mn-lt"/>
-                <a:ea typeface="+mn-ea"/>
-                <a:cs typeface="+mn-cs"/>
-              </a:rPr>
-              <a:t>ONS</a:t>
-            </a:r>
-            <a:r>
-              <a:rPr lang="zh-CN" altLang="en-US" dirty="0"/>
-              <a:t>：先拉然后推送。推拉平衡。</a:t>
+              <a:t>1 </a:t>
+            </a:r>
+            <a:r>
+              <a:rPr lang="en-US" altLang="zh-CN" dirty="0" err="1"/>
+              <a:t>Mysql</a:t>
+            </a:r>
+            <a:r>
+              <a:rPr lang="zh-CN" altLang="en-US" dirty="0"/>
+              <a:t>通过</a:t>
+            </a:r>
+            <a:r>
+              <a:rPr lang="en-US" altLang="zh-CN" dirty="0" err="1"/>
+              <a:t>Mq</a:t>
+            </a:r>
+            <a:r>
+              <a:rPr lang="zh-CN" altLang="en-US" dirty="0"/>
+              <a:t>更新</a:t>
+            </a:r>
+            <a:r>
+              <a:rPr lang="en-US" altLang="zh-CN" dirty="0"/>
+              <a:t>ES</a:t>
+            </a:r>
+            <a:r>
+              <a:rPr lang="zh-CN" altLang="en-US" dirty="0"/>
+              <a:t>索引，但是</a:t>
+            </a:r>
+            <a:r>
+              <a:rPr lang="en-US" altLang="zh-CN" dirty="0"/>
+              <a:t>MQ</a:t>
+            </a:r>
+            <a:r>
+              <a:rPr lang="zh-CN" altLang="en-US" dirty="0"/>
+              <a:t>挂了，</a:t>
+            </a:r>
+            <a:r>
+              <a:rPr lang="en-US" altLang="zh-CN" dirty="0"/>
+              <a:t>ES</a:t>
+            </a:r>
+            <a:r>
+              <a:rPr lang="zh-CN" altLang="en-US" dirty="0"/>
+              <a:t>索引更新不了。业务补发即可。把数据库数据构造成消息，程序发一次。这是从重发消息角度思考。</a:t>
+            </a:r>
+            <a:endParaRPr lang="en-US" altLang="zh-CN" dirty="0"/>
+          </a:p>
+          <a:p>
+            <a:r>
+              <a:rPr lang="en-US" altLang="zh-CN" dirty="0"/>
+              <a:t>2 </a:t>
+            </a:r>
+            <a:r>
+              <a:rPr lang="zh-CN" altLang="en-US" dirty="0"/>
+              <a:t>定时任务更新内存，直接从业务角度解决，不在重发消息了。</a:t>
+            </a:r>
+            <a:endParaRPr lang="en-US" altLang="zh-CN" dirty="0"/>
+          </a:p>
+          <a:p>
+            <a:endParaRPr lang="en-US" altLang="zh-CN" dirty="0"/>
+          </a:p>
+          <a:p>
+            <a:r>
+              <a:rPr lang="zh-CN" altLang="en-US" dirty="0"/>
+              <a:t>业务补发。</a:t>
+            </a:r>
+            <a:endParaRPr lang="en-US" altLang="zh-CN" dirty="0"/>
+          </a:p>
+          <a:p>
+            <a:r>
+              <a:rPr lang="en-US" altLang="zh-CN" dirty="0"/>
+              <a:t>Redis</a:t>
+            </a:r>
+            <a:r>
+              <a:rPr lang="zh-CN" altLang="en-US" dirty="0"/>
+              <a:t>持久化策略给我们启示？</a:t>
+            </a:r>
+            <a:endParaRPr lang="en-US" altLang="zh-CN" dirty="0"/>
+          </a:p>
+          <a:p>
+            <a:r>
+              <a:rPr lang="en-US" altLang="zh-CN" dirty="0" err="1"/>
+              <a:t>PublicInfo</a:t>
+            </a:r>
+            <a:r>
+              <a:rPr lang="zh-CN" altLang="en-US" dirty="0"/>
+              <a:t>如何实时更新？多节点内存实时更新。复杂，因为没有统一入口去更新。所以实时很难做到。</a:t>
             </a:r>
           </a:p>
         </p:txBody>
@@ -1038,7 +1055,7 @@
           <a:p>
             <a:fld id="{4B582AF9-37B1-44A1-84CA-4FD7192A976E}" type="slidenum">
               <a:rPr lang="zh-CN" altLang="en-US" smtClean="0"/>
-              <a:t>21</a:t>
+              <a:t>19</a:t>
             </a:fld>
             <a:endParaRPr lang="zh-CN" altLang="en-US"/>
           </a:p>
@@ -1047,7 +1064,7 @@
     </p:spTree>
     <p:extLst>
       <p:ext uri="{BB962C8B-B14F-4D97-AF65-F5344CB8AC3E}">
-        <p14:creationId xmlns:p14="http://schemas.microsoft.com/office/powerpoint/2010/main" val="2491312059"/>
+        <p14:creationId xmlns:p14="http://schemas.microsoft.com/office/powerpoint/2010/main" val="3840993514"/>
       </p:ext>
     </p:extLst>
   </p:cSld>
@@ -1103,7 +1120,87 @@
           <a:p>
             <a:r>
               <a:rPr lang="zh-CN" altLang="en-US" dirty="0"/>
-              <a:t>方便检索：文件系统，数据库，</a:t>
+              <a:t>持久化影响检索效率。</a:t>
+            </a:r>
+            <a:endParaRPr lang="en-US" altLang="zh-CN" dirty="0"/>
+          </a:p>
+          <a:p>
+            <a:r>
+              <a:rPr lang="zh-CN" altLang="en-US" dirty="0"/>
+              <a:t>持久化文件里面呢？文件会空洞（这和垃圾回收机制一样的</a:t>
+            </a:r>
+            <a:r>
+              <a:rPr lang="en-US" altLang="zh-CN" dirty="0"/>
+              <a:t>-</a:t>
+            </a:r>
+            <a:r>
+              <a:rPr lang="zh-CN" altLang="en-US" dirty="0"/>
+              <a:t>内存碎片</a:t>
+            </a:r>
+            <a:r>
+              <a:rPr lang="en-US" altLang="zh-CN" dirty="0"/>
+              <a:t>-</a:t>
+            </a:r>
+            <a:r>
+              <a:rPr lang="zh-CN" altLang="en-US" dirty="0"/>
+              <a:t>标记压缩和标记清除），</a:t>
+            </a:r>
+            <a:r>
+              <a:rPr lang="en-US" altLang="zh-CN" dirty="0"/>
+              <a:t>MySQL B+</a:t>
+            </a:r>
+            <a:r>
+              <a:rPr lang="zh-CN" altLang="en-US" dirty="0"/>
+              <a:t>树删除数据会触发叶合并，使得树高变低， 数据库索引</a:t>
+            </a:r>
+            <a:r>
+              <a:rPr lang="en-US" altLang="zh-CN" dirty="0"/>
+              <a:t>-</a:t>
+            </a:r>
+            <a:r>
+              <a:rPr lang="zh-CN" altLang="en-US" dirty="0"/>
+              <a:t>稀疏索引。</a:t>
+            </a:r>
+            <a:endParaRPr lang="en-US" altLang="zh-CN" dirty="0"/>
+          </a:p>
+          <a:p>
+            <a:r>
+              <a:rPr lang="en-US" altLang="zh-CN" dirty="0"/>
+              <a:t>MongoDB</a:t>
+            </a:r>
+            <a:r>
+              <a:rPr lang="zh-CN" altLang="en-US" dirty="0"/>
+              <a:t>文件设计理念。</a:t>
+            </a:r>
+            <a:endParaRPr lang="en-US" altLang="zh-CN" dirty="0"/>
+          </a:p>
+          <a:p>
+            <a:r>
+              <a:rPr lang="en-US" altLang="zh-CN" dirty="0" err="1"/>
+              <a:t>Mysql</a:t>
+            </a:r>
+            <a:r>
+              <a:rPr lang="zh-CN" altLang="en-US" dirty="0"/>
+              <a:t>存在哪里呢？还是文件里面。</a:t>
+            </a:r>
+            <a:endParaRPr lang="en-US" altLang="zh-CN" dirty="0"/>
+          </a:p>
+          <a:p>
+            <a:r>
+              <a:rPr lang="en-US" altLang="zh-CN" dirty="0"/>
+              <a:t>Redis</a:t>
+            </a:r>
+            <a:r>
+              <a:rPr lang="zh-CN" altLang="en-US" dirty="0"/>
+              <a:t>持久化会丢数据，</a:t>
+            </a:r>
+            <a:r>
+              <a:rPr lang="en-US" altLang="zh-CN" dirty="0"/>
+              <a:t>MQ</a:t>
+            </a:r>
+            <a:r>
+              <a:rPr lang="zh-CN" altLang="en-US" dirty="0"/>
+              <a:t>呢？</a:t>
             </a:r>
           </a:p>
         </p:txBody>
@@ -1125,7 +1222,7 @@
           <a:p>
             <a:fld id="{4B582AF9-37B1-44A1-84CA-4FD7192A976E}" type="slidenum">
               <a:rPr lang="zh-CN" altLang="en-US" smtClean="0"/>
-              <a:t>23</a:t>
+              <a:t>20</a:t>
             </a:fld>
             <a:endParaRPr lang="zh-CN" altLang="en-US"/>
           </a:p>
@@ -1134,7 +1231,7 @@
     </p:spTree>
     <p:extLst>
       <p:ext uri="{BB962C8B-B14F-4D97-AF65-F5344CB8AC3E}">
-        <p14:creationId xmlns:p14="http://schemas.microsoft.com/office/powerpoint/2010/main" val="195547170"/>
+        <p14:creationId xmlns:p14="http://schemas.microsoft.com/office/powerpoint/2010/main" val="1016760034"/>
       </p:ext>
     </p:extLst>
   </p:cSld>
@@ -1188,32 +1285,86 @@
           <a:bodyPr/>
           <a:lstStyle/>
           <a:p>
-            <a:pPr marL="0" marR="0" lvl="0" indent="0" algn="l" defTabSz="914400" rtl="0" eaLnBrk="1" fontAlgn="auto" latinLnBrk="0" hangingPunct="1">
-              <a:lnSpc>
-                <a:spcPct val="100000"/>
-              </a:lnSpc>
-              <a:spcBef>
-                <a:spcPts val="0"/>
-              </a:spcBef>
-              <a:spcAft>
-                <a:spcPts val="0"/>
-              </a:spcAft>
-              <a:buClrTx/>
-              <a:buSzTx/>
-              <a:buFontTx/>
-              <a:buNone/>
-              <a:tabLst/>
-              <a:defRPr/>
-            </a:pPr>
-            <a:r>
-              <a:rPr lang="zh-CN" altLang="en-US" dirty="0">
-                <a:effectLst/>
-              </a:rPr>
-              <a:t>外面消息服务没有集群概念，不能扩展，小型系统，单机系统</a:t>
-            </a:r>
-          </a:p>
-          <a:p>
-            <a:endParaRPr lang="zh-CN" altLang="en-US" dirty="0"/>
+            <a:r>
+              <a:rPr lang="zh-CN" altLang="en-US" dirty="0"/>
+              <a:t>堆积消息是必然的。生产者速度大于消费者速度。</a:t>
+            </a:r>
+            <a:endParaRPr lang="en-US" altLang="zh-CN" dirty="0"/>
+          </a:p>
+          <a:p>
+            <a:r>
+              <a:rPr lang="zh-CN" altLang="en-US" dirty="0"/>
+              <a:t>但是堆积了，系统不能挂，系统不能慢，市面</a:t>
+            </a:r>
+            <a:r>
+              <a:rPr lang="en-US" altLang="zh-CN" dirty="0"/>
+              <a:t>MQ</a:t>
+            </a:r>
+            <a:r>
+              <a:rPr lang="zh-CN" altLang="en-US" dirty="0"/>
+              <a:t>看似</a:t>
+            </a:r>
+            <a:r>
+              <a:rPr lang="en-US" altLang="zh-CN" dirty="0"/>
+              <a:t>QPS</a:t>
+            </a:r>
+            <a:r>
+              <a:rPr lang="zh-CN" altLang="en-US" dirty="0"/>
+              <a:t>和</a:t>
+            </a:r>
+            <a:r>
+              <a:rPr lang="en-US" altLang="zh-CN" dirty="0"/>
+              <a:t>TPS</a:t>
+            </a:r>
+            <a:r>
+              <a:rPr lang="zh-CN" altLang="en-US" dirty="0"/>
+              <a:t>很高，但是是以内存占用为代价的。</a:t>
+            </a:r>
+            <a:r>
+              <a:rPr lang="en-US" altLang="zh-CN" dirty="0"/>
+              <a:t>MQ</a:t>
+            </a:r>
+            <a:r>
+              <a:rPr lang="zh-CN" altLang="en-US" dirty="0"/>
+              <a:t>会突然雪崩。</a:t>
+            </a:r>
+            <a:endParaRPr lang="en-US" altLang="zh-CN" dirty="0"/>
+          </a:p>
+          <a:p>
+            <a:r>
+              <a:rPr lang="zh-CN" altLang="en-US" dirty="0"/>
+              <a:t>消息堆积了怎么办？</a:t>
+            </a:r>
+            <a:r>
+              <a:rPr lang="en-US" altLang="zh-CN" dirty="0"/>
+              <a:t>1 </a:t>
+            </a:r>
+            <a:r>
+              <a:rPr lang="zh-CN" altLang="en-US" dirty="0"/>
+              <a:t>如果消峰，必然需要堆积能力  </a:t>
+            </a:r>
+            <a:r>
+              <a:rPr lang="en-US" altLang="zh-CN" dirty="0"/>
+              <a:t>2 </a:t>
+            </a:r>
+            <a:r>
+              <a:rPr lang="zh-CN" altLang="en-US" dirty="0"/>
+              <a:t>消费者很慢，加消费者。</a:t>
+            </a:r>
+            <a:endParaRPr lang="en-US" altLang="zh-CN" dirty="0"/>
+          </a:p>
+          <a:p>
+            <a:r>
+              <a:rPr lang="zh-CN" altLang="en-US" dirty="0"/>
+              <a:t>消息堆积是双刃剑。</a:t>
+            </a:r>
+            <a:endParaRPr lang="en-US" altLang="zh-CN" dirty="0"/>
+          </a:p>
+          <a:p>
+            <a:r>
+              <a:rPr lang="zh-CN" altLang="en-US" dirty="0"/>
+              <a:t>死信队列。</a:t>
+            </a:r>
           </a:p>
         </p:txBody>
       </p:sp>
@@ -1234,7 +1385,7 @@
           <a:p>
             <a:fld id="{4B582AF9-37B1-44A1-84CA-4FD7192A976E}" type="slidenum">
               <a:rPr lang="zh-CN" altLang="en-US" smtClean="0"/>
-              <a:t>24</a:t>
+              <a:t>21</a:t>
             </a:fld>
             <a:endParaRPr lang="zh-CN" altLang="en-US"/>
           </a:p>
@@ -1243,7 +1394,7 @@
     </p:spTree>
     <p:extLst>
       <p:ext uri="{BB962C8B-B14F-4D97-AF65-F5344CB8AC3E}">
-        <p14:creationId xmlns:p14="http://schemas.microsoft.com/office/powerpoint/2010/main" val="399773302"/>
+        <p14:creationId xmlns:p14="http://schemas.microsoft.com/office/powerpoint/2010/main" val="3746604027"/>
       </p:ext>
     </p:extLst>
   </p:cSld>
@@ -1297,57 +1448,11 @@
           <a:bodyPr/>
           <a:lstStyle/>
           <a:p>
-            <a:pPr marL="0" marR="0" lvl="0" indent="0" algn="l" defTabSz="914400" rtl="0" eaLnBrk="1" fontAlgn="auto" latinLnBrk="0" hangingPunct="1">
-              <a:lnSpc>
-                <a:spcPct val="100000"/>
-              </a:lnSpc>
-              <a:spcBef>
-                <a:spcPts val="0"/>
-              </a:spcBef>
-              <a:spcAft>
-                <a:spcPts val="0"/>
-              </a:spcAft>
-              <a:buClrTx/>
-              <a:buSzTx/>
-              <a:buFontTx/>
-              <a:buNone/>
-              <a:tabLst/>
-              <a:defRPr/>
-            </a:pPr>
-            <a:r>
-              <a:rPr lang="zh-CN" altLang="en-US" dirty="0">
-                <a:effectLst/>
-              </a:rPr>
-              <a:t>消息发送什么顺序，消息接收什么顺序。</a:t>
-            </a:r>
-          </a:p>
-          <a:p>
-            <a:pPr marL="0" marR="0" lvl="0" indent="0" algn="l" defTabSz="914400" rtl="0" eaLnBrk="1" fontAlgn="auto" latinLnBrk="0" hangingPunct="1">
-              <a:lnSpc>
-                <a:spcPct val="100000"/>
-              </a:lnSpc>
-              <a:spcBef>
-                <a:spcPts val="0"/>
-              </a:spcBef>
-              <a:spcAft>
-                <a:spcPts val="0"/>
-              </a:spcAft>
-              <a:buClrTx/>
-              <a:buSzTx/>
-              <a:buFontTx/>
-              <a:buNone/>
-              <a:tabLst/>
-              <a:defRPr/>
-            </a:pPr>
-            <a:r>
-              <a:rPr lang="zh-CN" altLang="en-US" dirty="0">
-                <a:effectLst/>
-              </a:rPr>
-              <a:t>网络三种可能：成功，失败，没有响应。</a:t>
-            </a:r>
-          </a:p>
-          <a:p>
-            <a:endParaRPr lang="zh-CN" altLang="en-US" dirty="0"/>
+            <a:r>
+              <a:rPr lang="zh-CN" altLang="en-US" dirty="0"/>
+              <a:t>实际堆积了怎么办？ 加消费者机器。让消息收集起来。</a:t>
+            </a:r>
+            <a:endParaRPr lang="en-US" altLang="zh-CN" dirty="0"/>
           </a:p>
         </p:txBody>
       </p:sp>
@@ -1368,7 +1473,7 @@
           <a:p>
             <a:fld id="{4B582AF9-37B1-44A1-84CA-4FD7192A976E}" type="slidenum">
               <a:rPr lang="zh-CN" altLang="en-US" smtClean="0"/>
-              <a:t>27</a:t>
+              <a:t>22</a:t>
             </a:fld>
             <a:endParaRPr lang="zh-CN" altLang="en-US"/>
           </a:p>
@@ -1377,7 +1482,7 @@
     </p:spTree>
     <p:extLst>
       <p:ext uri="{BB962C8B-B14F-4D97-AF65-F5344CB8AC3E}">
-        <p14:creationId xmlns:p14="http://schemas.microsoft.com/office/powerpoint/2010/main" val="3122709635"/>
+        <p14:creationId xmlns:p14="http://schemas.microsoft.com/office/powerpoint/2010/main" val="892700102"/>
       </p:ext>
     </p:extLst>
   </p:cSld>
@@ -1432,21 +1537,106 @@
           <a:lstStyle/>
           <a:p>
             <a:r>
-              <a:rPr lang="zh-CN" altLang="en-US" dirty="0">
+              <a:rPr lang="zh-CN" altLang="en-US" dirty="0"/>
+              <a:t>投递方式：推，拉，推拉结合</a:t>
+            </a:r>
+            <a:endParaRPr lang="en-US" altLang="zh-CN" dirty="0"/>
+          </a:p>
+          <a:p>
+            <a:r>
+              <a:rPr lang="zh-CN" altLang="en-US" dirty="0"/>
+              <a:t>拉关注吞吐量。</a:t>
+            </a:r>
+            <a:r>
+              <a:rPr lang="en-US" altLang="zh-CN" dirty="0"/>
+              <a:t>Kafka</a:t>
+            </a:r>
+            <a:r>
+              <a:rPr lang="zh-CN" altLang="en-US" dirty="0"/>
+              <a:t>。</a:t>
+            </a:r>
+            <a:endParaRPr lang="en-US" altLang="zh-CN" dirty="0"/>
+          </a:p>
+          <a:p>
+            <a:r>
+              <a:rPr lang="zh-CN" altLang="en-US" dirty="0"/>
+              <a:t>推：延时低，消费者逻辑简单。</a:t>
+            </a:r>
+            <a:br>
+              <a:rPr lang="zh-CN" altLang="en-US" dirty="0"/>
+            </a:br>
+            <a:r>
+              <a:rPr lang="zh-CN" altLang="en-US" dirty="0"/>
+              <a:t>拉：频次快，</a:t>
+            </a:r>
+            <a:r>
+              <a:rPr lang="en-US" altLang="zh-CN" sz="1200" kern="1200" dirty="0" err="1">
+                <a:solidFill>
+                  <a:schemeClr val="tx1"/>
+                </a:solidFill>
                 <a:effectLst/>
+                <a:latin typeface="+mn-lt"/>
+                <a:ea typeface="+mn-ea"/>
+                <a:cs typeface="+mn-cs"/>
               </a:rPr>
-              <a:t>不需要关注消息顺序，非常简单方式完成</a:t>
-            </a:r>
-          </a:p>
-          <a:p>
-            <a:r>
-              <a:rPr lang="zh-CN" altLang="en-US" dirty="0">
+              <a:t>mq</a:t>
+            </a:r>
+            <a:r>
+              <a:rPr lang="zh-CN" altLang="en-US" dirty="0"/>
+              <a:t>压力大，拉消息关注吞吐量。但是消费端逻辑复杂。</a:t>
+            </a:r>
+            <a:br>
+              <a:rPr lang="zh-CN" altLang="en-US" dirty="0"/>
+            </a:br>
+            <a:r>
+              <a:rPr lang="zh-CN" altLang="en-US" dirty="0"/>
+              <a:t>推拉结合：有消息发送，然后在拉。</a:t>
+            </a:r>
+            <a:br>
+              <a:rPr lang="zh-CN" altLang="en-US" dirty="0"/>
+            </a:br>
+            <a:r>
+              <a:rPr lang="en-US" altLang="zh-CN" sz="1200" kern="1200" dirty="0">
+                <a:solidFill>
+                  <a:schemeClr val="tx1"/>
+                </a:solidFill>
                 <a:effectLst/>
+                <a:latin typeface="+mn-lt"/>
+                <a:ea typeface="+mn-ea"/>
+                <a:cs typeface="+mn-cs"/>
               </a:rPr>
-              <a:t>恰好不需要关注系统的顺序</a:t>
-            </a:r>
-          </a:p>
-          <a:p>
+              <a:t>ONS</a:t>
+            </a:r>
+            <a:r>
+              <a:rPr lang="zh-CN" altLang="en-US" dirty="0"/>
+              <a:t>：先拉然后推送。推拉平衡。</a:t>
+            </a:r>
+            <a:endParaRPr lang="en-US" altLang="zh-CN" dirty="0"/>
+          </a:p>
+          <a:p>
+            <a:r>
+              <a:rPr lang="zh-CN" altLang="en-US" dirty="0"/>
+              <a:t>轮询消费者：</a:t>
+            </a:r>
+            <a:r>
+              <a:rPr lang="en-US" altLang="zh-CN" dirty="0">
+                <a:hlinkClick r:id="rId3"/>
+              </a:rPr>
+              <a:t>https://www.enterpriseintegrationpatterns.com/patterns/messaging/PollingConsumer.html</a:t>
+            </a:r>
+            <a:endParaRPr lang="en-US" altLang="zh-CN" dirty="0"/>
+          </a:p>
+          <a:p>
+            <a:r>
+              <a:rPr lang="zh-CN" altLang="en-US" dirty="0"/>
+              <a:t>事件驱动消费者：</a:t>
+            </a:r>
+            <a:r>
+              <a:rPr lang="en-US" altLang="zh-CN" dirty="0">
+                <a:hlinkClick r:id="rId4"/>
+              </a:rPr>
+              <a:t>https://www.enterpriseintegrationpatterns.com/patterns/messaging/EventDrivenConsumer.html</a:t>
+            </a:r>
             <a:endParaRPr lang="zh-CN" altLang="en-US" dirty="0"/>
           </a:p>
         </p:txBody>
@@ -1468,7 +1658,7 @@
           <a:p>
             <a:fld id="{4B582AF9-37B1-44A1-84CA-4FD7192A976E}" type="slidenum">
               <a:rPr lang="zh-CN" altLang="en-US" smtClean="0"/>
-              <a:t>32</a:t>
+              <a:t>23</a:t>
             </a:fld>
             <a:endParaRPr lang="zh-CN" altLang="en-US"/>
           </a:p>
@@ -1477,7 +1667,7 @@
     </p:spTree>
     <p:extLst>
       <p:ext uri="{BB962C8B-B14F-4D97-AF65-F5344CB8AC3E}">
-        <p14:creationId xmlns:p14="http://schemas.microsoft.com/office/powerpoint/2010/main" val="409611656"/>
+        <p14:creationId xmlns:p14="http://schemas.microsoft.com/office/powerpoint/2010/main" val="2491312059"/>
       </p:ext>
     </p:extLst>
   </p:cSld>
@@ -1531,7 +1721,10 @@
           <a:bodyPr/>
           <a:lstStyle/>
           <a:p>
-            <a:endParaRPr lang="zh-CN" altLang="en-US" dirty="0"/>
+            <a:r>
+              <a:rPr lang="zh-CN" altLang="en-US" dirty="0"/>
+              <a:t>方便检索：文件系统，数据库，</a:t>
+            </a:r>
           </a:p>
         </p:txBody>
       </p:sp>
@@ -1552,7 +1745,7 @@
           <a:p>
             <a:fld id="{4B582AF9-37B1-44A1-84CA-4FD7192A976E}" type="slidenum">
               <a:rPr lang="zh-CN" altLang="en-US" smtClean="0"/>
-              <a:t>33</a:t>
+              <a:t>25</a:t>
             </a:fld>
             <a:endParaRPr lang="zh-CN" altLang="en-US"/>
           </a:p>
@@ -1561,7 +1754,7 @@
     </p:spTree>
     <p:extLst>
       <p:ext uri="{BB962C8B-B14F-4D97-AF65-F5344CB8AC3E}">
-        <p14:creationId xmlns:p14="http://schemas.microsoft.com/office/powerpoint/2010/main" val="2230932098"/>
+        <p14:creationId xmlns:p14="http://schemas.microsoft.com/office/powerpoint/2010/main" val="195547170"/>
       </p:ext>
     </p:extLst>
   </p:cSld>
@@ -1633,10 +1826,11 @@
               <a:defRPr/>
             </a:pPr>
             <a:r>
-              <a:rPr lang="zh-CN" altLang="en-US" sz="1200" dirty="0"/>
-              <a:t>，为每个包加唯一标识，从而消除重复数据包，接受者为检测重复包分配窗口大小，发送者和接受者协议的。</a:t>
-            </a:r>
-            <a:endParaRPr lang="en-US" altLang="zh-CN" sz="1200" dirty="0"/>
+              <a:rPr lang="zh-CN" altLang="en-US" dirty="0">
+                <a:effectLst/>
+              </a:rPr>
+              <a:t>外面消息服务没有集群概念，不能扩展，小型系统，单机系统</a:t>
+            </a:r>
           </a:p>
           <a:p>
             <a:endParaRPr lang="zh-CN" altLang="en-US" dirty="0"/>
@@ -1660,7 +1854,7 @@
           <a:p>
             <a:fld id="{4B582AF9-37B1-44A1-84CA-4FD7192A976E}" type="slidenum">
               <a:rPr lang="zh-CN" altLang="en-US" smtClean="0"/>
-              <a:t>37</a:t>
+              <a:t>26</a:t>
             </a:fld>
             <a:endParaRPr lang="zh-CN" altLang="en-US"/>
           </a:p>
@@ -1669,7 +1863,7 @@
     </p:spTree>
     <p:extLst>
       <p:ext uri="{BB962C8B-B14F-4D97-AF65-F5344CB8AC3E}">
-        <p14:creationId xmlns:p14="http://schemas.microsoft.com/office/powerpoint/2010/main" val="2502008227"/>
+        <p14:creationId xmlns:p14="http://schemas.microsoft.com/office/powerpoint/2010/main" val="399773302"/>
       </p:ext>
     </p:extLst>
   </p:cSld>
@@ -1724,13 +1918,34 @@
           <a:lstStyle/>
           <a:p>
             <a:r>
+              <a:rPr lang="zh-CN" altLang="en-US" dirty="0"/>
+              <a:t>哪些必须需要全局顺序？ </a:t>
+            </a:r>
+            <a:r>
               <a:rPr lang="en-US" altLang="zh-CN" dirty="0"/>
-              <a:t>MQ</a:t>
-            </a:r>
-            <a:r>
-              <a:rPr lang="zh-CN" altLang="en-US" dirty="0"/>
-              <a:t>和应用系统到底谁解决系统问题？</a:t>
-            </a:r>
+              <a:t>MySQL Data OR</a:t>
+            </a:r>
+            <a:r>
+              <a:rPr lang="zh-CN" altLang="en-US" dirty="0"/>
+              <a:t> </a:t>
+            </a:r>
+            <a:r>
+              <a:rPr lang="en-US" altLang="zh-CN" dirty="0"/>
+              <a:t>MySQL </a:t>
+            </a:r>
+            <a:r>
+              <a:rPr lang="en-US" altLang="zh-CN" dirty="0" err="1"/>
+              <a:t>BinLog</a:t>
+            </a:r>
+            <a:r>
+              <a:rPr lang="zh-CN" altLang="en-US" dirty="0"/>
+              <a:t>？</a:t>
+            </a:r>
+            <a:r>
+              <a:rPr lang="en-US" altLang="zh-CN" dirty="0"/>
+              <a:t>    </a:t>
+            </a:r>
+            <a:endParaRPr lang="zh-CN" altLang="en-US" dirty="0"/>
           </a:p>
         </p:txBody>
       </p:sp>
@@ -1751,7 +1966,7 @@
           <a:p>
             <a:fld id="{4B582AF9-37B1-44A1-84CA-4FD7192A976E}" type="slidenum">
               <a:rPr lang="zh-CN" altLang="en-US" smtClean="0"/>
-              <a:t>38</a:t>
+              <a:t>28</a:t>
             </a:fld>
             <a:endParaRPr lang="zh-CN" altLang="en-US"/>
           </a:p>
@@ -1760,7 +1975,7 @@
     </p:spTree>
     <p:extLst>
       <p:ext uri="{BB962C8B-B14F-4D97-AF65-F5344CB8AC3E}">
-        <p14:creationId xmlns:p14="http://schemas.microsoft.com/office/powerpoint/2010/main" val="1529916814"/>
+        <p14:creationId xmlns:p14="http://schemas.microsoft.com/office/powerpoint/2010/main" val="715205873"/>
       </p:ext>
     </p:extLst>
   </p:cSld>
@@ -1824,7 +2039,7 @@
             </a:r>
             <a:r>
               <a:rPr lang="zh-CN" altLang="en-US" dirty="0"/>
-              <a:t>时候，你会想到哪些？每人说几个。</a:t>
+              <a:t>时候，你会想到哪些？每人说几个。发散思维。</a:t>
             </a:r>
           </a:p>
         </p:txBody>
@@ -1909,10 +2124,57 @@
           <a:bodyPr/>
           <a:lstStyle/>
           <a:p>
-            <a:r>
-              <a:rPr lang="zh-CN" altLang="en-US" dirty="0"/>
-              <a:t>先发消息，后事务操作</a:t>
-            </a:r>
+            <a:pPr marL="0" marR="0" lvl="0" indent="0" algn="l" defTabSz="914400" rtl="0" eaLnBrk="1" fontAlgn="auto" latinLnBrk="0" hangingPunct="1">
+              <a:lnSpc>
+                <a:spcPct val="100000"/>
+              </a:lnSpc>
+              <a:spcBef>
+                <a:spcPts val="0"/>
+              </a:spcBef>
+              <a:spcAft>
+                <a:spcPts val="0"/>
+              </a:spcAft>
+              <a:buClrTx/>
+              <a:buSzTx/>
+              <a:buFontTx/>
+              <a:buNone/>
+              <a:tabLst/>
+              <a:defRPr/>
+            </a:pPr>
+            <a:r>
+              <a:rPr lang="zh-CN" altLang="en-US" dirty="0">
+                <a:effectLst/>
+              </a:rPr>
+              <a:t>消息发送什么顺序，消息接收什么顺序。</a:t>
+            </a:r>
+          </a:p>
+          <a:p>
+            <a:pPr marL="0" marR="0" lvl="0" indent="0" algn="l" defTabSz="914400" rtl="0" eaLnBrk="1" fontAlgn="auto" latinLnBrk="0" hangingPunct="1">
+              <a:lnSpc>
+                <a:spcPct val="100000"/>
+              </a:lnSpc>
+              <a:spcBef>
+                <a:spcPts val="0"/>
+              </a:spcBef>
+              <a:spcAft>
+                <a:spcPts val="0"/>
+              </a:spcAft>
+              <a:buClrTx/>
+              <a:buSzTx/>
+              <a:buFontTx/>
+              <a:buNone/>
+              <a:tabLst/>
+              <a:defRPr/>
+            </a:pPr>
+            <a:r>
+              <a:rPr lang="zh-CN" altLang="en-US" dirty="0">
+                <a:effectLst/>
+              </a:rPr>
+              <a:t>网络三种可能：成功，失败，没有响应。</a:t>
+            </a:r>
+          </a:p>
+          <a:p>
+            <a:endParaRPr lang="zh-CN" altLang="en-US" dirty="0"/>
           </a:p>
         </p:txBody>
       </p:sp>
@@ -1933,7 +2195,7 @@
           <a:p>
             <a:fld id="{4B582AF9-37B1-44A1-84CA-4FD7192A976E}" type="slidenum">
               <a:rPr lang="zh-CN" altLang="en-US" smtClean="0"/>
-              <a:t>45</a:t>
+              <a:t>29</a:t>
             </a:fld>
             <a:endParaRPr lang="zh-CN" altLang="en-US"/>
           </a:p>
@@ -1942,7 +2204,7 @@
     </p:spTree>
     <p:extLst>
       <p:ext uri="{BB962C8B-B14F-4D97-AF65-F5344CB8AC3E}">
-        <p14:creationId xmlns:p14="http://schemas.microsoft.com/office/powerpoint/2010/main" val="171710415"/>
+        <p14:creationId xmlns:p14="http://schemas.microsoft.com/office/powerpoint/2010/main" val="3122709635"/>
       </p:ext>
     </p:extLst>
   </p:cSld>
@@ -1997,9 +2259,22 @@
           <a:lstStyle/>
           <a:p>
             <a:r>
-              <a:rPr lang="zh-CN" altLang="en-US" dirty="0"/>
-              <a:t>先事务操作，后发消息</a:t>
-            </a:r>
+              <a:rPr lang="zh-CN" altLang="en-US" dirty="0">
+                <a:effectLst/>
+              </a:rPr>
+              <a:t>不需要关注消息顺序，非常简单方式完成</a:t>
+            </a:r>
+          </a:p>
+          <a:p>
+            <a:r>
+              <a:rPr lang="zh-CN" altLang="en-US" dirty="0">
+                <a:effectLst/>
+              </a:rPr>
+              <a:t>恰好不需要关注系统的顺序</a:t>
+            </a:r>
+          </a:p>
+          <a:p>
+            <a:endParaRPr lang="zh-CN" altLang="en-US" dirty="0"/>
           </a:p>
         </p:txBody>
       </p:sp>
@@ -2020,7 +2295,7 @@
           <a:p>
             <a:fld id="{4B582AF9-37B1-44A1-84CA-4FD7192A976E}" type="slidenum">
               <a:rPr lang="zh-CN" altLang="en-US" smtClean="0"/>
-              <a:t>46</a:t>
+              <a:t>34</a:t>
             </a:fld>
             <a:endParaRPr lang="zh-CN" altLang="en-US"/>
           </a:p>
@@ -2029,7 +2304,7 @@
     </p:spTree>
     <p:extLst>
       <p:ext uri="{BB962C8B-B14F-4D97-AF65-F5344CB8AC3E}">
-        <p14:creationId xmlns:p14="http://schemas.microsoft.com/office/powerpoint/2010/main" val="65898281"/>
+        <p14:creationId xmlns:p14="http://schemas.microsoft.com/office/powerpoint/2010/main" val="409611656"/>
       </p:ext>
     </p:extLst>
   </p:cSld>
@@ -2083,9 +2358,292 @@
           <a:bodyPr/>
           <a:lstStyle/>
           <a:p>
-            <a:r>
-              <a:rPr lang="zh-CN" altLang="en-US" dirty="0"/>
-              <a:t>确认消息发送</a:t>
+            <a:endParaRPr lang="zh-CN" altLang="en-US" dirty="0"/>
+          </a:p>
+        </p:txBody>
+      </p:sp>
+      <p:sp>
+        <p:nvSpPr>
+          <p:cNvPr id="4" name="灯片编号占位符 3"/>
+          <p:cNvSpPr>
+            <a:spLocks noGrp="1"/>
+          </p:cNvSpPr>
+          <p:nvPr>
+            <p:ph type="sldNum" sz="quarter" idx="5"/>
+          </p:nvPr>
+        </p:nvSpPr>
+        <p:spPr/>
+        <p:txBody>
+          <a:bodyPr/>
+          <a:lstStyle/>
+          <a:p>
+            <a:fld id="{4B582AF9-37B1-44A1-84CA-4FD7192A976E}" type="slidenum">
+              <a:rPr lang="zh-CN" altLang="en-US" smtClean="0"/>
+              <a:t>35</a:t>
+            </a:fld>
+            <a:endParaRPr lang="zh-CN" altLang="en-US"/>
+          </a:p>
+        </p:txBody>
+      </p:sp>
+    </p:spTree>
+    <p:extLst>
+      <p:ext uri="{BB962C8B-B14F-4D97-AF65-F5344CB8AC3E}">
+        <p14:creationId xmlns:p14="http://schemas.microsoft.com/office/powerpoint/2010/main" val="2230932098"/>
+      </p:ext>
+    </p:extLst>
+  </p:cSld>
+  <p:clrMapOvr>
+    <a:masterClrMapping/>
+  </p:clrMapOvr>
+</p:notes>
+</file>
+
+<file path=ppt/notesSlides/notesSlide23.xml><?xml version="1.0" encoding="utf-8"?>
+<p:notes xmlns:a="http://schemas.openxmlformats.org/drawingml/2006/main" xmlns:r="http://schemas.openxmlformats.org/officeDocument/2006/relationships" xmlns:p="http://schemas.openxmlformats.org/presentationml/2006/main">
+  <p:cSld>
+    <p:spTree>
+      <p:nvGrpSpPr>
+        <p:cNvPr id="1" name=""/>
+        <p:cNvGrpSpPr/>
+        <p:nvPr/>
+      </p:nvGrpSpPr>
+      <p:grpSpPr>
+        <a:xfrm>
+          <a:off x="0" y="0"/>
+          <a:ext cx="0" cy="0"/>
+          <a:chOff x="0" y="0"/>
+          <a:chExt cx="0" cy="0"/>
+        </a:xfrm>
+      </p:grpSpPr>
+      <p:sp>
+        <p:nvSpPr>
+          <p:cNvPr id="2" name="幻灯片图像占位符 1"/>
+          <p:cNvSpPr>
+            <a:spLocks noGrp="1" noRot="1" noChangeAspect="1"/>
+          </p:cNvSpPr>
+          <p:nvPr>
+            <p:ph type="sldImg"/>
+          </p:nvPr>
+        </p:nvSpPr>
+        <p:spPr/>
+      </p:sp>
+      <p:sp>
+        <p:nvSpPr>
+          <p:cNvPr id="3" name="备注占位符 2"/>
+          <p:cNvSpPr>
+            <a:spLocks noGrp="1"/>
+          </p:cNvSpPr>
+          <p:nvPr>
+            <p:ph type="body" idx="1"/>
+          </p:nvPr>
+        </p:nvSpPr>
+        <p:spPr/>
+        <p:txBody>
+          <a:bodyPr/>
+          <a:lstStyle/>
+          <a:p>
+            <a:pPr marL="0" marR="0" lvl="0" indent="0" algn="l" defTabSz="914400" rtl="0" eaLnBrk="1" fontAlgn="auto" latinLnBrk="0" hangingPunct="1">
+              <a:lnSpc>
+                <a:spcPct val="100000"/>
+              </a:lnSpc>
+              <a:spcBef>
+                <a:spcPts val="0"/>
+              </a:spcBef>
+              <a:spcAft>
+                <a:spcPts val="0"/>
+              </a:spcAft>
+              <a:buClrTx/>
+              <a:buSzTx/>
+              <a:buFontTx/>
+              <a:buNone/>
+              <a:tabLst/>
+              <a:defRPr/>
+            </a:pPr>
+            <a:r>
+              <a:rPr lang="zh-CN" altLang="en-US" sz="1200" dirty="0"/>
+              <a:t>，为每个包加唯一标识，从而消除重复数据包，接受者为检测重复包分配窗口大小，发送者和接受者协议的。</a:t>
+            </a:r>
+            <a:endParaRPr lang="en-US" altLang="zh-CN" sz="1200" dirty="0"/>
+          </a:p>
+          <a:p>
+            <a:endParaRPr lang="zh-CN" altLang="en-US" dirty="0"/>
+          </a:p>
+        </p:txBody>
+      </p:sp>
+      <p:sp>
+        <p:nvSpPr>
+          <p:cNvPr id="4" name="灯片编号占位符 3"/>
+          <p:cNvSpPr>
+            <a:spLocks noGrp="1"/>
+          </p:cNvSpPr>
+          <p:nvPr>
+            <p:ph type="sldNum" sz="quarter" idx="5"/>
+          </p:nvPr>
+        </p:nvSpPr>
+        <p:spPr/>
+        <p:txBody>
+          <a:bodyPr/>
+          <a:lstStyle/>
+          <a:p>
+            <a:fld id="{4B582AF9-37B1-44A1-84CA-4FD7192A976E}" type="slidenum">
+              <a:rPr lang="zh-CN" altLang="en-US" smtClean="0"/>
+              <a:t>39</a:t>
+            </a:fld>
+            <a:endParaRPr lang="zh-CN" altLang="en-US"/>
+          </a:p>
+        </p:txBody>
+      </p:sp>
+    </p:spTree>
+    <p:extLst>
+      <p:ext uri="{BB962C8B-B14F-4D97-AF65-F5344CB8AC3E}">
+        <p14:creationId xmlns:p14="http://schemas.microsoft.com/office/powerpoint/2010/main" val="2502008227"/>
+      </p:ext>
+    </p:extLst>
+  </p:cSld>
+  <p:clrMapOvr>
+    <a:masterClrMapping/>
+  </p:clrMapOvr>
+</p:notes>
+</file>
+
+<file path=ppt/notesSlides/notesSlide24.xml><?xml version="1.0" encoding="utf-8"?>
+<p:notes xmlns:a="http://schemas.openxmlformats.org/drawingml/2006/main" xmlns:r="http://schemas.openxmlformats.org/officeDocument/2006/relationships" xmlns:p="http://schemas.openxmlformats.org/presentationml/2006/main">
+  <p:cSld>
+    <p:spTree>
+      <p:nvGrpSpPr>
+        <p:cNvPr id="1" name=""/>
+        <p:cNvGrpSpPr/>
+        <p:nvPr/>
+      </p:nvGrpSpPr>
+      <p:grpSpPr>
+        <a:xfrm>
+          <a:off x="0" y="0"/>
+          <a:ext cx="0" cy="0"/>
+          <a:chOff x="0" y="0"/>
+          <a:chExt cx="0" cy="0"/>
+        </a:xfrm>
+      </p:grpSpPr>
+      <p:sp>
+        <p:nvSpPr>
+          <p:cNvPr id="2" name="幻灯片图像占位符 1"/>
+          <p:cNvSpPr>
+            <a:spLocks noGrp="1" noRot="1" noChangeAspect="1"/>
+          </p:cNvSpPr>
+          <p:nvPr>
+            <p:ph type="sldImg"/>
+          </p:nvPr>
+        </p:nvSpPr>
+        <p:spPr/>
+      </p:sp>
+      <p:sp>
+        <p:nvSpPr>
+          <p:cNvPr id="3" name="备注占位符 2"/>
+          <p:cNvSpPr>
+            <a:spLocks noGrp="1"/>
+          </p:cNvSpPr>
+          <p:nvPr>
+            <p:ph type="body" idx="1"/>
+          </p:nvPr>
+        </p:nvSpPr>
+        <p:spPr/>
+        <p:txBody>
+          <a:bodyPr/>
+          <a:lstStyle/>
+          <a:p>
+            <a:r>
+              <a:rPr lang="en-US" altLang="zh-CN" dirty="0"/>
+              <a:t>MQ</a:t>
+            </a:r>
+            <a:r>
+              <a:rPr lang="zh-CN" altLang="en-US" dirty="0"/>
+              <a:t>和应用系统到底谁解决系统问题？</a:t>
+            </a:r>
+          </a:p>
+        </p:txBody>
+      </p:sp>
+      <p:sp>
+        <p:nvSpPr>
+          <p:cNvPr id="4" name="灯片编号占位符 3"/>
+          <p:cNvSpPr>
+            <a:spLocks noGrp="1"/>
+          </p:cNvSpPr>
+          <p:nvPr>
+            <p:ph type="sldNum" sz="quarter" idx="5"/>
+          </p:nvPr>
+        </p:nvSpPr>
+        <p:spPr/>
+        <p:txBody>
+          <a:bodyPr/>
+          <a:lstStyle/>
+          <a:p>
+            <a:fld id="{4B582AF9-37B1-44A1-84CA-4FD7192A976E}" type="slidenum">
+              <a:rPr lang="zh-CN" altLang="en-US" smtClean="0"/>
+              <a:t>40</a:t>
+            </a:fld>
+            <a:endParaRPr lang="zh-CN" altLang="en-US"/>
+          </a:p>
+        </p:txBody>
+      </p:sp>
+    </p:spTree>
+    <p:extLst>
+      <p:ext uri="{BB962C8B-B14F-4D97-AF65-F5344CB8AC3E}">
+        <p14:creationId xmlns:p14="http://schemas.microsoft.com/office/powerpoint/2010/main" val="1529916814"/>
+      </p:ext>
+    </p:extLst>
+  </p:cSld>
+  <p:clrMapOvr>
+    <a:masterClrMapping/>
+  </p:clrMapOvr>
+</p:notes>
+</file>
+
+<file path=ppt/notesSlides/notesSlide25.xml><?xml version="1.0" encoding="utf-8"?>
+<p:notes xmlns:a="http://schemas.openxmlformats.org/drawingml/2006/main" xmlns:r="http://schemas.openxmlformats.org/officeDocument/2006/relationships" xmlns:p="http://schemas.openxmlformats.org/presentationml/2006/main">
+  <p:cSld>
+    <p:spTree>
+      <p:nvGrpSpPr>
+        <p:cNvPr id="1" name=""/>
+        <p:cNvGrpSpPr/>
+        <p:nvPr/>
+      </p:nvGrpSpPr>
+      <p:grpSpPr>
+        <a:xfrm>
+          <a:off x="0" y="0"/>
+          <a:ext cx="0" cy="0"/>
+          <a:chOff x="0" y="0"/>
+          <a:chExt cx="0" cy="0"/>
+        </a:xfrm>
+      </p:grpSpPr>
+      <p:sp>
+        <p:nvSpPr>
+          <p:cNvPr id="2" name="幻灯片图像占位符 1"/>
+          <p:cNvSpPr>
+            <a:spLocks noGrp="1" noRot="1" noChangeAspect="1"/>
+          </p:cNvSpPr>
+          <p:nvPr>
+            <p:ph type="sldImg"/>
+          </p:nvPr>
+        </p:nvSpPr>
+        <p:spPr/>
+      </p:sp>
+      <p:sp>
+        <p:nvSpPr>
+          <p:cNvPr id="3" name="备注占位符 2"/>
+          <p:cNvSpPr>
+            <a:spLocks noGrp="1"/>
+          </p:cNvSpPr>
+          <p:nvPr>
+            <p:ph type="body" idx="1"/>
+          </p:nvPr>
+        </p:nvSpPr>
+        <p:spPr/>
+        <p:txBody>
+          <a:bodyPr/>
+          <a:lstStyle/>
+          <a:p>
+            <a:r>
+              <a:rPr lang="zh-CN" altLang="en-US" dirty="0"/>
+              <a:t>先发消息，后事务操作</a:t>
             </a:r>
           </a:p>
         </p:txBody>
@@ -2116,7 +2674,357 @@
     </p:spTree>
     <p:extLst>
       <p:ext uri="{BB962C8B-B14F-4D97-AF65-F5344CB8AC3E}">
+        <p14:creationId xmlns:p14="http://schemas.microsoft.com/office/powerpoint/2010/main" val="171710415"/>
+      </p:ext>
+    </p:extLst>
+  </p:cSld>
+  <p:clrMapOvr>
+    <a:masterClrMapping/>
+  </p:clrMapOvr>
+</p:notes>
+</file>
+
+<file path=ppt/notesSlides/notesSlide26.xml><?xml version="1.0" encoding="utf-8"?>
+<p:notes xmlns:a="http://schemas.openxmlformats.org/drawingml/2006/main" xmlns:r="http://schemas.openxmlformats.org/officeDocument/2006/relationships" xmlns:p="http://schemas.openxmlformats.org/presentationml/2006/main">
+  <p:cSld>
+    <p:spTree>
+      <p:nvGrpSpPr>
+        <p:cNvPr id="1" name=""/>
+        <p:cNvGrpSpPr/>
+        <p:nvPr/>
+      </p:nvGrpSpPr>
+      <p:grpSpPr>
+        <a:xfrm>
+          <a:off x="0" y="0"/>
+          <a:ext cx="0" cy="0"/>
+          <a:chOff x="0" y="0"/>
+          <a:chExt cx="0" cy="0"/>
+        </a:xfrm>
+      </p:grpSpPr>
+      <p:sp>
+        <p:nvSpPr>
+          <p:cNvPr id="2" name="幻灯片图像占位符 1"/>
+          <p:cNvSpPr>
+            <a:spLocks noGrp="1" noRot="1" noChangeAspect="1"/>
+          </p:cNvSpPr>
+          <p:nvPr>
+            <p:ph type="sldImg"/>
+          </p:nvPr>
+        </p:nvSpPr>
+        <p:spPr/>
+      </p:sp>
+      <p:sp>
+        <p:nvSpPr>
+          <p:cNvPr id="3" name="备注占位符 2"/>
+          <p:cNvSpPr>
+            <a:spLocks noGrp="1"/>
+          </p:cNvSpPr>
+          <p:nvPr>
+            <p:ph type="body" idx="1"/>
+          </p:nvPr>
+        </p:nvSpPr>
+        <p:spPr/>
+        <p:txBody>
+          <a:bodyPr/>
+          <a:lstStyle/>
+          <a:p>
+            <a:r>
+              <a:rPr lang="zh-CN" altLang="en-US" dirty="0"/>
+              <a:t>先事务操作，后发消息</a:t>
+            </a:r>
+          </a:p>
+        </p:txBody>
+      </p:sp>
+      <p:sp>
+        <p:nvSpPr>
+          <p:cNvPr id="4" name="灯片编号占位符 3"/>
+          <p:cNvSpPr>
+            <a:spLocks noGrp="1"/>
+          </p:cNvSpPr>
+          <p:nvPr>
+            <p:ph type="sldNum" sz="quarter" idx="5"/>
+          </p:nvPr>
+        </p:nvSpPr>
+        <p:spPr/>
+        <p:txBody>
+          <a:bodyPr/>
+          <a:lstStyle/>
+          <a:p>
+            <a:fld id="{4B582AF9-37B1-44A1-84CA-4FD7192A976E}" type="slidenum">
+              <a:rPr lang="zh-CN" altLang="en-US" smtClean="0"/>
+              <a:t>48</a:t>
+            </a:fld>
+            <a:endParaRPr lang="zh-CN" altLang="en-US"/>
+          </a:p>
+        </p:txBody>
+      </p:sp>
+    </p:spTree>
+    <p:extLst>
+      <p:ext uri="{BB962C8B-B14F-4D97-AF65-F5344CB8AC3E}">
+        <p14:creationId xmlns:p14="http://schemas.microsoft.com/office/powerpoint/2010/main" val="65898281"/>
+      </p:ext>
+    </p:extLst>
+  </p:cSld>
+  <p:clrMapOvr>
+    <a:masterClrMapping/>
+  </p:clrMapOvr>
+</p:notes>
+</file>
+
+<file path=ppt/notesSlides/notesSlide27.xml><?xml version="1.0" encoding="utf-8"?>
+<p:notes xmlns:a="http://schemas.openxmlformats.org/drawingml/2006/main" xmlns:r="http://schemas.openxmlformats.org/officeDocument/2006/relationships" xmlns:p="http://schemas.openxmlformats.org/presentationml/2006/main">
+  <p:cSld>
+    <p:spTree>
+      <p:nvGrpSpPr>
+        <p:cNvPr id="1" name=""/>
+        <p:cNvGrpSpPr/>
+        <p:nvPr/>
+      </p:nvGrpSpPr>
+      <p:grpSpPr>
+        <a:xfrm>
+          <a:off x="0" y="0"/>
+          <a:ext cx="0" cy="0"/>
+          <a:chOff x="0" y="0"/>
+          <a:chExt cx="0" cy="0"/>
+        </a:xfrm>
+      </p:grpSpPr>
+      <p:sp>
+        <p:nvSpPr>
+          <p:cNvPr id="2" name="幻灯片图像占位符 1"/>
+          <p:cNvSpPr>
+            <a:spLocks noGrp="1" noRot="1" noChangeAspect="1"/>
+          </p:cNvSpPr>
+          <p:nvPr>
+            <p:ph type="sldImg"/>
+          </p:nvPr>
+        </p:nvSpPr>
+        <p:spPr/>
+      </p:sp>
+      <p:sp>
+        <p:nvSpPr>
+          <p:cNvPr id="3" name="备注占位符 2"/>
+          <p:cNvSpPr>
+            <a:spLocks noGrp="1"/>
+          </p:cNvSpPr>
+          <p:nvPr>
+            <p:ph type="body" idx="1"/>
+          </p:nvPr>
+        </p:nvSpPr>
+        <p:spPr/>
+        <p:txBody>
+          <a:bodyPr/>
+          <a:lstStyle/>
+          <a:p>
+            <a:r>
+              <a:rPr lang="zh-CN" altLang="en-US" dirty="0"/>
+              <a:t>确认消息发送</a:t>
+            </a:r>
+          </a:p>
+        </p:txBody>
+      </p:sp>
+      <p:sp>
+        <p:nvSpPr>
+          <p:cNvPr id="4" name="灯片编号占位符 3"/>
+          <p:cNvSpPr>
+            <a:spLocks noGrp="1"/>
+          </p:cNvSpPr>
+          <p:nvPr>
+            <p:ph type="sldNum" sz="quarter" idx="5"/>
+          </p:nvPr>
+        </p:nvSpPr>
+        <p:spPr/>
+        <p:txBody>
+          <a:bodyPr/>
+          <a:lstStyle/>
+          <a:p>
+            <a:fld id="{4B582AF9-37B1-44A1-84CA-4FD7192A976E}" type="slidenum">
+              <a:rPr lang="zh-CN" altLang="en-US" smtClean="0"/>
+              <a:t>49</a:t>
+            </a:fld>
+            <a:endParaRPr lang="zh-CN" altLang="en-US"/>
+          </a:p>
+        </p:txBody>
+      </p:sp>
+    </p:spTree>
+    <p:extLst>
+      <p:ext uri="{BB962C8B-B14F-4D97-AF65-F5344CB8AC3E}">
         <p14:creationId xmlns:p14="http://schemas.microsoft.com/office/powerpoint/2010/main" val="1498489895"/>
+      </p:ext>
+    </p:extLst>
+  </p:cSld>
+  <p:clrMapOvr>
+    <a:masterClrMapping/>
+  </p:clrMapOvr>
+</p:notes>
+</file>
+
+<file path=ppt/notesSlides/notesSlide28.xml><?xml version="1.0" encoding="utf-8"?>
+<p:notes xmlns:a="http://schemas.openxmlformats.org/drawingml/2006/main" xmlns:r="http://schemas.openxmlformats.org/officeDocument/2006/relationships" xmlns:p="http://schemas.openxmlformats.org/presentationml/2006/main">
+  <p:cSld>
+    <p:spTree>
+      <p:nvGrpSpPr>
+        <p:cNvPr id="1" name=""/>
+        <p:cNvGrpSpPr/>
+        <p:nvPr/>
+      </p:nvGrpSpPr>
+      <p:grpSpPr>
+        <a:xfrm>
+          <a:off x="0" y="0"/>
+          <a:ext cx="0" cy="0"/>
+          <a:chOff x="0" y="0"/>
+          <a:chExt cx="0" cy="0"/>
+        </a:xfrm>
+      </p:grpSpPr>
+      <p:sp>
+        <p:nvSpPr>
+          <p:cNvPr id="2" name="幻灯片图像占位符 1"/>
+          <p:cNvSpPr>
+            <a:spLocks noGrp="1" noRot="1" noChangeAspect="1"/>
+          </p:cNvSpPr>
+          <p:nvPr>
+            <p:ph type="sldImg"/>
+          </p:nvPr>
+        </p:nvSpPr>
+        <p:spPr/>
+      </p:sp>
+      <p:sp>
+        <p:nvSpPr>
+          <p:cNvPr id="3" name="备注占位符 2"/>
+          <p:cNvSpPr>
+            <a:spLocks noGrp="1"/>
+          </p:cNvSpPr>
+          <p:nvPr>
+            <p:ph type="body" idx="1"/>
+          </p:nvPr>
+        </p:nvSpPr>
+        <p:spPr/>
+        <p:txBody>
+          <a:bodyPr/>
+          <a:lstStyle/>
+          <a:p>
+            <a:r>
+              <a:rPr lang="zh-CN" altLang="en-US" dirty="0"/>
+              <a:t>冰山一角的</a:t>
+            </a:r>
+            <a:r>
+              <a:rPr lang="en-US" altLang="zh-CN" dirty="0"/>
+              <a:t>MQ</a:t>
+            </a:r>
+            <a:endParaRPr lang="zh-CN" altLang="en-US" dirty="0"/>
+          </a:p>
+        </p:txBody>
+      </p:sp>
+      <p:sp>
+        <p:nvSpPr>
+          <p:cNvPr id="4" name="灯片编号占位符 3"/>
+          <p:cNvSpPr>
+            <a:spLocks noGrp="1"/>
+          </p:cNvSpPr>
+          <p:nvPr>
+            <p:ph type="sldNum" sz="quarter" idx="5"/>
+          </p:nvPr>
+        </p:nvSpPr>
+        <p:spPr/>
+        <p:txBody>
+          <a:bodyPr/>
+          <a:lstStyle/>
+          <a:p>
+            <a:fld id="{4B582AF9-37B1-44A1-84CA-4FD7192A976E}" type="slidenum">
+              <a:rPr lang="zh-CN" altLang="en-US" smtClean="0"/>
+              <a:t>51</a:t>
+            </a:fld>
+            <a:endParaRPr lang="zh-CN" altLang="en-US"/>
+          </a:p>
+        </p:txBody>
+      </p:sp>
+    </p:spTree>
+    <p:extLst>
+      <p:ext uri="{BB962C8B-B14F-4D97-AF65-F5344CB8AC3E}">
+        <p14:creationId xmlns:p14="http://schemas.microsoft.com/office/powerpoint/2010/main" val="931437227"/>
+      </p:ext>
+    </p:extLst>
+  </p:cSld>
+  <p:clrMapOvr>
+    <a:masterClrMapping/>
+  </p:clrMapOvr>
+</p:notes>
+</file>
+
+<file path=ppt/notesSlides/notesSlide29.xml><?xml version="1.0" encoding="utf-8"?>
+<p:notes xmlns:a="http://schemas.openxmlformats.org/drawingml/2006/main" xmlns:r="http://schemas.openxmlformats.org/officeDocument/2006/relationships" xmlns:p="http://schemas.openxmlformats.org/presentationml/2006/main">
+  <p:cSld>
+    <p:spTree>
+      <p:nvGrpSpPr>
+        <p:cNvPr id="1" name=""/>
+        <p:cNvGrpSpPr/>
+        <p:nvPr/>
+      </p:nvGrpSpPr>
+      <p:grpSpPr>
+        <a:xfrm>
+          <a:off x="0" y="0"/>
+          <a:ext cx="0" cy="0"/>
+          <a:chOff x="0" y="0"/>
+          <a:chExt cx="0" cy="0"/>
+        </a:xfrm>
+      </p:grpSpPr>
+      <p:sp>
+        <p:nvSpPr>
+          <p:cNvPr id="2" name="幻灯片图像占位符 1"/>
+          <p:cNvSpPr>
+            <a:spLocks noGrp="1" noRot="1" noChangeAspect="1"/>
+          </p:cNvSpPr>
+          <p:nvPr>
+            <p:ph type="sldImg"/>
+          </p:nvPr>
+        </p:nvSpPr>
+        <p:spPr/>
+      </p:sp>
+      <p:sp>
+        <p:nvSpPr>
+          <p:cNvPr id="3" name="备注占位符 2"/>
+          <p:cNvSpPr>
+            <a:spLocks noGrp="1"/>
+          </p:cNvSpPr>
+          <p:nvPr>
+            <p:ph type="body" idx="1"/>
+          </p:nvPr>
+        </p:nvSpPr>
+        <p:spPr/>
+        <p:txBody>
+          <a:bodyPr/>
+          <a:lstStyle/>
+          <a:p>
+            <a:endParaRPr lang="zh-CN" altLang="en-US" dirty="0"/>
+          </a:p>
+        </p:txBody>
+      </p:sp>
+      <p:sp>
+        <p:nvSpPr>
+          <p:cNvPr id="4" name="灯片编号占位符 3"/>
+          <p:cNvSpPr>
+            <a:spLocks noGrp="1"/>
+          </p:cNvSpPr>
+          <p:nvPr>
+            <p:ph type="sldNum" sz="quarter" idx="5"/>
+          </p:nvPr>
+        </p:nvSpPr>
+        <p:spPr/>
+        <p:txBody>
+          <a:bodyPr/>
+          <a:lstStyle/>
+          <a:p>
+            <a:fld id="{4B582AF9-37B1-44A1-84CA-4FD7192A976E}" type="slidenum">
+              <a:rPr lang="zh-CN" altLang="en-US" smtClean="0"/>
+              <a:t>52</a:t>
+            </a:fld>
+            <a:endParaRPr lang="zh-CN" altLang="en-US"/>
+          </a:p>
+        </p:txBody>
+      </p:sp>
+    </p:spTree>
+    <p:extLst>
+      <p:ext uri="{BB962C8B-B14F-4D97-AF65-F5344CB8AC3E}">
+        <p14:creationId xmlns:p14="http://schemas.microsoft.com/office/powerpoint/2010/main" val="1639646766"/>
       </p:ext>
     </p:extLst>
   </p:cSld>
@@ -2320,6 +3228,362 @@
     <p:extLst>
       <p:ext uri="{BB962C8B-B14F-4D97-AF65-F5344CB8AC3E}">
         <p14:creationId xmlns:p14="http://schemas.microsoft.com/office/powerpoint/2010/main" val="1483504280"/>
+      </p:ext>
+    </p:extLst>
+  </p:cSld>
+  <p:clrMapOvr>
+    <a:masterClrMapping/>
+  </p:clrMapOvr>
+</p:notes>
+</file>
+
+<file path=ppt/notesSlides/notesSlide30.xml><?xml version="1.0" encoding="utf-8"?>
+<p:notes xmlns:a="http://schemas.openxmlformats.org/drawingml/2006/main" xmlns:r="http://schemas.openxmlformats.org/officeDocument/2006/relationships" xmlns:p="http://schemas.openxmlformats.org/presentationml/2006/main">
+  <p:cSld>
+    <p:spTree>
+      <p:nvGrpSpPr>
+        <p:cNvPr id="1" name=""/>
+        <p:cNvGrpSpPr/>
+        <p:nvPr/>
+      </p:nvGrpSpPr>
+      <p:grpSpPr>
+        <a:xfrm>
+          <a:off x="0" y="0"/>
+          <a:ext cx="0" cy="0"/>
+          <a:chOff x="0" y="0"/>
+          <a:chExt cx="0" cy="0"/>
+        </a:xfrm>
+      </p:grpSpPr>
+      <p:sp>
+        <p:nvSpPr>
+          <p:cNvPr id="2" name="幻灯片图像占位符 1"/>
+          <p:cNvSpPr>
+            <a:spLocks noGrp="1" noRot="1" noChangeAspect="1"/>
+          </p:cNvSpPr>
+          <p:nvPr>
+            <p:ph type="sldImg"/>
+          </p:nvPr>
+        </p:nvSpPr>
+        <p:spPr/>
+      </p:sp>
+      <p:sp>
+        <p:nvSpPr>
+          <p:cNvPr id="3" name="备注占位符 2"/>
+          <p:cNvSpPr>
+            <a:spLocks noGrp="1"/>
+          </p:cNvSpPr>
+          <p:nvPr>
+            <p:ph type="body" idx="1"/>
+          </p:nvPr>
+        </p:nvSpPr>
+        <p:spPr/>
+        <p:txBody>
+          <a:bodyPr/>
+          <a:lstStyle/>
+          <a:p>
+            <a:r>
+              <a:rPr lang="zh-CN" altLang="en-US" dirty="0"/>
+              <a:t>如果系统全部事件驱动了，就意味着很强扩展能力。处理能力不够加监听者。但是</a:t>
+            </a:r>
+            <a:r>
+              <a:rPr lang="en-US" altLang="zh-CN" dirty="0"/>
+              <a:t>……</a:t>
+            </a:r>
+            <a:r>
+              <a:rPr lang="zh-CN" altLang="en-US" dirty="0"/>
+              <a:t>这是被动的，主动的在</a:t>
+            </a:r>
+            <a:r>
+              <a:rPr lang="en-US" altLang="zh-CN" dirty="0"/>
+              <a:t>K8S</a:t>
+            </a:r>
+            <a:r>
+              <a:rPr lang="zh-CN" altLang="en-US" dirty="0"/>
+              <a:t>里面。</a:t>
+            </a:r>
+            <a:endParaRPr lang="en-US" altLang="zh-CN" dirty="0"/>
+          </a:p>
+          <a:p>
+            <a:r>
+              <a:rPr lang="zh-CN" altLang="en-US" dirty="0"/>
+              <a:t>消息类型有命令消息，有文档消息，有请求应答</a:t>
+            </a:r>
+          </a:p>
+        </p:txBody>
+      </p:sp>
+      <p:sp>
+        <p:nvSpPr>
+          <p:cNvPr id="4" name="灯片编号占位符 3"/>
+          <p:cNvSpPr>
+            <a:spLocks noGrp="1"/>
+          </p:cNvSpPr>
+          <p:nvPr>
+            <p:ph type="sldNum" sz="quarter" idx="5"/>
+          </p:nvPr>
+        </p:nvSpPr>
+        <p:spPr/>
+        <p:txBody>
+          <a:bodyPr/>
+          <a:lstStyle/>
+          <a:p>
+            <a:fld id="{4B582AF9-37B1-44A1-84CA-4FD7192A976E}" type="slidenum">
+              <a:rPr lang="zh-CN" altLang="en-US" smtClean="0"/>
+              <a:t>54</a:t>
+            </a:fld>
+            <a:endParaRPr lang="zh-CN" altLang="en-US"/>
+          </a:p>
+        </p:txBody>
+      </p:sp>
+    </p:spTree>
+    <p:extLst>
+      <p:ext uri="{BB962C8B-B14F-4D97-AF65-F5344CB8AC3E}">
+        <p14:creationId xmlns:p14="http://schemas.microsoft.com/office/powerpoint/2010/main" val="1232737038"/>
+      </p:ext>
+    </p:extLst>
+  </p:cSld>
+  <p:clrMapOvr>
+    <a:masterClrMapping/>
+  </p:clrMapOvr>
+</p:notes>
+</file>
+
+<file path=ppt/notesSlides/notesSlide31.xml><?xml version="1.0" encoding="utf-8"?>
+<p:notes xmlns:a="http://schemas.openxmlformats.org/drawingml/2006/main" xmlns:r="http://schemas.openxmlformats.org/officeDocument/2006/relationships" xmlns:p="http://schemas.openxmlformats.org/presentationml/2006/main">
+  <p:cSld>
+    <p:spTree>
+      <p:nvGrpSpPr>
+        <p:cNvPr id="1" name=""/>
+        <p:cNvGrpSpPr/>
+        <p:nvPr/>
+      </p:nvGrpSpPr>
+      <p:grpSpPr>
+        <a:xfrm>
+          <a:off x="0" y="0"/>
+          <a:ext cx="0" cy="0"/>
+          <a:chOff x="0" y="0"/>
+          <a:chExt cx="0" cy="0"/>
+        </a:xfrm>
+      </p:grpSpPr>
+      <p:sp>
+        <p:nvSpPr>
+          <p:cNvPr id="2" name="幻灯片图像占位符 1"/>
+          <p:cNvSpPr>
+            <a:spLocks noGrp="1" noRot="1" noChangeAspect="1"/>
+          </p:cNvSpPr>
+          <p:nvPr>
+            <p:ph type="sldImg"/>
+          </p:nvPr>
+        </p:nvSpPr>
+        <p:spPr/>
+      </p:sp>
+      <p:sp>
+        <p:nvSpPr>
+          <p:cNvPr id="3" name="备注占位符 2"/>
+          <p:cNvSpPr>
+            <a:spLocks noGrp="1"/>
+          </p:cNvSpPr>
+          <p:nvPr>
+            <p:ph type="body" idx="1"/>
+          </p:nvPr>
+        </p:nvSpPr>
+        <p:spPr/>
+        <p:txBody>
+          <a:bodyPr/>
+          <a:lstStyle/>
+          <a:p>
+            <a:pPr marL="228600" indent="-228600">
+              <a:buAutoNum type="arabicPlain"/>
+            </a:pPr>
+            <a:r>
+              <a:rPr lang="zh-CN" altLang="en-US" dirty="0"/>
+              <a:t>限流，熔断 应该应用做还是中间件做？</a:t>
+            </a:r>
+            <a:r>
+              <a:rPr lang="en-US" altLang="zh-CN" dirty="0" err="1"/>
+              <a:t>Sevice</a:t>
+            </a:r>
+            <a:r>
+              <a:rPr lang="en-US" altLang="zh-CN" dirty="0"/>
+              <a:t> Mesh </a:t>
+            </a:r>
+          </a:p>
+          <a:p>
+            <a:pPr marL="228600" indent="-228600">
+              <a:buAutoNum type="arabicPlain"/>
+            </a:pPr>
+            <a:endParaRPr lang="en-US" altLang="zh-CN" dirty="0"/>
+          </a:p>
+          <a:p>
+            <a:pPr marL="228600" indent="-228600">
+              <a:buAutoNum type="arabicPlain"/>
+            </a:pPr>
+            <a:r>
+              <a:rPr lang="en-US" altLang="zh-CN" dirty="0"/>
+              <a:t>MQ</a:t>
+            </a:r>
+            <a:r>
+              <a:rPr lang="zh-CN" altLang="en-US" dirty="0"/>
+              <a:t>从原始问题出发，去思考时候，会非常容易混乱和难以成系统理解，这是因为</a:t>
+            </a:r>
+            <a:r>
+              <a:rPr lang="en-US" altLang="zh-CN" dirty="0"/>
+              <a:t>MQ</a:t>
+            </a:r>
+            <a:r>
+              <a:rPr lang="zh-CN" altLang="en-US" dirty="0"/>
+              <a:t>和应用系统之间的关系并没有明确，</a:t>
+            </a:r>
+            <a:endParaRPr lang="en-US" altLang="zh-CN" dirty="0"/>
+          </a:p>
+          <a:p>
+            <a:pPr marL="228600" indent="-228600">
+              <a:buAutoNum type="arabicPlain"/>
+            </a:pPr>
+            <a:r>
+              <a:rPr lang="zh-CN" altLang="en-US" dirty="0"/>
+              <a:t>哪些应该</a:t>
+            </a:r>
+            <a:r>
+              <a:rPr lang="en-US" altLang="zh-CN" dirty="0"/>
+              <a:t>MQ</a:t>
+            </a:r>
+            <a:r>
+              <a:rPr lang="zh-CN" altLang="en-US" dirty="0"/>
+              <a:t>做，哪些应该应用系统做，每家</a:t>
+            </a:r>
+            <a:r>
+              <a:rPr lang="en-US" altLang="zh-CN" dirty="0"/>
+              <a:t>MQ</a:t>
+            </a:r>
+            <a:r>
+              <a:rPr lang="zh-CN" altLang="en-US" dirty="0"/>
+              <a:t>设计时候并没有统一，所以理解这些微妙的差异就理解了</a:t>
+            </a:r>
+            <a:r>
+              <a:rPr lang="en-US" altLang="zh-CN" dirty="0"/>
+              <a:t>MQ</a:t>
+            </a:r>
+            <a:r>
+              <a:rPr lang="zh-CN" altLang="en-US" dirty="0"/>
+              <a:t>使用精华。</a:t>
+            </a:r>
+          </a:p>
+        </p:txBody>
+      </p:sp>
+      <p:sp>
+        <p:nvSpPr>
+          <p:cNvPr id="4" name="灯片编号占位符 3"/>
+          <p:cNvSpPr>
+            <a:spLocks noGrp="1"/>
+          </p:cNvSpPr>
+          <p:nvPr>
+            <p:ph type="sldNum" sz="quarter" idx="5"/>
+          </p:nvPr>
+        </p:nvSpPr>
+        <p:spPr/>
+        <p:txBody>
+          <a:bodyPr/>
+          <a:lstStyle/>
+          <a:p>
+            <a:fld id="{4B582AF9-37B1-44A1-84CA-4FD7192A976E}" type="slidenum">
+              <a:rPr lang="zh-CN" altLang="en-US" smtClean="0"/>
+              <a:t>55</a:t>
+            </a:fld>
+            <a:endParaRPr lang="zh-CN" altLang="en-US"/>
+          </a:p>
+        </p:txBody>
+      </p:sp>
+    </p:spTree>
+    <p:extLst>
+      <p:ext uri="{BB962C8B-B14F-4D97-AF65-F5344CB8AC3E}">
+        <p14:creationId xmlns:p14="http://schemas.microsoft.com/office/powerpoint/2010/main" val="3673277086"/>
+      </p:ext>
+    </p:extLst>
+  </p:cSld>
+  <p:clrMapOvr>
+    <a:masterClrMapping/>
+  </p:clrMapOvr>
+</p:notes>
+</file>
+
+<file path=ppt/notesSlides/notesSlide32.xml><?xml version="1.0" encoding="utf-8"?>
+<p:notes xmlns:a="http://schemas.openxmlformats.org/drawingml/2006/main" xmlns:r="http://schemas.openxmlformats.org/officeDocument/2006/relationships" xmlns:p="http://schemas.openxmlformats.org/presentationml/2006/main">
+  <p:cSld>
+    <p:spTree>
+      <p:nvGrpSpPr>
+        <p:cNvPr id="1" name=""/>
+        <p:cNvGrpSpPr/>
+        <p:nvPr/>
+      </p:nvGrpSpPr>
+      <p:grpSpPr>
+        <a:xfrm>
+          <a:off x="0" y="0"/>
+          <a:ext cx="0" cy="0"/>
+          <a:chOff x="0" y="0"/>
+          <a:chExt cx="0" cy="0"/>
+        </a:xfrm>
+      </p:grpSpPr>
+      <p:sp>
+        <p:nvSpPr>
+          <p:cNvPr id="2" name="幻灯片图像占位符 1"/>
+          <p:cNvSpPr>
+            <a:spLocks noGrp="1" noRot="1" noChangeAspect="1"/>
+          </p:cNvSpPr>
+          <p:nvPr>
+            <p:ph type="sldImg"/>
+          </p:nvPr>
+        </p:nvSpPr>
+        <p:spPr/>
+      </p:sp>
+      <p:sp>
+        <p:nvSpPr>
+          <p:cNvPr id="3" name="备注占位符 2"/>
+          <p:cNvSpPr>
+            <a:spLocks noGrp="1"/>
+          </p:cNvSpPr>
+          <p:nvPr>
+            <p:ph type="body" idx="1"/>
+          </p:nvPr>
+        </p:nvSpPr>
+        <p:spPr/>
+        <p:txBody>
+          <a:bodyPr/>
+          <a:lstStyle/>
+          <a:p>
+            <a:r>
+              <a:rPr lang="zh-CN" altLang="en-US" dirty="0"/>
+              <a:t>关键在于系统交互模式变化了！！！！！！</a:t>
+            </a:r>
+          </a:p>
+        </p:txBody>
+      </p:sp>
+      <p:sp>
+        <p:nvSpPr>
+          <p:cNvPr id="4" name="灯片编号占位符 3"/>
+          <p:cNvSpPr>
+            <a:spLocks noGrp="1"/>
+          </p:cNvSpPr>
+          <p:nvPr>
+            <p:ph type="sldNum" sz="quarter" idx="5"/>
+          </p:nvPr>
+        </p:nvSpPr>
+        <p:spPr/>
+        <p:txBody>
+          <a:bodyPr/>
+          <a:lstStyle/>
+          <a:p>
+            <a:fld id="{4B582AF9-37B1-44A1-84CA-4FD7192A976E}" type="slidenum">
+              <a:rPr lang="zh-CN" altLang="en-US" smtClean="0"/>
+              <a:t>59</a:t>
+            </a:fld>
+            <a:endParaRPr lang="zh-CN" altLang="en-US"/>
+          </a:p>
+        </p:txBody>
+      </p:sp>
+    </p:spTree>
+    <p:extLst>
+      <p:ext uri="{BB962C8B-B14F-4D97-AF65-F5344CB8AC3E}">
+        <p14:creationId xmlns:p14="http://schemas.microsoft.com/office/powerpoint/2010/main" val="2754251585"/>
       </p:ext>
     </p:extLst>
   </p:cSld>
@@ -2687,7 +3951,7 @@
           <a:p>
             <a:r>
               <a:rPr lang="zh-CN" altLang="en-US" dirty="0"/>
-              <a:t>多接口并行返回数据，并且保证有序。怎么处理失败的数据呢？</a:t>
+              <a:t>想到第一步怎么优化？</a:t>
             </a:r>
           </a:p>
         </p:txBody>
@@ -2709,7 +3973,7 @@
           <a:p>
             <a:fld id="{4B582AF9-37B1-44A1-84CA-4FD7192A976E}" type="slidenum">
               <a:rPr lang="zh-CN" altLang="en-US" smtClean="0"/>
-              <a:t>11</a:t>
+              <a:t>10</a:t>
             </a:fld>
             <a:endParaRPr lang="zh-CN" altLang="en-US"/>
           </a:p>
@@ -2718,7 +3982,7 @@
     </p:spTree>
     <p:extLst>
       <p:ext uri="{BB962C8B-B14F-4D97-AF65-F5344CB8AC3E}">
-        <p14:creationId xmlns:p14="http://schemas.microsoft.com/office/powerpoint/2010/main" val="4137905145"/>
+        <p14:creationId xmlns:p14="http://schemas.microsoft.com/office/powerpoint/2010/main" val="2848675054"/>
       </p:ext>
     </p:extLst>
   </p:cSld>
@@ -2772,7 +4036,10 @@
           <a:bodyPr/>
           <a:lstStyle/>
           <a:p>
-            <a:endParaRPr lang="zh-CN" altLang="en-US" dirty="0"/>
+            <a:r>
+              <a:rPr lang="zh-CN" altLang="en-US" dirty="0"/>
+              <a:t>多接口并行返回数据，并且保证有序。怎么处理失败的数据呢？</a:t>
+            </a:r>
           </a:p>
         </p:txBody>
       </p:sp>
@@ -2793,7 +4060,7 @@
           <a:p>
             <a:fld id="{4B582AF9-37B1-44A1-84CA-4FD7192A976E}" type="slidenum">
               <a:rPr lang="zh-CN" altLang="en-US" smtClean="0"/>
-              <a:t>12</a:t>
+              <a:t>11</a:t>
             </a:fld>
             <a:endParaRPr lang="zh-CN" altLang="en-US"/>
           </a:p>
@@ -2802,7 +4069,7 @@
     </p:spTree>
     <p:extLst>
       <p:ext uri="{BB962C8B-B14F-4D97-AF65-F5344CB8AC3E}">
-        <p14:creationId xmlns:p14="http://schemas.microsoft.com/office/powerpoint/2010/main" val="615985807"/>
+        <p14:creationId xmlns:p14="http://schemas.microsoft.com/office/powerpoint/2010/main" val="4137905145"/>
       </p:ext>
     </p:extLst>
   </p:cSld>
@@ -2858,31 +4125,14 @@
           <a:p>
             <a:r>
               <a:rPr lang="zh-CN" altLang="en-US" dirty="0"/>
-              <a:t>例子：</a:t>
-            </a:r>
-            <a:r>
-              <a:rPr lang="en-US" altLang="zh-CN" dirty="0"/>
-              <a:t>NIO</a:t>
-            </a:r>
-            <a:r>
-              <a:rPr lang="zh-CN" altLang="en-US" dirty="0"/>
-              <a:t>，</a:t>
-            </a:r>
-            <a:r>
-              <a:rPr lang="en-US" altLang="zh-CN" dirty="0"/>
-              <a:t>IOC(DI),</a:t>
-            </a:r>
-            <a:r>
-              <a:rPr lang="zh-CN" altLang="en-US" dirty="0"/>
-              <a:t>调用类库</a:t>
-            </a:r>
-            <a:r>
-              <a:rPr lang="en-US" altLang="zh-CN" dirty="0"/>
-              <a:t>-----</a:t>
-            </a:r>
-            <a:r>
-              <a:rPr lang="zh-CN" altLang="en-US" dirty="0"/>
-              <a:t>解耦</a:t>
+              <a:t>这张图模式很常见。</a:t>
+            </a:r>
+            <a:endParaRPr lang="en-US" altLang="zh-CN" dirty="0"/>
+          </a:p>
+          <a:p>
+            <a:r>
+              <a:rPr lang="zh-CN" altLang="en-US" dirty="0"/>
+              <a:t>场外下单举例，发送短信邮件过程消息化。</a:t>
             </a:r>
           </a:p>
         </p:txBody>
@@ -2904,7 +4154,7 @@
           <a:p>
             <a:fld id="{4B582AF9-37B1-44A1-84CA-4FD7192A976E}" type="slidenum">
               <a:rPr lang="zh-CN" altLang="en-US" smtClean="0"/>
-              <a:t>13</a:t>
+              <a:t>12</a:t>
             </a:fld>
             <a:endParaRPr lang="zh-CN" altLang="en-US"/>
           </a:p>
@@ -2913,7 +4163,7 @@
     </p:spTree>
     <p:extLst>
       <p:ext uri="{BB962C8B-B14F-4D97-AF65-F5344CB8AC3E}">
-        <p14:creationId xmlns:p14="http://schemas.microsoft.com/office/powerpoint/2010/main" val="1749708304"/>
+        <p14:creationId xmlns:p14="http://schemas.microsoft.com/office/powerpoint/2010/main" val="615985807"/>
       </p:ext>
     </p:extLst>
   </p:cSld>
@@ -3070,7 +4320,7 @@
           <a:p>
             <a:fld id="{BAD17A96-C760-4264-8D5F-C0E7021052D6}" type="datetimeFigureOut">
               <a:rPr lang="zh-CN" altLang="en-US" smtClean="0"/>
-              <a:t>2020/3/24</a:t>
+              <a:t>2020/3/25</a:t>
             </a:fld>
             <a:endParaRPr lang="zh-CN" altLang="en-US"/>
           </a:p>
@@ -3268,7 +4518,7 @@
           <a:p>
             <a:fld id="{BAD17A96-C760-4264-8D5F-C0E7021052D6}" type="datetimeFigureOut">
               <a:rPr lang="zh-CN" altLang="en-US" smtClean="0"/>
-              <a:t>2020/3/24</a:t>
+              <a:t>2020/3/25</a:t>
             </a:fld>
             <a:endParaRPr lang="zh-CN" altLang="en-US"/>
           </a:p>
@@ -3476,7 +4726,7 @@
           <a:p>
             <a:fld id="{BAD17A96-C760-4264-8D5F-C0E7021052D6}" type="datetimeFigureOut">
               <a:rPr lang="zh-CN" altLang="en-US" smtClean="0"/>
-              <a:t>2020/3/24</a:t>
+              <a:t>2020/3/25</a:t>
             </a:fld>
             <a:endParaRPr lang="zh-CN" altLang="en-US"/>
           </a:p>
@@ -3674,7 +4924,7 @@
           <a:p>
             <a:fld id="{BAD17A96-C760-4264-8D5F-C0E7021052D6}" type="datetimeFigureOut">
               <a:rPr lang="zh-CN" altLang="en-US" smtClean="0"/>
-              <a:t>2020/3/24</a:t>
+              <a:t>2020/3/25</a:t>
             </a:fld>
             <a:endParaRPr lang="zh-CN" altLang="en-US"/>
           </a:p>
@@ -3949,7 +5199,7 @@
           <a:p>
             <a:fld id="{BAD17A96-C760-4264-8D5F-C0E7021052D6}" type="datetimeFigureOut">
               <a:rPr lang="zh-CN" altLang="en-US" smtClean="0"/>
-              <a:t>2020/3/24</a:t>
+              <a:t>2020/3/25</a:t>
             </a:fld>
             <a:endParaRPr lang="zh-CN" altLang="en-US"/>
           </a:p>
@@ -4214,7 +5464,7 @@
           <a:p>
             <a:fld id="{BAD17A96-C760-4264-8D5F-C0E7021052D6}" type="datetimeFigureOut">
               <a:rPr lang="zh-CN" altLang="en-US" smtClean="0"/>
-              <a:t>2020/3/24</a:t>
+              <a:t>2020/3/25</a:t>
             </a:fld>
             <a:endParaRPr lang="zh-CN" altLang="en-US"/>
           </a:p>
@@ -4626,7 +5876,7 @@
           <a:p>
             <a:fld id="{BAD17A96-C760-4264-8D5F-C0E7021052D6}" type="datetimeFigureOut">
               <a:rPr lang="zh-CN" altLang="en-US" smtClean="0"/>
-              <a:t>2020/3/24</a:t>
+              <a:t>2020/3/25</a:t>
             </a:fld>
             <a:endParaRPr lang="zh-CN" altLang="en-US"/>
           </a:p>
@@ -4767,7 +6017,7 @@
           <a:p>
             <a:fld id="{BAD17A96-C760-4264-8D5F-C0E7021052D6}" type="datetimeFigureOut">
               <a:rPr lang="zh-CN" altLang="en-US" smtClean="0"/>
-              <a:t>2020/3/24</a:t>
+              <a:t>2020/3/25</a:t>
             </a:fld>
             <a:endParaRPr lang="zh-CN" altLang="en-US"/>
           </a:p>
@@ -4880,7 +6130,7 @@
           <a:p>
             <a:fld id="{BAD17A96-C760-4264-8D5F-C0E7021052D6}" type="datetimeFigureOut">
               <a:rPr lang="zh-CN" altLang="en-US" smtClean="0"/>
-              <a:t>2020/3/24</a:t>
+              <a:t>2020/3/25</a:t>
             </a:fld>
             <a:endParaRPr lang="zh-CN" altLang="en-US"/>
           </a:p>
@@ -5191,7 +6441,7 @@
           <a:p>
             <a:fld id="{BAD17A96-C760-4264-8D5F-C0E7021052D6}" type="datetimeFigureOut">
               <a:rPr lang="zh-CN" altLang="en-US" smtClean="0"/>
-              <a:t>2020/3/24</a:t>
+              <a:t>2020/3/25</a:t>
             </a:fld>
             <a:endParaRPr lang="zh-CN" altLang="en-US"/>
           </a:p>
@@ -5479,7 +6729,7 @@
           <a:p>
             <a:fld id="{BAD17A96-C760-4264-8D5F-C0E7021052D6}" type="datetimeFigureOut">
               <a:rPr lang="zh-CN" altLang="en-US" smtClean="0"/>
-              <a:t>2020/3/24</a:t>
+              <a:t>2020/3/25</a:t>
             </a:fld>
             <a:endParaRPr lang="zh-CN" altLang="en-US"/>
           </a:p>
@@ -5720,7 +6970,7 @@
           <a:p>
             <a:fld id="{BAD17A96-C760-4264-8D5F-C0E7021052D6}" type="datetimeFigureOut">
               <a:rPr lang="zh-CN" altLang="en-US" smtClean="0"/>
-              <a:t>2020/3/24</a:t>
+              <a:t>2020/3/25</a:t>
             </a:fld>
             <a:endParaRPr lang="zh-CN" altLang="en-US"/>
           </a:p>
@@ -6297,56 +7547,6 @@
           <a:chExt cx="0" cy="0"/>
         </a:xfrm>
       </p:grpSpPr>
-      <p:sp>
-        <p:nvSpPr>
-          <p:cNvPr id="2" name="标题 1">
-            <a:extLst>
-              <a:ext uri="{FF2B5EF4-FFF2-40B4-BE49-F238E27FC236}">
-                <a16:creationId xmlns:a16="http://schemas.microsoft.com/office/drawing/2014/main" id="{7C39672B-D687-4036-955A-AEF451BBA24A}"/>
-              </a:ext>
-            </a:extLst>
-          </p:cNvPr>
-          <p:cNvSpPr>
-            <a:spLocks noGrp="1"/>
-          </p:cNvSpPr>
-          <p:nvPr>
-            <p:ph type="title"/>
-          </p:nvPr>
-        </p:nvSpPr>
-        <p:spPr/>
-        <p:txBody>
-          <a:bodyPr/>
-          <a:lstStyle/>
-          <a:p>
-            <a:endParaRPr lang="zh-CN" altLang="en-US"/>
-          </a:p>
-        </p:txBody>
-      </p:sp>
-      <p:sp>
-        <p:nvSpPr>
-          <p:cNvPr id="3" name="内容占位符 2">
-            <a:extLst>
-              <a:ext uri="{FF2B5EF4-FFF2-40B4-BE49-F238E27FC236}">
-                <a16:creationId xmlns:a16="http://schemas.microsoft.com/office/drawing/2014/main" id="{612026A2-C95A-4955-87A1-4E426AA696E7}"/>
-              </a:ext>
-            </a:extLst>
-          </p:cNvPr>
-          <p:cNvSpPr>
-            <a:spLocks noGrp="1"/>
-          </p:cNvSpPr>
-          <p:nvPr>
-            <p:ph idx="1"/>
-          </p:nvPr>
-        </p:nvSpPr>
-        <p:spPr/>
-        <p:txBody>
-          <a:bodyPr/>
-          <a:lstStyle/>
-          <a:p>
-            <a:endParaRPr lang="zh-CN" altLang="en-US"/>
-          </a:p>
-        </p:txBody>
-      </p:sp>
       <p:pic>
         <p:nvPicPr>
           <p:cNvPr id="4" name="图片 3">
@@ -6362,7 +7562,7 @@
           <p:nvPr/>
         </p:nvPicPr>
         <p:blipFill>
-          <a:blip r:embed="rId2"/>
+          <a:blip r:embed="rId3"/>
           <a:stretch>
             <a:fillRect/>
           </a:stretch>
@@ -6407,56 +7607,6 @@
           <a:chExt cx="0" cy="0"/>
         </a:xfrm>
       </p:grpSpPr>
-      <p:sp>
-        <p:nvSpPr>
-          <p:cNvPr id="2" name="标题 1">
-            <a:extLst>
-              <a:ext uri="{FF2B5EF4-FFF2-40B4-BE49-F238E27FC236}">
-                <a16:creationId xmlns:a16="http://schemas.microsoft.com/office/drawing/2014/main" id="{AEA89AD0-D36A-4A96-BB39-192ED327A6AF}"/>
-              </a:ext>
-            </a:extLst>
-          </p:cNvPr>
-          <p:cNvSpPr>
-            <a:spLocks noGrp="1"/>
-          </p:cNvSpPr>
-          <p:nvPr>
-            <p:ph type="title"/>
-          </p:nvPr>
-        </p:nvSpPr>
-        <p:spPr/>
-        <p:txBody>
-          <a:bodyPr/>
-          <a:lstStyle/>
-          <a:p>
-            <a:endParaRPr lang="zh-CN" altLang="en-US"/>
-          </a:p>
-        </p:txBody>
-      </p:sp>
-      <p:sp>
-        <p:nvSpPr>
-          <p:cNvPr id="3" name="内容占位符 2">
-            <a:extLst>
-              <a:ext uri="{FF2B5EF4-FFF2-40B4-BE49-F238E27FC236}">
-                <a16:creationId xmlns:a16="http://schemas.microsoft.com/office/drawing/2014/main" id="{C0C357D7-513A-462D-A245-718648CA663A}"/>
-              </a:ext>
-            </a:extLst>
-          </p:cNvPr>
-          <p:cNvSpPr>
-            <a:spLocks noGrp="1"/>
-          </p:cNvSpPr>
-          <p:nvPr>
-            <p:ph idx="1"/>
-          </p:nvPr>
-        </p:nvSpPr>
-        <p:spPr/>
-        <p:txBody>
-          <a:bodyPr/>
-          <a:lstStyle/>
-          <a:p>
-            <a:endParaRPr lang="zh-CN" altLang="en-US"/>
-          </a:p>
-        </p:txBody>
-      </p:sp>
       <p:pic>
         <p:nvPicPr>
           <p:cNvPr id="4" name="图片 3">
@@ -6517,56 +7667,6 @@
           <a:chExt cx="0" cy="0"/>
         </a:xfrm>
       </p:grpSpPr>
-      <p:sp>
-        <p:nvSpPr>
-          <p:cNvPr id="2" name="标题 1">
-            <a:extLst>
-              <a:ext uri="{FF2B5EF4-FFF2-40B4-BE49-F238E27FC236}">
-                <a16:creationId xmlns:a16="http://schemas.microsoft.com/office/drawing/2014/main" id="{8EA603A9-0C80-4FEF-9757-704E052B3573}"/>
-              </a:ext>
-            </a:extLst>
-          </p:cNvPr>
-          <p:cNvSpPr>
-            <a:spLocks noGrp="1"/>
-          </p:cNvSpPr>
-          <p:nvPr>
-            <p:ph type="title"/>
-          </p:nvPr>
-        </p:nvSpPr>
-        <p:spPr/>
-        <p:txBody>
-          <a:bodyPr/>
-          <a:lstStyle/>
-          <a:p>
-            <a:endParaRPr lang="zh-CN" altLang="en-US"/>
-          </a:p>
-        </p:txBody>
-      </p:sp>
-      <p:sp>
-        <p:nvSpPr>
-          <p:cNvPr id="3" name="内容占位符 2">
-            <a:extLst>
-              <a:ext uri="{FF2B5EF4-FFF2-40B4-BE49-F238E27FC236}">
-                <a16:creationId xmlns:a16="http://schemas.microsoft.com/office/drawing/2014/main" id="{3A7651BB-5DAD-45F8-BF67-C0057B2C9290}"/>
-              </a:ext>
-            </a:extLst>
-          </p:cNvPr>
-          <p:cNvSpPr>
-            <a:spLocks noGrp="1"/>
-          </p:cNvSpPr>
-          <p:nvPr>
-            <p:ph idx="1"/>
-          </p:nvPr>
-        </p:nvSpPr>
-        <p:spPr/>
-        <p:txBody>
-          <a:bodyPr/>
-          <a:lstStyle/>
-          <a:p>
-            <a:endParaRPr lang="zh-CN" altLang="en-US"/>
-          </a:p>
-        </p:txBody>
-      </p:sp>
       <p:pic>
         <p:nvPicPr>
           <p:cNvPr id="4" name="图片 3">
@@ -6627,56 +7727,6 @@
           <a:chExt cx="0" cy="0"/>
         </a:xfrm>
       </p:grpSpPr>
-      <p:sp>
-        <p:nvSpPr>
-          <p:cNvPr id="2" name="标题 1">
-            <a:extLst>
-              <a:ext uri="{FF2B5EF4-FFF2-40B4-BE49-F238E27FC236}">
-                <a16:creationId xmlns:a16="http://schemas.microsoft.com/office/drawing/2014/main" id="{EE967234-5157-4957-BFAD-2D5FB245EEAD}"/>
-              </a:ext>
-            </a:extLst>
-          </p:cNvPr>
-          <p:cNvSpPr>
-            <a:spLocks noGrp="1"/>
-          </p:cNvSpPr>
-          <p:nvPr>
-            <p:ph type="title"/>
-          </p:nvPr>
-        </p:nvSpPr>
-        <p:spPr/>
-        <p:txBody>
-          <a:bodyPr/>
-          <a:lstStyle/>
-          <a:p>
-            <a:endParaRPr lang="zh-CN" altLang="en-US"/>
-          </a:p>
-        </p:txBody>
-      </p:sp>
-      <p:sp>
-        <p:nvSpPr>
-          <p:cNvPr id="3" name="内容占位符 2">
-            <a:extLst>
-              <a:ext uri="{FF2B5EF4-FFF2-40B4-BE49-F238E27FC236}">
-                <a16:creationId xmlns:a16="http://schemas.microsoft.com/office/drawing/2014/main" id="{430BFD02-EE32-41EE-AA62-2BC30F530A19}"/>
-              </a:ext>
-            </a:extLst>
-          </p:cNvPr>
-          <p:cNvSpPr>
-            <a:spLocks noGrp="1"/>
-          </p:cNvSpPr>
-          <p:nvPr>
-            <p:ph idx="1"/>
-          </p:nvPr>
-        </p:nvSpPr>
-        <p:spPr/>
-        <p:txBody>
-          <a:bodyPr/>
-          <a:lstStyle/>
-          <a:p>
-            <a:endParaRPr lang="zh-CN" altLang="en-US"/>
-          </a:p>
-        </p:txBody>
-      </p:sp>
       <p:pic>
         <p:nvPicPr>
           <p:cNvPr id="1026" name="Picture 2" descr="See the source image">
@@ -6706,7 +7756,7 @@
         </p:blipFill>
         <p:spPr bwMode="auto">
           <a:xfrm>
-            <a:off x="420343" y="365125"/>
+            <a:off x="128795" y="234950"/>
             <a:ext cx="6076950" cy="3419475"/>
           </a:xfrm>
           <a:prstGeom prst="rect">
@@ -6753,8 +7803,8 @@
         </p:blipFill>
         <p:spPr bwMode="auto">
           <a:xfrm>
-            <a:off x="3458818" y="3784600"/>
-            <a:ext cx="8420100" cy="2838450"/>
+            <a:off x="-170723" y="3784600"/>
+            <a:ext cx="6851372" cy="2838450"/>
           </a:xfrm>
           <a:prstGeom prst="rect">
             <a:avLst/>
@@ -6769,6 +7819,66 @@
               </a14:hiddenFill>
             </a:ext>
           </a:extLst>
+        </p:spPr>
+      </p:pic>
+      <p:pic>
+        <p:nvPicPr>
+          <p:cNvPr id="4" name="图片 3">
+            <a:extLst>
+              <a:ext uri="{FF2B5EF4-FFF2-40B4-BE49-F238E27FC236}">
+                <a16:creationId xmlns:a16="http://schemas.microsoft.com/office/drawing/2014/main" id="{1474C1DE-E45F-4535-8019-68D64D38A5F0}"/>
+              </a:ext>
+            </a:extLst>
+          </p:cNvPr>
+          <p:cNvPicPr>
+            <a:picLocks noChangeAspect="1"/>
+          </p:cNvPicPr>
+          <p:nvPr/>
+        </p:nvPicPr>
+        <p:blipFill>
+          <a:blip r:embed="rId5"/>
+          <a:stretch>
+            <a:fillRect/>
+          </a:stretch>
+        </p:blipFill>
+        <p:spPr>
+          <a:xfrm>
+            <a:off x="6492530" y="63449"/>
+            <a:ext cx="5169383" cy="3762475"/>
+          </a:xfrm>
+          <a:prstGeom prst="rect">
+            <a:avLst/>
+          </a:prstGeom>
+        </p:spPr>
+      </p:pic>
+      <p:pic>
+        <p:nvPicPr>
+          <p:cNvPr id="5" name="图片 4">
+            <a:extLst>
+              <a:ext uri="{FF2B5EF4-FFF2-40B4-BE49-F238E27FC236}">
+                <a16:creationId xmlns:a16="http://schemas.microsoft.com/office/drawing/2014/main" id="{6F073634-F533-473B-B247-73128BAB21CF}"/>
+              </a:ext>
+            </a:extLst>
+          </p:cNvPr>
+          <p:cNvPicPr>
+            <a:picLocks noChangeAspect="1"/>
+          </p:cNvPicPr>
+          <p:nvPr/>
+        </p:nvPicPr>
+        <p:blipFill>
+          <a:blip r:embed="rId6"/>
+          <a:stretch>
+            <a:fillRect/>
+          </a:stretch>
+        </p:blipFill>
+        <p:spPr>
+          <a:xfrm>
+            <a:off x="6210300" y="3486175"/>
+            <a:ext cx="5981700" cy="3476625"/>
+          </a:xfrm>
+          <a:prstGeom prst="rect">
+            <a:avLst/>
+          </a:prstGeom>
         </p:spPr>
       </p:pic>
     </p:spTree>
@@ -6889,6 +7999,130 @@
           <p:cNvPr id="2" name="标题 1">
             <a:extLst>
               <a:ext uri="{FF2B5EF4-FFF2-40B4-BE49-F238E27FC236}">
+                <a16:creationId xmlns:a16="http://schemas.microsoft.com/office/drawing/2014/main" id="{44051F35-F75B-4485-9F34-C5384D7CEA4E}"/>
+              </a:ext>
+            </a:extLst>
+          </p:cNvPr>
+          <p:cNvSpPr>
+            <a:spLocks noGrp="1"/>
+          </p:cNvSpPr>
+          <p:nvPr>
+            <p:ph type="title"/>
+          </p:nvPr>
+        </p:nvSpPr>
+        <p:spPr/>
+        <p:txBody>
+          <a:bodyPr/>
+          <a:lstStyle/>
+          <a:p>
+            <a:r>
+              <a:rPr lang="en-US" altLang="zh-CN" dirty="0"/>
+              <a:t>MQ</a:t>
+            </a:r>
+            <a:r>
+              <a:rPr lang="zh-CN" altLang="en-US" dirty="0"/>
+              <a:t>理想状态</a:t>
+            </a:r>
+          </a:p>
+        </p:txBody>
+      </p:sp>
+      <p:sp>
+        <p:nvSpPr>
+          <p:cNvPr id="3" name="内容占位符 2">
+            <a:extLst>
+              <a:ext uri="{FF2B5EF4-FFF2-40B4-BE49-F238E27FC236}">
+                <a16:creationId xmlns:a16="http://schemas.microsoft.com/office/drawing/2014/main" id="{7113B371-1E9D-4CD5-9578-10F064D6881D}"/>
+              </a:ext>
+            </a:extLst>
+          </p:cNvPr>
+          <p:cNvSpPr>
+            <a:spLocks noGrp="1"/>
+          </p:cNvSpPr>
+          <p:nvPr>
+            <p:ph idx="1"/>
+          </p:nvPr>
+        </p:nvSpPr>
+        <p:spPr/>
+        <p:txBody>
+          <a:bodyPr/>
+          <a:lstStyle/>
+          <a:p>
+            <a:r>
+              <a:rPr lang="en-US" altLang="zh-CN" dirty="0"/>
+              <a:t>1  </a:t>
+            </a:r>
+            <a:r>
+              <a:rPr lang="zh-CN" altLang="en-US" dirty="0"/>
+              <a:t>消息堆积无限不降低延时。</a:t>
+            </a:r>
+            <a:endParaRPr lang="en-US" altLang="zh-CN" dirty="0"/>
+          </a:p>
+          <a:p>
+            <a:r>
+              <a:rPr lang="en-US" altLang="zh-CN" dirty="0"/>
+              <a:t>2  </a:t>
+            </a:r>
+            <a:r>
+              <a:rPr lang="zh-CN" altLang="en-US" dirty="0"/>
+              <a:t>有发必收。</a:t>
+            </a:r>
+            <a:r>
+              <a:rPr lang="en-US" altLang="zh-CN" dirty="0"/>
+              <a:t> </a:t>
+            </a:r>
+            <a:r>
+              <a:rPr lang="zh-CN" altLang="en-US" dirty="0"/>
+              <a:t> </a:t>
+            </a:r>
+            <a:endParaRPr lang="en-US" altLang="zh-CN" dirty="0"/>
+          </a:p>
+          <a:p>
+            <a:r>
+              <a:rPr lang="en-US" altLang="zh-CN" dirty="0"/>
+              <a:t>3  </a:t>
+            </a:r>
+            <a:r>
+              <a:rPr lang="zh-CN" altLang="en-US" dirty="0"/>
+              <a:t>无限扩展。</a:t>
+            </a:r>
+          </a:p>
+        </p:txBody>
+      </p:sp>
+    </p:spTree>
+    <p:extLst>
+      <p:ext uri="{BB962C8B-B14F-4D97-AF65-F5344CB8AC3E}">
+        <p14:creationId xmlns:p14="http://schemas.microsoft.com/office/powerpoint/2010/main" val="3790359709"/>
+      </p:ext>
+    </p:extLst>
+  </p:cSld>
+  <p:clrMapOvr>
+    <a:masterClrMapping/>
+  </p:clrMapOvr>
+</p:sld>
+</file>
+
+<file path=ppt/slides/slide16.xml><?xml version="1.0" encoding="utf-8"?>
+<p:sld xmlns:a="http://schemas.openxmlformats.org/drawingml/2006/main" xmlns:r="http://schemas.openxmlformats.org/officeDocument/2006/relationships" xmlns:p="http://schemas.openxmlformats.org/presentationml/2006/main">
+  <p:cSld>
+    <p:spTree>
+      <p:nvGrpSpPr>
+        <p:cNvPr id="1" name=""/>
+        <p:cNvGrpSpPr/>
+        <p:nvPr/>
+      </p:nvGrpSpPr>
+      <p:grpSpPr>
+        <a:xfrm>
+          <a:off x="0" y="0"/>
+          <a:ext cx="0" cy="0"/>
+          <a:chOff x="0" y="0"/>
+          <a:chExt cx="0" cy="0"/>
+        </a:xfrm>
+      </p:grpSpPr>
+      <p:sp>
+        <p:nvSpPr>
+          <p:cNvPr id="2" name="标题 1">
+            <a:extLst>
+              <a:ext uri="{FF2B5EF4-FFF2-40B4-BE49-F238E27FC236}">
                 <a16:creationId xmlns:a16="http://schemas.microsoft.com/office/drawing/2014/main" id="{C2215B48-32B5-45B6-807E-E9AF5C4058E8}"/>
               </a:ext>
             </a:extLst>
@@ -7061,7 +8295,7 @@
 </p:sld>
 </file>
 
-<file path=ppt/slides/slide16.xml><?xml version="1.0" encoding="utf-8"?>
+<file path=ppt/slides/slide17.xml><?xml version="1.0" encoding="utf-8"?>
 <p:sld xmlns:a="http://schemas.openxmlformats.org/drawingml/2006/main" xmlns:r="http://schemas.openxmlformats.org/officeDocument/2006/relationships" xmlns:p="http://schemas.openxmlformats.org/presentationml/2006/main">
   <p:cSld>
     <p:spTree>
@@ -7187,7 +8421,7 @@
 </p:sld>
 </file>
 
-<file path=ppt/slides/slide17.xml><?xml version="1.0" encoding="utf-8"?>
+<file path=ppt/slides/slide18.xml><?xml version="1.0" encoding="utf-8"?>
 <p:sld xmlns:a="http://schemas.openxmlformats.org/drawingml/2006/main" xmlns:r="http://schemas.openxmlformats.org/officeDocument/2006/relationships" xmlns:p="http://schemas.openxmlformats.org/presentationml/2006/main">
   <p:cSld>
     <p:spTree>
@@ -7272,7 +8506,7 @@
           <p:nvPr/>
         </p:nvPicPr>
         <p:blipFill>
-          <a:blip r:embed="rId2"/>
+          <a:blip r:embed="rId3"/>
           <a:stretch>
             <a:fillRect/>
           </a:stretch>
@@ -7300,7 +8534,7 @@
 </p:sld>
 </file>
 
-<file path=ppt/slides/slide18.xml><?xml version="1.0" encoding="utf-8"?>
+<file path=ppt/slides/slide19.xml><?xml version="1.0" encoding="utf-8"?>
 <p:sld xmlns:a="http://schemas.openxmlformats.org/drawingml/2006/main" xmlns:r="http://schemas.openxmlformats.org/officeDocument/2006/relationships" xmlns:p="http://schemas.openxmlformats.org/presentationml/2006/main">
   <p:cSld>
     <p:spTree>
@@ -7322,6 +8556,372 @@
           <p:cNvPr id="2" name="标题 1">
             <a:extLst>
               <a:ext uri="{FF2B5EF4-FFF2-40B4-BE49-F238E27FC236}">
+                <a16:creationId xmlns:a16="http://schemas.microsoft.com/office/drawing/2014/main" id="{5DD1E536-E7AB-410E-971C-5F653A1D1821}"/>
+              </a:ext>
+            </a:extLst>
+          </p:cNvPr>
+          <p:cNvSpPr>
+            <a:spLocks noGrp="1"/>
+          </p:cNvSpPr>
+          <p:nvPr>
+            <p:ph type="title"/>
+          </p:nvPr>
+        </p:nvSpPr>
+        <p:spPr/>
+        <p:txBody>
+          <a:bodyPr/>
+          <a:lstStyle/>
+          <a:p>
+            <a:r>
+              <a:rPr lang="zh-CN" altLang="en-US" dirty="0"/>
+              <a:t>消息丢失怎么办？</a:t>
+            </a:r>
+          </a:p>
+        </p:txBody>
+      </p:sp>
+      <p:sp>
+        <p:nvSpPr>
+          <p:cNvPr id="3" name="内容占位符 2">
+            <a:extLst>
+              <a:ext uri="{FF2B5EF4-FFF2-40B4-BE49-F238E27FC236}">
+                <a16:creationId xmlns:a16="http://schemas.microsoft.com/office/drawing/2014/main" id="{DDA1B0BC-80BE-409C-B283-2DC226E167A9}"/>
+              </a:ext>
+            </a:extLst>
+          </p:cNvPr>
+          <p:cNvSpPr>
+            <a:spLocks noGrp="1"/>
+          </p:cNvSpPr>
+          <p:nvPr>
+            <p:ph idx="1"/>
+          </p:nvPr>
+        </p:nvSpPr>
+        <p:spPr/>
+        <p:txBody>
+          <a:bodyPr/>
+          <a:lstStyle/>
+          <a:p>
+            <a:r>
+              <a:rPr lang="en-US" altLang="zh-CN" dirty="0"/>
+              <a:t>1   MQ</a:t>
+            </a:r>
+            <a:r>
+              <a:rPr lang="zh-CN" altLang="en-US" dirty="0"/>
+              <a:t>增量更新</a:t>
+            </a:r>
+            <a:r>
+              <a:rPr lang="en-US" altLang="zh-CN" dirty="0" err="1"/>
+              <a:t>Mysql</a:t>
+            </a:r>
+            <a:r>
+              <a:rPr lang="zh-CN" altLang="en-US" dirty="0"/>
+              <a:t>课程信息到</a:t>
+            </a:r>
+            <a:r>
+              <a:rPr lang="en-US" altLang="zh-CN" dirty="0"/>
+              <a:t>ES</a:t>
+            </a:r>
+            <a:r>
+              <a:rPr lang="zh-CN" altLang="en-US" dirty="0"/>
+              <a:t>构建倒排索引，</a:t>
+            </a:r>
+            <a:r>
+              <a:rPr lang="zh-CN" altLang="en-US" dirty="0">
+                <a:solidFill>
+                  <a:srgbClr val="FF0000"/>
+                </a:solidFill>
+              </a:rPr>
+              <a:t>但是</a:t>
+            </a:r>
+            <a:r>
+              <a:rPr lang="en-US" altLang="zh-CN" dirty="0">
+                <a:solidFill>
+                  <a:srgbClr val="FF0000"/>
+                </a:solidFill>
+              </a:rPr>
+              <a:t>MQ</a:t>
+            </a:r>
+            <a:r>
+              <a:rPr lang="zh-CN" altLang="en-US" dirty="0">
+                <a:solidFill>
+                  <a:srgbClr val="FF0000"/>
+                </a:solidFill>
+              </a:rPr>
+              <a:t>挂了</a:t>
+            </a:r>
+            <a:r>
+              <a:rPr lang="zh-CN" altLang="en-US" dirty="0"/>
+              <a:t>。课程数据不更新了。</a:t>
+            </a:r>
+            <a:endParaRPr lang="en-US" altLang="zh-CN" dirty="0"/>
+          </a:p>
+          <a:p>
+            <a:endParaRPr lang="en-US" altLang="zh-CN" dirty="0"/>
+          </a:p>
+          <a:p>
+            <a:pPr marL="0" indent="0">
+              <a:buNone/>
+            </a:pPr>
+            <a:endParaRPr lang="en-US" altLang="zh-CN" dirty="0"/>
+          </a:p>
+          <a:p>
+            <a:endParaRPr lang="en-US" altLang="zh-CN" dirty="0"/>
+          </a:p>
+          <a:p>
+            <a:r>
+              <a:rPr lang="en-US" altLang="zh-CN" dirty="0"/>
+              <a:t>2  10</a:t>
+            </a:r>
+            <a:r>
+              <a:rPr lang="zh-CN" altLang="en-US" dirty="0"/>
+              <a:t>个节点网关</a:t>
+            </a:r>
+            <a:r>
+              <a:rPr lang="en-US" altLang="zh-CN" dirty="0"/>
+              <a:t>API</a:t>
+            </a:r>
+            <a:r>
+              <a:rPr lang="zh-CN" altLang="en-US" dirty="0"/>
+              <a:t>数据内存实时更新，</a:t>
+            </a:r>
+            <a:r>
+              <a:rPr lang="zh-CN" altLang="en-US" dirty="0">
+                <a:solidFill>
+                  <a:srgbClr val="FF0000"/>
+                </a:solidFill>
+              </a:rPr>
+              <a:t>但是</a:t>
+            </a:r>
+            <a:r>
+              <a:rPr lang="en-US" altLang="zh-CN" dirty="0">
+                <a:solidFill>
+                  <a:srgbClr val="FF0000"/>
+                </a:solidFill>
+              </a:rPr>
+              <a:t>MQ</a:t>
+            </a:r>
+            <a:r>
+              <a:rPr lang="zh-CN" altLang="en-US" dirty="0">
+                <a:solidFill>
+                  <a:srgbClr val="FF0000"/>
+                </a:solidFill>
+              </a:rPr>
+              <a:t>挂了</a:t>
+            </a:r>
+            <a:r>
+              <a:rPr lang="zh-CN" altLang="en-US" dirty="0"/>
+              <a:t>，请求报错。</a:t>
+            </a:r>
+          </a:p>
+        </p:txBody>
+      </p:sp>
+    </p:spTree>
+    <p:extLst>
+      <p:ext uri="{BB962C8B-B14F-4D97-AF65-F5344CB8AC3E}">
+        <p14:creationId xmlns:p14="http://schemas.microsoft.com/office/powerpoint/2010/main" val="2985794979"/>
+      </p:ext>
+    </p:extLst>
+  </p:cSld>
+  <p:clrMapOvr>
+    <a:masterClrMapping/>
+  </p:clrMapOvr>
+</p:sld>
+</file>
+
+<file path=ppt/slides/slide2.xml><?xml version="1.0" encoding="utf-8"?>
+<p:sld xmlns:a="http://schemas.openxmlformats.org/drawingml/2006/main" xmlns:r="http://schemas.openxmlformats.org/officeDocument/2006/relationships" xmlns:p="http://schemas.openxmlformats.org/presentationml/2006/main">
+  <p:cSld>
+    <p:spTree>
+      <p:nvGrpSpPr>
+        <p:cNvPr id="1" name=""/>
+        <p:cNvGrpSpPr/>
+        <p:nvPr/>
+      </p:nvGrpSpPr>
+      <p:grpSpPr>
+        <a:xfrm>
+          <a:off x="0" y="0"/>
+          <a:ext cx="0" cy="0"/>
+          <a:chOff x="0" y="0"/>
+          <a:chExt cx="0" cy="0"/>
+        </a:xfrm>
+      </p:grpSpPr>
+      <p:sp>
+        <p:nvSpPr>
+          <p:cNvPr id="2" name="标题 1">
+            <a:extLst>
+              <a:ext uri="{FF2B5EF4-FFF2-40B4-BE49-F238E27FC236}">
+                <a16:creationId xmlns:a16="http://schemas.microsoft.com/office/drawing/2014/main" id="{0AC46152-9845-4BF8-A6C8-DCEA404A41F7}"/>
+              </a:ext>
+            </a:extLst>
+          </p:cNvPr>
+          <p:cNvSpPr>
+            <a:spLocks noGrp="1"/>
+          </p:cNvSpPr>
+          <p:nvPr>
+            <p:ph type="title"/>
+          </p:nvPr>
+        </p:nvSpPr>
+        <p:spPr/>
+        <p:txBody>
+          <a:bodyPr/>
+          <a:lstStyle/>
+          <a:p>
+            <a:r>
+              <a:rPr lang="zh-CN" altLang="en-US" dirty="0"/>
+              <a:t>大纲</a:t>
+            </a:r>
+          </a:p>
+        </p:txBody>
+      </p:sp>
+      <p:sp>
+        <p:nvSpPr>
+          <p:cNvPr id="3" name="内容占位符 2">
+            <a:extLst>
+              <a:ext uri="{FF2B5EF4-FFF2-40B4-BE49-F238E27FC236}">
+                <a16:creationId xmlns:a16="http://schemas.microsoft.com/office/drawing/2014/main" id="{7A607DA1-FBB2-4A46-B871-BD07C489CE5B}"/>
+              </a:ext>
+            </a:extLst>
+          </p:cNvPr>
+          <p:cNvSpPr>
+            <a:spLocks noGrp="1"/>
+          </p:cNvSpPr>
+          <p:nvPr>
+            <p:ph idx="1"/>
+          </p:nvPr>
+        </p:nvSpPr>
+        <p:spPr/>
+        <p:txBody>
+          <a:bodyPr>
+            <a:normAutofit fontScale="62500" lnSpcReduction="20000"/>
+          </a:bodyPr>
+          <a:lstStyle/>
+          <a:p>
+            <a:r>
+              <a:rPr lang="en-US" altLang="zh-CN" dirty="0"/>
+              <a:t>1 </a:t>
+            </a:r>
+            <a:r>
+              <a:rPr lang="zh-CN" altLang="en-US" dirty="0"/>
+              <a:t>基本概念</a:t>
+            </a:r>
+            <a:endParaRPr lang="en-US" altLang="zh-CN" dirty="0"/>
+          </a:p>
+          <a:p>
+            <a:endParaRPr lang="en-US" altLang="zh-CN" dirty="0"/>
+          </a:p>
+          <a:p>
+            <a:r>
+              <a:rPr lang="en-US" altLang="zh-CN" dirty="0"/>
+              <a:t>2 </a:t>
+            </a:r>
+            <a:r>
+              <a:rPr lang="zh-CN" altLang="en-US" dirty="0"/>
+              <a:t>应用场景</a:t>
+            </a:r>
+            <a:endParaRPr lang="en-US" altLang="zh-CN" dirty="0"/>
+          </a:p>
+          <a:p>
+            <a:endParaRPr lang="en-US" altLang="zh-CN" dirty="0"/>
+          </a:p>
+          <a:p>
+            <a:r>
+              <a:rPr lang="en-US" altLang="zh-CN" dirty="0"/>
+              <a:t>3 ONS</a:t>
+            </a:r>
+            <a:r>
+              <a:rPr lang="zh-CN" altLang="en-US" dirty="0"/>
+              <a:t>设计</a:t>
+            </a:r>
+            <a:endParaRPr lang="en-US" altLang="zh-CN" dirty="0"/>
+          </a:p>
+          <a:p>
+            <a:endParaRPr lang="en-US" altLang="zh-CN" dirty="0"/>
+          </a:p>
+          <a:p>
+            <a:r>
+              <a:rPr lang="en-US" altLang="zh-CN" dirty="0"/>
+              <a:t>4  </a:t>
+            </a:r>
+            <a:r>
+              <a:rPr lang="zh-CN" altLang="en-US" dirty="0"/>
+              <a:t>消息乱序</a:t>
+            </a:r>
+            <a:endParaRPr lang="en-US" altLang="zh-CN" dirty="0"/>
+          </a:p>
+          <a:p>
+            <a:endParaRPr lang="en-US" altLang="zh-CN" dirty="0"/>
+          </a:p>
+          <a:p>
+            <a:r>
+              <a:rPr lang="en-US" altLang="zh-CN" dirty="0"/>
+              <a:t>5  </a:t>
+            </a:r>
+            <a:r>
+              <a:rPr lang="zh-CN" altLang="en-US" dirty="0"/>
+              <a:t>消息重复</a:t>
+            </a:r>
+            <a:endParaRPr lang="en-US" altLang="zh-CN" dirty="0"/>
+          </a:p>
+          <a:p>
+            <a:endParaRPr lang="en-US" altLang="zh-CN" dirty="0"/>
+          </a:p>
+          <a:p>
+            <a:r>
+              <a:rPr lang="en-US" altLang="zh-CN" dirty="0"/>
+              <a:t>6 </a:t>
+            </a:r>
+            <a:r>
+              <a:rPr lang="zh-CN" altLang="en-US" dirty="0"/>
+              <a:t>分布式事务</a:t>
+            </a:r>
+            <a:endParaRPr lang="en-US" altLang="zh-CN" dirty="0"/>
+          </a:p>
+          <a:p>
+            <a:endParaRPr lang="en-US" altLang="zh-CN" dirty="0"/>
+          </a:p>
+          <a:p>
+            <a:r>
+              <a:rPr lang="en-US" altLang="zh-CN" dirty="0"/>
+              <a:t>7 QA</a:t>
+            </a:r>
+            <a:endParaRPr lang="zh-CN" altLang="en-US" dirty="0"/>
+          </a:p>
+        </p:txBody>
+      </p:sp>
+    </p:spTree>
+    <p:extLst>
+      <p:ext uri="{BB962C8B-B14F-4D97-AF65-F5344CB8AC3E}">
+        <p14:creationId xmlns:p14="http://schemas.microsoft.com/office/powerpoint/2010/main" val="1657703161"/>
+      </p:ext>
+    </p:extLst>
+  </p:cSld>
+  <p:clrMapOvr>
+    <a:masterClrMapping/>
+  </p:clrMapOvr>
+</p:sld>
+</file>
+
+<file path=ppt/slides/slide20.xml><?xml version="1.0" encoding="utf-8"?>
+<p:sld xmlns:a="http://schemas.openxmlformats.org/drawingml/2006/main" xmlns:r="http://schemas.openxmlformats.org/officeDocument/2006/relationships" xmlns:p="http://schemas.openxmlformats.org/presentationml/2006/main">
+  <p:cSld>
+    <p:spTree>
+      <p:nvGrpSpPr>
+        <p:cNvPr id="1" name=""/>
+        <p:cNvGrpSpPr/>
+        <p:nvPr/>
+      </p:nvGrpSpPr>
+      <p:grpSpPr>
+        <a:xfrm>
+          <a:off x="0" y="0"/>
+          <a:ext cx="0" cy="0"/>
+          <a:chOff x="0" y="0"/>
+          <a:chExt cx="0" cy="0"/>
+        </a:xfrm>
+      </p:grpSpPr>
+      <p:sp>
+        <p:nvSpPr>
+          <p:cNvPr id="2" name="标题 1">
+            <a:extLst>
+              <a:ext uri="{FF2B5EF4-FFF2-40B4-BE49-F238E27FC236}">
                 <a16:creationId xmlns:a16="http://schemas.microsoft.com/office/drawing/2014/main" id="{3B54AB44-5544-4787-8F46-8AF73DFE55F2}"/>
               </a:ext>
             </a:extLst>
@@ -7516,7 +9116,7 @@
           <a:p>
             <a:r>
               <a:rPr lang="en-US" altLang="zh-CN" dirty="0">
-                <a:hlinkClick r:id="rId2"/>
+                <a:hlinkClick r:id="rId3"/>
               </a:rPr>
               <a:t>http://activemq.apache.org/persistence.html</a:t>
             </a:r>
@@ -7540,7 +9140,7 @@
 </p:sld>
 </file>
 
-<file path=ppt/slides/slide19.xml><?xml version="1.0" encoding="utf-8"?>
+<file path=ppt/slides/slide21.xml><?xml version="1.0" encoding="utf-8"?>
 <p:sld xmlns:a="http://schemas.openxmlformats.org/drawingml/2006/main" xmlns:r="http://schemas.openxmlformats.org/officeDocument/2006/relationships" xmlns:p="http://schemas.openxmlformats.org/presentationml/2006/main">
   <p:cSld>
     <p:spTree>
@@ -7663,434 +9263,6 @@
 </p:sld>
 </file>
 
-<file path=ppt/slides/slide2.xml><?xml version="1.0" encoding="utf-8"?>
-<p:sld xmlns:a="http://schemas.openxmlformats.org/drawingml/2006/main" xmlns:r="http://schemas.openxmlformats.org/officeDocument/2006/relationships" xmlns:p="http://schemas.openxmlformats.org/presentationml/2006/main">
-  <p:cSld>
-    <p:spTree>
-      <p:nvGrpSpPr>
-        <p:cNvPr id="1" name=""/>
-        <p:cNvGrpSpPr/>
-        <p:nvPr/>
-      </p:nvGrpSpPr>
-      <p:grpSpPr>
-        <a:xfrm>
-          <a:off x="0" y="0"/>
-          <a:ext cx="0" cy="0"/>
-          <a:chOff x="0" y="0"/>
-          <a:chExt cx="0" cy="0"/>
-        </a:xfrm>
-      </p:grpSpPr>
-      <p:sp>
-        <p:nvSpPr>
-          <p:cNvPr id="2" name="标题 1">
-            <a:extLst>
-              <a:ext uri="{FF2B5EF4-FFF2-40B4-BE49-F238E27FC236}">
-                <a16:creationId xmlns:a16="http://schemas.microsoft.com/office/drawing/2014/main" id="{0AC46152-9845-4BF8-A6C8-DCEA404A41F7}"/>
-              </a:ext>
-            </a:extLst>
-          </p:cNvPr>
-          <p:cNvSpPr>
-            <a:spLocks noGrp="1"/>
-          </p:cNvSpPr>
-          <p:nvPr>
-            <p:ph type="title"/>
-          </p:nvPr>
-        </p:nvSpPr>
-        <p:spPr/>
-        <p:txBody>
-          <a:bodyPr/>
-          <a:lstStyle/>
-          <a:p>
-            <a:r>
-              <a:rPr lang="zh-CN" altLang="en-US" dirty="0"/>
-              <a:t>大纲</a:t>
-            </a:r>
-          </a:p>
-        </p:txBody>
-      </p:sp>
-      <p:sp>
-        <p:nvSpPr>
-          <p:cNvPr id="3" name="内容占位符 2">
-            <a:extLst>
-              <a:ext uri="{FF2B5EF4-FFF2-40B4-BE49-F238E27FC236}">
-                <a16:creationId xmlns:a16="http://schemas.microsoft.com/office/drawing/2014/main" id="{7A607DA1-FBB2-4A46-B871-BD07C489CE5B}"/>
-              </a:ext>
-            </a:extLst>
-          </p:cNvPr>
-          <p:cNvSpPr>
-            <a:spLocks noGrp="1"/>
-          </p:cNvSpPr>
-          <p:nvPr>
-            <p:ph idx="1"/>
-          </p:nvPr>
-        </p:nvSpPr>
-        <p:spPr/>
-        <p:txBody>
-          <a:bodyPr>
-            <a:normAutofit fontScale="62500" lnSpcReduction="20000"/>
-          </a:bodyPr>
-          <a:lstStyle/>
-          <a:p>
-            <a:r>
-              <a:rPr lang="en-US" altLang="zh-CN" dirty="0"/>
-              <a:t>1 </a:t>
-            </a:r>
-            <a:r>
-              <a:rPr lang="zh-CN" altLang="en-US" dirty="0"/>
-              <a:t>基本概念</a:t>
-            </a:r>
-            <a:endParaRPr lang="en-US" altLang="zh-CN" dirty="0"/>
-          </a:p>
-          <a:p>
-            <a:endParaRPr lang="en-US" altLang="zh-CN" dirty="0"/>
-          </a:p>
-          <a:p>
-            <a:r>
-              <a:rPr lang="en-US" altLang="zh-CN" dirty="0"/>
-              <a:t>2 </a:t>
-            </a:r>
-            <a:r>
-              <a:rPr lang="zh-CN" altLang="en-US" dirty="0"/>
-              <a:t>应用场景</a:t>
-            </a:r>
-            <a:endParaRPr lang="en-US" altLang="zh-CN" dirty="0"/>
-          </a:p>
-          <a:p>
-            <a:endParaRPr lang="en-US" altLang="zh-CN" dirty="0"/>
-          </a:p>
-          <a:p>
-            <a:r>
-              <a:rPr lang="en-US" altLang="zh-CN" dirty="0"/>
-              <a:t>3 ONS</a:t>
-            </a:r>
-            <a:r>
-              <a:rPr lang="zh-CN" altLang="en-US" dirty="0"/>
-              <a:t>设计</a:t>
-            </a:r>
-            <a:endParaRPr lang="en-US" altLang="zh-CN" dirty="0"/>
-          </a:p>
-          <a:p>
-            <a:endParaRPr lang="en-US" altLang="zh-CN" dirty="0"/>
-          </a:p>
-          <a:p>
-            <a:r>
-              <a:rPr lang="en-US" altLang="zh-CN" dirty="0"/>
-              <a:t>4  </a:t>
-            </a:r>
-            <a:r>
-              <a:rPr lang="zh-CN" altLang="en-US" dirty="0"/>
-              <a:t>消息乱序</a:t>
-            </a:r>
-            <a:endParaRPr lang="en-US" altLang="zh-CN" dirty="0"/>
-          </a:p>
-          <a:p>
-            <a:endParaRPr lang="en-US" altLang="zh-CN" dirty="0"/>
-          </a:p>
-          <a:p>
-            <a:r>
-              <a:rPr lang="en-US" altLang="zh-CN" dirty="0"/>
-              <a:t>5  </a:t>
-            </a:r>
-            <a:r>
-              <a:rPr lang="zh-CN" altLang="en-US" dirty="0"/>
-              <a:t>消息重复</a:t>
-            </a:r>
-            <a:endParaRPr lang="en-US" altLang="zh-CN" dirty="0"/>
-          </a:p>
-          <a:p>
-            <a:endParaRPr lang="en-US" altLang="zh-CN" dirty="0"/>
-          </a:p>
-          <a:p>
-            <a:r>
-              <a:rPr lang="en-US" altLang="zh-CN" dirty="0"/>
-              <a:t>6 </a:t>
-            </a:r>
-            <a:r>
-              <a:rPr lang="zh-CN" altLang="en-US" dirty="0"/>
-              <a:t>分布式事务</a:t>
-            </a:r>
-            <a:endParaRPr lang="en-US" altLang="zh-CN" dirty="0"/>
-          </a:p>
-          <a:p>
-            <a:endParaRPr lang="en-US" altLang="zh-CN" dirty="0"/>
-          </a:p>
-          <a:p>
-            <a:r>
-              <a:rPr lang="en-US" altLang="zh-CN" dirty="0"/>
-              <a:t>7 QA&amp;TEST</a:t>
-            </a:r>
-            <a:endParaRPr lang="zh-CN" altLang="en-US" dirty="0"/>
-          </a:p>
-        </p:txBody>
-      </p:sp>
-    </p:spTree>
-    <p:extLst>
-      <p:ext uri="{BB962C8B-B14F-4D97-AF65-F5344CB8AC3E}">
-        <p14:creationId xmlns:p14="http://schemas.microsoft.com/office/powerpoint/2010/main" val="1657703161"/>
-      </p:ext>
-    </p:extLst>
-  </p:cSld>
-  <p:clrMapOvr>
-    <a:masterClrMapping/>
-  </p:clrMapOvr>
-</p:sld>
-</file>
-
-<file path=ppt/slides/slide20.xml><?xml version="1.0" encoding="utf-8"?>
-<p:sld xmlns:a="http://schemas.openxmlformats.org/drawingml/2006/main" xmlns:r="http://schemas.openxmlformats.org/officeDocument/2006/relationships" xmlns:p="http://schemas.openxmlformats.org/presentationml/2006/main">
-  <p:cSld>
-    <p:spTree>
-      <p:nvGrpSpPr>
-        <p:cNvPr id="1" name=""/>
-        <p:cNvGrpSpPr/>
-        <p:nvPr/>
-      </p:nvGrpSpPr>
-      <p:grpSpPr>
-        <a:xfrm>
-          <a:off x="0" y="0"/>
-          <a:ext cx="0" cy="0"/>
-          <a:chOff x="0" y="0"/>
-          <a:chExt cx="0" cy="0"/>
-        </a:xfrm>
-      </p:grpSpPr>
-      <p:sp>
-        <p:nvSpPr>
-          <p:cNvPr id="2" name="标题 1">
-            <a:extLst>
-              <a:ext uri="{FF2B5EF4-FFF2-40B4-BE49-F238E27FC236}">
-                <a16:creationId xmlns:a16="http://schemas.microsoft.com/office/drawing/2014/main" id="{A8240C22-CCD9-44AF-B621-17E57B59C663}"/>
-              </a:ext>
-            </a:extLst>
-          </p:cNvPr>
-          <p:cNvSpPr>
-            <a:spLocks noGrp="1"/>
-          </p:cNvSpPr>
-          <p:nvPr>
-            <p:ph type="title"/>
-          </p:nvPr>
-        </p:nvSpPr>
-        <p:spPr/>
-        <p:txBody>
-          <a:bodyPr/>
-          <a:lstStyle/>
-          <a:p>
-            <a:r>
-              <a:rPr lang="zh-CN" altLang="en-US" dirty="0"/>
-              <a:t>海量数据堆积能力</a:t>
-            </a:r>
-          </a:p>
-        </p:txBody>
-      </p:sp>
-      <p:sp>
-        <p:nvSpPr>
-          <p:cNvPr id="3" name="内容占位符 2">
-            <a:extLst>
-              <a:ext uri="{FF2B5EF4-FFF2-40B4-BE49-F238E27FC236}">
-                <a16:creationId xmlns:a16="http://schemas.microsoft.com/office/drawing/2014/main" id="{0C86E23F-FA68-4815-845A-EAFD917FBE0A}"/>
-              </a:ext>
-            </a:extLst>
-          </p:cNvPr>
-          <p:cNvSpPr>
-            <a:spLocks noGrp="1"/>
-          </p:cNvSpPr>
-          <p:nvPr>
-            <p:ph idx="1"/>
-          </p:nvPr>
-        </p:nvSpPr>
-        <p:spPr/>
-        <p:txBody>
-          <a:bodyPr/>
-          <a:lstStyle/>
-          <a:p>
-            <a:r>
-              <a:rPr lang="zh-CN" altLang="en-US" dirty="0"/>
-              <a:t>面向堆积设计</a:t>
-            </a:r>
-            <a:endParaRPr lang="en-US" altLang="zh-CN" dirty="0"/>
-          </a:p>
-          <a:p>
-            <a:r>
-              <a:rPr lang="en-US" altLang="zh-CN" dirty="0"/>
-              <a:t> </a:t>
-            </a:r>
-            <a:r>
-              <a:rPr lang="zh-CN" altLang="en-US" dirty="0"/>
-              <a:t>大量堆积，系统稳定，延迟不增</a:t>
-            </a:r>
-            <a:endParaRPr lang="en-US" altLang="zh-CN" dirty="0"/>
-          </a:p>
-          <a:p>
-            <a:pPr lvl="2"/>
-            <a:r>
-              <a:rPr lang="zh-CN" altLang="en-US" dirty="0"/>
-              <a:t>百亿级别的消息堆积能力</a:t>
-            </a:r>
-            <a:endParaRPr lang="en-US" altLang="zh-CN" dirty="0"/>
-          </a:p>
-          <a:p>
-            <a:pPr lvl="2"/>
-            <a:r>
-              <a:rPr lang="zh-CN" altLang="en-US" dirty="0"/>
-              <a:t>双十一多年考验</a:t>
-            </a:r>
-            <a:endParaRPr lang="en-US" altLang="zh-CN" dirty="0"/>
-          </a:p>
-          <a:p>
-            <a:pPr lvl="2"/>
-            <a:r>
-              <a:rPr lang="zh-CN" altLang="en-US" dirty="0"/>
-              <a:t>单消息</a:t>
-            </a:r>
-            <a:r>
-              <a:rPr lang="en-US" altLang="zh-CN" dirty="0"/>
-              <a:t>server</a:t>
-            </a:r>
-            <a:r>
-              <a:rPr lang="zh-CN" altLang="en-US" dirty="0"/>
-              <a:t>不可用数据不丢</a:t>
-            </a:r>
-            <a:endParaRPr lang="en-US" altLang="zh-CN" dirty="0"/>
-          </a:p>
-          <a:p>
-            <a:r>
-              <a:rPr lang="zh-CN" altLang="en-US" dirty="0"/>
-              <a:t>默认落磁盘策略，并针对磁盘吞吐做优化。</a:t>
-            </a:r>
-            <a:endParaRPr lang="en-US" altLang="zh-CN" dirty="0"/>
-          </a:p>
-          <a:p>
-            <a:r>
-              <a:rPr lang="zh-CN" altLang="en-US" dirty="0"/>
-              <a:t>集群可无限扩展，保证足够堆积能力。</a:t>
-            </a:r>
-            <a:endParaRPr lang="en-US" altLang="zh-CN" dirty="0"/>
-          </a:p>
-        </p:txBody>
-      </p:sp>
-    </p:spTree>
-    <p:extLst>
-      <p:ext uri="{BB962C8B-B14F-4D97-AF65-F5344CB8AC3E}">
-        <p14:creationId xmlns:p14="http://schemas.microsoft.com/office/powerpoint/2010/main" val="2161584966"/>
-      </p:ext>
-    </p:extLst>
-  </p:cSld>
-  <p:clrMapOvr>
-    <a:masterClrMapping/>
-  </p:clrMapOvr>
-</p:sld>
-</file>
-
-<file path=ppt/slides/slide21.xml><?xml version="1.0" encoding="utf-8"?>
-<p:sld xmlns:a="http://schemas.openxmlformats.org/drawingml/2006/main" xmlns:r="http://schemas.openxmlformats.org/officeDocument/2006/relationships" xmlns:p="http://schemas.openxmlformats.org/presentationml/2006/main">
-  <p:cSld>
-    <p:spTree>
-      <p:nvGrpSpPr>
-        <p:cNvPr id="1" name=""/>
-        <p:cNvGrpSpPr/>
-        <p:nvPr/>
-      </p:nvGrpSpPr>
-      <p:grpSpPr>
-        <a:xfrm>
-          <a:off x="0" y="0"/>
-          <a:ext cx="0" cy="0"/>
-          <a:chOff x="0" y="0"/>
-          <a:chExt cx="0" cy="0"/>
-        </a:xfrm>
-      </p:grpSpPr>
-      <p:sp>
-        <p:nvSpPr>
-          <p:cNvPr id="2" name="标题 1">
-            <a:extLst>
-              <a:ext uri="{FF2B5EF4-FFF2-40B4-BE49-F238E27FC236}">
-                <a16:creationId xmlns:a16="http://schemas.microsoft.com/office/drawing/2014/main" id="{9B7B0009-FBA6-4C52-A0DE-8F08C801A447}"/>
-              </a:ext>
-            </a:extLst>
-          </p:cNvPr>
-          <p:cNvSpPr>
-            <a:spLocks noGrp="1"/>
-          </p:cNvSpPr>
-          <p:nvPr>
-            <p:ph type="title"/>
-          </p:nvPr>
-        </p:nvSpPr>
-        <p:spPr/>
-        <p:txBody>
-          <a:bodyPr/>
-          <a:lstStyle/>
-          <a:p>
-            <a:r>
-              <a:rPr lang="zh-CN" altLang="en-US" dirty="0"/>
-              <a:t>毫秒级别投递延迟</a:t>
-            </a:r>
-          </a:p>
-        </p:txBody>
-      </p:sp>
-      <p:sp>
-        <p:nvSpPr>
-          <p:cNvPr id="3" name="内容占位符 2">
-            <a:extLst>
-              <a:ext uri="{FF2B5EF4-FFF2-40B4-BE49-F238E27FC236}">
-                <a16:creationId xmlns:a16="http://schemas.microsoft.com/office/drawing/2014/main" id="{DEBC67DD-1CF0-42F1-9607-496F62B11A0B}"/>
-              </a:ext>
-            </a:extLst>
-          </p:cNvPr>
-          <p:cNvSpPr>
-            <a:spLocks noGrp="1"/>
-          </p:cNvSpPr>
-          <p:nvPr>
-            <p:ph idx="1"/>
-          </p:nvPr>
-        </p:nvSpPr>
-        <p:spPr/>
-        <p:txBody>
-          <a:bodyPr/>
-          <a:lstStyle/>
-          <a:p>
-            <a:r>
-              <a:rPr lang="zh-CN" altLang="en-US" dirty="0"/>
-              <a:t>采用长轮询</a:t>
-            </a:r>
-            <a:r>
-              <a:rPr lang="en-US" altLang="zh-CN" dirty="0"/>
-              <a:t>/</a:t>
-            </a:r>
-            <a:r>
-              <a:rPr lang="zh-CN" altLang="en-US" dirty="0"/>
-              <a:t>推送方式</a:t>
-            </a:r>
-            <a:endParaRPr lang="en-US" altLang="zh-CN" dirty="0"/>
-          </a:p>
-          <a:p>
-            <a:endParaRPr lang="en-US" altLang="zh-CN" dirty="0"/>
-          </a:p>
-          <a:p>
-            <a:r>
-              <a:rPr lang="zh-CN" altLang="en-US" dirty="0"/>
-              <a:t>应用准备好时候，如何消费一个消息？轮询消费者</a:t>
-            </a:r>
-            <a:endParaRPr lang="en-US" altLang="zh-CN" dirty="0"/>
-          </a:p>
-          <a:p>
-            <a:r>
-              <a:rPr lang="zh-CN" altLang="en-US" dirty="0"/>
-              <a:t>消息达到时候如何让应用自动消费一个消息？事件驱动消费者</a:t>
-            </a:r>
-          </a:p>
-        </p:txBody>
-      </p:sp>
-    </p:spTree>
-    <p:extLst>
-      <p:ext uri="{BB962C8B-B14F-4D97-AF65-F5344CB8AC3E}">
-        <p14:creationId xmlns:p14="http://schemas.microsoft.com/office/powerpoint/2010/main" val="2794853240"/>
-      </p:ext>
-    </p:extLst>
-  </p:cSld>
-  <p:clrMapOvr>
-    <a:masterClrMapping/>
-  </p:clrMapOvr>
-</p:sld>
-</file>
-
 <file path=ppt/slides/slide22.xml><?xml version="1.0" encoding="utf-8"?>
 <p:sld xmlns:a="http://schemas.openxmlformats.org/drawingml/2006/main" xmlns:r="http://schemas.openxmlformats.org/officeDocument/2006/relationships" xmlns:p="http://schemas.openxmlformats.org/presentationml/2006/main">
   <p:cSld>
@@ -8113,7 +9285,7 @@
           <p:cNvPr id="2" name="标题 1">
             <a:extLst>
               <a:ext uri="{FF2B5EF4-FFF2-40B4-BE49-F238E27FC236}">
-                <a16:creationId xmlns:a16="http://schemas.microsoft.com/office/drawing/2014/main" id="{26CC5124-5F0E-4217-B60B-58DF1C74A139}"/>
+                <a16:creationId xmlns:a16="http://schemas.microsoft.com/office/drawing/2014/main" id="{A8240C22-CCD9-44AF-B621-17E57B59C663}"/>
               </a:ext>
             </a:extLst>
           </p:cNvPr>
@@ -8131,70 +9303,101 @@
           <a:p>
             <a:r>
               <a:rPr lang="zh-CN" altLang="en-US" dirty="0"/>
-              <a:t>关键概念</a:t>
-            </a:r>
+              <a:t>海量数据堆积能力</a:t>
+            </a:r>
+          </a:p>
+        </p:txBody>
+      </p:sp>
+      <p:sp>
+        <p:nvSpPr>
+          <p:cNvPr id="3" name="内容占位符 2">
+            <a:extLst>
+              <a:ext uri="{FF2B5EF4-FFF2-40B4-BE49-F238E27FC236}">
+                <a16:creationId xmlns:a16="http://schemas.microsoft.com/office/drawing/2014/main" id="{0C86E23F-FA68-4815-845A-EAFD917FBE0A}"/>
+              </a:ext>
+            </a:extLst>
+          </p:cNvPr>
+          <p:cNvSpPr>
+            <a:spLocks noGrp="1"/>
+          </p:cNvSpPr>
+          <p:nvPr>
+            <p:ph idx="1"/>
+          </p:nvPr>
+        </p:nvSpPr>
+        <p:spPr/>
+        <p:txBody>
+          <a:bodyPr/>
+          <a:lstStyle/>
+          <a:p>
+            <a:r>
+              <a:rPr lang="zh-CN" altLang="en-US" dirty="0"/>
+              <a:t>面向堆积设计</a:t>
+            </a:r>
+            <a:endParaRPr lang="en-US" altLang="zh-CN" dirty="0"/>
+          </a:p>
+          <a:p>
             <a:r>
               <a:rPr lang="en-US" altLang="zh-CN" dirty="0"/>
-              <a:t>-</a:t>
-            </a:r>
-            <a:r>
-              <a:rPr lang="zh-CN" altLang="en-US" dirty="0"/>
-              <a:t>主题</a:t>
+              <a:t> </a:t>
+            </a:r>
+            <a:r>
+              <a:rPr lang="zh-CN" altLang="en-US" dirty="0"/>
+              <a:t>大量堆积，系统稳定，延迟不增</a:t>
+            </a:r>
+            <a:endParaRPr lang="en-US" altLang="zh-CN" dirty="0"/>
+          </a:p>
+          <a:p>
+            <a:pPr lvl="2"/>
+            <a:r>
+              <a:rPr lang="zh-CN" altLang="en-US" dirty="0"/>
+              <a:t>百亿级别的消息堆积能力</a:t>
+            </a:r>
+            <a:endParaRPr lang="en-US" altLang="zh-CN" dirty="0"/>
+          </a:p>
+          <a:p>
+            <a:pPr lvl="2"/>
+            <a:r>
+              <a:rPr lang="zh-CN" altLang="en-US" dirty="0"/>
+              <a:t>双十一多年考验</a:t>
+            </a:r>
+            <a:endParaRPr lang="en-US" altLang="zh-CN" dirty="0"/>
+          </a:p>
+          <a:p>
+            <a:pPr lvl="2"/>
+            <a:r>
+              <a:rPr lang="zh-CN" altLang="en-US" dirty="0"/>
+              <a:t>单消息</a:t>
             </a:r>
             <a:r>
               <a:rPr lang="en-US" altLang="zh-CN" dirty="0"/>
-              <a:t>Topic</a:t>
-            </a:r>
-            <a:endParaRPr lang="zh-CN" altLang="en-US" dirty="0"/>
-          </a:p>
-        </p:txBody>
-      </p:sp>
-      <p:sp>
-        <p:nvSpPr>
-          <p:cNvPr id="3" name="内容占位符 2">
-            <a:extLst>
-              <a:ext uri="{FF2B5EF4-FFF2-40B4-BE49-F238E27FC236}">
-                <a16:creationId xmlns:a16="http://schemas.microsoft.com/office/drawing/2014/main" id="{42FF38F2-C6B3-49A1-B3B0-3990056FBBBC}"/>
-              </a:ext>
-            </a:extLst>
-          </p:cNvPr>
-          <p:cNvSpPr>
-            <a:spLocks noGrp="1"/>
-          </p:cNvSpPr>
-          <p:nvPr>
-            <p:ph idx="1"/>
-          </p:nvPr>
-        </p:nvSpPr>
-        <p:spPr/>
-        <p:txBody>
-          <a:bodyPr/>
-          <a:lstStyle/>
-          <a:p>
-            <a:r>
-              <a:rPr lang="zh-CN" altLang="en-US" dirty="0"/>
-              <a:t>第一级消息类型</a:t>
-            </a:r>
-            <a:endParaRPr lang="en-US" altLang="zh-CN" dirty="0"/>
-          </a:p>
-          <a:p>
-            <a:r>
-              <a:rPr lang="zh-CN" altLang="en-US" dirty="0"/>
-              <a:t>书的标题</a:t>
-            </a:r>
-            <a:endParaRPr lang="en-US" altLang="zh-CN" dirty="0"/>
-          </a:p>
-          <a:p>
-            <a:r>
-              <a:rPr lang="zh-CN" altLang="en-US" dirty="0"/>
-              <a:t>交易消息</a:t>
-            </a:r>
+              <a:t>server</a:t>
+            </a:r>
+            <a:r>
+              <a:rPr lang="zh-CN" altLang="en-US" dirty="0"/>
+              <a:t>不可用数据不丢</a:t>
+            </a:r>
+            <a:endParaRPr lang="en-US" altLang="zh-CN" dirty="0"/>
+          </a:p>
+          <a:p>
+            <a:r>
+              <a:rPr lang="zh-CN" altLang="en-US" dirty="0"/>
+              <a:t>默认落磁盘策略，并针对磁盘吞吐做优化。</a:t>
+            </a:r>
+            <a:endParaRPr lang="en-US" altLang="zh-CN" dirty="0"/>
+          </a:p>
+          <a:p>
+            <a:r>
+              <a:rPr lang="zh-CN" altLang="en-US" dirty="0"/>
+              <a:t>集群可无限扩展，保证足够堆积能力。</a:t>
+            </a:r>
+            <a:endParaRPr lang="en-US" altLang="zh-CN" dirty="0"/>
           </a:p>
         </p:txBody>
       </p:sp>
     </p:spTree>
     <p:extLst>
       <p:ext uri="{BB962C8B-B14F-4D97-AF65-F5344CB8AC3E}">
-        <p14:creationId xmlns:p14="http://schemas.microsoft.com/office/powerpoint/2010/main" val="2056728826"/>
+        <p14:creationId xmlns:p14="http://schemas.microsoft.com/office/powerpoint/2010/main" val="2161584966"/>
       </p:ext>
     </p:extLst>
   </p:cSld>
@@ -8226,7 +9429,7 @@
           <p:cNvPr id="2" name="标题 1">
             <a:extLst>
               <a:ext uri="{FF2B5EF4-FFF2-40B4-BE49-F238E27FC236}">
-                <a16:creationId xmlns:a16="http://schemas.microsoft.com/office/drawing/2014/main" id="{FDBF2192-4EAF-4FA9-8CC4-5C2FD7A5FCF3}"/>
+                <a16:creationId xmlns:a16="http://schemas.microsoft.com/office/drawing/2014/main" id="{9B7B0009-FBA6-4C52-A0DE-8F08C801A447}"/>
               </a:ext>
             </a:extLst>
           </p:cNvPr>
@@ -8244,84 +9447,63 @@
           <a:p>
             <a:r>
               <a:rPr lang="zh-CN" altLang="en-US" dirty="0"/>
-              <a:t>消息类型</a:t>
+              <a:t>毫秒级别投递延迟</a:t>
+            </a:r>
+          </a:p>
+        </p:txBody>
+      </p:sp>
+      <p:sp>
+        <p:nvSpPr>
+          <p:cNvPr id="3" name="内容占位符 2">
+            <a:extLst>
+              <a:ext uri="{FF2B5EF4-FFF2-40B4-BE49-F238E27FC236}">
+                <a16:creationId xmlns:a16="http://schemas.microsoft.com/office/drawing/2014/main" id="{DEBC67DD-1CF0-42F1-9607-496F62B11A0B}"/>
+              </a:ext>
+            </a:extLst>
+          </p:cNvPr>
+          <p:cNvSpPr>
+            <a:spLocks noGrp="1"/>
+          </p:cNvSpPr>
+          <p:nvPr>
+            <p:ph idx="1"/>
+          </p:nvPr>
+        </p:nvSpPr>
+        <p:spPr/>
+        <p:txBody>
+          <a:bodyPr/>
+          <a:lstStyle/>
+          <a:p>
+            <a:r>
+              <a:rPr lang="zh-CN" altLang="en-US" dirty="0"/>
+              <a:t>采用长轮询</a:t>
             </a:r>
             <a:r>
               <a:rPr lang="en-US" altLang="zh-CN" dirty="0"/>
-              <a:t>Tag</a:t>
-            </a:r>
-            <a:endParaRPr lang="zh-CN" altLang="en-US" dirty="0"/>
-          </a:p>
-        </p:txBody>
-      </p:sp>
-      <p:sp>
-        <p:nvSpPr>
-          <p:cNvPr id="3" name="内容占位符 2">
-            <a:extLst>
-              <a:ext uri="{FF2B5EF4-FFF2-40B4-BE49-F238E27FC236}">
-                <a16:creationId xmlns:a16="http://schemas.microsoft.com/office/drawing/2014/main" id="{525BA4E8-2DCF-4ECB-9746-1796895406F3}"/>
-              </a:ext>
-            </a:extLst>
-          </p:cNvPr>
-          <p:cNvSpPr>
-            <a:spLocks noGrp="1"/>
-          </p:cNvSpPr>
-          <p:nvPr>
-            <p:ph idx="1"/>
-          </p:nvPr>
-        </p:nvSpPr>
-        <p:spPr/>
-        <p:txBody>
-          <a:bodyPr/>
-          <a:lstStyle/>
-          <a:p>
-            <a:r>
-              <a:rPr lang="zh-CN" altLang="en-US" dirty="0"/>
-              <a:t>第二级消息类型</a:t>
-            </a:r>
-            <a:endParaRPr lang="en-US" altLang="zh-CN" dirty="0"/>
-          </a:p>
-          <a:p>
-            <a:r>
-              <a:rPr lang="zh-CN" altLang="en-US" dirty="0"/>
-              <a:t>书的目录</a:t>
-            </a:r>
-            <a:endParaRPr lang="en-US" altLang="zh-CN" dirty="0"/>
-          </a:p>
-          <a:p>
-            <a:r>
-              <a:rPr lang="en-US" altLang="zh-CN" dirty="0"/>
-              <a:t>-</a:t>
-            </a:r>
-            <a:r>
-              <a:rPr lang="zh-CN" altLang="en-US" dirty="0"/>
-              <a:t>方便检索</a:t>
-            </a:r>
-            <a:endParaRPr lang="en-US" altLang="zh-CN" dirty="0"/>
-          </a:p>
-          <a:p>
-            <a:endParaRPr lang="en-US" altLang="zh-CN" dirty="0"/>
-          </a:p>
-          <a:p>
-            <a:r>
-              <a:rPr lang="zh-CN" altLang="en-US" dirty="0"/>
-              <a:t>交易消息</a:t>
-            </a:r>
-            <a:endParaRPr lang="en-US" altLang="zh-CN" dirty="0"/>
-          </a:p>
-          <a:p>
-            <a:pPr lvl="1"/>
-            <a:r>
-              <a:rPr lang="zh-CN" altLang="en-US" dirty="0"/>
-              <a:t>交易创建</a:t>
-            </a:r>
-            <a:endParaRPr lang="en-US" altLang="zh-CN" dirty="0"/>
-          </a:p>
-          <a:p>
-            <a:pPr lvl="1"/>
-            <a:r>
-              <a:rPr lang="zh-CN" altLang="en-US" dirty="0"/>
-              <a:t>交易完成</a:t>
+              <a:t>/</a:t>
+            </a:r>
+            <a:r>
+              <a:rPr lang="zh-CN" altLang="en-US" dirty="0"/>
+              <a:t>推送方式</a:t>
+            </a:r>
+            <a:endParaRPr lang="en-US" altLang="zh-CN" dirty="0"/>
+          </a:p>
+          <a:p>
+            <a:endParaRPr lang="en-US" altLang="zh-CN" dirty="0"/>
+          </a:p>
+          <a:p>
+            <a:endParaRPr lang="en-US" altLang="zh-CN" dirty="0"/>
+          </a:p>
+          <a:p>
+            <a:r>
+              <a:rPr lang="zh-CN" altLang="en-US" dirty="0"/>
+              <a:t>应用准备好时候，如何消费一个消息？轮询消费者</a:t>
+            </a:r>
+            <a:endParaRPr lang="en-US" altLang="zh-CN" dirty="0"/>
+          </a:p>
+          <a:p>
+            <a:r>
+              <a:rPr lang="zh-CN" altLang="en-US" dirty="0"/>
+              <a:t>消息达到时候如何让应用自动消费一个消息？事件驱动消费者</a:t>
             </a:r>
           </a:p>
         </p:txBody>
@@ -8329,7 +9511,7 @@
     </p:spTree>
     <p:extLst>
       <p:ext uri="{BB962C8B-B14F-4D97-AF65-F5344CB8AC3E}">
-        <p14:creationId xmlns:p14="http://schemas.microsoft.com/office/powerpoint/2010/main" val="641350505"/>
+        <p14:creationId xmlns:p14="http://schemas.microsoft.com/office/powerpoint/2010/main" val="2794853240"/>
       </p:ext>
     </p:extLst>
   </p:cSld>
@@ -8356,42 +9538,12 @@
           <a:chExt cx="0" cy="0"/>
         </a:xfrm>
       </p:grpSpPr>
-      <p:pic>
-        <p:nvPicPr>
-          <p:cNvPr id="5" name="图片 4">
-            <a:extLst>
-              <a:ext uri="{FF2B5EF4-FFF2-40B4-BE49-F238E27FC236}">
-                <a16:creationId xmlns:a16="http://schemas.microsoft.com/office/drawing/2014/main" id="{894D98FB-A0AB-4D0D-95BA-F4363756A01D}"/>
-              </a:ext>
-            </a:extLst>
-          </p:cNvPr>
-          <p:cNvPicPr>
-            <a:picLocks noChangeAspect="1"/>
-          </p:cNvPicPr>
-          <p:nvPr/>
-        </p:nvPicPr>
-        <p:blipFill>
-          <a:blip r:embed="rId3"/>
-          <a:stretch>
-            <a:fillRect/>
-          </a:stretch>
-        </p:blipFill>
-        <p:spPr>
-          <a:xfrm>
-            <a:off x="2325348" y="1270553"/>
-            <a:ext cx="7869094" cy="4906410"/>
-          </a:xfrm>
-          <a:prstGeom prst="rect">
-            <a:avLst/>
-          </a:prstGeom>
-        </p:spPr>
-      </p:pic>
       <p:sp>
         <p:nvSpPr>
           <p:cNvPr id="2" name="标题 1">
             <a:extLst>
               <a:ext uri="{FF2B5EF4-FFF2-40B4-BE49-F238E27FC236}">
-                <a16:creationId xmlns:a16="http://schemas.microsoft.com/office/drawing/2014/main" id="{B8D8F14F-094D-4537-BD18-25BC80E53F61}"/>
+                <a16:creationId xmlns:a16="http://schemas.microsoft.com/office/drawing/2014/main" id="{26CC5124-5F0E-4217-B60B-58DF1C74A139}"/>
               </a:ext>
             </a:extLst>
           </p:cNvPr>
@@ -8409,8 +9561,21 @@
           <a:p>
             <a:r>
               <a:rPr lang="zh-CN" altLang="en-US" dirty="0"/>
-              <a:t>发送和订阅组</a:t>
-            </a:r>
+              <a:t>关键概念</a:t>
+            </a:r>
+            <a:r>
+              <a:rPr lang="en-US" altLang="zh-CN" dirty="0"/>
+              <a:t>-</a:t>
+            </a:r>
+            <a:r>
+              <a:rPr lang="zh-CN" altLang="en-US" dirty="0"/>
+              <a:t>主题</a:t>
+            </a:r>
+            <a:r>
+              <a:rPr lang="en-US" altLang="zh-CN" dirty="0"/>
+              <a:t>Topic</a:t>
+            </a:r>
+            <a:endParaRPr lang="zh-CN" altLang="en-US" dirty="0"/>
           </a:p>
         </p:txBody>
       </p:sp>
@@ -8419,7 +9584,7 @@
           <p:cNvPr id="3" name="内容占位符 2">
             <a:extLst>
               <a:ext uri="{FF2B5EF4-FFF2-40B4-BE49-F238E27FC236}">
-                <a16:creationId xmlns:a16="http://schemas.microsoft.com/office/drawing/2014/main" id="{C350169F-3C4D-46A6-9734-E1DEC6B8381B}"/>
+                <a16:creationId xmlns:a16="http://schemas.microsoft.com/office/drawing/2014/main" id="{42FF38F2-C6B3-49A1-B3B0-3990056FBBBC}"/>
               </a:ext>
             </a:extLst>
           </p:cNvPr>
@@ -8437,30 +9602,29 @@
           <a:p>
             <a:r>
               <a:rPr lang="zh-CN" altLang="en-US" dirty="0"/>
-              <a:t>发送</a:t>
-            </a:r>
-            <a:r>
-              <a:rPr lang="en-US" altLang="zh-CN" dirty="0"/>
-              <a:t>/</a:t>
-            </a:r>
-            <a:r>
-              <a:rPr lang="zh-CN" altLang="en-US" dirty="0"/>
-              <a:t>接受机器集群</a:t>
-            </a:r>
-            <a:endParaRPr lang="en-US" altLang="zh-CN" dirty="0"/>
-          </a:p>
-          <a:p>
-            <a:endParaRPr lang="en-US" altLang="zh-CN" dirty="0"/>
-          </a:p>
-          <a:p>
-            <a:endParaRPr lang="zh-CN" altLang="en-US" dirty="0"/>
+              <a:t>第一级消息类型</a:t>
+            </a:r>
+            <a:endParaRPr lang="en-US" altLang="zh-CN" dirty="0"/>
+          </a:p>
+          <a:p>
+            <a:r>
+              <a:rPr lang="zh-CN" altLang="en-US" dirty="0"/>
+              <a:t>书的标题</a:t>
+            </a:r>
+            <a:endParaRPr lang="en-US" altLang="zh-CN" dirty="0"/>
+          </a:p>
+          <a:p>
+            <a:r>
+              <a:rPr lang="zh-CN" altLang="en-US" dirty="0"/>
+              <a:t>交易消息</a:t>
+            </a:r>
           </a:p>
         </p:txBody>
       </p:sp>
     </p:spTree>
     <p:extLst>
       <p:ext uri="{BB962C8B-B14F-4D97-AF65-F5344CB8AC3E}">
-        <p14:creationId xmlns:p14="http://schemas.microsoft.com/office/powerpoint/2010/main" val="1394943608"/>
+        <p14:creationId xmlns:p14="http://schemas.microsoft.com/office/powerpoint/2010/main" val="2056728826"/>
       </p:ext>
     </p:extLst>
   </p:cSld>
@@ -8489,49 +9653,105 @@
       </p:grpSpPr>
       <p:sp>
         <p:nvSpPr>
-          <p:cNvPr id="5" name="矩形 4">
-            <a:extLst>
-              <a:ext uri="{FF2B5EF4-FFF2-40B4-BE49-F238E27FC236}">
-                <a16:creationId xmlns:a16="http://schemas.microsoft.com/office/drawing/2014/main" id="{ADBE9B92-7036-4D95-8CB3-6D7E8CFD3102}"/>
-              </a:ext>
-            </a:extLst>
-          </p:cNvPr>
-          <p:cNvSpPr/>
-          <p:nvPr/>
-        </p:nvSpPr>
-        <p:spPr>
-          <a:xfrm>
-            <a:off x="0" y="2186608"/>
-            <a:ext cx="12192000" cy="1709531"/>
-          </a:xfrm>
-          <a:prstGeom prst="rect">
-            <a:avLst/>
-          </a:prstGeom>
-        </p:spPr>
-        <p:style>
-          <a:lnRef idx="2">
-            <a:schemeClr val="accent1">
-              <a:shade val="50000"/>
-            </a:schemeClr>
-          </a:lnRef>
-          <a:fillRef idx="1">
-            <a:schemeClr val="accent1"/>
-          </a:fillRef>
-          <a:effectRef idx="0">
-            <a:schemeClr val="accent1"/>
-          </a:effectRef>
-          <a:fontRef idx="minor">
-            <a:schemeClr val="lt1"/>
-          </a:fontRef>
-        </p:style>
-        <p:txBody>
-          <a:bodyPr rtlCol="0" anchor="ctr"/>
-          <a:lstStyle/>
-          <a:p>
-            <a:pPr algn="ctr"/>
-            <a:r>
-              <a:rPr lang="zh-CN" altLang="en-US" sz="5400" dirty="0"/>
-              <a:t>消息乱序问题</a:t>
+          <p:cNvPr id="2" name="标题 1">
+            <a:extLst>
+              <a:ext uri="{FF2B5EF4-FFF2-40B4-BE49-F238E27FC236}">
+                <a16:creationId xmlns:a16="http://schemas.microsoft.com/office/drawing/2014/main" id="{FDBF2192-4EAF-4FA9-8CC4-5C2FD7A5FCF3}"/>
+              </a:ext>
+            </a:extLst>
+          </p:cNvPr>
+          <p:cNvSpPr>
+            <a:spLocks noGrp="1"/>
+          </p:cNvSpPr>
+          <p:nvPr>
+            <p:ph type="title"/>
+          </p:nvPr>
+        </p:nvSpPr>
+        <p:spPr/>
+        <p:txBody>
+          <a:bodyPr/>
+          <a:lstStyle/>
+          <a:p>
+            <a:r>
+              <a:rPr lang="zh-CN" altLang="en-US" dirty="0"/>
+              <a:t>消息类型</a:t>
+            </a:r>
+            <a:r>
+              <a:rPr lang="en-US" altLang="zh-CN" dirty="0"/>
+              <a:t>Tag</a:t>
+            </a:r>
+            <a:endParaRPr lang="zh-CN" altLang="en-US" dirty="0"/>
+          </a:p>
+        </p:txBody>
+      </p:sp>
+      <p:sp>
+        <p:nvSpPr>
+          <p:cNvPr id="3" name="内容占位符 2">
+            <a:extLst>
+              <a:ext uri="{FF2B5EF4-FFF2-40B4-BE49-F238E27FC236}">
+                <a16:creationId xmlns:a16="http://schemas.microsoft.com/office/drawing/2014/main" id="{525BA4E8-2DCF-4ECB-9746-1796895406F3}"/>
+              </a:ext>
+            </a:extLst>
+          </p:cNvPr>
+          <p:cNvSpPr>
+            <a:spLocks noGrp="1"/>
+          </p:cNvSpPr>
+          <p:nvPr>
+            <p:ph idx="1"/>
+          </p:nvPr>
+        </p:nvSpPr>
+        <p:spPr/>
+        <p:txBody>
+          <a:bodyPr/>
+          <a:lstStyle/>
+          <a:p>
+            <a:r>
+              <a:rPr lang="zh-CN" altLang="en-US" dirty="0"/>
+              <a:t>第二级消息类型</a:t>
+            </a:r>
+            <a:endParaRPr lang="en-US" altLang="zh-CN" dirty="0"/>
+          </a:p>
+          <a:p>
+            <a:r>
+              <a:rPr lang="zh-CN" altLang="en-US" dirty="0"/>
+              <a:t>书的目录</a:t>
+            </a:r>
+            <a:endParaRPr lang="en-US" altLang="zh-CN" dirty="0"/>
+          </a:p>
+          <a:p>
+            <a:r>
+              <a:rPr lang="en-US" altLang="zh-CN" dirty="0"/>
+              <a:t>-</a:t>
+            </a:r>
+            <a:r>
+              <a:rPr lang="zh-CN" altLang="en-US" dirty="0"/>
+              <a:t>方便检索</a:t>
+            </a:r>
+            <a:endParaRPr lang="en-US" altLang="zh-CN" dirty="0"/>
+          </a:p>
+          <a:p>
+            <a:endParaRPr lang="en-US" altLang="zh-CN" dirty="0"/>
+          </a:p>
+          <a:p>
+            <a:r>
+              <a:rPr lang="zh-CN" altLang="en-US" dirty="0"/>
+              <a:t>交易消息</a:t>
+            </a:r>
+            <a:endParaRPr lang="en-US" altLang="zh-CN" dirty="0"/>
+          </a:p>
+          <a:p>
+            <a:pPr lvl="1"/>
+            <a:r>
+              <a:rPr lang="zh-CN" altLang="en-US" dirty="0"/>
+              <a:t>交易创建</a:t>
+            </a:r>
+            <a:endParaRPr lang="en-US" altLang="zh-CN" dirty="0"/>
+          </a:p>
+          <a:p>
+            <a:pPr lvl="1"/>
+            <a:r>
+              <a:rPr lang="zh-CN" altLang="en-US" dirty="0"/>
+              <a:t>交易完成</a:t>
             </a:r>
           </a:p>
         </p:txBody>
@@ -8539,7 +9759,7 @@
     </p:spTree>
     <p:extLst>
       <p:ext uri="{BB962C8B-B14F-4D97-AF65-F5344CB8AC3E}">
-        <p14:creationId xmlns:p14="http://schemas.microsoft.com/office/powerpoint/2010/main" val="3547896743"/>
+        <p14:creationId xmlns:p14="http://schemas.microsoft.com/office/powerpoint/2010/main" val="641350505"/>
       </p:ext>
     </p:extLst>
   </p:cSld>
@@ -8566,6 +9786,216 @@
           <a:chExt cx="0" cy="0"/>
         </a:xfrm>
       </p:grpSpPr>
+      <p:pic>
+        <p:nvPicPr>
+          <p:cNvPr id="5" name="图片 4">
+            <a:extLst>
+              <a:ext uri="{FF2B5EF4-FFF2-40B4-BE49-F238E27FC236}">
+                <a16:creationId xmlns:a16="http://schemas.microsoft.com/office/drawing/2014/main" id="{894D98FB-A0AB-4D0D-95BA-F4363756A01D}"/>
+              </a:ext>
+            </a:extLst>
+          </p:cNvPr>
+          <p:cNvPicPr>
+            <a:picLocks noChangeAspect="1"/>
+          </p:cNvPicPr>
+          <p:nvPr/>
+        </p:nvPicPr>
+        <p:blipFill>
+          <a:blip r:embed="rId3"/>
+          <a:stretch>
+            <a:fillRect/>
+          </a:stretch>
+        </p:blipFill>
+        <p:spPr>
+          <a:xfrm>
+            <a:off x="2325348" y="1270553"/>
+            <a:ext cx="7869094" cy="4906410"/>
+          </a:xfrm>
+          <a:prstGeom prst="rect">
+            <a:avLst/>
+          </a:prstGeom>
+        </p:spPr>
+      </p:pic>
+      <p:sp>
+        <p:nvSpPr>
+          <p:cNvPr id="2" name="标题 1">
+            <a:extLst>
+              <a:ext uri="{FF2B5EF4-FFF2-40B4-BE49-F238E27FC236}">
+                <a16:creationId xmlns:a16="http://schemas.microsoft.com/office/drawing/2014/main" id="{B8D8F14F-094D-4537-BD18-25BC80E53F61}"/>
+              </a:ext>
+            </a:extLst>
+          </p:cNvPr>
+          <p:cNvSpPr>
+            <a:spLocks noGrp="1"/>
+          </p:cNvSpPr>
+          <p:nvPr>
+            <p:ph type="title"/>
+          </p:nvPr>
+        </p:nvSpPr>
+        <p:spPr/>
+        <p:txBody>
+          <a:bodyPr/>
+          <a:lstStyle/>
+          <a:p>
+            <a:r>
+              <a:rPr lang="zh-CN" altLang="en-US" dirty="0"/>
+              <a:t>发送和订阅组</a:t>
+            </a:r>
+          </a:p>
+        </p:txBody>
+      </p:sp>
+      <p:sp>
+        <p:nvSpPr>
+          <p:cNvPr id="3" name="内容占位符 2">
+            <a:extLst>
+              <a:ext uri="{FF2B5EF4-FFF2-40B4-BE49-F238E27FC236}">
+                <a16:creationId xmlns:a16="http://schemas.microsoft.com/office/drawing/2014/main" id="{C350169F-3C4D-46A6-9734-E1DEC6B8381B}"/>
+              </a:ext>
+            </a:extLst>
+          </p:cNvPr>
+          <p:cNvSpPr>
+            <a:spLocks noGrp="1"/>
+          </p:cNvSpPr>
+          <p:nvPr>
+            <p:ph idx="1"/>
+          </p:nvPr>
+        </p:nvSpPr>
+        <p:spPr/>
+        <p:txBody>
+          <a:bodyPr/>
+          <a:lstStyle/>
+          <a:p>
+            <a:r>
+              <a:rPr lang="zh-CN" altLang="en-US" dirty="0"/>
+              <a:t>发送</a:t>
+            </a:r>
+            <a:r>
+              <a:rPr lang="en-US" altLang="zh-CN" dirty="0"/>
+              <a:t>/</a:t>
+            </a:r>
+            <a:r>
+              <a:rPr lang="zh-CN" altLang="en-US" dirty="0"/>
+              <a:t>接受机器集群</a:t>
+            </a:r>
+            <a:endParaRPr lang="en-US" altLang="zh-CN" dirty="0"/>
+          </a:p>
+          <a:p>
+            <a:endParaRPr lang="en-US" altLang="zh-CN" dirty="0"/>
+          </a:p>
+          <a:p>
+            <a:endParaRPr lang="zh-CN" altLang="en-US" dirty="0"/>
+          </a:p>
+        </p:txBody>
+      </p:sp>
+    </p:spTree>
+    <p:extLst>
+      <p:ext uri="{BB962C8B-B14F-4D97-AF65-F5344CB8AC3E}">
+        <p14:creationId xmlns:p14="http://schemas.microsoft.com/office/powerpoint/2010/main" val="1394943608"/>
+      </p:ext>
+    </p:extLst>
+  </p:cSld>
+  <p:clrMapOvr>
+    <a:masterClrMapping/>
+  </p:clrMapOvr>
+</p:sld>
+</file>
+
+<file path=ppt/slides/slide27.xml><?xml version="1.0" encoding="utf-8"?>
+<p:sld xmlns:a="http://schemas.openxmlformats.org/drawingml/2006/main" xmlns:r="http://schemas.openxmlformats.org/officeDocument/2006/relationships" xmlns:p="http://schemas.openxmlformats.org/presentationml/2006/main">
+  <p:cSld>
+    <p:spTree>
+      <p:nvGrpSpPr>
+        <p:cNvPr id="1" name=""/>
+        <p:cNvGrpSpPr/>
+        <p:nvPr/>
+      </p:nvGrpSpPr>
+      <p:grpSpPr>
+        <a:xfrm>
+          <a:off x="0" y="0"/>
+          <a:ext cx="0" cy="0"/>
+          <a:chOff x="0" y="0"/>
+          <a:chExt cx="0" cy="0"/>
+        </a:xfrm>
+      </p:grpSpPr>
+      <p:sp>
+        <p:nvSpPr>
+          <p:cNvPr id="5" name="矩形 4">
+            <a:extLst>
+              <a:ext uri="{FF2B5EF4-FFF2-40B4-BE49-F238E27FC236}">
+                <a16:creationId xmlns:a16="http://schemas.microsoft.com/office/drawing/2014/main" id="{ADBE9B92-7036-4D95-8CB3-6D7E8CFD3102}"/>
+              </a:ext>
+            </a:extLst>
+          </p:cNvPr>
+          <p:cNvSpPr/>
+          <p:nvPr/>
+        </p:nvSpPr>
+        <p:spPr>
+          <a:xfrm>
+            <a:off x="0" y="2186608"/>
+            <a:ext cx="12192000" cy="1709531"/>
+          </a:xfrm>
+          <a:prstGeom prst="rect">
+            <a:avLst/>
+          </a:prstGeom>
+        </p:spPr>
+        <p:style>
+          <a:lnRef idx="2">
+            <a:schemeClr val="accent1">
+              <a:shade val="50000"/>
+            </a:schemeClr>
+          </a:lnRef>
+          <a:fillRef idx="1">
+            <a:schemeClr val="accent1"/>
+          </a:fillRef>
+          <a:effectRef idx="0">
+            <a:schemeClr val="accent1"/>
+          </a:effectRef>
+          <a:fontRef idx="minor">
+            <a:schemeClr val="lt1"/>
+          </a:fontRef>
+        </p:style>
+        <p:txBody>
+          <a:bodyPr rtlCol="0" anchor="ctr"/>
+          <a:lstStyle/>
+          <a:p>
+            <a:pPr algn="ctr"/>
+            <a:r>
+              <a:rPr lang="zh-CN" altLang="en-US" sz="5400" dirty="0"/>
+              <a:t>消息乱序问题</a:t>
+            </a:r>
+          </a:p>
+        </p:txBody>
+      </p:sp>
+    </p:spTree>
+    <p:extLst>
+      <p:ext uri="{BB962C8B-B14F-4D97-AF65-F5344CB8AC3E}">
+        <p14:creationId xmlns:p14="http://schemas.microsoft.com/office/powerpoint/2010/main" val="3547896743"/>
+      </p:ext>
+    </p:extLst>
+  </p:cSld>
+  <p:clrMapOvr>
+    <a:masterClrMapping/>
+  </p:clrMapOvr>
+</p:sld>
+</file>
+
+<file path=ppt/slides/slide28.xml><?xml version="1.0" encoding="utf-8"?>
+<p:sld xmlns:a="http://schemas.openxmlformats.org/drawingml/2006/main" xmlns:r="http://schemas.openxmlformats.org/officeDocument/2006/relationships" xmlns:p="http://schemas.openxmlformats.org/presentationml/2006/main">
+  <p:cSld>
+    <p:spTree>
+      <p:nvGrpSpPr>
+        <p:cNvPr id="1" name=""/>
+        <p:cNvGrpSpPr/>
+        <p:nvPr/>
+      </p:nvGrpSpPr>
+      <p:grpSpPr>
+        <a:xfrm>
+          <a:off x="0" y="0"/>
+          <a:ext cx="0" cy="0"/>
+          <a:chOff x="0" y="0"/>
+          <a:chExt cx="0" cy="0"/>
+        </a:xfrm>
+      </p:grpSpPr>
       <p:sp>
         <p:nvSpPr>
           <p:cNvPr id="2" name="标题 1">
@@ -8639,7 +10069,7 @@
 </p:sld>
 </file>
 
-<file path=ppt/slides/slide27.xml><?xml version="1.0" encoding="utf-8"?>
+<file path=ppt/slides/slide29.xml><?xml version="1.0" encoding="utf-8"?>
 <p:sld xmlns:a="http://schemas.openxmlformats.org/drawingml/2006/main" xmlns:r="http://schemas.openxmlformats.org/officeDocument/2006/relationships" xmlns:p="http://schemas.openxmlformats.org/presentationml/2006/main">
   <p:cSld>
     <p:spTree>
@@ -8778,274 +10208,6 @@
 </p:sld>
 </file>
 
-<file path=ppt/slides/slide28.xml><?xml version="1.0" encoding="utf-8"?>
-<p:sld xmlns:a="http://schemas.openxmlformats.org/drawingml/2006/main" xmlns:r="http://schemas.openxmlformats.org/officeDocument/2006/relationships" xmlns:p="http://schemas.openxmlformats.org/presentationml/2006/main">
-  <p:cSld>
-    <p:spTree>
-      <p:nvGrpSpPr>
-        <p:cNvPr id="1" name=""/>
-        <p:cNvGrpSpPr/>
-        <p:nvPr/>
-      </p:nvGrpSpPr>
-      <p:grpSpPr>
-        <a:xfrm>
-          <a:off x="0" y="0"/>
-          <a:ext cx="0" cy="0"/>
-          <a:chOff x="0" y="0"/>
-          <a:chExt cx="0" cy="0"/>
-        </a:xfrm>
-      </p:grpSpPr>
-      <p:sp>
-        <p:nvSpPr>
-          <p:cNvPr id="2" name="标题 1">
-            <a:extLst>
-              <a:ext uri="{FF2B5EF4-FFF2-40B4-BE49-F238E27FC236}">
-                <a16:creationId xmlns:a16="http://schemas.microsoft.com/office/drawing/2014/main" id="{EA3954F2-1D5A-4F77-8418-89C02BAF4F10}"/>
-              </a:ext>
-            </a:extLst>
-          </p:cNvPr>
-          <p:cNvSpPr>
-            <a:spLocks noGrp="1"/>
-          </p:cNvSpPr>
-          <p:nvPr>
-            <p:ph type="title"/>
-          </p:nvPr>
-        </p:nvSpPr>
-        <p:spPr/>
-        <p:txBody>
-          <a:bodyPr/>
-          <a:lstStyle/>
-          <a:p>
-            <a:r>
-              <a:rPr lang="zh-CN" altLang="en-US" dirty="0"/>
-              <a:t>有序队列优劣分析</a:t>
-            </a:r>
-          </a:p>
-        </p:txBody>
-      </p:sp>
-      <p:sp>
-        <p:nvSpPr>
-          <p:cNvPr id="3" name="内容占位符 2">
-            <a:extLst>
-              <a:ext uri="{FF2B5EF4-FFF2-40B4-BE49-F238E27FC236}">
-                <a16:creationId xmlns:a16="http://schemas.microsoft.com/office/drawing/2014/main" id="{FBBF5FD3-1BC5-4827-9101-D7DA5DE8AACE}"/>
-              </a:ext>
-            </a:extLst>
-          </p:cNvPr>
-          <p:cNvSpPr>
-            <a:spLocks noGrp="1"/>
-          </p:cNvSpPr>
-          <p:nvPr>
-            <p:ph idx="1"/>
-          </p:nvPr>
-        </p:nvSpPr>
-        <p:spPr/>
-        <p:txBody>
-          <a:bodyPr>
-            <a:normAutofit lnSpcReduction="10000"/>
-          </a:bodyPr>
-          <a:lstStyle/>
-          <a:p>
-            <a:r>
-              <a:rPr lang="zh-CN" altLang="en-US" dirty="0"/>
-              <a:t>优势：</a:t>
-            </a:r>
-            <a:r>
-              <a:rPr lang="en-US" altLang="zh-CN" dirty="0"/>
-              <a:t>	</a:t>
-            </a:r>
-          </a:p>
-          <a:p>
-            <a:pPr lvl="1"/>
-            <a:r>
-              <a:rPr lang="en-US" altLang="zh-CN" dirty="0"/>
-              <a:t>  </a:t>
-            </a:r>
-            <a:r>
-              <a:rPr lang="zh-CN" altLang="en-US" dirty="0"/>
-              <a:t>容易理解</a:t>
-            </a:r>
-            <a:endParaRPr lang="en-US" altLang="zh-CN" dirty="0"/>
-          </a:p>
-          <a:p>
-            <a:pPr lvl="1"/>
-            <a:r>
-              <a:rPr lang="zh-CN" altLang="en-US" dirty="0"/>
-              <a:t>处理问题容易</a:t>
-            </a:r>
-            <a:endParaRPr lang="en-US" altLang="zh-CN" dirty="0"/>
-          </a:p>
-          <a:p>
-            <a:pPr lvl="1"/>
-            <a:endParaRPr lang="en-US" altLang="zh-CN" dirty="0"/>
-          </a:p>
-          <a:p>
-            <a:pPr lvl="1"/>
-            <a:endParaRPr lang="en-US" altLang="zh-CN" dirty="0"/>
-          </a:p>
-          <a:p>
-            <a:r>
-              <a:rPr lang="zh-CN" altLang="en-US" dirty="0"/>
-              <a:t>劣势：</a:t>
-            </a:r>
-            <a:endParaRPr lang="en-US" altLang="zh-CN" dirty="0"/>
-          </a:p>
-          <a:p>
-            <a:pPr lvl="1"/>
-            <a:r>
-              <a:rPr lang="zh-CN" altLang="en-US" dirty="0"/>
-              <a:t>并行度瓶颈</a:t>
-            </a:r>
-            <a:endParaRPr lang="en-US" altLang="zh-CN" dirty="0"/>
-          </a:p>
-          <a:p>
-            <a:pPr lvl="1"/>
-            <a:r>
-              <a:rPr lang="zh-CN" altLang="en-US" dirty="0"/>
-              <a:t>异常处理</a:t>
-            </a:r>
-            <a:endParaRPr lang="en-US" altLang="zh-CN" dirty="0"/>
-          </a:p>
-          <a:p>
-            <a:pPr lvl="1"/>
-            <a:endParaRPr lang="en-US" altLang="zh-CN" dirty="0"/>
-          </a:p>
-          <a:p>
-            <a:r>
-              <a:rPr lang="en-US" altLang="zh-CN" dirty="0"/>
-              <a:t>BUT</a:t>
-            </a:r>
-          </a:p>
-          <a:p>
-            <a:pPr lvl="1"/>
-            <a:r>
-              <a:rPr lang="zh-CN" altLang="en-US" dirty="0"/>
-              <a:t>我们需要集群容错性和高吞吐！</a:t>
-            </a:r>
-            <a:endParaRPr lang="en-US" altLang="zh-CN" dirty="0"/>
-          </a:p>
-        </p:txBody>
-      </p:sp>
-    </p:spTree>
-    <p:extLst>
-      <p:ext uri="{BB962C8B-B14F-4D97-AF65-F5344CB8AC3E}">
-        <p14:creationId xmlns:p14="http://schemas.microsoft.com/office/powerpoint/2010/main" val="2271129364"/>
-      </p:ext>
-    </p:extLst>
-  </p:cSld>
-  <p:clrMapOvr>
-    <a:masterClrMapping/>
-  </p:clrMapOvr>
-</p:sld>
-</file>
-
-<file path=ppt/slides/slide29.xml><?xml version="1.0" encoding="utf-8"?>
-<p:sld xmlns:a="http://schemas.openxmlformats.org/drawingml/2006/main" xmlns:r="http://schemas.openxmlformats.org/officeDocument/2006/relationships" xmlns:p="http://schemas.openxmlformats.org/presentationml/2006/main">
-  <p:cSld>
-    <p:spTree>
-      <p:nvGrpSpPr>
-        <p:cNvPr id="1" name=""/>
-        <p:cNvGrpSpPr/>
-        <p:nvPr/>
-      </p:nvGrpSpPr>
-      <p:grpSpPr>
-        <a:xfrm>
-          <a:off x="0" y="0"/>
-          <a:ext cx="0" cy="0"/>
-          <a:chOff x="0" y="0"/>
-          <a:chExt cx="0" cy="0"/>
-        </a:xfrm>
-      </p:grpSpPr>
-      <p:sp>
-        <p:nvSpPr>
-          <p:cNvPr id="2" name="标题 1">
-            <a:extLst>
-              <a:ext uri="{FF2B5EF4-FFF2-40B4-BE49-F238E27FC236}">
-                <a16:creationId xmlns:a16="http://schemas.microsoft.com/office/drawing/2014/main" id="{0B30EEDF-9476-4842-8D20-AC235E62339C}"/>
-              </a:ext>
-            </a:extLst>
-          </p:cNvPr>
-          <p:cNvSpPr>
-            <a:spLocks noGrp="1"/>
-          </p:cNvSpPr>
-          <p:nvPr>
-            <p:ph type="title"/>
-          </p:nvPr>
-        </p:nvSpPr>
-        <p:spPr/>
-        <p:txBody>
-          <a:bodyPr/>
-          <a:lstStyle/>
-          <a:p>
-            <a:endParaRPr lang="zh-CN" altLang="en-US"/>
-          </a:p>
-        </p:txBody>
-      </p:sp>
-      <p:sp>
-        <p:nvSpPr>
-          <p:cNvPr id="3" name="内容占位符 2">
-            <a:extLst>
-              <a:ext uri="{FF2B5EF4-FFF2-40B4-BE49-F238E27FC236}">
-                <a16:creationId xmlns:a16="http://schemas.microsoft.com/office/drawing/2014/main" id="{0B40D793-E414-41C1-870E-8F1182D674BA}"/>
-              </a:ext>
-            </a:extLst>
-          </p:cNvPr>
-          <p:cNvSpPr>
-            <a:spLocks noGrp="1"/>
-          </p:cNvSpPr>
-          <p:nvPr>
-            <p:ph idx="1"/>
-          </p:nvPr>
-        </p:nvSpPr>
-        <p:spPr/>
-        <p:txBody>
-          <a:bodyPr/>
-          <a:lstStyle/>
-          <a:p>
-            <a:r>
-              <a:rPr lang="zh-CN" altLang="en-US" dirty="0"/>
-              <a:t>在世界上解决计算机问题的最简单方法：</a:t>
-            </a:r>
-            <a:endParaRPr lang="en-US" altLang="zh-CN" dirty="0"/>
-          </a:p>
-          <a:p>
-            <a:pPr lvl="1"/>
-            <a:r>
-              <a:rPr lang="zh-CN" altLang="en-US" dirty="0"/>
-              <a:t>“恰好</a:t>
-            </a:r>
-            <a:r>
-              <a:rPr lang="en-US" altLang="zh-CN" dirty="0"/>
-              <a:t>”</a:t>
-            </a:r>
-            <a:r>
-              <a:rPr lang="zh-CN" altLang="en-US" dirty="0"/>
-              <a:t>不需要解决它。</a:t>
-            </a:r>
-            <a:endParaRPr lang="en-US" altLang="zh-CN" dirty="0"/>
-          </a:p>
-          <a:p>
-            <a:pPr lvl="1"/>
-            <a:r>
-              <a:rPr lang="zh-CN" altLang="en-US" dirty="0"/>
-              <a:t>因为解决任何一个问题都有付出代价。</a:t>
-            </a:r>
-          </a:p>
-        </p:txBody>
-      </p:sp>
-    </p:spTree>
-    <p:extLst>
-      <p:ext uri="{BB962C8B-B14F-4D97-AF65-F5344CB8AC3E}">
-        <p14:creationId xmlns:p14="http://schemas.microsoft.com/office/powerpoint/2010/main" val="1561047756"/>
-      </p:ext>
-    </p:extLst>
-  </p:cSld>
-  <p:clrMapOvr>
-    <a:masterClrMapping/>
-  </p:clrMapOvr>
-</p:sld>
-</file>
-
 <file path=ppt/slides/slide3.xml><?xml version="1.0" encoding="utf-8"?>
 <p:sld xmlns:a="http://schemas.openxmlformats.org/drawingml/2006/main" xmlns:r="http://schemas.openxmlformats.org/officeDocument/2006/relationships" xmlns:p="http://schemas.openxmlformats.org/presentationml/2006/main">
   <p:cSld>
@@ -9151,6 +10313,274 @@
           <p:cNvPr id="2" name="标题 1">
             <a:extLst>
               <a:ext uri="{FF2B5EF4-FFF2-40B4-BE49-F238E27FC236}">
+                <a16:creationId xmlns:a16="http://schemas.microsoft.com/office/drawing/2014/main" id="{EA3954F2-1D5A-4F77-8418-89C02BAF4F10}"/>
+              </a:ext>
+            </a:extLst>
+          </p:cNvPr>
+          <p:cNvSpPr>
+            <a:spLocks noGrp="1"/>
+          </p:cNvSpPr>
+          <p:nvPr>
+            <p:ph type="title"/>
+          </p:nvPr>
+        </p:nvSpPr>
+        <p:spPr/>
+        <p:txBody>
+          <a:bodyPr/>
+          <a:lstStyle/>
+          <a:p>
+            <a:r>
+              <a:rPr lang="zh-CN" altLang="en-US" dirty="0"/>
+              <a:t>有序队列优劣分析</a:t>
+            </a:r>
+          </a:p>
+        </p:txBody>
+      </p:sp>
+      <p:sp>
+        <p:nvSpPr>
+          <p:cNvPr id="3" name="内容占位符 2">
+            <a:extLst>
+              <a:ext uri="{FF2B5EF4-FFF2-40B4-BE49-F238E27FC236}">
+                <a16:creationId xmlns:a16="http://schemas.microsoft.com/office/drawing/2014/main" id="{FBBF5FD3-1BC5-4827-9101-D7DA5DE8AACE}"/>
+              </a:ext>
+            </a:extLst>
+          </p:cNvPr>
+          <p:cNvSpPr>
+            <a:spLocks noGrp="1"/>
+          </p:cNvSpPr>
+          <p:nvPr>
+            <p:ph idx="1"/>
+          </p:nvPr>
+        </p:nvSpPr>
+        <p:spPr/>
+        <p:txBody>
+          <a:bodyPr>
+            <a:normAutofit lnSpcReduction="10000"/>
+          </a:bodyPr>
+          <a:lstStyle/>
+          <a:p>
+            <a:r>
+              <a:rPr lang="zh-CN" altLang="en-US" dirty="0"/>
+              <a:t>优势：</a:t>
+            </a:r>
+            <a:r>
+              <a:rPr lang="en-US" altLang="zh-CN" dirty="0"/>
+              <a:t>	</a:t>
+            </a:r>
+          </a:p>
+          <a:p>
+            <a:pPr lvl="1"/>
+            <a:r>
+              <a:rPr lang="en-US" altLang="zh-CN" dirty="0"/>
+              <a:t>  </a:t>
+            </a:r>
+            <a:r>
+              <a:rPr lang="zh-CN" altLang="en-US" dirty="0"/>
+              <a:t>容易理解</a:t>
+            </a:r>
+            <a:endParaRPr lang="en-US" altLang="zh-CN" dirty="0"/>
+          </a:p>
+          <a:p>
+            <a:pPr lvl="1"/>
+            <a:r>
+              <a:rPr lang="zh-CN" altLang="en-US" dirty="0"/>
+              <a:t>处理问题容易</a:t>
+            </a:r>
+            <a:endParaRPr lang="en-US" altLang="zh-CN" dirty="0"/>
+          </a:p>
+          <a:p>
+            <a:pPr lvl="1"/>
+            <a:endParaRPr lang="en-US" altLang="zh-CN" dirty="0"/>
+          </a:p>
+          <a:p>
+            <a:pPr lvl="1"/>
+            <a:endParaRPr lang="en-US" altLang="zh-CN" dirty="0"/>
+          </a:p>
+          <a:p>
+            <a:r>
+              <a:rPr lang="zh-CN" altLang="en-US" dirty="0"/>
+              <a:t>劣势：</a:t>
+            </a:r>
+            <a:endParaRPr lang="en-US" altLang="zh-CN" dirty="0"/>
+          </a:p>
+          <a:p>
+            <a:pPr lvl="1"/>
+            <a:r>
+              <a:rPr lang="zh-CN" altLang="en-US" dirty="0"/>
+              <a:t>并行度瓶颈</a:t>
+            </a:r>
+            <a:endParaRPr lang="en-US" altLang="zh-CN" dirty="0"/>
+          </a:p>
+          <a:p>
+            <a:pPr lvl="1"/>
+            <a:r>
+              <a:rPr lang="zh-CN" altLang="en-US" dirty="0"/>
+              <a:t>异常处理</a:t>
+            </a:r>
+            <a:endParaRPr lang="en-US" altLang="zh-CN" dirty="0"/>
+          </a:p>
+          <a:p>
+            <a:pPr lvl="1"/>
+            <a:endParaRPr lang="en-US" altLang="zh-CN" dirty="0"/>
+          </a:p>
+          <a:p>
+            <a:r>
+              <a:rPr lang="en-US" altLang="zh-CN" dirty="0"/>
+              <a:t>BUT</a:t>
+            </a:r>
+          </a:p>
+          <a:p>
+            <a:pPr lvl="1"/>
+            <a:r>
+              <a:rPr lang="zh-CN" altLang="en-US" dirty="0"/>
+              <a:t>我们需要集群容错性和高吞吐！</a:t>
+            </a:r>
+            <a:endParaRPr lang="en-US" altLang="zh-CN" dirty="0"/>
+          </a:p>
+        </p:txBody>
+      </p:sp>
+    </p:spTree>
+    <p:extLst>
+      <p:ext uri="{BB962C8B-B14F-4D97-AF65-F5344CB8AC3E}">
+        <p14:creationId xmlns:p14="http://schemas.microsoft.com/office/powerpoint/2010/main" val="2271129364"/>
+      </p:ext>
+    </p:extLst>
+  </p:cSld>
+  <p:clrMapOvr>
+    <a:masterClrMapping/>
+  </p:clrMapOvr>
+</p:sld>
+</file>
+
+<file path=ppt/slides/slide31.xml><?xml version="1.0" encoding="utf-8"?>
+<p:sld xmlns:a="http://schemas.openxmlformats.org/drawingml/2006/main" xmlns:r="http://schemas.openxmlformats.org/officeDocument/2006/relationships" xmlns:p="http://schemas.openxmlformats.org/presentationml/2006/main">
+  <p:cSld>
+    <p:spTree>
+      <p:nvGrpSpPr>
+        <p:cNvPr id="1" name=""/>
+        <p:cNvGrpSpPr/>
+        <p:nvPr/>
+      </p:nvGrpSpPr>
+      <p:grpSpPr>
+        <a:xfrm>
+          <a:off x="0" y="0"/>
+          <a:ext cx="0" cy="0"/>
+          <a:chOff x="0" y="0"/>
+          <a:chExt cx="0" cy="0"/>
+        </a:xfrm>
+      </p:grpSpPr>
+      <p:sp>
+        <p:nvSpPr>
+          <p:cNvPr id="2" name="标题 1">
+            <a:extLst>
+              <a:ext uri="{FF2B5EF4-FFF2-40B4-BE49-F238E27FC236}">
+                <a16:creationId xmlns:a16="http://schemas.microsoft.com/office/drawing/2014/main" id="{0B30EEDF-9476-4842-8D20-AC235E62339C}"/>
+              </a:ext>
+            </a:extLst>
+          </p:cNvPr>
+          <p:cNvSpPr>
+            <a:spLocks noGrp="1"/>
+          </p:cNvSpPr>
+          <p:nvPr>
+            <p:ph type="title"/>
+          </p:nvPr>
+        </p:nvSpPr>
+        <p:spPr/>
+        <p:txBody>
+          <a:bodyPr/>
+          <a:lstStyle/>
+          <a:p>
+            <a:endParaRPr lang="zh-CN" altLang="en-US"/>
+          </a:p>
+        </p:txBody>
+      </p:sp>
+      <p:sp>
+        <p:nvSpPr>
+          <p:cNvPr id="3" name="内容占位符 2">
+            <a:extLst>
+              <a:ext uri="{FF2B5EF4-FFF2-40B4-BE49-F238E27FC236}">
+                <a16:creationId xmlns:a16="http://schemas.microsoft.com/office/drawing/2014/main" id="{0B40D793-E414-41C1-870E-8F1182D674BA}"/>
+              </a:ext>
+            </a:extLst>
+          </p:cNvPr>
+          <p:cNvSpPr>
+            <a:spLocks noGrp="1"/>
+          </p:cNvSpPr>
+          <p:nvPr>
+            <p:ph idx="1"/>
+          </p:nvPr>
+        </p:nvSpPr>
+        <p:spPr/>
+        <p:txBody>
+          <a:bodyPr/>
+          <a:lstStyle/>
+          <a:p>
+            <a:r>
+              <a:rPr lang="zh-CN" altLang="en-US" dirty="0"/>
+              <a:t>在世界上解决计算机问题的最简单方法：</a:t>
+            </a:r>
+            <a:endParaRPr lang="en-US" altLang="zh-CN" dirty="0"/>
+          </a:p>
+          <a:p>
+            <a:pPr lvl="1"/>
+            <a:r>
+              <a:rPr lang="zh-CN" altLang="en-US" dirty="0"/>
+              <a:t>“恰好</a:t>
+            </a:r>
+            <a:r>
+              <a:rPr lang="en-US" altLang="zh-CN" dirty="0"/>
+              <a:t>”</a:t>
+            </a:r>
+            <a:r>
+              <a:rPr lang="zh-CN" altLang="en-US" dirty="0"/>
+              <a:t>不需要解决它。</a:t>
+            </a:r>
+            <a:endParaRPr lang="en-US" altLang="zh-CN" dirty="0"/>
+          </a:p>
+          <a:p>
+            <a:pPr lvl="1"/>
+            <a:r>
+              <a:rPr lang="zh-CN" altLang="en-US" dirty="0"/>
+              <a:t>因为解决任何一个问题都有付出代价。</a:t>
+            </a:r>
+          </a:p>
+        </p:txBody>
+      </p:sp>
+    </p:spTree>
+    <p:extLst>
+      <p:ext uri="{BB962C8B-B14F-4D97-AF65-F5344CB8AC3E}">
+        <p14:creationId xmlns:p14="http://schemas.microsoft.com/office/powerpoint/2010/main" val="1561047756"/>
+      </p:ext>
+    </p:extLst>
+  </p:cSld>
+  <p:clrMapOvr>
+    <a:masterClrMapping/>
+  </p:clrMapOvr>
+</p:sld>
+</file>
+
+<file path=ppt/slides/slide32.xml><?xml version="1.0" encoding="utf-8"?>
+<p:sld xmlns:a="http://schemas.openxmlformats.org/drawingml/2006/main" xmlns:r="http://schemas.openxmlformats.org/officeDocument/2006/relationships" xmlns:p="http://schemas.openxmlformats.org/presentationml/2006/main">
+  <p:cSld>
+    <p:spTree>
+      <p:nvGrpSpPr>
+        <p:cNvPr id="1" name=""/>
+        <p:cNvGrpSpPr/>
+        <p:nvPr/>
+      </p:nvGrpSpPr>
+      <p:grpSpPr>
+        <a:xfrm>
+          <a:off x="0" y="0"/>
+          <a:ext cx="0" cy="0"/>
+          <a:chOff x="0" y="0"/>
+          <a:chExt cx="0" cy="0"/>
+        </a:xfrm>
+      </p:grpSpPr>
+      <p:sp>
+        <p:nvSpPr>
+          <p:cNvPr id="2" name="标题 1">
+            <a:extLst>
+              <a:ext uri="{FF2B5EF4-FFF2-40B4-BE49-F238E27FC236}">
                 <a16:creationId xmlns:a16="http://schemas.microsoft.com/office/drawing/2014/main" id="{C779D828-633C-40ED-B5DE-77C2EA897AA1}"/>
               </a:ext>
             </a:extLst>
@@ -9240,7 +10670,7 @@
 </p:sld>
 </file>
 
-<file path=ppt/slides/slide31.xml><?xml version="1.0" encoding="utf-8"?>
+<file path=ppt/slides/slide33.xml><?xml version="1.0" encoding="utf-8"?>
 <p:sld xmlns:a="http://schemas.openxmlformats.org/drawingml/2006/main" xmlns:r="http://schemas.openxmlformats.org/officeDocument/2006/relationships" xmlns:p="http://schemas.openxmlformats.org/presentationml/2006/main">
   <p:cSld>
     <p:spTree>
@@ -9353,7 +10783,7 @@
 </p:sld>
 </file>
 
-<file path=ppt/slides/slide32.xml><?xml version="1.0" encoding="utf-8"?>
+<file path=ppt/slides/slide34.xml><?xml version="1.0" encoding="utf-8"?>
 <p:sld xmlns:a="http://schemas.openxmlformats.org/drawingml/2006/main" xmlns:r="http://schemas.openxmlformats.org/officeDocument/2006/relationships" xmlns:p="http://schemas.openxmlformats.org/presentationml/2006/main">
   <p:cSld>
     <p:spTree>
@@ -9441,7 +10871,7 @@
 </p:sld>
 </file>
 
-<file path=ppt/slides/slide33.xml><?xml version="1.0" encoding="utf-8"?>
+<file path=ppt/slides/slide35.xml><?xml version="1.0" encoding="utf-8"?>
 <p:sld xmlns:a="http://schemas.openxmlformats.org/drawingml/2006/main" xmlns:r="http://schemas.openxmlformats.org/officeDocument/2006/relationships" xmlns:p="http://schemas.openxmlformats.org/presentationml/2006/main">
   <p:cSld>
     <p:spTree>
@@ -9580,7 +11010,7 @@
 </p:sld>
 </file>
 
-<file path=ppt/slides/slide34.xml><?xml version="1.0" encoding="utf-8"?>
+<file path=ppt/slides/slide36.xml><?xml version="1.0" encoding="utf-8"?>
 <p:sld xmlns:a="http://schemas.openxmlformats.org/drawingml/2006/main" xmlns:r="http://schemas.openxmlformats.org/officeDocument/2006/relationships" xmlns:p="http://schemas.openxmlformats.org/presentationml/2006/main">
   <p:cSld>
     <p:spTree>
@@ -9659,7 +11089,7 @@
 </p:sld>
 </file>
 
-<file path=ppt/slides/slide35.xml><?xml version="1.0" encoding="utf-8"?>
+<file path=ppt/slides/slide37.xml><?xml version="1.0" encoding="utf-8"?>
 <p:sld xmlns:a="http://schemas.openxmlformats.org/drawingml/2006/main" xmlns:r="http://schemas.openxmlformats.org/officeDocument/2006/relationships" xmlns:p="http://schemas.openxmlformats.org/presentationml/2006/main">
   <p:cSld>
     <p:spTree>
@@ -9812,7 +11242,7 @@
 </p:sld>
 </file>
 
-<file path=ppt/slides/slide36.xml><?xml version="1.0" encoding="utf-8"?>
+<file path=ppt/slides/slide38.xml><?xml version="1.0" encoding="utf-8"?>
 <p:sld xmlns:a="http://schemas.openxmlformats.org/drawingml/2006/main" xmlns:r="http://schemas.openxmlformats.org/officeDocument/2006/relationships" xmlns:p="http://schemas.openxmlformats.org/presentationml/2006/main">
   <p:cSld>
     <p:spTree>
@@ -9951,316 +11381,6 @@
 </p:sld>
 </file>
 
-<file path=ppt/slides/slide37.xml><?xml version="1.0" encoding="utf-8"?>
-<p:sld xmlns:a="http://schemas.openxmlformats.org/drawingml/2006/main" xmlns:r="http://schemas.openxmlformats.org/officeDocument/2006/relationships" xmlns:p="http://schemas.openxmlformats.org/presentationml/2006/main">
-  <p:cSld>
-    <p:spTree>
-      <p:nvGrpSpPr>
-        <p:cNvPr id="1" name=""/>
-        <p:cNvGrpSpPr/>
-        <p:nvPr/>
-      </p:nvGrpSpPr>
-      <p:grpSpPr>
-        <a:xfrm>
-          <a:off x="0" y="0"/>
-          <a:ext cx="0" cy="0"/>
-          <a:chOff x="0" y="0"/>
-          <a:chExt cx="0" cy="0"/>
-        </a:xfrm>
-      </p:grpSpPr>
-      <p:sp>
-        <p:nvSpPr>
-          <p:cNvPr id="2" name="标题 1">
-            <a:extLst>
-              <a:ext uri="{FF2B5EF4-FFF2-40B4-BE49-F238E27FC236}">
-                <a16:creationId xmlns:a16="http://schemas.microsoft.com/office/drawing/2014/main" id="{2FFB66C6-CE93-4478-8834-EEEF048AFDD4}"/>
-              </a:ext>
-            </a:extLst>
-          </p:cNvPr>
-          <p:cNvSpPr>
-            <a:spLocks noGrp="1"/>
-          </p:cNvSpPr>
-          <p:nvPr>
-            <p:ph type="title"/>
-          </p:nvPr>
-        </p:nvSpPr>
-        <p:spPr/>
-        <p:txBody>
-          <a:bodyPr/>
-          <a:lstStyle/>
-          <a:p>
-            <a:r>
-              <a:rPr lang="zh-CN" altLang="en-US" dirty="0"/>
-              <a:t>如何获得幂等？</a:t>
-            </a:r>
-          </a:p>
-        </p:txBody>
-      </p:sp>
-      <p:sp>
-        <p:nvSpPr>
-          <p:cNvPr id="3" name="内容占位符 2">
-            <a:extLst>
-              <a:ext uri="{FF2B5EF4-FFF2-40B4-BE49-F238E27FC236}">
-                <a16:creationId xmlns:a16="http://schemas.microsoft.com/office/drawing/2014/main" id="{3A2C091F-C9E9-4551-9BC4-7A74C7CC86AA}"/>
-              </a:ext>
-            </a:extLst>
-          </p:cNvPr>
-          <p:cNvSpPr>
-            <a:spLocks noGrp="1"/>
-          </p:cNvSpPr>
-          <p:nvPr>
-            <p:ph idx="1"/>
-          </p:nvPr>
-        </p:nvSpPr>
-        <p:spPr/>
-        <p:txBody>
-          <a:bodyPr>
-            <a:normAutofit fontScale="85000" lnSpcReduction="20000"/>
-          </a:bodyPr>
-          <a:lstStyle/>
-          <a:p>
-            <a:r>
-              <a:rPr lang="zh-CN" altLang="en-US" sz="3400" dirty="0"/>
-              <a:t>幂等消息本身不需要去重</a:t>
-            </a:r>
-            <a:endParaRPr lang="en-US" altLang="zh-CN" sz="3400" dirty="0"/>
-          </a:p>
-          <a:p>
-            <a:r>
-              <a:rPr lang="zh-CN" altLang="en-US" sz="3400" dirty="0"/>
-              <a:t>非幂等消息去重：</a:t>
-            </a:r>
-            <a:endParaRPr lang="en-US" altLang="zh-CN" sz="3400" dirty="0"/>
-          </a:p>
-          <a:p>
-            <a:pPr lvl="1"/>
-            <a:r>
-              <a:rPr lang="zh-CN" altLang="en-US" sz="3400" dirty="0"/>
-              <a:t>显示去重：保证有唯一</a:t>
-            </a:r>
-            <a:r>
-              <a:rPr lang="en-US" altLang="zh-CN" sz="3400" dirty="0"/>
-              <a:t>ID</a:t>
-            </a:r>
-            <a:r>
-              <a:rPr lang="zh-CN" altLang="en-US" sz="3400" dirty="0"/>
-              <a:t>标记每一条消息，保证消息处理成功和去重表日志同时出现。代价？</a:t>
-            </a:r>
-            <a:endParaRPr lang="en-US" altLang="zh-CN" sz="3400" dirty="0"/>
-          </a:p>
-          <a:p>
-            <a:pPr marL="457200" lvl="1" indent="0">
-              <a:buNone/>
-            </a:pPr>
-            <a:r>
-              <a:rPr lang="en-US" altLang="zh-CN" sz="3400" dirty="0"/>
-              <a:t>   TCP</a:t>
-            </a:r>
-            <a:r>
-              <a:rPr lang="zh-CN" altLang="en-US" sz="3400" dirty="0"/>
-              <a:t>协议消除包重复。</a:t>
-            </a:r>
-            <a:endParaRPr lang="en-US" altLang="zh-CN" sz="3400" dirty="0"/>
-          </a:p>
-          <a:p>
-            <a:pPr lvl="1"/>
-            <a:r>
-              <a:rPr lang="zh-CN" altLang="en-US" sz="3400" dirty="0"/>
-              <a:t>重新定义消息语义，使之幂等。（持久层去重）</a:t>
-            </a:r>
-            <a:endParaRPr lang="en-US" altLang="zh-CN" sz="3400" dirty="0"/>
-          </a:p>
-          <a:p>
-            <a:endParaRPr lang="en-US" altLang="zh-CN" dirty="0"/>
-          </a:p>
-          <a:p>
-            <a:endParaRPr lang="en-US" altLang="zh-CN" dirty="0"/>
-          </a:p>
-          <a:p>
-            <a:endParaRPr lang="en-US" altLang="zh-CN" dirty="0"/>
-          </a:p>
-          <a:p>
-            <a:r>
-              <a:rPr lang="en-US" altLang="zh-CN" dirty="0">
-                <a:hlinkClick r:id="rId3"/>
-              </a:rPr>
-              <a:t>https://www.enterpriseintegrationpatterns.com/patterns/messaging/IdempotentReceiver.html</a:t>
-            </a:r>
-            <a:endParaRPr lang="zh-CN" altLang="en-US" dirty="0"/>
-          </a:p>
-        </p:txBody>
-      </p:sp>
-    </p:spTree>
-    <p:extLst>
-      <p:ext uri="{BB962C8B-B14F-4D97-AF65-F5344CB8AC3E}">
-        <p14:creationId xmlns:p14="http://schemas.microsoft.com/office/powerpoint/2010/main" val="916052367"/>
-      </p:ext>
-    </p:extLst>
-  </p:cSld>
-  <p:clrMapOvr>
-    <a:masterClrMapping/>
-  </p:clrMapOvr>
-</p:sld>
-</file>
-
-<file path=ppt/slides/slide38.xml><?xml version="1.0" encoding="utf-8"?>
-<p:sld xmlns:a="http://schemas.openxmlformats.org/drawingml/2006/main" xmlns:r="http://schemas.openxmlformats.org/officeDocument/2006/relationships" xmlns:p="http://schemas.openxmlformats.org/presentationml/2006/main">
-  <p:cSld>
-    <p:spTree>
-      <p:nvGrpSpPr>
-        <p:cNvPr id="1" name=""/>
-        <p:cNvGrpSpPr/>
-        <p:nvPr/>
-      </p:nvGrpSpPr>
-      <p:grpSpPr>
-        <a:xfrm>
-          <a:off x="0" y="0"/>
-          <a:ext cx="0" cy="0"/>
-          <a:chOff x="0" y="0"/>
-          <a:chExt cx="0" cy="0"/>
-        </a:xfrm>
-      </p:grpSpPr>
-      <p:sp>
-        <p:nvSpPr>
-          <p:cNvPr id="2" name="标题 1">
-            <a:extLst>
-              <a:ext uri="{FF2B5EF4-FFF2-40B4-BE49-F238E27FC236}">
-                <a16:creationId xmlns:a16="http://schemas.microsoft.com/office/drawing/2014/main" id="{C19AD3CB-214B-4487-8833-0DD1DF9F55E5}"/>
-              </a:ext>
-            </a:extLst>
-          </p:cNvPr>
-          <p:cNvSpPr>
-            <a:spLocks noGrp="1"/>
-          </p:cNvSpPr>
-          <p:nvPr>
-            <p:ph type="title"/>
-          </p:nvPr>
-        </p:nvSpPr>
-        <p:spPr/>
-        <p:txBody>
-          <a:bodyPr/>
-          <a:lstStyle/>
-          <a:p>
-            <a:r>
-              <a:rPr lang="en-US" altLang="zh-CN" dirty="0"/>
-              <a:t>TCP</a:t>
-            </a:r>
-            <a:r>
-              <a:rPr lang="zh-CN" altLang="en-US" dirty="0"/>
-              <a:t>协议给我们的启示</a:t>
-            </a:r>
-          </a:p>
-        </p:txBody>
-      </p:sp>
-      <p:sp>
-        <p:nvSpPr>
-          <p:cNvPr id="3" name="内容占位符 2">
-            <a:extLst>
-              <a:ext uri="{FF2B5EF4-FFF2-40B4-BE49-F238E27FC236}">
-                <a16:creationId xmlns:a16="http://schemas.microsoft.com/office/drawing/2014/main" id="{443875CA-DC81-4A0D-9182-E704A70F414D}"/>
-              </a:ext>
-            </a:extLst>
-          </p:cNvPr>
-          <p:cNvSpPr>
-            <a:spLocks noGrp="1"/>
-          </p:cNvSpPr>
-          <p:nvPr>
-            <p:ph idx="1"/>
-          </p:nvPr>
-        </p:nvSpPr>
-        <p:spPr/>
-        <p:txBody>
-          <a:bodyPr>
-            <a:normAutofit lnSpcReduction="10000"/>
-          </a:bodyPr>
-          <a:lstStyle/>
-          <a:p>
-            <a:r>
-              <a:rPr lang="zh-CN" altLang="en-US" dirty="0"/>
-              <a:t>解决包顺序问题。</a:t>
-            </a:r>
-            <a:endParaRPr lang="en-US" altLang="zh-CN" dirty="0"/>
-          </a:p>
-          <a:p>
-            <a:r>
-              <a:rPr lang="zh-CN" altLang="en-US" dirty="0"/>
-              <a:t>解决包重复问题。</a:t>
-            </a:r>
-            <a:endParaRPr lang="en-US" altLang="zh-CN" dirty="0"/>
-          </a:p>
-          <a:p>
-            <a:endParaRPr lang="en-US" altLang="zh-CN" dirty="0"/>
-          </a:p>
-          <a:p>
-            <a:r>
-              <a:rPr lang="zh-CN" altLang="en-US" dirty="0"/>
-              <a:t>解决消息顺序。</a:t>
-            </a:r>
-            <a:endParaRPr lang="en-US" altLang="zh-CN" dirty="0"/>
-          </a:p>
-          <a:p>
-            <a:r>
-              <a:rPr lang="zh-CN" altLang="en-US" dirty="0"/>
-              <a:t>解决消息重复。</a:t>
-            </a:r>
-            <a:r>
-              <a:rPr lang="en-US" altLang="zh-CN" dirty="0"/>
-              <a:t>MQ</a:t>
-            </a:r>
-            <a:r>
-              <a:rPr lang="zh-CN" altLang="en-US" dirty="0"/>
-              <a:t>内部 </a:t>
-            </a:r>
-            <a:r>
-              <a:rPr lang="en-US" altLang="zh-CN" dirty="0"/>
-              <a:t>VS </a:t>
-            </a:r>
-            <a:r>
-              <a:rPr lang="zh-CN" altLang="en-US" dirty="0"/>
-              <a:t>应用系统</a:t>
-            </a:r>
-            <a:endParaRPr lang="en-US" altLang="zh-CN" dirty="0"/>
-          </a:p>
-          <a:p>
-            <a:endParaRPr lang="en-US" altLang="zh-CN" dirty="0"/>
-          </a:p>
-          <a:p>
-            <a:r>
-              <a:rPr lang="zh-CN" altLang="en-US" dirty="0"/>
-              <a:t>为什么市面主流</a:t>
-            </a:r>
-            <a:r>
-              <a:rPr lang="en-US" altLang="zh-CN" dirty="0"/>
-              <a:t>MQ</a:t>
-            </a:r>
-            <a:r>
-              <a:rPr lang="zh-CN" altLang="en-US" dirty="0"/>
-              <a:t>对顺序消息支持少，对消息重复支持少呢？为什么消息重复要应用系统做呢？</a:t>
-            </a:r>
-            <a:endParaRPr lang="en-US" altLang="zh-CN" dirty="0"/>
-          </a:p>
-          <a:p>
-            <a:r>
-              <a:rPr lang="en-US" altLang="zh-CN" dirty="0"/>
-              <a:t>End-To-End Arguments in System Design </a:t>
-            </a:r>
-            <a:endParaRPr lang="zh-CN" altLang="en-US" dirty="0"/>
-          </a:p>
-        </p:txBody>
-      </p:sp>
-    </p:spTree>
-    <p:extLst>
-      <p:ext uri="{BB962C8B-B14F-4D97-AF65-F5344CB8AC3E}">
-        <p14:creationId xmlns:p14="http://schemas.microsoft.com/office/powerpoint/2010/main" val="3423811554"/>
-      </p:ext>
-    </p:extLst>
-  </p:cSld>
-  <p:clrMapOvr>
-    <a:masterClrMapping/>
-  </p:clrMapOvr>
-</p:sld>
-</file>
-
 <file path=ppt/slides/slide39.xml><?xml version="1.0" encoding="utf-8"?>
 <p:sld xmlns:a="http://schemas.openxmlformats.org/drawingml/2006/main" xmlns:r="http://schemas.openxmlformats.org/officeDocument/2006/relationships" xmlns:p="http://schemas.openxmlformats.org/presentationml/2006/main">
   <p:cSld>
@@ -10280,57 +11400,130 @@
       </p:grpSpPr>
       <p:sp>
         <p:nvSpPr>
-          <p:cNvPr id="4" name="矩形 3">
-            <a:extLst>
-              <a:ext uri="{FF2B5EF4-FFF2-40B4-BE49-F238E27FC236}">
-                <a16:creationId xmlns:a16="http://schemas.microsoft.com/office/drawing/2014/main" id="{BF1940D5-62FA-40BD-A3C2-D23398D4EB83}"/>
-              </a:ext>
-            </a:extLst>
-          </p:cNvPr>
-          <p:cNvSpPr/>
-          <p:nvPr/>
-        </p:nvSpPr>
-        <p:spPr>
-          <a:xfrm>
-            <a:off x="0" y="2186608"/>
-            <a:ext cx="12192000" cy="1709531"/>
-          </a:xfrm>
-          <a:prstGeom prst="rect">
-            <a:avLst/>
-          </a:prstGeom>
-        </p:spPr>
-        <p:style>
-          <a:lnRef idx="2">
-            <a:schemeClr val="accent1">
-              <a:shade val="50000"/>
-            </a:schemeClr>
-          </a:lnRef>
-          <a:fillRef idx="1">
-            <a:schemeClr val="accent1"/>
-          </a:fillRef>
-          <a:effectRef idx="0">
-            <a:schemeClr val="accent1"/>
-          </a:effectRef>
-          <a:fontRef idx="minor">
-            <a:schemeClr val="lt1"/>
-          </a:fontRef>
-        </p:style>
-        <p:txBody>
-          <a:bodyPr rtlCol="0" anchor="ctr"/>
-          <a:lstStyle/>
-          <a:p>
-            <a:pPr algn="ctr"/>
-            <a:r>
-              <a:rPr lang="zh-CN" altLang="en-US" sz="5400" dirty="0"/>
-              <a:t>分布式事务与消息队列</a:t>
-            </a:r>
+          <p:cNvPr id="2" name="标题 1">
+            <a:extLst>
+              <a:ext uri="{FF2B5EF4-FFF2-40B4-BE49-F238E27FC236}">
+                <a16:creationId xmlns:a16="http://schemas.microsoft.com/office/drawing/2014/main" id="{2FFB66C6-CE93-4478-8834-EEEF048AFDD4}"/>
+              </a:ext>
+            </a:extLst>
+          </p:cNvPr>
+          <p:cNvSpPr>
+            <a:spLocks noGrp="1"/>
+          </p:cNvSpPr>
+          <p:nvPr>
+            <p:ph type="title"/>
+          </p:nvPr>
+        </p:nvSpPr>
+        <p:spPr/>
+        <p:txBody>
+          <a:bodyPr/>
+          <a:lstStyle/>
+          <a:p>
+            <a:r>
+              <a:rPr lang="zh-CN" altLang="en-US" dirty="0"/>
+              <a:t>如何获得幂等？</a:t>
+            </a:r>
+          </a:p>
+        </p:txBody>
+      </p:sp>
+      <p:sp>
+        <p:nvSpPr>
+          <p:cNvPr id="3" name="内容占位符 2">
+            <a:extLst>
+              <a:ext uri="{FF2B5EF4-FFF2-40B4-BE49-F238E27FC236}">
+                <a16:creationId xmlns:a16="http://schemas.microsoft.com/office/drawing/2014/main" id="{3A2C091F-C9E9-4551-9BC4-7A74C7CC86AA}"/>
+              </a:ext>
+            </a:extLst>
+          </p:cNvPr>
+          <p:cNvSpPr>
+            <a:spLocks noGrp="1"/>
+          </p:cNvSpPr>
+          <p:nvPr>
+            <p:ph idx="1"/>
+          </p:nvPr>
+        </p:nvSpPr>
+        <p:spPr/>
+        <p:txBody>
+          <a:bodyPr>
+            <a:normAutofit fontScale="85000" lnSpcReduction="20000"/>
+          </a:bodyPr>
+          <a:lstStyle/>
+          <a:p>
+            <a:r>
+              <a:rPr lang="zh-CN" altLang="en-US" sz="3400" dirty="0"/>
+              <a:t>幂等消息本身不需要去重</a:t>
+            </a:r>
+            <a:endParaRPr lang="en-US" altLang="zh-CN" sz="3400" dirty="0"/>
+          </a:p>
+          <a:p>
+            <a:r>
+              <a:rPr lang="zh-CN" altLang="en-US" sz="3400" dirty="0"/>
+              <a:t>非幂等消息去重：</a:t>
+            </a:r>
+            <a:endParaRPr lang="en-US" altLang="zh-CN" sz="3400" dirty="0"/>
+          </a:p>
+          <a:p>
+            <a:pPr lvl="1"/>
+            <a:r>
+              <a:rPr lang="zh-CN" altLang="en-US" sz="3400" dirty="0"/>
+              <a:t>显示去重：保证有唯一</a:t>
+            </a:r>
+            <a:r>
+              <a:rPr lang="en-US" altLang="zh-CN" sz="3400" dirty="0"/>
+              <a:t>ID</a:t>
+            </a:r>
+            <a:r>
+              <a:rPr lang="zh-CN" altLang="en-US" sz="3400" dirty="0"/>
+              <a:t>标记每一条消息，保证消息处理成功和去重表日志同时出现。代价？</a:t>
+            </a:r>
+            <a:endParaRPr lang="en-US" altLang="zh-CN" sz="3400" dirty="0"/>
+          </a:p>
+          <a:p>
+            <a:pPr marL="457200" lvl="1" indent="0">
+              <a:buNone/>
+            </a:pPr>
+            <a:r>
+              <a:rPr lang="en-US" altLang="zh-CN" sz="3400" dirty="0"/>
+              <a:t>   TCP</a:t>
+            </a:r>
+            <a:r>
+              <a:rPr lang="zh-CN" altLang="en-US" sz="3400" dirty="0"/>
+              <a:t>协议消除包重复。</a:t>
+            </a:r>
+            <a:endParaRPr lang="en-US" altLang="zh-CN" sz="3400" dirty="0"/>
+          </a:p>
+          <a:p>
+            <a:pPr lvl="1"/>
+            <a:r>
+              <a:rPr lang="zh-CN" altLang="en-US" sz="3400" dirty="0"/>
+              <a:t>重新定义消息语义，使之幂等。（持久层去重）</a:t>
+            </a:r>
+            <a:endParaRPr lang="en-US" altLang="zh-CN" sz="3400" dirty="0"/>
+          </a:p>
+          <a:p>
+            <a:endParaRPr lang="en-US" altLang="zh-CN" dirty="0"/>
+          </a:p>
+          <a:p>
+            <a:endParaRPr lang="en-US" altLang="zh-CN" dirty="0"/>
+          </a:p>
+          <a:p>
+            <a:endParaRPr lang="en-US" altLang="zh-CN" dirty="0"/>
+          </a:p>
+          <a:p>
+            <a:r>
+              <a:rPr lang="en-US" altLang="zh-CN" dirty="0">
+                <a:hlinkClick r:id="rId3"/>
+              </a:rPr>
+              <a:t>https://www.enterpriseintegrationpatterns.com/patterns/messaging/IdempotentReceiver.html</a:t>
+            </a:r>
+            <a:endParaRPr lang="zh-CN" altLang="en-US" dirty="0"/>
           </a:p>
         </p:txBody>
       </p:sp>
     </p:spTree>
     <p:extLst>
       <p:ext uri="{BB962C8B-B14F-4D97-AF65-F5344CB8AC3E}">
-        <p14:creationId xmlns:p14="http://schemas.microsoft.com/office/powerpoint/2010/main" val="3556490959"/>
+        <p14:creationId xmlns:p14="http://schemas.microsoft.com/office/powerpoint/2010/main" val="916052367"/>
       </p:ext>
     </p:extLst>
   </p:cSld>
@@ -10476,6 +11669,243 @@
           <a:chExt cx="0" cy="0"/>
         </a:xfrm>
       </p:grpSpPr>
+      <p:sp>
+        <p:nvSpPr>
+          <p:cNvPr id="2" name="标题 1">
+            <a:extLst>
+              <a:ext uri="{FF2B5EF4-FFF2-40B4-BE49-F238E27FC236}">
+                <a16:creationId xmlns:a16="http://schemas.microsoft.com/office/drawing/2014/main" id="{C19AD3CB-214B-4487-8833-0DD1DF9F55E5}"/>
+              </a:ext>
+            </a:extLst>
+          </p:cNvPr>
+          <p:cNvSpPr>
+            <a:spLocks noGrp="1"/>
+          </p:cNvSpPr>
+          <p:nvPr>
+            <p:ph type="title"/>
+          </p:nvPr>
+        </p:nvSpPr>
+        <p:spPr/>
+        <p:txBody>
+          <a:bodyPr/>
+          <a:lstStyle/>
+          <a:p>
+            <a:r>
+              <a:rPr lang="en-US" altLang="zh-CN" dirty="0"/>
+              <a:t>TCP</a:t>
+            </a:r>
+            <a:r>
+              <a:rPr lang="zh-CN" altLang="en-US" dirty="0"/>
+              <a:t>协议给我们的启示</a:t>
+            </a:r>
+          </a:p>
+        </p:txBody>
+      </p:sp>
+      <p:sp>
+        <p:nvSpPr>
+          <p:cNvPr id="3" name="内容占位符 2">
+            <a:extLst>
+              <a:ext uri="{FF2B5EF4-FFF2-40B4-BE49-F238E27FC236}">
+                <a16:creationId xmlns:a16="http://schemas.microsoft.com/office/drawing/2014/main" id="{443875CA-DC81-4A0D-9182-E704A70F414D}"/>
+              </a:ext>
+            </a:extLst>
+          </p:cNvPr>
+          <p:cNvSpPr>
+            <a:spLocks noGrp="1"/>
+          </p:cNvSpPr>
+          <p:nvPr>
+            <p:ph idx="1"/>
+          </p:nvPr>
+        </p:nvSpPr>
+        <p:spPr/>
+        <p:txBody>
+          <a:bodyPr>
+            <a:normAutofit lnSpcReduction="10000"/>
+          </a:bodyPr>
+          <a:lstStyle/>
+          <a:p>
+            <a:r>
+              <a:rPr lang="zh-CN" altLang="en-US" dirty="0"/>
+              <a:t>解决包顺序问题。</a:t>
+            </a:r>
+            <a:endParaRPr lang="en-US" altLang="zh-CN" dirty="0"/>
+          </a:p>
+          <a:p>
+            <a:r>
+              <a:rPr lang="zh-CN" altLang="en-US" dirty="0"/>
+              <a:t>解决包重复问题。</a:t>
+            </a:r>
+            <a:endParaRPr lang="en-US" altLang="zh-CN" dirty="0"/>
+          </a:p>
+          <a:p>
+            <a:endParaRPr lang="en-US" altLang="zh-CN" dirty="0"/>
+          </a:p>
+          <a:p>
+            <a:r>
+              <a:rPr lang="zh-CN" altLang="en-US" dirty="0"/>
+              <a:t>解决消息顺序。</a:t>
+            </a:r>
+            <a:endParaRPr lang="en-US" altLang="zh-CN" dirty="0"/>
+          </a:p>
+          <a:p>
+            <a:r>
+              <a:rPr lang="zh-CN" altLang="en-US" dirty="0"/>
+              <a:t>解决消息重复。</a:t>
+            </a:r>
+            <a:r>
+              <a:rPr lang="en-US" altLang="zh-CN" dirty="0"/>
+              <a:t>MQ</a:t>
+            </a:r>
+            <a:r>
+              <a:rPr lang="zh-CN" altLang="en-US" dirty="0"/>
+              <a:t>内部 </a:t>
+            </a:r>
+            <a:r>
+              <a:rPr lang="en-US" altLang="zh-CN" dirty="0"/>
+              <a:t>VS </a:t>
+            </a:r>
+            <a:r>
+              <a:rPr lang="zh-CN" altLang="en-US" dirty="0"/>
+              <a:t>应用系统</a:t>
+            </a:r>
+            <a:endParaRPr lang="en-US" altLang="zh-CN" dirty="0"/>
+          </a:p>
+          <a:p>
+            <a:endParaRPr lang="en-US" altLang="zh-CN" dirty="0"/>
+          </a:p>
+          <a:p>
+            <a:r>
+              <a:rPr lang="zh-CN" altLang="en-US" dirty="0"/>
+              <a:t>为什么市面主流</a:t>
+            </a:r>
+            <a:r>
+              <a:rPr lang="en-US" altLang="zh-CN" dirty="0"/>
+              <a:t>MQ</a:t>
+            </a:r>
+            <a:r>
+              <a:rPr lang="zh-CN" altLang="en-US" dirty="0"/>
+              <a:t>对顺序消息支持少，对消息重复支持少呢？为什么消息重复要应用系统做呢？</a:t>
+            </a:r>
+            <a:endParaRPr lang="en-US" altLang="zh-CN" dirty="0"/>
+          </a:p>
+          <a:p>
+            <a:r>
+              <a:rPr lang="en-US" altLang="zh-CN" dirty="0"/>
+              <a:t>End-To-End Arguments in System Design </a:t>
+            </a:r>
+            <a:endParaRPr lang="zh-CN" altLang="en-US" dirty="0"/>
+          </a:p>
+        </p:txBody>
+      </p:sp>
+    </p:spTree>
+    <p:extLst>
+      <p:ext uri="{BB962C8B-B14F-4D97-AF65-F5344CB8AC3E}">
+        <p14:creationId xmlns:p14="http://schemas.microsoft.com/office/powerpoint/2010/main" val="3423811554"/>
+      </p:ext>
+    </p:extLst>
+  </p:cSld>
+  <p:clrMapOvr>
+    <a:masterClrMapping/>
+  </p:clrMapOvr>
+</p:sld>
+</file>
+
+<file path=ppt/slides/slide41.xml><?xml version="1.0" encoding="utf-8"?>
+<p:sld xmlns:a="http://schemas.openxmlformats.org/drawingml/2006/main" xmlns:r="http://schemas.openxmlformats.org/officeDocument/2006/relationships" xmlns:p="http://schemas.openxmlformats.org/presentationml/2006/main">
+  <p:cSld>
+    <p:spTree>
+      <p:nvGrpSpPr>
+        <p:cNvPr id="1" name=""/>
+        <p:cNvGrpSpPr/>
+        <p:nvPr/>
+      </p:nvGrpSpPr>
+      <p:grpSpPr>
+        <a:xfrm>
+          <a:off x="0" y="0"/>
+          <a:ext cx="0" cy="0"/>
+          <a:chOff x="0" y="0"/>
+          <a:chExt cx="0" cy="0"/>
+        </a:xfrm>
+      </p:grpSpPr>
+      <p:sp>
+        <p:nvSpPr>
+          <p:cNvPr id="4" name="矩形 3">
+            <a:extLst>
+              <a:ext uri="{FF2B5EF4-FFF2-40B4-BE49-F238E27FC236}">
+                <a16:creationId xmlns:a16="http://schemas.microsoft.com/office/drawing/2014/main" id="{BF1940D5-62FA-40BD-A3C2-D23398D4EB83}"/>
+              </a:ext>
+            </a:extLst>
+          </p:cNvPr>
+          <p:cNvSpPr/>
+          <p:nvPr/>
+        </p:nvSpPr>
+        <p:spPr>
+          <a:xfrm>
+            <a:off x="0" y="2186608"/>
+            <a:ext cx="12192000" cy="1709531"/>
+          </a:xfrm>
+          <a:prstGeom prst="rect">
+            <a:avLst/>
+          </a:prstGeom>
+        </p:spPr>
+        <p:style>
+          <a:lnRef idx="2">
+            <a:schemeClr val="accent1">
+              <a:shade val="50000"/>
+            </a:schemeClr>
+          </a:lnRef>
+          <a:fillRef idx="1">
+            <a:schemeClr val="accent1"/>
+          </a:fillRef>
+          <a:effectRef idx="0">
+            <a:schemeClr val="accent1"/>
+          </a:effectRef>
+          <a:fontRef idx="minor">
+            <a:schemeClr val="lt1"/>
+          </a:fontRef>
+        </p:style>
+        <p:txBody>
+          <a:bodyPr rtlCol="0" anchor="ctr"/>
+          <a:lstStyle/>
+          <a:p>
+            <a:pPr algn="ctr"/>
+            <a:r>
+              <a:rPr lang="zh-CN" altLang="en-US" sz="5400" dirty="0"/>
+              <a:t>分布式事务与消息队列</a:t>
+            </a:r>
+          </a:p>
+        </p:txBody>
+      </p:sp>
+    </p:spTree>
+    <p:extLst>
+      <p:ext uri="{BB962C8B-B14F-4D97-AF65-F5344CB8AC3E}">
+        <p14:creationId xmlns:p14="http://schemas.microsoft.com/office/powerpoint/2010/main" val="3556490959"/>
+      </p:ext>
+    </p:extLst>
+  </p:cSld>
+  <p:clrMapOvr>
+    <a:masterClrMapping/>
+  </p:clrMapOvr>
+</p:sld>
+</file>
+
+<file path=ppt/slides/slide42.xml><?xml version="1.0" encoding="utf-8"?>
+<p:sld xmlns:a="http://schemas.openxmlformats.org/drawingml/2006/main" xmlns:r="http://schemas.openxmlformats.org/officeDocument/2006/relationships" xmlns:p="http://schemas.openxmlformats.org/presentationml/2006/main">
+  <p:cSld>
+    <p:spTree>
+      <p:nvGrpSpPr>
+        <p:cNvPr id="1" name=""/>
+        <p:cNvGrpSpPr/>
+        <p:nvPr/>
+      </p:nvGrpSpPr>
+      <p:grpSpPr>
+        <a:xfrm>
+          <a:off x="0" y="0"/>
+          <a:ext cx="0" cy="0"/>
+          <a:chOff x="0" y="0"/>
+          <a:chExt cx="0" cy="0"/>
+        </a:xfrm>
+      </p:grpSpPr>
       <p:pic>
         <p:nvPicPr>
           <p:cNvPr id="4" name="图片 3">
@@ -10547,7 +11977,7 @@
 </p:sld>
 </file>
 
-<file path=ppt/slides/slide41.xml><?xml version="1.0" encoding="utf-8"?>
+<file path=ppt/slides/slide43.xml><?xml version="1.0" encoding="utf-8"?>
 <p:sld xmlns:a="http://schemas.openxmlformats.org/drawingml/2006/main" xmlns:r="http://schemas.openxmlformats.org/officeDocument/2006/relationships" xmlns:p="http://schemas.openxmlformats.org/presentationml/2006/main">
   <p:cSld>
     <p:spTree>
@@ -10607,7 +12037,7 @@
 </p:sld>
 </file>
 
-<file path=ppt/slides/slide42.xml><?xml version="1.0" encoding="utf-8"?>
+<file path=ppt/slides/slide44.xml><?xml version="1.0" encoding="utf-8"?>
 <p:sld xmlns:a="http://schemas.openxmlformats.org/drawingml/2006/main" xmlns:r="http://schemas.openxmlformats.org/officeDocument/2006/relationships" xmlns:p="http://schemas.openxmlformats.org/presentationml/2006/main">
   <p:cSld>
     <p:spTree>
@@ -10667,7 +12097,7 @@
 </p:sld>
 </file>
 
-<file path=ppt/slides/slide43.xml><?xml version="1.0" encoding="utf-8"?>
+<file path=ppt/slides/slide45.xml><?xml version="1.0" encoding="utf-8"?>
 <p:sld xmlns:a="http://schemas.openxmlformats.org/drawingml/2006/main" xmlns:r="http://schemas.openxmlformats.org/officeDocument/2006/relationships" xmlns:p="http://schemas.openxmlformats.org/presentationml/2006/main">
   <p:cSld>
     <p:spTree>
@@ -10727,7 +12157,7 @@
 </p:sld>
 </file>
 
-<file path=ppt/slides/slide44.xml><?xml version="1.0" encoding="utf-8"?>
+<file path=ppt/slides/slide46.xml><?xml version="1.0" encoding="utf-8"?>
 <p:sld xmlns:a="http://schemas.openxmlformats.org/drawingml/2006/main" xmlns:r="http://schemas.openxmlformats.org/officeDocument/2006/relationships" xmlns:p="http://schemas.openxmlformats.org/presentationml/2006/main">
   <p:cSld>
     <p:spTree>
@@ -10827,7 +12257,7 @@
             </a:r>
             <a:r>
               <a:rPr lang="zh-CN" altLang="en-US" dirty="0"/>
-              <a:t>消息处理超时如何解决？</a:t>
+              <a:t>消息处理超时如何解决？努力送达模型</a:t>
             </a:r>
             <a:endParaRPr lang="en-US" altLang="zh-CN" dirty="0"/>
           </a:p>
@@ -10835,7 +12265,7 @@
             <a:pPr lvl="1"/>
             <a:r>
               <a:rPr lang="zh-CN" altLang="en-US" dirty="0"/>
-              <a:t> 消息处理失败如何解决？</a:t>
+              <a:t> 消息处理失败如何解决？人工介入</a:t>
             </a:r>
             <a:endParaRPr lang="en-US" altLang="zh-CN" dirty="0"/>
           </a:p>
@@ -10872,7 +12302,7 @@
 </p:sld>
 </file>
 
-<file path=ppt/slides/slide45.xml><?xml version="1.0" encoding="utf-8"?>
+<file path=ppt/slides/slide47.xml><?xml version="1.0" encoding="utf-8"?>
 <p:sld xmlns:a="http://schemas.openxmlformats.org/drawingml/2006/main" xmlns:r="http://schemas.openxmlformats.org/officeDocument/2006/relationships" xmlns:p="http://schemas.openxmlformats.org/presentationml/2006/main">
   <p:cSld>
     <p:spTree>
@@ -10932,7 +12362,7 @@
 </p:sld>
 </file>
 
-<file path=ppt/slides/slide46.xml><?xml version="1.0" encoding="utf-8"?>
+<file path=ppt/slides/slide48.xml><?xml version="1.0" encoding="utf-8"?>
 <p:sld xmlns:a="http://schemas.openxmlformats.org/drawingml/2006/main" xmlns:r="http://schemas.openxmlformats.org/officeDocument/2006/relationships" xmlns:p="http://schemas.openxmlformats.org/presentationml/2006/main">
   <p:cSld>
     <p:spTree>
@@ -11020,7 +12450,7 @@
 </p:sld>
 </file>
 
-<file path=ppt/slides/slide47.xml><?xml version="1.0" encoding="utf-8"?>
+<file path=ppt/slides/slide49.xml><?xml version="1.0" encoding="utf-8"?>
 <p:sld xmlns:a="http://schemas.openxmlformats.org/drawingml/2006/main" xmlns:r="http://schemas.openxmlformats.org/officeDocument/2006/relationships" xmlns:p="http://schemas.openxmlformats.org/presentationml/2006/main">
   <p:cSld>
     <p:spTree>
@@ -11080,7 +12510,134 @@
 </p:sld>
 </file>
 
-<file path=ppt/slides/slide48.xml><?xml version="1.0" encoding="utf-8"?>
+<file path=ppt/slides/slide5.xml><?xml version="1.0" encoding="utf-8"?>
+<p:sld xmlns:a="http://schemas.openxmlformats.org/drawingml/2006/main" xmlns:r="http://schemas.openxmlformats.org/officeDocument/2006/relationships" xmlns:p="http://schemas.openxmlformats.org/presentationml/2006/main">
+  <p:cSld>
+    <p:spTree>
+      <p:nvGrpSpPr>
+        <p:cNvPr id="1" name=""/>
+        <p:cNvGrpSpPr/>
+        <p:nvPr/>
+      </p:nvGrpSpPr>
+      <p:grpSpPr>
+        <a:xfrm>
+          <a:off x="0" y="0"/>
+          <a:ext cx="0" cy="0"/>
+          <a:chOff x="0" y="0"/>
+          <a:chExt cx="0" cy="0"/>
+        </a:xfrm>
+      </p:grpSpPr>
+      <p:sp>
+        <p:nvSpPr>
+          <p:cNvPr id="2" name="标题 1">
+            <a:extLst>
+              <a:ext uri="{FF2B5EF4-FFF2-40B4-BE49-F238E27FC236}">
+                <a16:creationId xmlns:a16="http://schemas.microsoft.com/office/drawing/2014/main" id="{1C645FD8-F644-4A69-A9D1-1C0DA3677183}"/>
+              </a:ext>
+            </a:extLst>
+          </p:cNvPr>
+          <p:cNvSpPr>
+            <a:spLocks noGrp="1"/>
+          </p:cNvSpPr>
+          <p:nvPr>
+            <p:ph type="title"/>
+          </p:nvPr>
+        </p:nvSpPr>
+        <p:spPr/>
+        <p:txBody>
+          <a:bodyPr/>
+          <a:lstStyle/>
+          <a:p>
+            <a:r>
+              <a:rPr lang="zh-CN" altLang="en-US" dirty="0"/>
+              <a:t>应用集成通信模式</a:t>
+            </a:r>
+          </a:p>
+        </p:txBody>
+      </p:sp>
+      <p:sp>
+        <p:nvSpPr>
+          <p:cNvPr id="3" name="内容占位符 2">
+            <a:extLst>
+              <a:ext uri="{FF2B5EF4-FFF2-40B4-BE49-F238E27FC236}">
+                <a16:creationId xmlns:a16="http://schemas.microsoft.com/office/drawing/2014/main" id="{D514E1AC-6DFF-4474-85FE-ABF99F0BEAAE}"/>
+              </a:ext>
+            </a:extLst>
+          </p:cNvPr>
+          <p:cNvSpPr>
+            <a:spLocks noGrp="1"/>
+          </p:cNvSpPr>
+          <p:nvPr>
+            <p:ph idx="1"/>
+          </p:nvPr>
+        </p:nvSpPr>
+        <p:spPr/>
+        <p:txBody>
+          <a:bodyPr/>
+          <a:lstStyle/>
+          <a:p>
+            <a:r>
+              <a:rPr lang="en-US" altLang="zh-CN" dirty="0"/>
+              <a:t>1  </a:t>
+            </a:r>
+            <a:r>
+              <a:rPr lang="zh-CN" altLang="en-US" dirty="0"/>
+              <a:t>文件传输</a:t>
+            </a:r>
+            <a:endParaRPr lang="en-US" altLang="zh-CN" dirty="0"/>
+          </a:p>
+          <a:p>
+            <a:endParaRPr lang="en-US" altLang="zh-CN" dirty="0"/>
+          </a:p>
+          <a:p>
+            <a:r>
+              <a:rPr lang="en-US" altLang="zh-CN" dirty="0"/>
+              <a:t>2  </a:t>
+            </a:r>
+            <a:r>
+              <a:rPr lang="zh-CN" altLang="en-US" dirty="0"/>
+              <a:t>共享数据库</a:t>
+            </a:r>
+            <a:endParaRPr lang="en-US" altLang="zh-CN" dirty="0"/>
+          </a:p>
+          <a:p>
+            <a:endParaRPr lang="en-US" altLang="zh-CN" dirty="0"/>
+          </a:p>
+          <a:p>
+            <a:r>
+              <a:rPr lang="en-US" altLang="zh-CN" dirty="0"/>
+              <a:t>3 RPC</a:t>
+            </a:r>
+          </a:p>
+          <a:p>
+            <a:endParaRPr lang="en-US" altLang="zh-CN" dirty="0"/>
+          </a:p>
+          <a:p>
+            <a:r>
+              <a:rPr lang="en-US" altLang="zh-CN" dirty="0"/>
+              <a:t>4 </a:t>
+            </a:r>
+            <a:r>
+              <a:rPr lang="zh-CN" altLang="en-US" dirty="0"/>
+              <a:t>消息</a:t>
+            </a:r>
+          </a:p>
+        </p:txBody>
+      </p:sp>
+    </p:spTree>
+    <p:extLst>
+      <p:ext uri="{BB962C8B-B14F-4D97-AF65-F5344CB8AC3E}">
+        <p14:creationId xmlns:p14="http://schemas.microsoft.com/office/powerpoint/2010/main" val="1685372794"/>
+      </p:ext>
+    </p:extLst>
+  </p:cSld>
+  <p:clrMapOvr>
+    <a:masterClrMapping/>
+  </p:clrMapOvr>
+</p:sld>
+</file>
+
+<file path=ppt/slides/slide50.xml><?xml version="1.0" encoding="utf-8"?>
 <p:sld xmlns:a="http://schemas.openxmlformats.org/drawingml/2006/main" xmlns:r="http://schemas.openxmlformats.org/officeDocument/2006/relationships" xmlns:p="http://schemas.openxmlformats.org/presentationml/2006/main">
   <p:cSld>
     <p:spTree>
@@ -11168,321 +12725,6 @@
 </p:sld>
 </file>
 
-<file path=ppt/slides/slide49.xml><?xml version="1.0" encoding="utf-8"?>
-<p:sld xmlns:a="http://schemas.openxmlformats.org/drawingml/2006/main" xmlns:r="http://schemas.openxmlformats.org/officeDocument/2006/relationships" xmlns:p="http://schemas.openxmlformats.org/presentationml/2006/main">
-  <p:cSld>
-    <p:spTree>
-      <p:nvGrpSpPr>
-        <p:cNvPr id="1" name=""/>
-        <p:cNvGrpSpPr/>
-        <p:nvPr/>
-      </p:nvGrpSpPr>
-      <p:grpSpPr>
-        <a:xfrm>
-          <a:off x="0" y="0"/>
-          <a:ext cx="0" cy="0"/>
-          <a:chOff x="0" y="0"/>
-          <a:chExt cx="0" cy="0"/>
-        </a:xfrm>
-      </p:grpSpPr>
-      <p:sp>
-        <p:nvSpPr>
-          <p:cNvPr id="2" name="标题 1">
-            <a:extLst>
-              <a:ext uri="{FF2B5EF4-FFF2-40B4-BE49-F238E27FC236}">
-                <a16:creationId xmlns:a16="http://schemas.microsoft.com/office/drawing/2014/main" id="{05C9E62E-9E2F-4514-A020-5184DCFE4657}"/>
-              </a:ext>
-            </a:extLst>
-          </p:cNvPr>
-          <p:cNvSpPr>
-            <a:spLocks noGrp="1"/>
-          </p:cNvSpPr>
-          <p:nvPr>
-            <p:ph type="title"/>
-          </p:nvPr>
-        </p:nvSpPr>
-        <p:spPr/>
-        <p:txBody>
-          <a:bodyPr/>
-          <a:lstStyle/>
-          <a:p>
-            <a:r>
-              <a:rPr lang="zh-CN" altLang="en-US" dirty="0"/>
-              <a:t>参考资料</a:t>
-            </a:r>
-          </a:p>
-        </p:txBody>
-      </p:sp>
-      <p:sp>
-        <p:nvSpPr>
-          <p:cNvPr id="3" name="内容占位符 2">
-            <a:extLst>
-              <a:ext uri="{FF2B5EF4-FFF2-40B4-BE49-F238E27FC236}">
-                <a16:creationId xmlns:a16="http://schemas.microsoft.com/office/drawing/2014/main" id="{2C028E53-FC8A-49A5-9A5C-E50F158D7DFC}"/>
-              </a:ext>
-            </a:extLst>
-          </p:cNvPr>
-          <p:cNvSpPr>
-            <a:spLocks noGrp="1"/>
-          </p:cNvSpPr>
-          <p:nvPr>
-            <p:ph idx="1"/>
-          </p:nvPr>
-        </p:nvSpPr>
-        <p:spPr/>
-        <p:txBody>
-          <a:bodyPr/>
-          <a:lstStyle/>
-          <a:p>
-            <a:endParaRPr lang="zh-CN" altLang="en-US"/>
-          </a:p>
-        </p:txBody>
-      </p:sp>
-    </p:spTree>
-    <p:extLst>
-      <p:ext uri="{BB962C8B-B14F-4D97-AF65-F5344CB8AC3E}">
-        <p14:creationId xmlns:p14="http://schemas.microsoft.com/office/powerpoint/2010/main" val="295461115"/>
-      </p:ext>
-    </p:extLst>
-  </p:cSld>
-  <p:clrMapOvr>
-    <a:masterClrMapping/>
-  </p:clrMapOvr>
-</p:sld>
-</file>
-
-<file path=ppt/slides/slide5.xml><?xml version="1.0" encoding="utf-8"?>
-<p:sld xmlns:a="http://schemas.openxmlformats.org/drawingml/2006/main" xmlns:r="http://schemas.openxmlformats.org/officeDocument/2006/relationships" xmlns:p="http://schemas.openxmlformats.org/presentationml/2006/main">
-  <p:cSld>
-    <p:spTree>
-      <p:nvGrpSpPr>
-        <p:cNvPr id="1" name=""/>
-        <p:cNvGrpSpPr/>
-        <p:nvPr/>
-      </p:nvGrpSpPr>
-      <p:grpSpPr>
-        <a:xfrm>
-          <a:off x="0" y="0"/>
-          <a:ext cx="0" cy="0"/>
-          <a:chOff x="0" y="0"/>
-          <a:chExt cx="0" cy="0"/>
-        </a:xfrm>
-      </p:grpSpPr>
-      <p:sp>
-        <p:nvSpPr>
-          <p:cNvPr id="2" name="标题 1">
-            <a:extLst>
-              <a:ext uri="{FF2B5EF4-FFF2-40B4-BE49-F238E27FC236}">
-                <a16:creationId xmlns:a16="http://schemas.microsoft.com/office/drawing/2014/main" id="{1C645FD8-F644-4A69-A9D1-1C0DA3677183}"/>
-              </a:ext>
-            </a:extLst>
-          </p:cNvPr>
-          <p:cNvSpPr>
-            <a:spLocks noGrp="1"/>
-          </p:cNvSpPr>
-          <p:nvPr>
-            <p:ph type="title"/>
-          </p:nvPr>
-        </p:nvSpPr>
-        <p:spPr/>
-        <p:txBody>
-          <a:bodyPr/>
-          <a:lstStyle/>
-          <a:p>
-            <a:r>
-              <a:rPr lang="zh-CN" altLang="en-US" dirty="0"/>
-              <a:t>应用集成通信模式</a:t>
-            </a:r>
-          </a:p>
-        </p:txBody>
-      </p:sp>
-      <p:sp>
-        <p:nvSpPr>
-          <p:cNvPr id="3" name="内容占位符 2">
-            <a:extLst>
-              <a:ext uri="{FF2B5EF4-FFF2-40B4-BE49-F238E27FC236}">
-                <a16:creationId xmlns:a16="http://schemas.microsoft.com/office/drawing/2014/main" id="{D514E1AC-6DFF-4474-85FE-ABF99F0BEAAE}"/>
-              </a:ext>
-            </a:extLst>
-          </p:cNvPr>
-          <p:cNvSpPr>
-            <a:spLocks noGrp="1"/>
-          </p:cNvSpPr>
-          <p:nvPr>
-            <p:ph idx="1"/>
-          </p:nvPr>
-        </p:nvSpPr>
-        <p:spPr/>
-        <p:txBody>
-          <a:bodyPr/>
-          <a:lstStyle/>
-          <a:p>
-            <a:r>
-              <a:rPr lang="en-US" altLang="zh-CN" dirty="0"/>
-              <a:t>1  </a:t>
-            </a:r>
-            <a:r>
-              <a:rPr lang="zh-CN" altLang="en-US" dirty="0"/>
-              <a:t>文件传输</a:t>
-            </a:r>
-            <a:endParaRPr lang="en-US" altLang="zh-CN" dirty="0"/>
-          </a:p>
-          <a:p>
-            <a:endParaRPr lang="en-US" altLang="zh-CN" dirty="0"/>
-          </a:p>
-          <a:p>
-            <a:r>
-              <a:rPr lang="en-US" altLang="zh-CN" dirty="0"/>
-              <a:t>2  </a:t>
-            </a:r>
-            <a:r>
-              <a:rPr lang="zh-CN" altLang="en-US" dirty="0"/>
-              <a:t>共享数据库</a:t>
-            </a:r>
-            <a:endParaRPr lang="en-US" altLang="zh-CN" dirty="0"/>
-          </a:p>
-          <a:p>
-            <a:endParaRPr lang="en-US" altLang="zh-CN" dirty="0"/>
-          </a:p>
-          <a:p>
-            <a:r>
-              <a:rPr lang="en-US" altLang="zh-CN" dirty="0"/>
-              <a:t>3 RPC</a:t>
-            </a:r>
-          </a:p>
-          <a:p>
-            <a:endParaRPr lang="en-US" altLang="zh-CN" dirty="0"/>
-          </a:p>
-          <a:p>
-            <a:r>
-              <a:rPr lang="en-US" altLang="zh-CN" dirty="0"/>
-              <a:t>4 </a:t>
-            </a:r>
-            <a:r>
-              <a:rPr lang="zh-CN" altLang="en-US" dirty="0"/>
-              <a:t>消息</a:t>
-            </a:r>
-          </a:p>
-        </p:txBody>
-      </p:sp>
-    </p:spTree>
-    <p:extLst>
-      <p:ext uri="{BB962C8B-B14F-4D97-AF65-F5344CB8AC3E}">
-        <p14:creationId xmlns:p14="http://schemas.microsoft.com/office/powerpoint/2010/main" val="1685372794"/>
-      </p:ext>
-    </p:extLst>
-  </p:cSld>
-  <p:clrMapOvr>
-    <a:masterClrMapping/>
-  </p:clrMapOvr>
-</p:sld>
-</file>
-
-<file path=ppt/slides/slide50.xml><?xml version="1.0" encoding="utf-8"?>
-<p:sld xmlns:a="http://schemas.openxmlformats.org/drawingml/2006/main" xmlns:r="http://schemas.openxmlformats.org/officeDocument/2006/relationships" xmlns:p="http://schemas.openxmlformats.org/presentationml/2006/main">
-  <p:cSld>
-    <p:spTree>
-      <p:nvGrpSpPr>
-        <p:cNvPr id="1" name=""/>
-        <p:cNvGrpSpPr/>
-        <p:nvPr/>
-      </p:nvGrpSpPr>
-      <p:grpSpPr>
-        <a:xfrm>
-          <a:off x="0" y="0"/>
-          <a:ext cx="0" cy="0"/>
-          <a:chOff x="0" y="0"/>
-          <a:chExt cx="0" cy="0"/>
-        </a:xfrm>
-      </p:grpSpPr>
-      <p:sp>
-        <p:nvSpPr>
-          <p:cNvPr id="5" name="标题 4">
-            <a:extLst>
-              <a:ext uri="{FF2B5EF4-FFF2-40B4-BE49-F238E27FC236}">
-                <a16:creationId xmlns:a16="http://schemas.microsoft.com/office/drawing/2014/main" id="{D9EF2E63-1C2A-469A-AF50-E5CA9ECFBD7D}"/>
-              </a:ext>
-            </a:extLst>
-          </p:cNvPr>
-          <p:cNvSpPr>
-            <a:spLocks noGrp="1"/>
-          </p:cNvSpPr>
-          <p:nvPr>
-            <p:ph type="title"/>
-          </p:nvPr>
-        </p:nvSpPr>
-        <p:spPr/>
-        <p:txBody>
-          <a:bodyPr/>
-          <a:lstStyle/>
-          <a:p>
-            <a:endParaRPr lang="zh-CN" altLang="en-US"/>
-          </a:p>
-        </p:txBody>
-      </p:sp>
-      <p:sp>
-        <p:nvSpPr>
-          <p:cNvPr id="6" name="矩形 5">
-            <a:extLst>
-              <a:ext uri="{FF2B5EF4-FFF2-40B4-BE49-F238E27FC236}">
-                <a16:creationId xmlns:a16="http://schemas.microsoft.com/office/drawing/2014/main" id="{8FEDD989-809D-472D-B409-32B265FE9100}"/>
-              </a:ext>
-            </a:extLst>
-          </p:cNvPr>
-          <p:cNvSpPr/>
-          <p:nvPr/>
-        </p:nvSpPr>
-        <p:spPr>
-          <a:xfrm>
-            <a:off x="0" y="2186608"/>
-            <a:ext cx="12192000" cy="1709531"/>
-          </a:xfrm>
-          <a:prstGeom prst="rect">
-            <a:avLst/>
-          </a:prstGeom>
-        </p:spPr>
-        <p:style>
-          <a:lnRef idx="2">
-            <a:schemeClr val="accent1">
-              <a:shade val="50000"/>
-            </a:schemeClr>
-          </a:lnRef>
-          <a:fillRef idx="1">
-            <a:schemeClr val="accent1"/>
-          </a:fillRef>
-          <a:effectRef idx="0">
-            <a:schemeClr val="accent1"/>
-          </a:effectRef>
-          <a:fontRef idx="minor">
-            <a:schemeClr val="lt1"/>
-          </a:fontRef>
-        </p:style>
-        <p:txBody>
-          <a:bodyPr rtlCol="0" anchor="ctr"/>
-          <a:lstStyle/>
-          <a:p>
-            <a:pPr algn="ctr"/>
-            <a:r>
-              <a:rPr lang="en-US" altLang="zh-CN" sz="5400" dirty="0"/>
-              <a:t>Q&amp;A</a:t>
-            </a:r>
-            <a:endParaRPr lang="zh-CN" altLang="en-US" sz="5400" dirty="0"/>
-          </a:p>
-        </p:txBody>
-      </p:sp>
-    </p:spTree>
-    <p:extLst>
-      <p:ext uri="{BB962C8B-B14F-4D97-AF65-F5344CB8AC3E}">
-        <p14:creationId xmlns:p14="http://schemas.microsoft.com/office/powerpoint/2010/main" val="3911165385"/>
-      </p:ext>
-    </p:extLst>
-  </p:cSld>
-  <p:clrMapOvr>
-    <a:masterClrMapping/>
-  </p:clrMapOvr>
-</p:sld>
-</file>
-
 <file path=ppt/slides/slide51.xml><?xml version="1.0" encoding="utf-8"?>
 <p:sld xmlns:a="http://schemas.openxmlformats.org/drawingml/2006/main" xmlns:r="http://schemas.openxmlformats.org/officeDocument/2006/relationships" xmlns:p="http://schemas.openxmlformats.org/presentationml/2006/main">
   <p:cSld>
@@ -11500,60 +12742,42 @@
           <a:chExt cx="0" cy="0"/>
         </a:xfrm>
       </p:grpSpPr>
-      <p:sp>
-        <p:nvSpPr>
-          <p:cNvPr id="4" name="矩形 3">
-            <a:extLst>
-              <a:ext uri="{FF2B5EF4-FFF2-40B4-BE49-F238E27FC236}">
-                <a16:creationId xmlns:a16="http://schemas.microsoft.com/office/drawing/2014/main" id="{456B2E46-8BDE-450F-8B2C-CC0B3F6959E5}"/>
-              </a:ext>
-            </a:extLst>
-          </p:cNvPr>
-          <p:cNvSpPr/>
-          <p:nvPr/>
-        </p:nvSpPr>
+      <p:pic>
+        <p:nvPicPr>
+          <p:cNvPr id="4" name="内容占位符 3">
+            <a:extLst>
+              <a:ext uri="{FF2B5EF4-FFF2-40B4-BE49-F238E27FC236}">
+                <a16:creationId xmlns:a16="http://schemas.microsoft.com/office/drawing/2014/main" id="{54E4D5DB-38B4-4885-BB47-F273DB8FCC11}"/>
+              </a:ext>
+            </a:extLst>
+          </p:cNvPr>
+          <p:cNvPicPr>
+            <a:picLocks noGrp="1" noChangeAspect="1"/>
+          </p:cNvPicPr>
+          <p:nvPr>
+            <p:ph idx="1"/>
+          </p:nvPr>
+        </p:nvPicPr>
+        <p:blipFill>
+          <a:blip r:embed="rId3"/>
+          <a:stretch>
+            <a:fillRect/>
+          </a:stretch>
+        </p:blipFill>
         <p:spPr>
           <a:xfrm>
-            <a:off x="0" y="2186608"/>
-            <a:ext cx="12192000" cy="1709531"/>
+            <a:off x="2207774" y="1136513"/>
+            <a:ext cx="7193355" cy="4351338"/>
           </a:xfrm>
           <a:prstGeom prst="rect">
             <a:avLst/>
           </a:prstGeom>
         </p:spPr>
-        <p:style>
-          <a:lnRef idx="2">
-            <a:schemeClr val="accent1">
-              <a:shade val="50000"/>
-            </a:schemeClr>
-          </a:lnRef>
-          <a:fillRef idx="1">
-            <a:schemeClr val="accent1"/>
-          </a:fillRef>
-          <a:effectRef idx="0">
-            <a:schemeClr val="accent1"/>
-          </a:effectRef>
-          <a:fontRef idx="minor">
-            <a:schemeClr val="lt1"/>
-          </a:fontRef>
-        </p:style>
-        <p:txBody>
-          <a:bodyPr rtlCol="0" anchor="ctr"/>
-          <a:lstStyle/>
-          <a:p>
-            <a:pPr algn="ctr"/>
-            <a:r>
-              <a:rPr lang="en-US" altLang="zh-CN" sz="5400" dirty="0"/>
-              <a:t>Q&amp;A</a:t>
-            </a:r>
-            <a:endParaRPr lang="zh-CN" altLang="en-US" sz="5400" dirty="0"/>
-          </a:p>
-        </p:txBody>
-      </p:sp>
+      </p:pic>
     </p:spTree>
     <p:extLst>
       <p:ext uri="{BB962C8B-B14F-4D97-AF65-F5344CB8AC3E}">
-        <p14:creationId xmlns:p14="http://schemas.microsoft.com/office/powerpoint/2010/main" val="2761562899"/>
+        <p14:creationId xmlns:p14="http://schemas.microsoft.com/office/powerpoint/2010/main" val="3381447373"/>
       </p:ext>
     </p:extLst>
   </p:cSld>
@@ -11582,57 +12806,886 @@
       </p:grpSpPr>
       <p:sp>
         <p:nvSpPr>
-          <p:cNvPr id="4" name="矩形 3">
-            <a:extLst>
-              <a:ext uri="{FF2B5EF4-FFF2-40B4-BE49-F238E27FC236}">
-                <a16:creationId xmlns:a16="http://schemas.microsoft.com/office/drawing/2014/main" id="{87A0F59A-6F34-498B-87C3-BE3458A91548}"/>
-              </a:ext>
-            </a:extLst>
-          </p:cNvPr>
-          <p:cNvSpPr/>
+          <p:cNvPr id="2" name="标题 1">
+            <a:extLst>
+              <a:ext uri="{FF2B5EF4-FFF2-40B4-BE49-F238E27FC236}">
+                <a16:creationId xmlns:a16="http://schemas.microsoft.com/office/drawing/2014/main" id="{05C9E62E-9E2F-4514-A020-5184DCFE4657}"/>
+              </a:ext>
+            </a:extLst>
+          </p:cNvPr>
+          <p:cNvSpPr>
+            <a:spLocks noGrp="1"/>
+          </p:cNvSpPr>
+          <p:nvPr>
+            <p:ph type="title"/>
+          </p:nvPr>
+        </p:nvSpPr>
+        <p:spPr/>
+        <p:txBody>
+          <a:bodyPr/>
+          <a:lstStyle/>
+          <a:p>
+            <a:r>
+              <a:rPr lang="zh-CN" altLang="en-US" dirty="0"/>
+              <a:t>参考资料</a:t>
+            </a:r>
+          </a:p>
+        </p:txBody>
+      </p:sp>
+      <p:sp>
+        <p:nvSpPr>
+          <p:cNvPr id="3" name="内容占位符 2">
+            <a:extLst>
+              <a:ext uri="{FF2B5EF4-FFF2-40B4-BE49-F238E27FC236}">
+                <a16:creationId xmlns:a16="http://schemas.microsoft.com/office/drawing/2014/main" id="{2C028E53-FC8A-49A5-9A5C-E50F158D7DFC}"/>
+              </a:ext>
+            </a:extLst>
+          </p:cNvPr>
+          <p:cNvSpPr>
+            <a:spLocks noGrp="1"/>
+          </p:cNvSpPr>
+          <p:nvPr>
+            <p:ph idx="1"/>
+          </p:nvPr>
+        </p:nvSpPr>
+        <p:spPr/>
+        <p:txBody>
+          <a:bodyPr/>
+          <a:lstStyle/>
+          <a:p>
+            <a:endParaRPr lang="zh-CN" altLang="en-US"/>
+          </a:p>
+        </p:txBody>
+      </p:sp>
+      <p:pic>
+        <p:nvPicPr>
+          <p:cNvPr id="4" name="图片 3">
+            <a:extLst>
+              <a:ext uri="{FF2B5EF4-FFF2-40B4-BE49-F238E27FC236}">
+                <a16:creationId xmlns:a16="http://schemas.microsoft.com/office/drawing/2014/main" id="{64E5F916-AA49-4536-83DB-A3515FD717B2}"/>
+              </a:ext>
+            </a:extLst>
+          </p:cNvPr>
+          <p:cNvPicPr>
+            <a:picLocks noChangeAspect="1"/>
+          </p:cNvPicPr>
           <p:nvPr/>
-        </p:nvSpPr>
+        </p:nvPicPr>
+        <p:blipFill>
+          <a:blip r:embed="rId3"/>
+          <a:stretch>
+            <a:fillRect/>
+          </a:stretch>
+        </p:blipFill>
         <p:spPr>
           <a:xfrm>
-            <a:off x="0" y="2107094"/>
-            <a:ext cx="12192000" cy="1709531"/>
+            <a:off x="328612" y="104775"/>
+            <a:ext cx="11534775" cy="6648450"/>
           </a:xfrm>
           <a:prstGeom prst="rect">
             <a:avLst/>
           </a:prstGeom>
         </p:spPr>
-        <p:style>
-          <a:lnRef idx="2">
-            <a:schemeClr val="accent1">
-              <a:shade val="50000"/>
-            </a:schemeClr>
-          </a:lnRef>
-          <a:fillRef idx="1">
-            <a:schemeClr val="accent1"/>
-          </a:fillRef>
-          <a:effectRef idx="0">
-            <a:schemeClr val="accent1"/>
-          </a:effectRef>
-          <a:fontRef idx="minor">
-            <a:schemeClr val="lt1"/>
-          </a:fontRef>
-        </p:style>
-        <p:txBody>
-          <a:bodyPr rtlCol="0" anchor="ctr"/>
-          <a:lstStyle/>
-          <a:p>
-            <a:pPr algn="ctr"/>
-            <a:r>
-              <a:rPr lang="zh-CN" altLang="en-US" sz="5400" dirty="0"/>
-              <a:t>感谢聆听</a:t>
-            </a:r>
-          </a:p>
-        </p:txBody>
-      </p:sp>
+      </p:pic>
     </p:spTree>
     <p:extLst>
       <p:ext uri="{BB962C8B-B14F-4D97-AF65-F5344CB8AC3E}">
-        <p14:creationId xmlns:p14="http://schemas.microsoft.com/office/powerpoint/2010/main" val="2993766654"/>
+        <p14:creationId xmlns:p14="http://schemas.microsoft.com/office/powerpoint/2010/main" val="295461115"/>
+      </p:ext>
+    </p:extLst>
+  </p:cSld>
+  <p:clrMapOvr>
+    <a:masterClrMapping/>
+  </p:clrMapOvr>
+</p:sld>
+</file>
+
+<file path=ppt/slides/slide53.xml><?xml version="1.0" encoding="utf-8"?>
+<p:sld xmlns:a="http://schemas.openxmlformats.org/drawingml/2006/main" xmlns:r="http://schemas.openxmlformats.org/officeDocument/2006/relationships" xmlns:p="http://schemas.openxmlformats.org/presentationml/2006/main">
+  <p:cSld>
+    <p:spTree>
+      <p:nvGrpSpPr>
+        <p:cNvPr id="1" name=""/>
+        <p:cNvGrpSpPr/>
+        <p:nvPr/>
+      </p:nvGrpSpPr>
+      <p:grpSpPr>
+        <a:xfrm>
+          <a:off x="0" y="0"/>
+          <a:ext cx="0" cy="0"/>
+          <a:chOff x="0" y="0"/>
+          <a:chExt cx="0" cy="0"/>
+        </a:xfrm>
+      </p:grpSpPr>
+      <p:sp>
+        <p:nvSpPr>
+          <p:cNvPr id="2" name="标题 1">
+            <a:extLst>
+              <a:ext uri="{FF2B5EF4-FFF2-40B4-BE49-F238E27FC236}">
+                <a16:creationId xmlns:a16="http://schemas.microsoft.com/office/drawing/2014/main" id="{5CF0C405-E4C4-45A2-BE6D-38A80493B752}"/>
+              </a:ext>
+            </a:extLst>
+          </p:cNvPr>
+          <p:cNvSpPr>
+            <a:spLocks noGrp="1"/>
+          </p:cNvSpPr>
+          <p:nvPr>
+            <p:ph type="title"/>
+          </p:nvPr>
+        </p:nvSpPr>
+        <p:spPr/>
+        <p:txBody>
+          <a:bodyPr/>
+          <a:lstStyle/>
+          <a:p>
+            <a:r>
+              <a:rPr lang="en-US" altLang="zh-CN" dirty="0"/>
+              <a:t>Messaging Channel</a:t>
+            </a:r>
+            <a:endParaRPr lang="zh-CN" altLang="en-US" dirty="0"/>
+          </a:p>
+        </p:txBody>
+      </p:sp>
+      <p:sp>
+        <p:nvSpPr>
+          <p:cNvPr id="3" name="内容占位符 2">
+            <a:extLst>
+              <a:ext uri="{FF2B5EF4-FFF2-40B4-BE49-F238E27FC236}">
+                <a16:creationId xmlns:a16="http://schemas.microsoft.com/office/drawing/2014/main" id="{F3C563B8-4F41-44F3-994C-1CF757125DA5}"/>
+              </a:ext>
+            </a:extLst>
+          </p:cNvPr>
+          <p:cNvSpPr>
+            <a:spLocks noGrp="1"/>
+          </p:cNvSpPr>
+          <p:nvPr>
+            <p:ph idx="1"/>
+          </p:nvPr>
+        </p:nvSpPr>
+        <p:spPr/>
+        <p:txBody>
+          <a:bodyPr/>
+          <a:lstStyle/>
+          <a:p>
+            <a:r>
+              <a:rPr lang="en-US" altLang="zh-CN" dirty="0"/>
+              <a:t>1 </a:t>
+            </a:r>
+            <a:r>
+              <a:rPr lang="zh-CN" altLang="en-US" dirty="0"/>
+              <a:t>发布者如何保证只有一个接受者能接收呢？点对点</a:t>
+            </a:r>
+            <a:endParaRPr lang="en-US" altLang="zh-CN" dirty="0"/>
+          </a:p>
+          <a:p>
+            <a:r>
+              <a:rPr lang="en-US" altLang="zh-CN" dirty="0"/>
+              <a:t>2 </a:t>
+            </a:r>
+            <a:r>
+              <a:rPr lang="zh-CN" altLang="en-US" dirty="0"/>
+              <a:t>如何把发送者把消息广播到感兴趣的接受者呢？发布订阅</a:t>
+            </a:r>
+            <a:endParaRPr lang="en-US" altLang="zh-CN" dirty="0"/>
+          </a:p>
+          <a:p>
+            <a:r>
+              <a:rPr lang="en-US" altLang="zh-CN" dirty="0"/>
+              <a:t>3 </a:t>
+            </a:r>
+            <a:r>
+              <a:rPr lang="zh-CN" altLang="en-US" dirty="0"/>
+              <a:t>接收无意义的消息，接收者如何处理？</a:t>
+            </a:r>
+            <a:endParaRPr lang="en-US" altLang="zh-CN" dirty="0"/>
+          </a:p>
+          <a:p>
+            <a:r>
+              <a:rPr lang="en-US" altLang="zh-CN" dirty="0"/>
+              <a:t>4 </a:t>
+            </a:r>
+            <a:r>
+              <a:rPr lang="zh-CN" altLang="en-US" dirty="0"/>
+              <a:t>消息系统如何处理无法传递的消息呢？死信队列</a:t>
+            </a:r>
+            <a:endParaRPr lang="en-US" altLang="zh-CN" dirty="0"/>
+          </a:p>
+          <a:p>
+            <a:r>
+              <a:rPr lang="en-US" altLang="zh-CN" dirty="0"/>
+              <a:t>5 </a:t>
+            </a:r>
+            <a:r>
+              <a:rPr lang="zh-CN" altLang="en-US" dirty="0"/>
+              <a:t>发送者如何确保消息系统失败消息也能成功传递？可靠传输</a:t>
+            </a:r>
+          </a:p>
+        </p:txBody>
+      </p:sp>
+    </p:spTree>
+    <p:extLst>
+      <p:ext uri="{BB962C8B-B14F-4D97-AF65-F5344CB8AC3E}">
+        <p14:creationId xmlns:p14="http://schemas.microsoft.com/office/powerpoint/2010/main" val="682938392"/>
+      </p:ext>
+    </p:extLst>
+  </p:cSld>
+  <p:clrMapOvr>
+    <a:masterClrMapping/>
+  </p:clrMapOvr>
+</p:sld>
+</file>
+
+<file path=ppt/slides/slide54.xml><?xml version="1.0" encoding="utf-8"?>
+<p:sld xmlns:a="http://schemas.openxmlformats.org/drawingml/2006/main" xmlns:r="http://schemas.openxmlformats.org/officeDocument/2006/relationships" xmlns:p="http://schemas.openxmlformats.org/presentationml/2006/main">
+  <p:cSld>
+    <p:spTree>
+      <p:nvGrpSpPr>
+        <p:cNvPr id="1" name=""/>
+        <p:cNvGrpSpPr/>
+        <p:nvPr/>
+      </p:nvGrpSpPr>
+      <p:grpSpPr>
+        <a:xfrm>
+          <a:off x="0" y="0"/>
+          <a:ext cx="0" cy="0"/>
+          <a:chOff x="0" y="0"/>
+          <a:chExt cx="0" cy="0"/>
+        </a:xfrm>
+      </p:grpSpPr>
+      <p:sp>
+        <p:nvSpPr>
+          <p:cNvPr id="2" name="标题 1">
+            <a:extLst>
+              <a:ext uri="{FF2B5EF4-FFF2-40B4-BE49-F238E27FC236}">
+                <a16:creationId xmlns:a16="http://schemas.microsoft.com/office/drawing/2014/main" id="{CEC47573-FF34-4129-B336-C3D6D6F6A2F6}"/>
+              </a:ext>
+            </a:extLst>
+          </p:cNvPr>
+          <p:cNvSpPr>
+            <a:spLocks noGrp="1"/>
+          </p:cNvSpPr>
+          <p:nvPr>
+            <p:ph type="title"/>
+          </p:nvPr>
+        </p:nvSpPr>
+        <p:spPr/>
+        <p:txBody>
+          <a:bodyPr/>
+          <a:lstStyle/>
+          <a:p>
+            <a:r>
+              <a:rPr lang="zh-CN" altLang="en-US" dirty="0"/>
+              <a:t>事件驱动系统</a:t>
+            </a:r>
+          </a:p>
+        </p:txBody>
+      </p:sp>
+      <p:sp>
+        <p:nvSpPr>
+          <p:cNvPr id="3" name="内容占位符 2">
+            <a:extLst>
+              <a:ext uri="{FF2B5EF4-FFF2-40B4-BE49-F238E27FC236}">
+                <a16:creationId xmlns:a16="http://schemas.microsoft.com/office/drawing/2014/main" id="{DDB5F400-8453-4A33-B1FA-F68754287321}"/>
+              </a:ext>
+            </a:extLst>
+          </p:cNvPr>
+          <p:cNvSpPr>
+            <a:spLocks noGrp="1"/>
+          </p:cNvSpPr>
+          <p:nvPr>
+            <p:ph idx="1"/>
+          </p:nvPr>
+        </p:nvSpPr>
+        <p:spPr/>
+        <p:txBody>
+          <a:bodyPr/>
+          <a:lstStyle/>
+          <a:p>
+            <a:r>
+              <a:rPr lang="zh-CN" altLang="en-US" dirty="0"/>
+              <a:t>把消息构造成事件消息。</a:t>
+            </a:r>
+            <a:endParaRPr lang="en-US" altLang="zh-CN" dirty="0"/>
+          </a:p>
+          <a:p>
+            <a:endParaRPr lang="en-US" altLang="zh-CN" dirty="0"/>
+          </a:p>
+          <a:p>
+            <a:r>
+              <a:rPr lang="en-US" altLang="zh-CN" dirty="0">
+                <a:hlinkClick r:id="rId3"/>
+              </a:rPr>
+              <a:t>https://www.enterpriseintegrationpatterns.com/patterns/messaging/EventMessage.html</a:t>
+            </a:r>
+            <a:endParaRPr lang="zh-CN" altLang="en-US" dirty="0"/>
+          </a:p>
+        </p:txBody>
+      </p:sp>
+    </p:spTree>
+    <p:extLst>
+      <p:ext uri="{BB962C8B-B14F-4D97-AF65-F5344CB8AC3E}">
+        <p14:creationId xmlns:p14="http://schemas.microsoft.com/office/powerpoint/2010/main" val="525725438"/>
+      </p:ext>
+    </p:extLst>
+  </p:cSld>
+  <p:clrMapOvr>
+    <a:masterClrMapping/>
+  </p:clrMapOvr>
+</p:sld>
+</file>
+
+<file path=ppt/slides/slide55.xml><?xml version="1.0" encoding="utf-8"?>
+<p:sld xmlns:a="http://schemas.openxmlformats.org/drawingml/2006/main" xmlns:r="http://schemas.openxmlformats.org/officeDocument/2006/relationships" xmlns:p="http://schemas.openxmlformats.org/presentationml/2006/main">
+  <p:cSld>
+    <p:spTree>
+      <p:nvGrpSpPr>
+        <p:cNvPr id="1" name=""/>
+        <p:cNvGrpSpPr/>
+        <p:nvPr/>
+      </p:nvGrpSpPr>
+      <p:grpSpPr>
+        <a:xfrm>
+          <a:off x="0" y="0"/>
+          <a:ext cx="0" cy="0"/>
+          <a:chOff x="0" y="0"/>
+          <a:chExt cx="0" cy="0"/>
+        </a:xfrm>
+      </p:grpSpPr>
+      <p:sp>
+        <p:nvSpPr>
+          <p:cNvPr id="2" name="标题 1">
+            <a:extLst>
+              <a:ext uri="{FF2B5EF4-FFF2-40B4-BE49-F238E27FC236}">
+                <a16:creationId xmlns:a16="http://schemas.microsoft.com/office/drawing/2014/main" id="{87396C7E-39DE-4447-A3B8-AFA4F7DDA714}"/>
+              </a:ext>
+            </a:extLst>
+          </p:cNvPr>
+          <p:cNvSpPr>
+            <a:spLocks noGrp="1"/>
+          </p:cNvSpPr>
+          <p:nvPr>
+            <p:ph type="title"/>
+          </p:nvPr>
+        </p:nvSpPr>
+        <p:spPr/>
+        <p:txBody>
+          <a:bodyPr/>
+          <a:lstStyle/>
+          <a:p>
+            <a:r>
+              <a:rPr lang="zh-CN" altLang="en-US" dirty="0"/>
+              <a:t>思考</a:t>
+            </a:r>
+          </a:p>
+        </p:txBody>
+      </p:sp>
+      <p:sp>
+        <p:nvSpPr>
+          <p:cNvPr id="3" name="内容占位符 2">
+            <a:extLst>
+              <a:ext uri="{FF2B5EF4-FFF2-40B4-BE49-F238E27FC236}">
+                <a16:creationId xmlns:a16="http://schemas.microsoft.com/office/drawing/2014/main" id="{8FC91616-AF1A-4A24-9227-D8B7E833AC8E}"/>
+              </a:ext>
+            </a:extLst>
+          </p:cNvPr>
+          <p:cNvSpPr>
+            <a:spLocks noGrp="1"/>
+          </p:cNvSpPr>
+          <p:nvPr>
+            <p:ph idx="1"/>
+          </p:nvPr>
+        </p:nvSpPr>
+        <p:spPr/>
+        <p:txBody>
+          <a:bodyPr/>
+          <a:lstStyle/>
+          <a:p>
+            <a:r>
+              <a:rPr lang="en-US" altLang="zh-CN" dirty="0"/>
+              <a:t>1 </a:t>
+            </a:r>
+            <a:r>
+              <a:rPr lang="zh-CN" altLang="en-US" dirty="0"/>
+              <a:t>哪些应该应用系统做，哪些应该</a:t>
+            </a:r>
+            <a:r>
+              <a:rPr lang="en-US" altLang="zh-CN" dirty="0"/>
+              <a:t>MQ</a:t>
+            </a:r>
+            <a:r>
+              <a:rPr lang="zh-CN" altLang="en-US" dirty="0"/>
+              <a:t>做？或许有一天</a:t>
+            </a:r>
+            <a:r>
+              <a:rPr lang="en-US" altLang="zh-CN" dirty="0"/>
+              <a:t>MQ</a:t>
+            </a:r>
+            <a:r>
+              <a:rPr lang="zh-CN" altLang="en-US" dirty="0"/>
+              <a:t>也不做了怎么办？</a:t>
+            </a:r>
+            <a:endParaRPr lang="en-US" altLang="zh-CN" dirty="0"/>
+          </a:p>
+          <a:p>
+            <a:endParaRPr lang="en-US" altLang="zh-CN" dirty="0"/>
+          </a:p>
+          <a:p>
+            <a:r>
+              <a:rPr lang="en-US" altLang="zh-CN" dirty="0"/>
+              <a:t>2  </a:t>
+            </a:r>
+            <a:r>
+              <a:rPr lang="zh-CN" altLang="en-US" dirty="0"/>
+              <a:t>是否真的需要顺序和去重？还是恰好“不需要解决”</a:t>
+            </a:r>
+            <a:endParaRPr lang="en-US" altLang="zh-CN" dirty="0"/>
+          </a:p>
+          <a:p>
+            <a:endParaRPr lang="en-US" altLang="zh-CN" dirty="0"/>
+          </a:p>
+          <a:p>
+            <a:endParaRPr lang="en-US" altLang="zh-CN" dirty="0"/>
+          </a:p>
+          <a:p>
+            <a:r>
+              <a:rPr lang="en-US" altLang="zh-CN" dirty="0"/>
+              <a:t>3 </a:t>
+            </a:r>
+            <a:r>
+              <a:rPr lang="zh-CN" altLang="en-US" dirty="0"/>
+              <a:t>具体到消息产品时候具备哪些特点和这些特点到底能保证什么？</a:t>
+            </a:r>
+          </a:p>
+        </p:txBody>
+      </p:sp>
+    </p:spTree>
+    <p:extLst>
+      <p:ext uri="{BB962C8B-B14F-4D97-AF65-F5344CB8AC3E}">
+        <p14:creationId xmlns:p14="http://schemas.microsoft.com/office/powerpoint/2010/main" val="1748139951"/>
+      </p:ext>
+    </p:extLst>
+  </p:cSld>
+  <p:clrMapOvr>
+    <a:masterClrMapping/>
+  </p:clrMapOvr>
+</p:sld>
+</file>
+
+<file path=ppt/slides/slide56.xml><?xml version="1.0" encoding="utf-8"?>
+<p:sld xmlns:a="http://schemas.openxmlformats.org/drawingml/2006/main" xmlns:r="http://schemas.openxmlformats.org/officeDocument/2006/relationships" xmlns:p="http://schemas.openxmlformats.org/presentationml/2006/main">
+  <p:cSld>
+    <p:spTree>
+      <p:nvGrpSpPr>
+        <p:cNvPr id="1" name=""/>
+        <p:cNvGrpSpPr/>
+        <p:nvPr/>
+      </p:nvGrpSpPr>
+      <p:grpSpPr>
+        <a:xfrm>
+          <a:off x="0" y="0"/>
+          <a:ext cx="0" cy="0"/>
+          <a:chOff x="0" y="0"/>
+          <a:chExt cx="0" cy="0"/>
+        </a:xfrm>
+      </p:grpSpPr>
+      <p:sp>
+        <p:nvSpPr>
+          <p:cNvPr id="2" name="标题 1">
+            <a:extLst>
+              <a:ext uri="{FF2B5EF4-FFF2-40B4-BE49-F238E27FC236}">
+                <a16:creationId xmlns:a16="http://schemas.microsoft.com/office/drawing/2014/main" id="{B9E09E33-B2AD-4B78-B574-0FCAA7ED29A8}"/>
+              </a:ext>
+            </a:extLst>
+          </p:cNvPr>
+          <p:cNvSpPr>
+            <a:spLocks noGrp="1"/>
+          </p:cNvSpPr>
+          <p:nvPr>
+            <p:ph type="title"/>
+          </p:nvPr>
+        </p:nvSpPr>
+        <p:spPr/>
+        <p:txBody>
+          <a:bodyPr/>
+          <a:lstStyle/>
+          <a:p>
+            <a:r>
+              <a:rPr lang="en-US" altLang="zh-CN" dirty="0" err="1"/>
+              <a:t>ServiceMesh</a:t>
+            </a:r>
+            <a:r>
+              <a:rPr lang="zh-CN" altLang="en-US" dirty="0"/>
+              <a:t>演进</a:t>
+            </a:r>
+          </a:p>
+        </p:txBody>
+      </p:sp>
+      <p:pic>
+        <p:nvPicPr>
+          <p:cNvPr id="4" name="内容占位符 3">
+            <a:extLst>
+              <a:ext uri="{FF2B5EF4-FFF2-40B4-BE49-F238E27FC236}">
+                <a16:creationId xmlns:a16="http://schemas.microsoft.com/office/drawing/2014/main" id="{8346BAC9-ACEC-4586-B0BE-5CBB8F657584}"/>
+              </a:ext>
+            </a:extLst>
+          </p:cNvPr>
+          <p:cNvPicPr>
+            <a:picLocks noGrp="1" noChangeAspect="1"/>
+          </p:cNvPicPr>
+          <p:nvPr>
+            <p:ph idx="1"/>
+          </p:nvPr>
+        </p:nvPicPr>
+        <p:blipFill>
+          <a:blip r:embed="rId2"/>
+          <a:stretch>
+            <a:fillRect/>
+          </a:stretch>
+        </p:blipFill>
+        <p:spPr>
+          <a:xfrm>
+            <a:off x="1245705" y="1431235"/>
+            <a:ext cx="9634330" cy="5061640"/>
+          </a:xfrm>
+          <a:prstGeom prst="rect">
+            <a:avLst/>
+          </a:prstGeom>
+        </p:spPr>
+      </p:pic>
+    </p:spTree>
+    <p:extLst>
+      <p:ext uri="{BB962C8B-B14F-4D97-AF65-F5344CB8AC3E}">
+        <p14:creationId xmlns:p14="http://schemas.microsoft.com/office/powerpoint/2010/main" val="3027966639"/>
+      </p:ext>
+    </p:extLst>
+  </p:cSld>
+  <p:clrMapOvr>
+    <a:masterClrMapping/>
+  </p:clrMapOvr>
+</p:sld>
+</file>
+
+<file path=ppt/slides/slide57.xml><?xml version="1.0" encoding="utf-8"?>
+<p:sld xmlns:a="http://schemas.openxmlformats.org/drawingml/2006/main" xmlns:r="http://schemas.openxmlformats.org/officeDocument/2006/relationships" xmlns:p="http://schemas.openxmlformats.org/presentationml/2006/main">
+  <p:cSld>
+    <p:spTree>
+      <p:nvGrpSpPr>
+        <p:cNvPr id="1" name=""/>
+        <p:cNvGrpSpPr/>
+        <p:nvPr/>
+      </p:nvGrpSpPr>
+      <p:grpSpPr>
+        <a:xfrm>
+          <a:off x="0" y="0"/>
+          <a:ext cx="0" cy="0"/>
+          <a:chOff x="0" y="0"/>
+          <a:chExt cx="0" cy="0"/>
+        </a:xfrm>
+      </p:grpSpPr>
+      <p:sp>
+        <p:nvSpPr>
+          <p:cNvPr id="2" name="标题 1">
+            <a:extLst>
+              <a:ext uri="{FF2B5EF4-FFF2-40B4-BE49-F238E27FC236}">
+                <a16:creationId xmlns:a16="http://schemas.microsoft.com/office/drawing/2014/main" id="{FDC7F6FB-6A41-4B2D-9BA5-CFCA4795BB64}"/>
+              </a:ext>
+            </a:extLst>
+          </p:cNvPr>
+          <p:cNvSpPr>
+            <a:spLocks noGrp="1"/>
+          </p:cNvSpPr>
+          <p:nvPr>
+            <p:ph type="title"/>
+          </p:nvPr>
+        </p:nvSpPr>
+        <p:spPr/>
+        <p:txBody>
+          <a:bodyPr/>
+          <a:lstStyle/>
+          <a:p>
+            <a:endParaRPr lang="zh-CN" altLang="en-US"/>
+          </a:p>
+        </p:txBody>
+      </p:sp>
+      <p:sp>
+        <p:nvSpPr>
+          <p:cNvPr id="3" name="内容占位符 2">
+            <a:extLst>
+              <a:ext uri="{FF2B5EF4-FFF2-40B4-BE49-F238E27FC236}">
+                <a16:creationId xmlns:a16="http://schemas.microsoft.com/office/drawing/2014/main" id="{0D461F47-0726-4739-B4C7-C3D69EE72AE5}"/>
+              </a:ext>
+            </a:extLst>
+          </p:cNvPr>
+          <p:cNvSpPr>
+            <a:spLocks noGrp="1"/>
+          </p:cNvSpPr>
+          <p:nvPr>
+            <p:ph idx="1"/>
+          </p:nvPr>
+        </p:nvSpPr>
+        <p:spPr/>
+        <p:txBody>
+          <a:bodyPr/>
+          <a:lstStyle/>
+          <a:p>
+            <a:endParaRPr lang="zh-CN" altLang="en-US"/>
+          </a:p>
+        </p:txBody>
+      </p:sp>
+      <p:pic>
+        <p:nvPicPr>
+          <p:cNvPr id="4" name="图片 3">
+            <a:extLst>
+              <a:ext uri="{FF2B5EF4-FFF2-40B4-BE49-F238E27FC236}">
+                <a16:creationId xmlns:a16="http://schemas.microsoft.com/office/drawing/2014/main" id="{1FD778B8-F2DA-4DFF-A94D-C95D33BD1BDC}"/>
+              </a:ext>
+            </a:extLst>
+          </p:cNvPr>
+          <p:cNvPicPr>
+            <a:picLocks noChangeAspect="1"/>
+          </p:cNvPicPr>
+          <p:nvPr/>
+        </p:nvPicPr>
+        <p:blipFill>
+          <a:blip r:embed="rId2"/>
+          <a:stretch>
+            <a:fillRect/>
+          </a:stretch>
+        </p:blipFill>
+        <p:spPr>
+          <a:xfrm>
+            <a:off x="719137" y="152400"/>
+            <a:ext cx="10753725" cy="6553200"/>
+          </a:xfrm>
+          <a:prstGeom prst="rect">
+            <a:avLst/>
+          </a:prstGeom>
+        </p:spPr>
+      </p:pic>
+    </p:spTree>
+    <p:extLst>
+      <p:ext uri="{BB962C8B-B14F-4D97-AF65-F5344CB8AC3E}">
+        <p14:creationId xmlns:p14="http://schemas.microsoft.com/office/powerpoint/2010/main" val="2314986478"/>
+      </p:ext>
+    </p:extLst>
+  </p:cSld>
+  <p:clrMapOvr>
+    <a:masterClrMapping/>
+  </p:clrMapOvr>
+</p:sld>
+</file>
+
+<file path=ppt/slides/slide58.xml><?xml version="1.0" encoding="utf-8"?>
+<p:sld xmlns:a="http://schemas.openxmlformats.org/drawingml/2006/main" xmlns:r="http://schemas.openxmlformats.org/officeDocument/2006/relationships" xmlns:p="http://schemas.openxmlformats.org/presentationml/2006/main">
+  <p:cSld>
+    <p:spTree>
+      <p:nvGrpSpPr>
+        <p:cNvPr id="1" name=""/>
+        <p:cNvGrpSpPr/>
+        <p:nvPr/>
+      </p:nvGrpSpPr>
+      <p:grpSpPr>
+        <a:xfrm>
+          <a:off x="0" y="0"/>
+          <a:ext cx="0" cy="0"/>
+          <a:chOff x="0" y="0"/>
+          <a:chExt cx="0" cy="0"/>
+        </a:xfrm>
+      </p:grpSpPr>
+      <p:sp>
+        <p:nvSpPr>
+          <p:cNvPr id="2" name="标题 1">
+            <a:extLst>
+              <a:ext uri="{FF2B5EF4-FFF2-40B4-BE49-F238E27FC236}">
+                <a16:creationId xmlns:a16="http://schemas.microsoft.com/office/drawing/2014/main" id="{26628DD0-294F-4E3A-A793-F9B12792F61B}"/>
+              </a:ext>
+            </a:extLst>
+          </p:cNvPr>
+          <p:cNvSpPr>
+            <a:spLocks noGrp="1"/>
+          </p:cNvSpPr>
+          <p:nvPr>
+            <p:ph type="title"/>
+          </p:nvPr>
+        </p:nvSpPr>
+        <p:spPr/>
+        <p:txBody>
+          <a:bodyPr/>
+          <a:lstStyle/>
+          <a:p>
+            <a:endParaRPr lang="zh-CN" altLang="en-US"/>
+          </a:p>
+        </p:txBody>
+      </p:sp>
+      <p:sp>
+        <p:nvSpPr>
+          <p:cNvPr id="3" name="内容占位符 2">
+            <a:extLst>
+              <a:ext uri="{FF2B5EF4-FFF2-40B4-BE49-F238E27FC236}">
+                <a16:creationId xmlns:a16="http://schemas.microsoft.com/office/drawing/2014/main" id="{3C7D327B-4E88-4CDD-966A-CDF5FE1A8460}"/>
+              </a:ext>
+            </a:extLst>
+          </p:cNvPr>
+          <p:cNvSpPr>
+            <a:spLocks noGrp="1"/>
+          </p:cNvSpPr>
+          <p:nvPr>
+            <p:ph idx="1"/>
+          </p:nvPr>
+        </p:nvSpPr>
+        <p:spPr/>
+        <p:txBody>
+          <a:bodyPr/>
+          <a:lstStyle/>
+          <a:p>
+            <a:endParaRPr lang="zh-CN" altLang="en-US"/>
+          </a:p>
+        </p:txBody>
+      </p:sp>
+      <p:pic>
+        <p:nvPicPr>
+          <p:cNvPr id="4" name="图片 3">
+            <a:extLst>
+              <a:ext uri="{FF2B5EF4-FFF2-40B4-BE49-F238E27FC236}">
+                <a16:creationId xmlns:a16="http://schemas.microsoft.com/office/drawing/2014/main" id="{07299021-D32E-478F-AD4F-EFD5FEB21F5D}"/>
+              </a:ext>
+            </a:extLst>
+          </p:cNvPr>
+          <p:cNvPicPr>
+            <a:picLocks noChangeAspect="1"/>
+          </p:cNvPicPr>
+          <p:nvPr/>
+        </p:nvPicPr>
+        <p:blipFill>
+          <a:blip r:embed="rId2"/>
+          <a:stretch>
+            <a:fillRect/>
+          </a:stretch>
+        </p:blipFill>
+        <p:spPr>
+          <a:xfrm>
+            <a:off x="442912" y="223837"/>
+            <a:ext cx="11306175" cy="6410325"/>
+          </a:xfrm>
+          <a:prstGeom prst="rect">
+            <a:avLst/>
+          </a:prstGeom>
+        </p:spPr>
+      </p:pic>
+    </p:spTree>
+    <p:extLst>
+      <p:ext uri="{BB962C8B-B14F-4D97-AF65-F5344CB8AC3E}">
+        <p14:creationId xmlns:p14="http://schemas.microsoft.com/office/powerpoint/2010/main" val="4163354970"/>
+      </p:ext>
+    </p:extLst>
+  </p:cSld>
+  <p:clrMapOvr>
+    <a:masterClrMapping/>
+  </p:clrMapOvr>
+</p:sld>
+</file>
+
+<file path=ppt/slides/slide59.xml><?xml version="1.0" encoding="utf-8"?>
+<p:sld xmlns:a="http://schemas.openxmlformats.org/drawingml/2006/main" xmlns:r="http://schemas.openxmlformats.org/officeDocument/2006/relationships" xmlns:p="http://schemas.openxmlformats.org/presentationml/2006/main">
+  <p:cSld>
+    <p:spTree>
+      <p:nvGrpSpPr>
+        <p:cNvPr id="1" name=""/>
+        <p:cNvGrpSpPr/>
+        <p:nvPr/>
+      </p:nvGrpSpPr>
+      <p:grpSpPr>
+        <a:xfrm>
+          <a:off x="0" y="0"/>
+          <a:ext cx="0" cy="0"/>
+          <a:chOff x="0" y="0"/>
+          <a:chExt cx="0" cy="0"/>
+        </a:xfrm>
+      </p:grpSpPr>
+      <p:sp>
+        <p:nvSpPr>
+          <p:cNvPr id="2" name="标题 1">
+            <a:extLst>
+              <a:ext uri="{FF2B5EF4-FFF2-40B4-BE49-F238E27FC236}">
+                <a16:creationId xmlns:a16="http://schemas.microsoft.com/office/drawing/2014/main" id="{BA194651-895A-4B61-A03F-F879633EEBEB}"/>
+              </a:ext>
+            </a:extLst>
+          </p:cNvPr>
+          <p:cNvSpPr>
+            <a:spLocks noGrp="1"/>
+          </p:cNvSpPr>
+          <p:nvPr>
+            <p:ph type="title"/>
+          </p:nvPr>
+        </p:nvSpPr>
+        <p:spPr/>
+        <p:txBody>
+          <a:bodyPr/>
+          <a:lstStyle/>
+          <a:p>
+            <a:endParaRPr lang="zh-CN" altLang="en-US"/>
+          </a:p>
+        </p:txBody>
+      </p:sp>
+      <p:sp>
+        <p:nvSpPr>
+          <p:cNvPr id="3" name="内容占位符 2">
+            <a:extLst>
+              <a:ext uri="{FF2B5EF4-FFF2-40B4-BE49-F238E27FC236}">
+                <a16:creationId xmlns:a16="http://schemas.microsoft.com/office/drawing/2014/main" id="{9075781C-ECED-43DE-99AA-29D7672B37AC}"/>
+              </a:ext>
+            </a:extLst>
+          </p:cNvPr>
+          <p:cNvSpPr>
+            <a:spLocks noGrp="1"/>
+          </p:cNvSpPr>
+          <p:nvPr>
+            <p:ph idx="1"/>
+          </p:nvPr>
+        </p:nvSpPr>
+        <p:spPr/>
+        <p:txBody>
+          <a:bodyPr/>
+          <a:lstStyle/>
+          <a:p>
+            <a:endParaRPr lang="zh-CN" altLang="en-US"/>
+          </a:p>
+        </p:txBody>
+      </p:sp>
+      <p:pic>
+        <p:nvPicPr>
+          <p:cNvPr id="4" name="图片 3">
+            <a:extLst>
+              <a:ext uri="{FF2B5EF4-FFF2-40B4-BE49-F238E27FC236}">
+                <a16:creationId xmlns:a16="http://schemas.microsoft.com/office/drawing/2014/main" id="{97FDB3AA-A48A-4F55-A1A3-A9120ABD0893}"/>
+              </a:ext>
+            </a:extLst>
+          </p:cNvPr>
+          <p:cNvPicPr>
+            <a:picLocks noChangeAspect="1"/>
+          </p:cNvPicPr>
+          <p:nvPr/>
+        </p:nvPicPr>
+        <p:blipFill>
+          <a:blip r:embed="rId3"/>
+          <a:stretch>
+            <a:fillRect/>
+          </a:stretch>
+        </p:blipFill>
+        <p:spPr>
+          <a:xfrm>
+            <a:off x="447675" y="333375"/>
+            <a:ext cx="11296650" cy="6191250"/>
+          </a:xfrm>
+          <a:prstGeom prst="rect">
+            <a:avLst/>
+          </a:prstGeom>
+        </p:spPr>
+      </p:pic>
+    </p:spTree>
+    <p:extLst>
+      <p:ext uri="{BB962C8B-B14F-4D97-AF65-F5344CB8AC3E}">
+        <p14:creationId xmlns:p14="http://schemas.microsoft.com/office/powerpoint/2010/main" val="2388857559"/>
       </p:ext>
     </p:extLst>
   </p:cSld>
@@ -11719,6 +13772,275 @@
     <p:extLst>
       <p:ext uri="{BB962C8B-B14F-4D97-AF65-F5344CB8AC3E}">
         <p14:creationId xmlns:p14="http://schemas.microsoft.com/office/powerpoint/2010/main" val="3670960668"/>
+      </p:ext>
+    </p:extLst>
+  </p:cSld>
+  <p:clrMapOvr>
+    <a:masterClrMapping/>
+  </p:clrMapOvr>
+</p:sld>
+</file>
+
+<file path=ppt/slides/slide60.xml><?xml version="1.0" encoding="utf-8"?>
+<p:sld xmlns:a="http://schemas.openxmlformats.org/drawingml/2006/main" xmlns:r="http://schemas.openxmlformats.org/officeDocument/2006/relationships" xmlns:p="http://schemas.openxmlformats.org/presentationml/2006/main">
+  <p:cSld>
+    <p:spTree>
+      <p:nvGrpSpPr>
+        <p:cNvPr id="1" name=""/>
+        <p:cNvGrpSpPr/>
+        <p:nvPr/>
+      </p:nvGrpSpPr>
+      <p:grpSpPr>
+        <a:xfrm>
+          <a:off x="0" y="0"/>
+          <a:ext cx="0" cy="0"/>
+          <a:chOff x="0" y="0"/>
+          <a:chExt cx="0" cy="0"/>
+        </a:xfrm>
+      </p:grpSpPr>
+      <p:sp>
+        <p:nvSpPr>
+          <p:cNvPr id="2" name="标题 1">
+            <a:extLst>
+              <a:ext uri="{FF2B5EF4-FFF2-40B4-BE49-F238E27FC236}">
+                <a16:creationId xmlns:a16="http://schemas.microsoft.com/office/drawing/2014/main" id="{343CAEB9-905A-4759-B706-D4FDF2946FEE}"/>
+              </a:ext>
+            </a:extLst>
+          </p:cNvPr>
+          <p:cNvSpPr>
+            <a:spLocks noGrp="1"/>
+          </p:cNvSpPr>
+          <p:nvPr>
+            <p:ph type="title"/>
+          </p:nvPr>
+        </p:nvSpPr>
+        <p:spPr/>
+        <p:txBody>
+          <a:bodyPr/>
+          <a:lstStyle/>
+          <a:p>
+            <a:endParaRPr lang="zh-CN" altLang="en-US"/>
+          </a:p>
+        </p:txBody>
+      </p:sp>
+      <p:sp>
+        <p:nvSpPr>
+          <p:cNvPr id="3" name="内容占位符 2">
+            <a:extLst>
+              <a:ext uri="{FF2B5EF4-FFF2-40B4-BE49-F238E27FC236}">
+                <a16:creationId xmlns:a16="http://schemas.microsoft.com/office/drawing/2014/main" id="{455B9AF3-E72D-4D75-B4C6-B1D61413AA86}"/>
+              </a:ext>
+            </a:extLst>
+          </p:cNvPr>
+          <p:cNvSpPr>
+            <a:spLocks noGrp="1"/>
+          </p:cNvSpPr>
+          <p:nvPr>
+            <p:ph idx="1"/>
+          </p:nvPr>
+        </p:nvSpPr>
+        <p:spPr/>
+        <p:txBody>
+          <a:bodyPr/>
+          <a:lstStyle/>
+          <a:p>
+            <a:endParaRPr lang="zh-CN" altLang="en-US"/>
+          </a:p>
+        </p:txBody>
+      </p:sp>
+      <p:pic>
+        <p:nvPicPr>
+          <p:cNvPr id="4" name="图片 3">
+            <a:extLst>
+              <a:ext uri="{FF2B5EF4-FFF2-40B4-BE49-F238E27FC236}">
+                <a16:creationId xmlns:a16="http://schemas.microsoft.com/office/drawing/2014/main" id="{DD2A4B0D-FFB5-4D34-BE77-C74B730F13CB}"/>
+              </a:ext>
+            </a:extLst>
+          </p:cNvPr>
+          <p:cNvPicPr>
+            <a:picLocks noChangeAspect="1"/>
+          </p:cNvPicPr>
+          <p:nvPr/>
+        </p:nvPicPr>
+        <p:blipFill>
+          <a:blip r:embed="rId2"/>
+          <a:stretch>
+            <a:fillRect/>
+          </a:stretch>
+        </p:blipFill>
+        <p:spPr>
+          <a:xfrm>
+            <a:off x="636104" y="526331"/>
+            <a:ext cx="11223019" cy="5966544"/>
+          </a:xfrm>
+          <a:prstGeom prst="rect">
+            <a:avLst/>
+          </a:prstGeom>
+        </p:spPr>
+      </p:pic>
+    </p:spTree>
+    <p:extLst>
+      <p:ext uri="{BB962C8B-B14F-4D97-AF65-F5344CB8AC3E}">
+        <p14:creationId xmlns:p14="http://schemas.microsoft.com/office/powerpoint/2010/main" val="4131333543"/>
+      </p:ext>
+    </p:extLst>
+  </p:cSld>
+  <p:clrMapOvr>
+    <a:masterClrMapping/>
+  </p:clrMapOvr>
+</p:sld>
+</file>
+
+<file path=ppt/slides/slide61.xml><?xml version="1.0" encoding="utf-8"?>
+<p:sld xmlns:a="http://schemas.openxmlformats.org/drawingml/2006/main" xmlns:r="http://schemas.openxmlformats.org/officeDocument/2006/relationships" xmlns:p="http://schemas.openxmlformats.org/presentationml/2006/main">
+  <p:cSld>
+    <p:spTree>
+      <p:nvGrpSpPr>
+        <p:cNvPr id="1" name=""/>
+        <p:cNvGrpSpPr/>
+        <p:nvPr/>
+      </p:nvGrpSpPr>
+      <p:grpSpPr>
+        <a:xfrm>
+          <a:off x="0" y="0"/>
+          <a:ext cx="0" cy="0"/>
+          <a:chOff x="0" y="0"/>
+          <a:chExt cx="0" cy="0"/>
+        </a:xfrm>
+      </p:grpSpPr>
+      <p:sp>
+        <p:nvSpPr>
+          <p:cNvPr id="6" name="矩形 5">
+            <a:extLst>
+              <a:ext uri="{FF2B5EF4-FFF2-40B4-BE49-F238E27FC236}">
+                <a16:creationId xmlns:a16="http://schemas.microsoft.com/office/drawing/2014/main" id="{8FEDD989-809D-472D-B409-32B265FE9100}"/>
+              </a:ext>
+            </a:extLst>
+          </p:cNvPr>
+          <p:cNvSpPr/>
+          <p:nvPr/>
+        </p:nvSpPr>
+        <p:spPr>
+          <a:xfrm>
+            <a:off x="0" y="2186608"/>
+            <a:ext cx="12192000" cy="1709531"/>
+          </a:xfrm>
+          <a:prstGeom prst="rect">
+            <a:avLst/>
+          </a:prstGeom>
+        </p:spPr>
+        <p:style>
+          <a:lnRef idx="2">
+            <a:schemeClr val="accent1">
+              <a:shade val="50000"/>
+            </a:schemeClr>
+          </a:lnRef>
+          <a:fillRef idx="1">
+            <a:schemeClr val="accent1"/>
+          </a:fillRef>
+          <a:effectRef idx="0">
+            <a:schemeClr val="accent1"/>
+          </a:effectRef>
+          <a:fontRef idx="minor">
+            <a:schemeClr val="lt1"/>
+          </a:fontRef>
+        </p:style>
+        <p:txBody>
+          <a:bodyPr rtlCol="0" anchor="ctr"/>
+          <a:lstStyle/>
+          <a:p>
+            <a:pPr algn="ctr"/>
+            <a:r>
+              <a:rPr lang="en-US" altLang="zh-CN" sz="5400" dirty="0"/>
+              <a:t>Q&amp;A</a:t>
+            </a:r>
+            <a:endParaRPr lang="zh-CN" altLang="en-US" sz="5400" dirty="0"/>
+          </a:p>
+        </p:txBody>
+      </p:sp>
+    </p:spTree>
+    <p:extLst>
+      <p:ext uri="{BB962C8B-B14F-4D97-AF65-F5344CB8AC3E}">
+        <p14:creationId xmlns:p14="http://schemas.microsoft.com/office/powerpoint/2010/main" val="3911165385"/>
+      </p:ext>
+    </p:extLst>
+  </p:cSld>
+  <p:clrMapOvr>
+    <a:masterClrMapping/>
+  </p:clrMapOvr>
+</p:sld>
+</file>
+
+<file path=ppt/slides/slide62.xml><?xml version="1.0" encoding="utf-8"?>
+<p:sld xmlns:a="http://schemas.openxmlformats.org/drawingml/2006/main" xmlns:r="http://schemas.openxmlformats.org/officeDocument/2006/relationships" xmlns:p="http://schemas.openxmlformats.org/presentationml/2006/main">
+  <p:cSld>
+    <p:spTree>
+      <p:nvGrpSpPr>
+        <p:cNvPr id="1" name=""/>
+        <p:cNvGrpSpPr/>
+        <p:nvPr/>
+      </p:nvGrpSpPr>
+      <p:grpSpPr>
+        <a:xfrm>
+          <a:off x="0" y="0"/>
+          <a:ext cx="0" cy="0"/>
+          <a:chOff x="0" y="0"/>
+          <a:chExt cx="0" cy="0"/>
+        </a:xfrm>
+      </p:grpSpPr>
+      <p:sp>
+        <p:nvSpPr>
+          <p:cNvPr id="4" name="矩形 3">
+            <a:extLst>
+              <a:ext uri="{FF2B5EF4-FFF2-40B4-BE49-F238E27FC236}">
+                <a16:creationId xmlns:a16="http://schemas.microsoft.com/office/drawing/2014/main" id="{87A0F59A-6F34-498B-87C3-BE3458A91548}"/>
+              </a:ext>
+            </a:extLst>
+          </p:cNvPr>
+          <p:cNvSpPr/>
+          <p:nvPr/>
+        </p:nvSpPr>
+        <p:spPr>
+          <a:xfrm>
+            <a:off x="0" y="2107094"/>
+            <a:ext cx="12192000" cy="1709531"/>
+          </a:xfrm>
+          <a:prstGeom prst="rect">
+            <a:avLst/>
+          </a:prstGeom>
+        </p:spPr>
+        <p:style>
+          <a:lnRef idx="2">
+            <a:schemeClr val="accent1">
+              <a:shade val="50000"/>
+            </a:schemeClr>
+          </a:lnRef>
+          <a:fillRef idx="1">
+            <a:schemeClr val="accent1"/>
+          </a:fillRef>
+          <a:effectRef idx="0">
+            <a:schemeClr val="accent1"/>
+          </a:effectRef>
+          <a:fontRef idx="minor">
+            <a:schemeClr val="lt1"/>
+          </a:fontRef>
+        </p:style>
+        <p:txBody>
+          <a:bodyPr rtlCol="0" anchor="ctr"/>
+          <a:lstStyle/>
+          <a:p>
+            <a:pPr algn="ctr"/>
+            <a:r>
+              <a:rPr lang="zh-CN" altLang="en-US" sz="5400" dirty="0"/>
+              <a:t>感谢聆听</a:t>
+            </a:r>
+          </a:p>
+        </p:txBody>
+      </p:sp>
+    </p:spTree>
+    <p:extLst>
+      <p:ext uri="{BB962C8B-B14F-4D97-AF65-F5344CB8AC3E}">
+        <p14:creationId xmlns:p14="http://schemas.microsoft.com/office/powerpoint/2010/main" val="2993766654"/>
       </p:ext>
     </p:extLst>
   </p:cSld>
@@ -12017,7 +14339,7 @@
         <p:spPr/>
         <p:txBody>
           <a:bodyPr>
-            <a:normAutofit lnSpcReduction="10000"/>
+            <a:normAutofit/>
           </a:bodyPr>
           <a:lstStyle/>
           <a:p>
@@ -12081,17 +14403,6 @@
             <a:r>
               <a:rPr lang="zh-CN" altLang="en-US" dirty="0"/>
               <a:t>转账</a:t>
-            </a:r>
-            <a:endParaRPr lang="en-US" altLang="zh-CN" dirty="0"/>
-          </a:p>
-          <a:p>
-            <a:r>
-              <a:rPr lang="en-US" altLang="zh-CN" dirty="0"/>
-              <a:t>4 </a:t>
-            </a:r>
-            <a:r>
-              <a:rPr lang="zh-CN" altLang="en-US" dirty="0"/>
-              <a:t>场外短信</a:t>
             </a:r>
             <a:endParaRPr lang="en-US" altLang="zh-CN" dirty="0"/>
           </a:p>

--- a/简单理解mq.pptx
+++ b/简单理解mq.pptx
@@ -5,7 +5,7 @@
     <p:sldMasterId id="2147483648" r:id="rId1"/>
   </p:sldMasterIdLst>
   <p:notesMasterIdLst>
-    <p:notesMasterId r:id="rId64"/>
+    <p:notesMasterId r:id="rId67"/>
   </p:notesMasterIdLst>
   <p:sldIdLst>
     <p:sldId id="256" r:id="rId2"/>
@@ -21,55 +21,58 @@
     <p:sldId id="278" r:id="rId12"/>
     <p:sldId id="275" r:id="rId13"/>
     <p:sldId id="279" r:id="rId14"/>
-    <p:sldId id="285" r:id="rId15"/>
-    <p:sldId id="319" r:id="rId16"/>
-    <p:sldId id="264" r:id="rId17"/>
-    <p:sldId id="265" r:id="rId18"/>
-    <p:sldId id="261" r:id="rId19"/>
-    <p:sldId id="320" r:id="rId20"/>
-    <p:sldId id="313" r:id="rId21"/>
-    <p:sldId id="266" r:id="rId22"/>
-    <p:sldId id="267" r:id="rId23"/>
-    <p:sldId id="268" r:id="rId24"/>
-    <p:sldId id="269" r:id="rId25"/>
-    <p:sldId id="271" r:id="rId26"/>
-    <p:sldId id="281" r:id="rId27"/>
-    <p:sldId id="282" r:id="rId28"/>
-    <p:sldId id="286" r:id="rId29"/>
-    <p:sldId id="287" r:id="rId30"/>
-    <p:sldId id="288" r:id="rId31"/>
-    <p:sldId id="289" r:id="rId32"/>
-    <p:sldId id="290" r:id="rId33"/>
-    <p:sldId id="291" r:id="rId34"/>
-    <p:sldId id="292" r:id="rId35"/>
-    <p:sldId id="293" r:id="rId36"/>
-    <p:sldId id="295" r:id="rId37"/>
-    <p:sldId id="296" r:id="rId38"/>
-    <p:sldId id="297" r:id="rId39"/>
-    <p:sldId id="298" r:id="rId40"/>
-    <p:sldId id="305" r:id="rId41"/>
-    <p:sldId id="299" r:id="rId42"/>
-    <p:sldId id="300" r:id="rId43"/>
-    <p:sldId id="301" r:id="rId44"/>
-    <p:sldId id="302" r:id="rId45"/>
-    <p:sldId id="303" r:id="rId46"/>
-    <p:sldId id="304" r:id="rId47"/>
-    <p:sldId id="308" r:id="rId48"/>
-    <p:sldId id="309" r:id="rId49"/>
-    <p:sldId id="310" r:id="rId50"/>
-    <p:sldId id="311" r:id="rId51"/>
-    <p:sldId id="314" r:id="rId52"/>
-    <p:sldId id="312" r:id="rId53"/>
-    <p:sldId id="315" r:id="rId54"/>
-    <p:sldId id="317" r:id="rId55"/>
-    <p:sldId id="318" r:id="rId56"/>
-    <p:sldId id="321" r:id="rId57"/>
-    <p:sldId id="322" r:id="rId58"/>
-    <p:sldId id="323" r:id="rId59"/>
-    <p:sldId id="324" r:id="rId60"/>
-    <p:sldId id="325" r:id="rId61"/>
-    <p:sldId id="273" r:id="rId62"/>
-    <p:sldId id="306" r:id="rId63"/>
+    <p:sldId id="327" r:id="rId15"/>
+    <p:sldId id="285" r:id="rId16"/>
+    <p:sldId id="319" r:id="rId17"/>
+    <p:sldId id="264" r:id="rId18"/>
+    <p:sldId id="265" r:id="rId19"/>
+    <p:sldId id="261" r:id="rId20"/>
+    <p:sldId id="320" r:id="rId21"/>
+    <p:sldId id="313" r:id="rId22"/>
+    <p:sldId id="266" r:id="rId23"/>
+    <p:sldId id="267" r:id="rId24"/>
+    <p:sldId id="268" r:id="rId25"/>
+    <p:sldId id="269" r:id="rId26"/>
+    <p:sldId id="271" r:id="rId27"/>
+    <p:sldId id="281" r:id="rId28"/>
+    <p:sldId id="282" r:id="rId29"/>
+    <p:sldId id="286" r:id="rId30"/>
+    <p:sldId id="287" r:id="rId31"/>
+    <p:sldId id="288" r:id="rId32"/>
+    <p:sldId id="326" r:id="rId33"/>
+    <p:sldId id="289" r:id="rId34"/>
+    <p:sldId id="290" r:id="rId35"/>
+    <p:sldId id="291" r:id="rId36"/>
+    <p:sldId id="292" r:id="rId37"/>
+    <p:sldId id="293" r:id="rId38"/>
+    <p:sldId id="295" r:id="rId39"/>
+    <p:sldId id="296" r:id="rId40"/>
+    <p:sldId id="297" r:id="rId41"/>
+    <p:sldId id="298" r:id="rId42"/>
+    <p:sldId id="305" r:id="rId43"/>
+    <p:sldId id="299" r:id="rId44"/>
+    <p:sldId id="328" r:id="rId45"/>
+    <p:sldId id="329" r:id="rId46"/>
+    <p:sldId id="300" r:id="rId47"/>
+    <p:sldId id="301" r:id="rId48"/>
+    <p:sldId id="302" r:id="rId49"/>
+    <p:sldId id="303" r:id="rId50"/>
+    <p:sldId id="304" r:id="rId51"/>
+    <p:sldId id="308" r:id="rId52"/>
+    <p:sldId id="309" r:id="rId53"/>
+    <p:sldId id="310" r:id="rId54"/>
+    <p:sldId id="311" r:id="rId55"/>
+    <p:sldId id="312" r:id="rId56"/>
+    <p:sldId id="315" r:id="rId57"/>
+    <p:sldId id="317" r:id="rId58"/>
+    <p:sldId id="318" r:id="rId59"/>
+    <p:sldId id="321" r:id="rId60"/>
+    <p:sldId id="322" r:id="rId61"/>
+    <p:sldId id="323" r:id="rId62"/>
+    <p:sldId id="324" r:id="rId63"/>
+    <p:sldId id="325" r:id="rId64"/>
+    <p:sldId id="273" r:id="rId65"/>
+    <p:sldId id="306" r:id="rId66"/>
   </p:sldIdLst>
   <p:sldSz cx="12192000" cy="6858000"/>
   <p:notesSz cx="6858000" cy="9144000"/>
@@ -258,7 +261,7 @@
           <a:p>
             <a:fld id="{F36B1BF3-1984-454C-A7A6-594DA1D5F659}" type="datetimeFigureOut">
               <a:rPr lang="zh-CN" altLang="en-US" smtClean="0"/>
-              <a:t>2020/3/25</a:t>
+              <a:t>2020/3/31</a:t>
             </a:fld>
             <a:endParaRPr lang="zh-CN" altLang="en-US"/>
           </a:p>
@@ -630,6 +633,20 @@
               <a:rPr lang="zh-CN" altLang="en-US" dirty="0"/>
               <a:t>，服务框架，分库分表是系统扩展性三大核心产品。</a:t>
             </a:r>
+            <a:endParaRPr lang="en-US" altLang="zh-CN" dirty="0"/>
+          </a:p>
+          <a:p>
+            <a:r>
+              <a:rPr lang="zh-CN" altLang="en-US" dirty="0"/>
+              <a:t>包装出来的东西反而影响对系统的理解。看起来很多简单的东西是不容易理解的。</a:t>
+            </a:r>
+            <a:endParaRPr lang="en-US" altLang="zh-CN" dirty="0"/>
+          </a:p>
+          <a:p>
+            <a:r>
+              <a:rPr lang="zh-CN" altLang="en-US" dirty="0"/>
+              <a:t>不学究分析，没有复杂概念。</a:t>
+            </a:r>
           </a:p>
         </p:txBody>
       </p:sp>
@@ -878,7 +895,7 @@
           <a:p>
             <a:fld id="{4B582AF9-37B1-44A1-84CA-4FD7192A976E}" type="slidenum">
               <a:rPr lang="zh-CN" altLang="en-US" smtClean="0"/>
-              <a:t>18</a:t>
+              <a:t>19</a:t>
             </a:fld>
             <a:endParaRPr lang="zh-CN" altLang="en-US"/>
           </a:p>
@@ -1055,7 +1072,7 @@
           <a:p>
             <a:fld id="{4B582AF9-37B1-44A1-84CA-4FD7192A976E}" type="slidenum">
               <a:rPr lang="zh-CN" altLang="en-US" smtClean="0"/>
-              <a:t>19</a:t>
+              <a:t>20</a:t>
             </a:fld>
             <a:endParaRPr lang="zh-CN" altLang="en-US"/>
           </a:p>
@@ -1120,9 +1137,28 @@
           <a:p>
             <a:r>
               <a:rPr lang="zh-CN" altLang="en-US" dirty="0"/>
-              <a:t>持久化影响检索效率。</a:t>
-            </a:r>
-            <a:endParaRPr lang="en-US" altLang="zh-CN" dirty="0"/>
+              <a:t>持久化影响检索效率和</a:t>
+            </a:r>
+            <a:r>
+              <a:rPr lang="en-US" altLang="zh-CN" dirty="0"/>
+              <a:t>TPS</a:t>
+            </a:r>
+            <a:r>
+              <a:rPr lang="zh-CN" altLang="en-US" dirty="0"/>
+              <a:t>。内存写到磁盘</a:t>
+            </a:r>
+            <a:r>
+              <a:rPr lang="en-US" altLang="zh-CN" dirty="0"/>
+              <a:t>(</a:t>
+            </a:r>
+            <a:r>
+              <a:rPr lang="zh-CN" altLang="en-US" dirty="0"/>
+              <a:t>块数据好</a:t>
+            </a:r>
+            <a:r>
+              <a:rPr lang="en-US" altLang="zh-CN" dirty="0"/>
+              <a:t>)</a:t>
+            </a:r>
           </a:p>
           <a:p>
             <a:r>
@@ -1202,6 +1238,36 @@
               <a:rPr lang="zh-CN" altLang="en-US" dirty="0"/>
               <a:t>呢？</a:t>
             </a:r>
+            <a:endParaRPr lang="en-US" altLang="zh-CN" dirty="0"/>
+          </a:p>
+          <a:p>
+            <a:r>
+              <a:rPr lang="en-US" altLang="zh-CN" dirty="0" err="1"/>
+              <a:t>Mysql</a:t>
+            </a:r>
+            <a:r>
+              <a:rPr lang="en-US" altLang="zh-CN" dirty="0"/>
+              <a:t> Group Commit</a:t>
+            </a:r>
+            <a:r>
+              <a:rPr lang="zh-CN" altLang="en-US" dirty="0"/>
+              <a:t>。</a:t>
+            </a:r>
+            <a:r>
+              <a:rPr lang="en-US" altLang="zh-CN" dirty="0"/>
+              <a:t>IOPS</a:t>
+            </a:r>
+            <a:r>
+              <a:rPr lang="zh-CN" altLang="en-US" dirty="0"/>
+              <a:t>和吞吐量的权衡。</a:t>
+            </a:r>
+            <a:endParaRPr lang="en-US" altLang="zh-CN" dirty="0"/>
+          </a:p>
+          <a:p>
+            <a:r>
+              <a:rPr lang="zh-CN" altLang="en-US" dirty="0"/>
+              <a:t>快速设备和慢速设备之间协调问题等待协调。</a:t>
+            </a:r>
           </a:p>
         </p:txBody>
       </p:sp>
@@ -1222,7 +1288,7 @@
           <a:p>
             <a:fld id="{4B582AF9-37B1-44A1-84CA-4FD7192A976E}" type="slidenum">
               <a:rPr lang="zh-CN" altLang="en-US" smtClean="0"/>
-              <a:t>20</a:t>
+              <a:t>21</a:t>
             </a:fld>
             <a:endParaRPr lang="zh-CN" altLang="en-US"/>
           </a:p>
@@ -1385,7 +1451,7 @@
           <a:p>
             <a:fld id="{4B582AF9-37B1-44A1-84CA-4FD7192A976E}" type="slidenum">
               <a:rPr lang="zh-CN" altLang="en-US" smtClean="0"/>
-              <a:t>21</a:t>
+              <a:t>22</a:t>
             </a:fld>
             <a:endParaRPr lang="zh-CN" altLang="en-US"/>
           </a:p>
@@ -1473,7 +1539,7 @@
           <a:p>
             <a:fld id="{4B582AF9-37B1-44A1-84CA-4FD7192A976E}" type="slidenum">
               <a:rPr lang="zh-CN" altLang="en-US" smtClean="0"/>
-              <a:t>22</a:t>
+              <a:t>23</a:t>
             </a:fld>
             <a:endParaRPr lang="zh-CN" altLang="en-US"/>
           </a:p>
@@ -1658,7 +1724,7 @@
           <a:p>
             <a:fld id="{4B582AF9-37B1-44A1-84CA-4FD7192A976E}" type="slidenum">
               <a:rPr lang="zh-CN" altLang="en-US" smtClean="0"/>
-              <a:t>23</a:t>
+              <a:t>24</a:t>
             </a:fld>
             <a:endParaRPr lang="zh-CN" altLang="en-US"/>
           </a:p>
@@ -1745,7 +1811,7 @@
           <a:p>
             <a:fld id="{4B582AF9-37B1-44A1-84CA-4FD7192A976E}" type="slidenum">
               <a:rPr lang="zh-CN" altLang="en-US" smtClean="0"/>
-              <a:t>25</a:t>
+              <a:t>26</a:t>
             </a:fld>
             <a:endParaRPr lang="zh-CN" altLang="en-US"/>
           </a:p>
@@ -1854,7 +1920,7 @@
           <a:p>
             <a:fld id="{4B582AF9-37B1-44A1-84CA-4FD7192A976E}" type="slidenum">
               <a:rPr lang="zh-CN" altLang="en-US" smtClean="0"/>
-              <a:t>26</a:t>
+              <a:t>27</a:t>
             </a:fld>
             <a:endParaRPr lang="zh-CN" altLang="en-US"/>
           </a:p>
@@ -1966,7 +2032,7 @@
           <a:p>
             <a:fld id="{4B582AF9-37B1-44A1-84CA-4FD7192A976E}" type="slidenum">
               <a:rPr lang="zh-CN" altLang="en-US" smtClean="0"/>
-              <a:t>28</a:t>
+              <a:t>29</a:t>
             </a:fld>
             <a:endParaRPr lang="zh-CN" altLang="en-US"/>
           </a:p>
@@ -2195,7 +2261,7 @@
           <a:p>
             <a:fld id="{4B582AF9-37B1-44A1-84CA-4FD7192A976E}" type="slidenum">
               <a:rPr lang="zh-CN" altLang="en-US" smtClean="0"/>
-              <a:t>29</a:t>
+              <a:t>30</a:t>
             </a:fld>
             <a:endParaRPr lang="zh-CN" altLang="en-US"/>
           </a:p>
@@ -2258,23 +2324,107 @@
           <a:bodyPr/>
           <a:lstStyle/>
           <a:p>
-            <a:r>
-              <a:rPr lang="zh-CN" altLang="en-US" dirty="0">
-                <a:effectLst/>
-              </a:rPr>
-              <a:t>不需要关注消息顺序，非常简单方式完成</a:t>
-            </a:r>
-          </a:p>
-          <a:p>
-            <a:r>
-              <a:rPr lang="zh-CN" altLang="en-US" dirty="0">
-                <a:effectLst/>
-              </a:rPr>
-              <a:t>恰好不需要关注系统的顺序</a:t>
-            </a:r>
-          </a:p>
-          <a:p>
-            <a:endParaRPr lang="zh-CN" altLang="en-US" dirty="0"/>
+            <a:pPr marL="0" marR="0" lvl="0" indent="0" algn="l" defTabSz="914400" rtl="0" eaLnBrk="1" fontAlgn="auto" latinLnBrk="0" hangingPunct="1">
+              <a:lnSpc>
+                <a:spcPct val="100000"/>
+              </a:lnSpc>
+              <a:spcBef>
+                <a:spcPts val="0"/>
+              </a:spcBef>
+              <a:spcAft>
+                <a:spcPts val="0"/>
+              </a:spcAft>
+              <a:buClrTx/>
+              <a:buSzTx/>
+              <a:buFontTx/>
+              <a:buNone/>
+              <a:tabLst/>
+              <a:defRPr/>
+            </a:pPr>
+            <a:r>
+              <a:rPr lang="zh-CN" altLang="en-US" dirty="0"/>
+              <a:t>顺序和并行度。数据库事务，顺序，可串行化的时候，系统吞吐量很低。读写排队，读写锁，</a:t>
+            </a:r>
+            <a:r>
+              <a:rPr lang="en-US" altLang="zh-CN" dirty="0"/>
+              <a:t>MVCC</a:t>
+            </a:r>
+            <a:r>
+              <a:rPr lang="zh-CN" altLang="en-US" dirty="0"/>
+              <a:t>。</a:t>
+            </a:r>
+            <a:endParaRPr lang="en-US" altLang="zh-CN" dirty="0"/>
+          </a:p>
+          <a:p>
+            <a:pPr marL="0" marR="0" lvl="0" indent="0" algn="l" defTabSz="914400" rtl="0" eaLnBrk="1" fontAlgn="auto" latinLnBrk="0" hangingPunct="1">
+              <a:lnSpc>
+                <a:spcPct val="100000"/>
+              </a:lnSpc>
+              <a:spcBef>
+                <a:spcPts val="0"/>
+              </a:spcBef>
+              <a:spcAft>
+                <a:spcPts val="0"/>
+              </a:spcAft>
+              <a:buClrTx/>
+              <a:buSzTx/>
+              <a:buFontTx/>
+              <a:buNone/>
+              <a:tabLst/>
+              <a:defRPr/>
+            </a:pPr>
+            <a:r>
+              <a:rPr lang="zh-CN" altLang="en-US" dirty="0"/>
+              <a:t>有序队列和事务处理技术。以及和分布式事务为什么用</a:t>
+            </a:r>
+            <a:r>
+              <a:rPr lang="en-US" altLang="zh-CN" dirty="0"/>
+              <a:t>MQ</a:t>
+            </a:r>
+            <a:r>
+              <a:rPr lang="zh-CN" altLang="en-US" dirty="0"/>
+              <a:t>实现的本质原因。事务。</a:t>
+            </a:r>
+            <a:endParaRPr lang="en-US" altLang="zh-CN" dirty="0"/>
+          </a:p>
+          <a:p>
+            <a:pPr marL="0" marR="0" lvl="0" indent="0" algn="l" defTabSz="914400" rtl="0" eaLnBrk="1" fontAlgn="auto" latinLnBrk="0" hangingPunct="1">
+              <a:lnSpc>
+                <a:spcPct val="100000"/>
+              </a:lnSpc>
+              <a:spcBef>
+                <a:spcPts val="0"/>
+              </a:spcBef>
+              <a:spcAft>
+                <a:spcPts val="0"/>
+              </a:spcAft>
+              <a:buClrTx/>
+              <a:buSzTx/>
+              <a:buFontTx/>
+              <a:buNone/>
+              <a:tabLst/>
+              <a:defRPr/>
+            </a:pPr>
+            <a:r>
+              <a:rPr lang="zh-CN" altLang="en-US" dirty="0"/>
+              <a:t>先后顺序：读写与数据库。</a:t>
+            </a:r>
+            <a:r>
+              <a:rPr lang="en-US" altLang="zh-CN" dirty="0"/>
+              <a:t>MQ</a:t>
+            </a:r>
+            <a:r>
+              <a:rPr lang="zh-CN" altLang="en-US" dirty="0"/>
+              <a:t>的</a:t>
+            </a:r>
+            <a:r>
+              <a:rPr lang="en-US" altLang="zh-CN" dirty="0"/>
+              <a:t>ACID</a:t>
+            </a:r>
+            <a:r>
+              <a:rPr lang="zh-CN" altLang="en-US" dirty="0"/>
+              <a:t>。事务消息。</a:t>
+            </a:r>
           </a:p>
         </p:txBody>
       </p:sp>
@@ -2295,7 +2445,7 @@
           <a:p>
             <a:fld id="{4B582AF9-37B1-44A1-84CA-4FD7192A976E}" type="slidenum">
               <a:rPr lang="zh-CN" altLang="en-US" smtClean="0"/>
-              <a:t>34</a:t>
+              <a:t>31</a:t>
             </a:fld>
             <a:endParaRPr lang="zh-CN" altLang="en-US"/>
           </a:p>
@@ -2304,7 +2454,7 @@
     </p:spTree>
     <p:extLst>
       <p:ext uri="{BB962C8B-B14F-4D97-AF65-F5344CB8AC3E}">
-        <p14:creationId xmlns:p14="http://schemas.microsoft.com/office/powerpoint/2010/main" val="409611656"/>
+        <p14:creationId xmlns:p14="http://schemas.microsoft.com/office/powerpoint/2010/main" val="179532370"/>
       </p:ext>
     </p:extLst>
   </p:cSld>
@@ -2358,7 +2508,10 @@
           <a:bodyPr/>
           <a:lstStyle/>
           <a:p>
-            <a:endParaRPr lang="zh-CN" altLang="en-US" dirty="0"/>
+            <a:r>
+              <a:rPr lang="zh-CN" altLang="en-US" dirty="0"/>
+              <a:t>顺序和并行度。</a:t>
+            </a:r>
           </a:p>
         </p:txBody>
       </p:sp>
@@ -2379,7 +2532,7 @@
           <a:p>
             <a:fld id="{4B582AF9-37B1-44A1-84CA-4FD7192A976E}" type="slidenum">
               <a:rPr lang="zh-CN" altLang="en-US" smtClean="0"/>
-              <a:t>35</a:t>
+              <a:t>33</a:t>
             </a:fld>
             <a:endParaRPr lang="zh-CN" altLang="en-US"/>
           </a:p>
@@ -2388,7 +2541,7 @@
     </p:spTree>
     <p:extLst>
       <p:ext uri="{BB962C8B-B14F-4D97-AF65-F5344CB8AC3E}">
-        <p14:creationId xmlns:p14="http://schemas.microsoft.com/office/powerpoint/2010/main" val="2230932098"/>
+        <p14:creationId xmlns:p14="http://schemas.microsoft.com/office/powerpoint/2010/main" val="4261012407"/>
       </p:ext>
     </p:extLst>
   </p:cSld>
@@ -2442,31 +2595,10 @@
           <a:bodyPr/>
           <a:lstStyle/>
           <a:p>
-            <a:pPr marL="0" marR="0" lvl="0" indent="0" algn="l" defTabSz="914400" rtl="0" eaLnBrk="1" fontAlgn="auto" latinLnBrk="0" hangingPunct="1">
-              <a:lnSpc>
-                <a:spcPct val="100000"/>
-              </a:lnSpc>
-              <a:spcBef>
-                <a:spcPts val="0"/>
-              </a:spcBef>
-              <a:spcAft>
-                <a:spcPts val="0"/>
-              </a:spcAft>
-              <a:buClrTx/>
-              <a:buSzTx/>
-              <a:buFontTx/>
-              <a:buNone/>
-              <a:tabLst/>
-              <a:defRPr/>
-            </a:pPr>
-            <a:r>
-              <a:rPr lang="zh-CN" altLang="en-US" sz="1200" dirty="0"/>
-              <a:t>，为每个包加唯一标识，从而消除重复数据包，接受者为检测重复包分配窗口大小，发送者和接受者协议的。</a:t>
-            </a:r>
-            <a:endParaRPr lang="en-US" altLang="zh-CN" sz="1200" dirty="0"/>
-          </a:p>
-          <a:p>
-            <a:endParaRPr lang="zh-CN" altLang="en-US" dirty="0"/>
+            <a:r>
+              <a:rPr lang="zh-CN" altLang="en-US" dirty="0"/>
+              <a:t>订单间无序，本质就是锁分离技术。</a:t>
+            </a:r>
           </a:p>
         </p:txBody>
       </p:sp>
@@ -2487,7 +2619,7 @@
           <a:p>
             <a:fld id="{4B582AF9-37B1-44A1-84CA-4FD7192A976E}" type="slidenum">
               <a:rPr lang="zh-CN" altLang="en-US" smtClean="0"/>
-              <a:t>39</a:t>
+              <a:t>34</a:t>
             </a:fld>
             <a:endParaRPr lang="zh-CN" altLang="en-US"/>
           </a:p>
@@ -2496,7 +2628,7 @@
     </p:spTree>
     <p:extLst>
       <p:ext uri="{BB962C8B-B14F-4D97-AF65-F5344CB8AC3E}">
-        <p14:creationId xmlns:p14="http://schemas.microsoft.com/office/powerpoint/2010/main" val="2502008227"/>
+        <p14:creationId xmlns:p14="http://schemas.microsoft.com/office/powerpoint/2010/main" val="4279152583"/>
       </p:ext>
     </p:extLst>
   </p:cSld>
@@ -2551,13 +2683,22 @@
           <a:lstStyle/>
           <a:p>
             <a:r>
-              <a:rPr lang="en-US" altLang="zh-CN" dirty="0"/>
-              <a:t>MQ</a:t>
-            </a:r>
-            <a:r>
-              <a:rPr lang="zh-CN" altLang="en-US" dirty="0"/>
-              <a:t>和应用系统到底谁解决系统问题？</a:t>
-            </a:r>
+              <a:rPr lang="zh-CN" altLang="en-US" dirty="0">
+                <a:effectLst/>
+              </a:rPr>
+              <a:t>不需要关注消息顺序，非常简单方式完成</a:t>
+            </a:r>
+          </a:p>
+          <a:p>
+            <a:r>
+              <a:rPr lang="zh-CN" altLang="en-US" dirty="0">
+                <a:effectLst/>
+              </a:rPr>
+              <a:t>恰好不需要关注系统的顺序</a:t>
+            </a:r>
+          </a:p>
+          <a:p>
+            <a:endParaRPr lang="zh-CN" altLang="en-US" dirty="0"/>
           </a:p>
         </p:txBody>
       </p:sp>
@@ -2578,7 +2719,7 @@
           <a:p>
             <a:fld id="{4B582AF9-37B1-44A1-84CA-4FD7192A976E}" type="slidenum">
               <a:rPr lang="zh-CN" altLang="en-US" smtClean="0"/>
-              <a:t>40</a:t>
+              <a:t>36</a:t>
             </a:fld>
             <a:endParaRPr lang="zh-CN" altLang="en-US"/>
           </a:p>
@@ -2587,7 +2728,7 @@
     </p:spTree>
     <p:extLst>
       <p:ext uri="{BB962C8B-B14F-4D97-AF65-F5344CB8AC3E}">
-        <p14:creationId xmlns:p14="http://schemas.microsoft.com/office/powerpoint/2010/main" val="1529916814"/>
+        <p14:creationId xmlns:p14="http://schemas.microsoft.com/office/powerpoint/2010/main" val="409611656"/>
       </p:ext>
     </p:extLst>
   </p:cSld>
@@ -2641,10 +2782,7 @@
           <a:bodyPr/>
           <a:lstStyle/>
           <a:p>
-            <a:r>
-              <a:rPr lang="zh-CN" altLang="en-US" dirty="0"/>
-              <a:t>先发消息，后事务操作</a:t>
-            </a:r>
+            <a:endParaRPr lang="zh-CN" altLang="en-US" dirty="0"/>
           </a:p>
         </p:txBody>
       </p:sp>
@@ -2665,7 +2803,7 @@
           <a:p>
             <a:fld id="{4B582AF9-37B1-44A1-84CA-4FD7192A976E}" type="slidenum">
               <a:rPr lang="zh-CN" altLang="en-US" smtClean="0"/>
-              <a:t>47</a:t>
+              <a:t>37</a:t>
             </a:fld>
             <a:endParaRPr lang="zh-CN" altLang="en-US"/>
           </a:p>
@@ -2674,7 +2812,7 @@
     </p:spTree>
     <p:extLst>
       <p:ext uri="{BB962C8B-B14F-4D97-AF65-F5344CB8AC3E}">
-        <p14:creationId xmlns:p14="http://schemas.microsoft.com/office/powerpoint/2010/main" val="171710415"/>
+        <p14:creationId xmlns:p14="http://schemas.microsoft.com/office/powerpoint/2010/main" val="2230932098"/>
       </p:ext>
     </p:extLst>
   </p:cSld>
@@ -2728,10 +2866,31 @@
           <a:bodyPr/>
           <a:lstStyle/>
           <a:p>
-            <a:r>
-              <a:rPr lang="zh-CN" altLang="en-US" dirty="0"/>
-              <a:t>先事务操作，后发消息</a:t>
-            </a:r>
+            <a:pPr marL="0" marR="0" lvl="0" indent="0" algn="l" defTabSz="914400" rtl="0" eaLnBrk="1" fontAlgn="auto" latinLnBrk="0" hangingPunct="1">
+              <a:lnSpc>
+                <a:spcPct val="100000"/>
+              </a:lnSpc>
+              <a:spcBef>
+                <a:spcPts val="0"/>
+              </a:spcBef>
+              <a:spcAft>
+                <a:spcPts val="0"/>
+              </a:spcAft>
+              <a:buClrTx/>
+              <a:buSzTx/>
+              <a:buFontTx/>
+              <a:buNone/>
+              <a:tabLst/>
+              <a:defRPr/>
+            </a:pPr>
+            <a:r>
+              <a:rPr lang="zh-CN" altLang="en-US" sz="1200" dirty="0"/>
+              <a:t>，为每个包加唯一标识，从而消除重复数据包，接受者为检测重复包分配窗口大小，发送者和接受者协议的。</a:t>
+            </a:r>
+            <a:endParaRPr lang="en-US" altLang="zh-CN" sz="1200" dirty="0"/>
+          </a:p>
+          <a:p>
+            <a:endParaRPr lang="zh-CN" altLang="en-US" dirty="0"/>
           </a:p>
         </p:txBody>
       </p:sp>
@@ -2752,7 +2911,7 @@
           <a:p>
             <a:fld id="{4B582AF9-37B1-44A1-84CA-4FD7192A976E}" type="slidenum">
               <a:rPr lang="zh-CN" altLang="en-US" smtClean="0"/>
-              <a:t>48</a:t>
+              <a:t>41</a:t>
             </a:fld>
             <a:endParaRPr lang="zh-CN" altLang="en-US"/>
           </a:p>
@@ -2761,7 +2920,7 @@
     </p:spTree>
     <p:extLst>
       <p:ext uri="{BB962C8B-B14F-4D97-AF65-F5344CB8AC3E}">
-        <p14:creationId xmlns:p14="http://schemas.microsoft.com/office/powerpoint/2010/main" val="65898281"/>
+        <p14:creationId xmlns:p14="http://schemas.microsoft.com/office/powerpoint/2010/main" val="2502008227"/>
       </p:ext>
     </p:extLst>
   </p:cSld>
@@ -2816,8 +2975,12 @@
           <a:lstStyle/>
           <a:p>
             <a:r>
-              <a:rPr lang="zh-CN" altLang="en-US" dirty="0"/>
-              <a:t>确认消息发送</a:t>
+              <a:rPr lang="en-US" altLang="zh-CN" dirty="0"/>
+              <a:t>MQ</a:t>
+            </a:r>
+            <a:r>
+              <a:rPr lang="zh-CN" altLang="en-US" dirty="0"/>
+              <a:t>和应用系统到底谁解决系统问题？</a:t>
             </a:r>
           </a:p>
         </p:txBody>
@@ -2839,7 +3002,7 @@
           <a:p>
             <a:fld id="{4B582AF9-37B1-44A1-84CA-4FD7192A976E}" type="slidenum">
               <a:rPr lang="zh-CN" altLang="en-US" smtClean="0"/>
-              <a:t>49</a:t>
+              <a:t>42</a:t>
             </a:fld>
             <a:endParaRPr lang="zh-CN" altLang="en-US"/>
           </a:p>
@@ -2848,7 +3011,7 @@
     </p:spTree>
     <p:extLst>
       <p:ext uri="{BB962C8B-B14F-4D97-AF65-F5344CB8AC3E}">
-        <p14:creationId xmlns:p14="http://schemas.microsoft.com/office/powerpoint/2010/main" val="1498489895"/>
+        <p14:creationId xmlns:p14="http://schemas.microsoft.com/office/powerpoint/2010/main" val="1529916814"/>
       </p:ext>
     </p:extLst>
   </p:cSld>
@@ -2904,13 +3067,39 @@
           <a:p>
             <a:r>
               <a:rPr lang="zh-CN" altLang="en-US" dirty="0"/>
-              <a:t>冰山一角的</a:t>
+              <a:t>单机事务本质是等待。分布式事务和</a:t>
             </a:r>
             <a:r>
               <a:rPr lang="en-US" altLang="zh-CN" dirty="0"/>
               <a:t>MQ</a:t>
             </a:r>
-            <a:endParaRPr lang="zh-CN" altLang="en-US" dirty="0"/>
+            <a:r>
+              <a:rPr lang="zh-CN" altLang="en-US" dirty="0"/>
+              <a:t>为什么会产生联系，因为事务本质是等待。</a:t>
+            </a:r>
+            <a:r>
+              <a:rPr lang="en-US" altLang="zh-CN" dirty="0"/>
+              <a:t>MQ</a:t>
+            </a:r>
+            <a:r>
+              <a:rPr lang="zh-CN" altLang="en-US" dirty="0"/>
+              <a:t>也在等待。</a:t>
+            </a:r>
+            <a:endParaRPr lang="en-US" altLang="zh-CN" dirty="0"/>
+          </a:p>
+          <a:p>
+            <a:r>
+              <a:rPr lang="zh-CN" altLang="en-US" dirty="0"/>
+              <a:t>事务消息是否满足</a:t>
+            </a:r>
+            <a:r>
+              <a:rPr lang="en-US" altLang="zh-CN" dirty="0"/>
+              <a:t>ACID</a:t>
+            </a:r>
+            <a:r>
+              <a:rPr lang="zh-CN" altLang="en-US" dirty="0"/>
+              <a:t>？</a:t>
+            </a:r>
           </a:p>
         </p:txBody>
       </p:sp>
@@ -2931,7 +3120,7 @@
           <a:p>
             <a:fld id="{4B582AF9-37B1-44A1-84CA-4FD7192A976E}" type="slidenum">
               <a:rPr lang="zh-CN" altLang="en-US" smtClean="0"/>
-              <a:t>51</a:t>
+              <a:t>43</a:t>
             </a:fld>
             <a:endParaRPr lang="zh-CN" altLang="en-US"/>
           </a:p>
@@ -2940,7 +3129,7 @@
     </p:spTree>
     <p:extLst>
       <p:ext uri="{BB962C8B-B14F-4D97-AF65-F5344CB8AC3E}">
-        <p14:creationId xmlns:p14="http://schemas.microsoft.com/office/powerpoint/2010/main" val="931437227"/>
+        <p14:creationId xmlns:p14="http://schemas.microsoft.com/office/powerpoint/2010/main" val="741126412"/>
       </p:ext>
     </p:extLst>
   </p:cSld>
@@ -2994,7 +3183,28 @@
           <a:bodyPr/>
           <a:lstStyle/>
           <a:p>
-            <a:endParaRPr lang="zh-CN" altLang="en-US" dirty="0"/>
+            <a:r>
+              <a:rPr lang="en-US" altLang="zh-CN" dirty="0"/>
+              <a:t>ACID</a:t>
+            </a:r>
+            <a:r>
+              <a:rPr lang="zh-CN" altLang="en-US" dirty="0"/>
+              <a:t>是错误的模型</a:t>
+            </a:r>
+            <a:endParaRPr lang="en-US" altLang="zh-CN" dirty="0"/>
+          </a:p>
+          <a:p>
+            <a:r>
+              <a:rPr lang="zh-CN" altLang="en-US" dirty="0"/>
+              <a:t>读写锁与读未提交和可重复读。</a:t>
+            </a:r>
+            <a:endParaRPr lang="en-US" altLang="zh-CN" dirty="0"/>
+          </a:p>
+          <a:p>
+            <a:r>
+              <a:rPr lang="zh-CN" altLang="en-US" dirty="0"/>
+              <a:t>快照读。</a:t>
+            </a:r>
           </a:p>
         </p:txBody>
       </p:sp>
@@ -3015,7 +3225,7 @@
           <a:p>
             <a:fld id="{4B582AF9-37B1-44A1-84CA-4FD7192A976E}" type="slidenum">
               <a:rPr lang="zh-CN" altLang="en-US" smtClean="0"/>
-              <a:t>52</a:t>
+              <a:t>44</a:t>
             </a:fld>
             <a:endParaRPr lang="zh-CN" altLang="en-US"/>
           </a:p>
@@ -3024,7 +3234,7 @@
     </p:spTree>
     <p:extLst>
       <p:ext uri="{BB962C8B-B14F-4D97-AF65-F5344CB8AC3E}">
-        <p14:creationId xmlns:p14="http://schemas.microsoft.com/office/powerpoint/2010/main" val="1639646766"/>
+        <p14:creationId xmlns:p14="http://schemas.microsoft.com/office/powerpoint/2010/main" val="181716904"/>
       </p:ext>
     </p:extLst>
   </p:cSld>
@@ -3283,30 +3493,7 @@
           <a:p>
             <a:r>
               <a:rPr lang="zh-CN" altLang="en-US" dirty="0"/>
-              <a:t>如果系统全部事件驱动了，就意味着很强扩展能力。处理能力不够加监听者。但是</a:t>
-            </a:r>
-            <a:r>
-              <a:rPr lang="en-US" altLang="zh-CN" dirty="0"/>
-              <a:t>……</a:t>
-            </a:r>
-            <a:r>
-              <a:rPr lang="zh-CN" altLang="en-US" dirty="0"/>
-              <a:t>这是被动的，主动的在</a:t>
-            </a:r>
-            <a:r>
-              <a:rPr lang="en-US" altLang="zh-CN" dirty="0"/>
-              <a:t>K8S</a:t>
-            </a:r>
-            <a:r>
-              <a:rPr lang="zh-CN" altLang="en-US" dirty="0"/>
-              <a:t>里面。</a:t>
-            </a:r>
-            <a:endParaRPr lang="en-US" altLang="zh-CN" dirty="0"/>
-          </a:p>
-          <a:p>
-            <a:r>
-              <a:rPr lang="zh-CN" altLang="en-US" dirty="0"/>
-              <a:t>消息类型有命令消息，有文档消息，有请求应答</a:t>
+              <a:t>网络指的是协调器，事务管理器。</a:t>
             </a:r>
           </a:p>
         </p:txBody>
@@ -3328,7 +3515,7 @@
           <a:p>
             <a:fld id="{4B582AF9-37B1-44A1-84CA-4FD7192A976E}" type="slidenum">
               <a:rPr lang="zh-CN" altLang="en-US" smtClean="0"/>
-              <a:t>54</a:t>
+              <a:t>47</a:t>
             </a:fld>
             <a:endParaRPr lang="zh-CN" altLang="en-US"/>
           </a:p>
@@ -3337,7 +3524,7 @@
     </p:spTree>
     <p:extLst>
       <p:ext uri="{BB962C8B-B14F-4D97-AF65-F5344CB8AC3E}">
-        <p14:creationId xmlns:p14="http://schemas.microsoft.com/office/powerpoint/2010/main" val="1232737038"/>
+        <p14:creationId xmlns:p14="http://schemas.microsoft.com/office/powerpoint/2010/main" val="3113576259"/>
       </p:ext>
     </p:extLst>
   </p:cSld>
@@ -3391,82 +3578,7 @@
           <a:bodyPr/>
           <a:lstStyle/>
           <a:p>
-            <a:pPr marL="228600" indent="-228600">
-              <a:buAutoNum type="arabicPlain"/>
-            </a:pPr>
-            <a:r>
-              <a:rPr lang="zh-CN" altLang="en-US" dirty="0"/>
-              <a:t>限流，熔断 应该应用做还是中间件做？</a:t>
-            </a:r>
-            <a:r>
-              <a:rPr lang="en-US" altLang="zh-CN" dirty="0" err="1"/>
-              <a:t>Sevice</a:t>
-            </a:r>
-            <a:r>
-              <a:rPr lang="en-US" altLang="zh-CN" dirty="0"/>
-              <a:t> Mesh </a:t>
-            </a:r>
-          </a:p>
-          <a:p>
-            <a:pPr marL="228600" indent="-228600">
-              <a:buAutoNum type="arabicPlain"/>
-            </a:pPr>
-            <a:endParaRPr lang="en-US" altLang="zh-CN" dirty="0"/>
-          </a:p>
-          <a:p>
-            <a:pPr marL="228600" indent="-228600">
-              <a:buAutoNum type="arabicPlain"/>
-            </a:pPr>
-            <a:r>
-              <a:rPr lang="en-US" altLang="zh-CN" dirty="0"/>
-              <a:t>MQ</a:t>
-            </a:r>
-            <a:r>
-              <a:rPr lang="zh-CN" altLang="en-US" dirty="0"/>
-              <a:t>从原始问题出发，去思考时候，会非常容易混乱和难以成系统理解，这是因为</a:t>
-            </a:r>
-            <a:r>
-              <a:rPr lang="en-US" altLang="zh-CN" dirty="0"/>
-              <a:t>MQ</a:t>
-            </a:r>
-            <a:r>
-              <a:rPr lang="zh-CN" altLang="en-US" dirty="0"/>
-              <a:t>和应用系统之间的关系并没有明确，</a:t>
-            </a:r>
-            <a:endParaRPr lang="en-US" altLang="zh-CN" dirty="0"/>
-          </a:p>
-          <a:p>
-            <a:pPr marL="228600" indent="-228600">
-              <a:buAutoNum type="arabicPlain"/>
-            </a:pPr>
-            <a:r>
-              <a:rPr lang="zh-CN" altLang="en-US" dirty="0"/>
-              <a:t>哪些应该</a:t>
-            </a:r>
-            <a:r>
-              <a:rPr lang="en-US" altLang="zh-CN" dirty="0"/>
-              <a:t>MQ</a:t>
-            </a:r>
-            <a:r>
-              <a:rPr lang="zh-CN" altLang="en-US" dirty="0"/>
-              <a:t>做，哪些应该应用系统做，每家</a:t>
-            </a:r>
-            <a:r>
-              <a:rPr lang="en-US" altLang="zh-CN" dirty="0"/>
-              <a:t>MQ</a:t>
-            </a:r>
-            <a:r>
-              <a:rPr lang="zh-CN" altLang="en-US" dirty="0"/>
-              <a:t>设计时候并没有统一，所以理解这些微妙的差异就理解了</a:t>
-            </a:r>
-            <a:r>
-              <a:rPr lang="en-US" altLang="zh-CN" dirty="0"/>
-              <a:t>MQ</a:t>
-            </a:r>
-            <a:r>
-              <a:rPr lang="zh-CN" altLang="en-US" dirty="0"/>
-              <a:t>使用精华。</a:t>
-            </a:r>
+            <a:endParaRPr lang="zh-CN" altLang="en-US" dirty="0"/>
           </a:p>
         </p:txBody>
       </p:sp>
@@ -3487,7 +3599,7 @@
           <a:p>
             <a:fld id="{4B582AF9-37B1-44A1-84CA-4FD7192A976E}" type="slidenum">
               <a:rPr lang="zh-CN" altLang="en-US" smtClean="0"/>
-              <a:t>55</a:t>
+              <a:t>48</a:t>
             </a:fld>
             <a:endParaRPr lang="zh-CN" altLang="en-US"/>
           </a:p>
@@ -3496,7 +3608,7 @@
     </p:spTree>
     <p:extLst>
       <p:ext uri="{BB962C8B-B14F-4D97-AF65-F5344CB8AC3E}">
-        <p14:creationId xmlns:p14="http://schemas.microsoft.com/office/powerpoint/2010/main" val="3673277086"/>
+        <p14:creationId xmlns:p14="http://schemas.microsoft.com/office/powerpoint/2010/main" val="3436798051"/>
       </p:ext>
     </p:extLst>
   </p:cSld>
@@ -3552,7 +3664,7 @@
           <a:p>
             <a:r>
               <a:rPr lang="zh-CN" altLang="en-US" dirty="0"/>
-              <a:t>关键在于系统交互模式变化了！！！！！！</a:t>
+              <a:t>先发消息，后事务操作</a:t>
             </a:r>
           </a:p>
         </p:txBody>
@@ -3574,7 +3686,621 @@
           <a:p>
             <a:fld id="{4B582AF9-37B1-44A1-84CA-4FD7192A976E}" type="slidenum">
               <a:rPr lang="zh-CN" altLang="en-US" smtClean="0"/>
-              <a:t>59</a:t>
+              <a:t>51</a:t>
+            </a:fld>
+            <a:endParaRPr lang="zh-CN" altLang="en-US"/>
+          </a:p>
+        </p:txBody>
+      </p:sp>
+    </p:spTree>
+    <p:extLst>
+      <p:ext uri="{BB962C8B-B14F-4D97-AF65-F5344CB8AC3E}">
+        <p14:creationId xmlns:p14="http://schemas.microsoft.com/office/powerpoint/2010/main" val="171710415"/>
+      </p:ext>
+    </p:extLst>
+  </p:cSld>
+  <p:clrMapOvr>
+    <a:masterClrMapping/>
+  </p:clrMapOvr>
+</p:notes>
+</file>
+
+<file path=ppt/notesSlides/notesSlide33.xml><?xml version="1.0" encoding="utf-8"?>
+<p:notes xmlns:a="http://schemas.openxmlformats.org/drawingml/2006/main" xmlns:r="http://schemas.openxmlformats.org/officeDocument/2006/relationships" xmlns:p="http://schemas.openxmlformats.org/presentationml/2006/main">
+  <p:cSld>
+    <p:spTree>
+      <p:nvGrpSpPr>
+        <p:cNvPr id="1" name=""/>
+        <p:cNvGrpSpPr/>
+        <p:nvPr/>
+      </p:nvGrpSpPr>
+      <p:grpSpPr>
+        <a:xfrm>
+          <a:off x="0" y="0"/>
+          <a:ext cx="0" cy="0"/>
+          <a:chOff x="0" y="0"/>
+          <a:chExt cx="0" cy="0"/>
+        </a:xfrm>
+      </p:grpSpPr>
+      <p:sp>
+        <p:nvSpPr>
+          <p:cNvPr id="2" name="幻灯片图像占位符 1"/>
+          <p:cNvSpPr>
+            <a:spLocks noGrp="1" noRot="1" noChangeAspect="1"/>
+          </p:cNvSpPr>
+          <p:nvPr>
+            <p:ph type="sldImg"/>
+          </p:nvPr>
+        </p:nvSpPr>
+        <p:spPr/>
+      </p:sp>
+      <p:sp>
+        <p:nvSpPr>
+          <p:cNvPr id="3" name="备注占位符 2"/>
+          <p:cNvSpPr>
+            <a:spLocks noGrp="1"/>
+          </p:cNvSpPr>
+          <p:nvPr>
+            <p:ph type="body" idx="1"/>
+          </p:nvPr>
+        </p:nvSpPr>
+        <p:spPr/>
+        <p:txBody>
+          <a:bodyPr/>
+          <a:lstStyle/>
+          <a:p>
+            <a:r>
+              <a:rPr lang="zh-CN" altLang="en-US" dirty="0"/>
+              <a:t>先事务操作，后发消息</a:t>
+            </a:r>
+          </a:p>
+        </p:txBody>
+      </p:sp>
+      <p:sp>
+        <p:nvSpPr>
+          <p:cNvPr id="4" name="灯片编号占位符 3"/>
+          <p:cNvSpPr>
+            <a:spLocks noGrp="1"/>
+          </p:cNvSpPr>
+          <p:nvPr>
+            <p:ph type="sldNum" sz="quarter" idx="5"/>
+          </p:nvPr>
+        </p:nvSpPr>
+        <p:spPr/>
+        <p:txBody>
+          <a:bodyPr/>
+          <a:lstStyle/>
+          <a:p>
+            <a:fld id="{4B582AF9-37B1-44A1-84CA-4FD7192A976E}" type="slidenum">
+              <a:rPr lang="zh-CN" altLang="en-US" smtClean="0"/>
+              <a:t>52</a:t>
+            </a:fld>
+            <a:endParaRPr lang="zh-CN" altLang="en-US"/>
+          </a:p>
+        </p:txBody>
+      </p:sp>
+    </p:spTree>
+    <p:extLst>
+      <p:ext uri="{BB962C8B-B14F-4D97-AF65-F5344CB8AC3E}">
+        <p14:creationId xmlns:p14="http://schemas.microsoft.com/office/powerpoint/2010/main" val="65898281"/>
+      </p:ext>
+    </p:extLst>
+  </p:cSld>
+  <p:clrMapOvr>
+    <a:masterClrMapping/>
+  </p:clrMapOvr>
+</p:notes>
+</file>
+
+<file path=ppt/notesSlides/notesSlide34.xml><?xml version="1.0" encoding="utf-8"?>
+<p:notes xmlns:a="http://schemas.openxmlformats.org/drawingml/2006/main" xmlns:r="http://schemas.openxmlformats.org/officeDocument/2006/relationships" xmlns:p="http://schemas.openxmlformats.org/presentationml/2006/main">
+  <p:cSld>
+    <p:spTree>
+      <p:nvGrpSpPr>
+        <p:cNvPr id="1" name=""/>
+        <p:cNvGrpSpPr/>
+        <p:nvPr/>
+      </p:nvGrpSpPr>
+      <p:grpSpPr>
+        <a:xfrm>
+          <a:off x="0" y="0"/>
+          <a:ext cx="0" cy="0"/>
+          <a:chOff x="0" y="0"/>
+          <a:chExt cx="0" cy="0"/>
+        </a:xfrm>
+      </p:grpSpPr>
+      <p:sp>
+        <p:nvSpPr>
+          <p:cNvPr id="2" name="幻灯片图像占位符 1"/>
+          <p:cNvSpPr>
+            <a:spLocks noGrp="1" noRot="1" noChangeAspect="1"/>
+          </p:cNvSpPr>
+          <p:nvPr>
+            <p:ph type="sldImg"/>
+          </p:nvPr>
+        </p:nvSpPr>
+        <p:spPr/>
+      </p:sp>
+      <p:sp>
+        <p:nvSpPr>
+          <p:cNvPr id="3" name="备注占位符 2"/>
+          <p:cNvSpPr>
+            <a:spLocks noGrp="1"/>
+          </p:cNvSpPr>
+          <p:nvPr>
+            <p:ph type="body" idx="1"/>
+          </p:nvPr>
+        </p:nvSpPr>
+        <p:spPr/>
+        <p:txBody>
+          <a:bodyPr/>
+          <a:lstStyle/>
+          <a:p>
+            <a:r>
+              <a:rPr lang="zh-CN" altLang="en-US" dirty="0"/>
+              <a:t>确认消息发送</a:t>
+            </a:r>
+          </a:p>
+        </p:txBody>
+      </p:sp>
+      <p:sp>
+        <p:nvSpPr>
+          <p:cNvPr id="4" name="灯片编号占位符 3"/>
+          <p:cNvSpPr>
+            <a:spLocks noGrp="1"/>
+          </p:cNvSpPr>
+          <p:nvPr>
+            <p:ph type="sldNum" sz="quarter" idx="5"/>
+          </p:nvPr>
+        </p:nvSpPr>
+        <p:spPr/>
+        <p:txBody>
+          <a:bodyPr/>
+          <a:lstStyle/>
+          <a:p>
+            <a:fld id="{4B582AF9-37B1-44A1-84CA-4FD7192A976E}" type="slidenum">
+              <a:rPr lang="zh-CN" altLang="en-US" smtClean="0"/>
+              <a:t>53</a:t>
+            </a:fld>
+            <a:endParaRPr lang="zh-CN" altLang="en-US"/>
+          </a:p>
+        </p:txBody>
+      </p:sp>
+    </p:spTree>
+    <p:extLst>
+      <p:ext uri="{BB962C8B-B14F-4D97-AF65-F5344CB8AC3E}">
+        <p14:creationId xmlns:p14="http://schemas.microsoft.com/office/powerpoint/2010/main" val="1498489895"/>
+      </p:ext>
+    </p:extLst>
+  </p:cSld>
+  <p:clrMapOvr>
+    <a:masterClrMapping/>
+  </p:clrMapOvr>
+</p:notes>
+</file>
+
+<file path=ppt/notesSlides/notesSlide35.xml><?xml version="1.0" encoding="utf-8"?>
+<p:notes xmlns:a="http://schemas.openxmlformats.org/drawingml/2006/main" xmlns:r="http://schemas.openxmlformats.org/officeDocument/2006/relationships" xmlns:p="http://schemas.openxmlformats.org/presentationml/2006/main">
+  <p:cSld>
+    <p:spTree>
+      <p:nvGrpSpPr>
+        <p:cNvPr id="1" name=""/>
+        <p:cNvGrpSpPr/>
+        <p:nvPr/>
+      </p:nvGrpSpPr>
+      <p:grpSpPr>
+        <a:xfrm>
+          <a:off x="0" y="0"/>
+          <a:ext cx="0" cy="0"/>
+          <a:chOff x="0" y="0"/>
+          <a:chExt cx="0" cy="0"/>
+        </a:xfrm>
+      </p:grpSpPr>
+      <p:sp>
+        <p:nvSpPr>
+          <p:cNvPr id="2" name="幻灯片图像占位符 1"/>
+          <p:cNvSpPr>
+            <a:spLocks noGrp="1" noRot="1" noChangeAspect="1"/>
+          </p:cNvSpPr>
+          <p:nvPr>
+            <p:ph type="sldImg"/>
+          </p:nvPr>
+        </p:nvSpPr>
+        <p:spPr/>
+      </p:sp>
+      <p:sp>
+        <p:nvSpPr>
+          <p:cNvPr id="3" name="备注占位符 2"/>
+          <p:cNvSpPr>
+            <a:spLocks noGrp="1"/>
+          </p:cNvSpPr>
+          <p:nvPr>
+            <p:ph type="body" idx="1"/>
+          </p:nvPr>
+        </p:nvSpPr>
+        <p:spPr/>
+        <p:txBody>
+          <a:bodyPr/>
+          <a:lstStyle/>
+          <a:p>
+            <a:endParaRPr lang="zh-CN" altLang="en-US" dirty="0"/>
+          </a:p>
+        </p:txBody>
+      </p:sp>
+      <p:sp>
+        <p:nvSpPr>
+          <p:cNvPr id="4" name="灯片编号占位符 3"/>
+          <p:cNvSpPr>
+            <a:spLocks noGrp="1"/>
+          </p:cNvSpPr>
+          <p:nvPr>
+            <p:ph type="sldNum" sz="quarter" idx="5"/>
+          </p:nvPr>
+        </p:nvSpPr>
+        <p:spPr/>
+        <p:txBody>
+          <a:bodyPr/>
+          <a:lstStyle/>
+          <a:p>
+            <a:fld id="{4B582AF9-37B1-44A1-84CA-4FD7192A976E}" type="slidenum">
+              <a:rPr lang="zh-CN" altLang="en-US" smtClean="0"/>
+              <a:t>55</a:t>
+            </a:fld>
+            <a:endParaRPr lang="zh-CN" altLang="en-US"/>
+          </a:p>
+        </p:txBody>
+      </p:sp>
+    </p:spTree>
+    <p:extLst>
+      <p:ext uri="{BB962C8B-B14F-4D97-AF65-F5344CB8AC3E}">
+        <p14:creationId xmlns:p14="http://schemas.microsoft.com/office/powerpoint/2010/main" val="1639646766"/>
+      </p:ext>
+    </p:extLst>
+  </p:cSld>
+  <p:clrMapOvr>
+    <a:masterClrMapping/>
+  </p:clrMapOvr>
+</p:notes>
+</file>
+
+<file path=ppt/notesSlides/notesSlide36.xml><?xml version="1.0" encoding="utf-8"?>
+<p:notes xmlns:a="http://schemas.openxmlformats.org/drawingml/2006/main" xmlns:r="http://schemas.openxmlformats.org/officeDocument/2006/relationships" xmlns:p="http://schemas.openxmlformats.org/presentationml/2006/main">
+  <p:cSld>
+    <p:spTree>
+      <p:nvGrpSpPr>
+        <p:cNvPr id="1" name=""/>
+        <p:cNvGrpSpPr/>
+        <p:nvPr/>
+      </p:nvGrpSpPr>
+      <p:grpSpPr>
+        <a:xfrm>
+          <a:off x="0" y="0"/>
+          <a:ext cx="0" cy="0"/>
+          <a:chOff x="0" y="0"/>
+          <a:chExt cx="0" cy="0"/>
+        </a:xfrm>
+      </p:grpSpPr>
+      <p:sp>
+        <p:nvSpPr>
+          <p:cNvPr id="2" name="幻灯片图像占位符 1"/>
+          <p:cNvSpPr>
+            <a:spLocks noGrp="1" noRot="1" noChangeAspect="1"/>
+          </p:cNvSpPr>
+          <p:nvPr>
+            <p:ph type="sldImg"/>
+          </p:nvPr>
+        </p:nvSpPr>
+        <p:spPr/>
+      </p:sp>
+      <p:sp>
+        <p:nvSpPr>
+          <p:cNvPr id="3" name="备注占位符 2"/>
+          <p:cNvSpPr>
+            <a:spLocks noGrp="1"/>
+          </p:cNvSpPr>
+          <p:nvPr>
+            <p:ph type="body" idx="1"/>
+          </p:nvPr>
+        </p:nvSpPr>
+        <p:spPr/>
+        <p:txBody>
+          <a:bodyPr/>
+          <a:lstStyle/>
+          <a:p>
+            <a:r>
+              <a:rPr lang="zh-CN" altLang="en-US" dirty="0"/>
+              <a:t>如果系统全部事件驱动了，就意味着很强扩展能力。处理能力不够加监听者。但是</a:t>
+            </a:r>
+            <a:r>
+              <a:rPr lang="en-US" altLang="zh-CN" dirty="0"/>
+              <a:t>……</a:t>
+            </a:r>
+            <a:r>
+              <a:rPr lang="zh-CN" altLang="en-US" dirty="0"/>
+              <a:t>这是被动的，主动的在</a:t>
+            </a:r>
+            <a:r>
+              <a:rPr lang="en-US" altLang="zh-CN" dirty="0"/>
+              <a:t>K8S</a:t>
+            </a:r>
+            <a:r>
+              <a:rPr lang="zh-CN" altLang="en-US" dirty="0"/>
+              <a:t>里面。</a:t>
+            </a:r>
+            <a:endParaRPr lang="en-US" altLang="zh-CN" dirty="0"/>
+          </a:p>
+          <a:p>
+            <a:r>
+              <a:rPr lang="zh-CN" altLang="en-US" dirty="0"/>
+              <a:t>消息类型有命令消息，有文档消息，有请求应答</a:t>
+            </a:r>
+          </a:p>
+        </p:txBody>
+      </p:sp>
+      <p:sp>
+        <p:nvSpPr>
+          <p:cNvPr id="4" name="灯片编号占位符 3"/>
+          <p:cNvSpPr>
+            <a:spLocks noGrp="1"/>
+          </p:cNvSpPr>
+          <p:nvPr>
+            <p:ph type="sldNum" sz="quarter" idx="5"/>
+          </p:nvPr>
+        </p:nvSpPr>
+        <p:spPr/>
+        <p:txBody>
+          <a:bodyPr/>
+          <a:lstStyle/>
+          <a:p>
+            <a:fld id="{4B582AF9-37B1-44A1-84CA-4FD7192A976E}" type="slidenum">
+              <a:rPr lang="zh-CN" altLang="en-US" smtClean="0"/>
+              <a:t>57</a:t>
+            </a:fld>
+            <a:endParaRPr lang="zh-CN" altLang="en-US"/>
+          </a:p>
+        </p:txBody>
+      </p:sp>
+    </p:spTree>
+    <p:extLst>
+      <p:ext uri="{BB962C8B-B14F-4D97-AF65-F5344CB8AC3E}">
+        <p14:creationId xmlns:p14="http://schemas.microsoft.com/office/powerpoint/2010/main" val="1232737038"/>
+      </p:ext>
+    </p:extLst>
+  </p:cSld>
+  <p:clrMapOvr>
+    <a:masterClrMapping/>
+  </p:clrMapOvr>
+</p:notes>
+</file>
+
+<file path=ppt/notesSlides/notesSlide37.xml><?xml version="1.0" encoding="utf-8"?>
+<p:notes xmlns:a="http://schemas.openxmlformats.org/drawingml/2006/main" xmlns:r="http://schemas.openxmlformats.org/officeDocument/2006/relationships" xmlns:p="http://schemas.openxmlformats.org/presentationml/2006/main">
+  <p:cSld>
+    <p:spTree>
+      <p:nvGrpSpPr>
+        <p:cNvPr id="1" name=""/>
+        <p:cNvGrpSpPr/>
+        <p:nvPr/>
+      </p:nvGrpSpPr>
+      <p:grpSpPr>
+        <a:xfrm>
+          <a:off x="0" y="0"/>
+          <a:ext cx="0" cy="0"/>
+          <a:chOff x="0" y="0"/>
+          <a:chExt cx="0" cy="0"/>
+        </a:xfrm>
+      </p:grpSpPr>
+      <p:sp>
+        <p:nvSpPr>
+          <p:cNvPr id="2" name="幻灯片图像占位符 1"/>
+          <p:cNvSpPr>
+            <a:spLocks noGrp="1" noRot="1" noChangeAspect="1"/>
+          </p:cNvSpPr>
+          <p:nvPr>
+            <p:ph type="sldImg"/>
+          </p:nvPr>
+        </p:nvSpPr>
+        <p:spPr/>
+      </p:sp>
+      <p:sp>
+        <p:nvSpPr>
+          <p:cNvPr id="3" name="备注占位符 2"/>
+          <p:cNvSpPr>
+            <a:spLocks noGrp="1"/>
+          </p:cNvSpPr>
+          <p:nvPr>
+            <p:ph type="body" idx="1"/>
+          </p:nvPr>
+        </p:nvSpPr>
+        <p:spPr/>
+        <p:txBody>
+          <a:bodyPr/>
+          <a:lstStyle/>
+          <a:p>
+            <a:pPr marL="228600" indent="-228600">
+              <a:buAutoNum type="arabicPlain"/>
+            </a:pPr>
+            <a:r>
+              <a:rPr lang="zh-CN" altLang="en-US" dirty="0"/>
+              <a:t>限流，熔断 应该应用做还是中间件做？</a:t>
+            </a:r>
+            <a:r>
+              <a:rPr lang="en-US" altLang="zh-CN" dirty="0" err="1"/>
+              <a:t>Sevice</a:t>
+            </a:r>
+            <a:r>
+              <a:rPr lang="en-US" altLang="zh-CN" dirty="0"/>
+              <a:t> Mesh </a:t>
+            </a:r>
+          </a:p>
+          <a:p>
+            <a:pPr marL="228600" indent="-228600">
+              <a:buAutoNum type="arabicPlain"/>
+            </a:pPr>
+            <a:endParaRPr lang="en-US" altLang="zh-CN" dirty="0"/>
+          </a:p>
+          <a:p>
+            <a:pPr marL="228600" indent="-228600">
+              <a:buAutoNum type="arabicPlain"/>
+            </a:pPr>
+            <a:r>
+              <a:rPr lang="en-US" altLang="zh-CN" dirty="0"/>
+              <a:t>MQ</a:t>
+            </a:r>
+            <a:r>
+              <a:rPr lang="zh-CN" altLang="en-US" dirty="0"/>
+              <a:t>从原始问题出发，去思考时候，会非常容易混乱和难以成系统理解，这是因为</a:t>
+            </a:r>
+            <a:r>
+              <a:rPr lang="en-US" altLang="zh-CN" dirty="0"/>
+              <a:t>MQ</a:t>
+            </a:r>
+            <a:r>
+              <a:rPr lang="zh-CN" altLang="en-US" dirty="0"/>
+              <a:t>和应用系统之间的关系并没有明确，</a:t>
+            </a:r>
+            <a:endParaRPr lang="en-US" altLang="zh-CN" dirty="0"/>
+          </a:p>
+          <a:p>
+            <a:pPr marL="228600" indent="-228600">
+              <a:buAutoNum type="arabicPlain"/>
+            </a:pPr>
+            <a:r>
+              <a:rPr lang="zh-CN" altLang="en-US" dirty="0"/>
+              <a:t>哪些应该</a:t>
+            </a:r>
+            <a:r>
+              <a:rPr lang="en-US" altLang="zh-CN" dirty="0"/>
+              <a:t>MQ</a:t>
+            </a:r>
+            <a:r>
+              <a:rPr lang="zh-CN" altLang="en-US" dirty="0"/>
+              <a:t>做，哪些应该应用系统做，每家</a:t>
+            </a:r>
+            <a:r>
+              <a:rPr lang="en-US" altLang="zh-CN" dirty="0"/>
+              <a:t>MQ</a:t>
+            </a:r>
+            <a:r>
+              <a:rPr lang="zh-CN" altLang="en-US" dirty="0"/>
+              <a:t>设计时候并没有统一，所以理解这些微妙的差异就理解了</a:t>
+            </a:r>
+            <a:r>
+              <a:rPr lang="en-US" altLang="zh-CN" dirty="0"/>
+              <a:t>MQ</a:t>
+            </a:r>
+            <a:r>
+              <a:rPr lang="zh-CN" altLang="en-US" dirty="0"/>
+              <a:t>使用精华。</a:t>
+            </a:r>
+          </a:p>
+        </p:txBody>
+      </p:sp>
+      <p:sp>
+        <p:nvSpPr>
+          <p:cNvPr id="4" name="灯片编号占位符 3"/>
+          <p:cNvSpPr>
+            <a:spLocks noGrp="1"/>
+          </p:cNvSpPr>
+          <p:nvPr>
+            <p:ph type="sldNum" sz="quarter" idx="5"/>
+          </p:nvPr>
+        </p:nvSpPr>
+        <p:spPr/>
+        <p:txBody>
+          <a:bodyPr/>
+          <a:lstStyle/>
+          <a:p>
+            <a:fld id="{4B582AF9-37B1-44A1-84CA-4FD7192A976E}" type="slidenum">
+              <a:rPr lang="zh-CN" altLang="en-US" smtClean="0"/>
+              <a:t>58</a:t>
+            </a:fld>
+            <a:endParaRPr lang="zh-CN" altLang="en-US"/>
+          </a:p>
+        </p:txBody>
+      </p:sp>
+    </p:spTree>
+    <p:extLst>
+      <p:ext uri="{BB962C8B-B14F-4D97-AF65-F5344CB8AC3E}">
+        <p14:creationId xmlns:p14="http://schemas.microsoft.com/office/powerpoint/2010/main" val="3673277086"/>
+      </p:ext>
+    </p:extLst>
+  </p:cSld>
+  <p:clrMapOvr>
+    <a:masterClrMapping/>
+  </p:clrMapOvr>
+</p:notes>
+</file>
+
+<file path=ppt/notesSlides/notesSlide38.xml><?xml version="1.0" encoding="utf-8"?>
+<p:notes xmlns:a="http://schemas.openxmlformats.org/drawingml/2006/main" xmlns:r="http://schemas.openxmlformats.org/officeDocument/2006/relationships" xmlns:p="http://schemas.openxmlformats.org/presentationml/2006/main">
+  <p:cSld>
+    <p:spTree>
+      <p:nvGrpSpPr>
+        <p:cNvPr id="1" name=""/>
+        <p:cNvGrpSpPr/>
+        <p:nvPr/>
+      </p:nvGrpSpPr>
+      <p:grpSpPr>
+        <a:xfrm>
+          <a:off x="0" y="0"/>
+          <a:ext cx="0" cy="0"/>
+          <a:chOff x="0" y="0"/>
+          <a:chExt cx="0" cy="0"/>
+        </a:xfrm>
+      </p:grpSpPr>
+      <p:sp>
+        <p:nvSpPr>
+          <p:cNvPr id="2" name="幻灯片图像占位符 1"/>
+          <p:cNvSpPr>
+            <a:spLocks noGrp="1" noRot="1" noChangeAspect="1"/>
+          </p:cNvSpPr>
+          <p:nvPr>
+            <p:ph type="sldImg"/>
+          </p:nvPr>
+        </p:nvSpPr>
+        <p:spPr/>
+      </p:sp>
+      <p:sp>
+        <p:nvSpPr>
+          <p:cNvPr id="3" name="备注占位符 2"/>
+          <p:cNvSpPr>
+            <a:spLocks noGrp="1"/>
+          </p:cNvSpPr>
+          <p:nvPr>
+            <p:ph type="body" idx="1"/>
+          </p:nvPr>
+        </p:nvSpPr>
+        <p:spPr/>
+        <p:txBody>
+          <a:bodyPr/>
+          <a:lstStyle/>
+          <a:p>
+            <a:r>
+              <a:rPr lang="zh-CN" altLang="en-US" dirty="0"/>
+              <a:t>关键在于系统交互模式变化了！！！！！！</a:t>
+            </a:r>
+          </a:p>
+        </p:txBody>
+      </p:sp>
+      <p:sp>
+        <p:nvSpPr>
+          <p:cNvPr id="4" name="灯片编号占位符 3"/>
+          <p:cNvSpPr>
+            <a:spLocks noGrp="1"/>
+          </p:cNvSpPr>
+          <p:nvPr>
+            <p:ph type="sldNum" sz="quarter" idx="5"/>
+          </p:nvPr>
+        </p:nvSpPr>
+        <p:spPr/>
+        <p:txBody>
+          <a:bodyPr/>
+          <a:lstStyle/>
+          <a:p>
+            <a:fld id="{4B582AF9-37B1-44A1-84CA-4FD7192A976E}" type="slidenum">
+              <a:rPr lang="zh-CN" altLang="en-US" smtClean="0"/>
+              <a:t>62</a:t>
             </a:fld>
             <a:endParaRPr lang="zh-CN" altLang="en-US"/>
           </a:p>
@@ -3660,6 +4386,25 @@
               <a:rPr lang="zh-CN" altLang="en-US" dirty="0"/>
               <a:t>分布式队列。</a:t>
             </a:r>
+            <a:endParaRPr lang="en-US" altLang="zh-CN" dirty="0"/>
+          </a:p>
+          <a:p>
+            <a:r>
+              <a:rPr lang="en-US" altLang="zh-CN" dirty="0"/>
+              <a:t>Disruptor</a:t>
+            </a:r>
+            <a:r>
+              <a:rPr lang="zh-CN" altLang="en-US" dirty="0"/>
+              <a:t>和</a:t>
+            </a:r>
+            <a:r>
+              <a:rPr lang="en-US" altLang="zh-CN" dirty="0" err="1"/>
+              <a:t>ArrayBlockingQueue</a:t>
+            </a:r>
+            <a:r>
+              <a:rPr lang="zh-CN" altLang="en-US" dirty="0"/>
+              <a:t>？</a:t>
+            </a:r>
           </a:p>
         </p:txBody>
       </p:sp>
@@ -3853,7 +4598,7 @@
             </a:pPr>
             <a:r>
               <a:rPr lang="zh-CN" altLang="en-US" dirty="0"/>
-              <a:t>解耦本质是</a:t>
+              <a:t>解耦一种方法是</a:t>
             </a:r>
             <a:r>
               <a:rPr lang="en-US" altLang="zh-CN" dirty="0"/>
@@ -3863,6 +4608,99 @@
               <a:rPr lang="zh-CN" altLang="en-US" dirty="0"/>
               <a:t>（依赖反转）</a:t>
             </a:r>
+            <a:endParaRPr lang="en-US" altLang="zh-CN" dirty="0"/>
+          </a:p>
+          <a:p>
+            <a:pPr marL="0" marR="0" lvl="0" indent="0" algn="l" defTabSz="914400" rtl="0" eaLnBrk="1" fontAlgn="auto" latinLnBrk="0" hangingPunct="1">
+              <a:lnSpc>
+                <a:spcPct val="100000"/>
+              </a:lnSpc>
+              <a:spcBef>
+                <a:spcPts val="0"/>
+              </a:spcBef>
+              <a:spcAft>
+                <a:spcPts val="0"/>
+              </a:spcAft>
+              <a:buClrTx/>
+              <a:buSzTx/>
+              <a:buFontTx/>
+              <a:buNone/>
+              <a:tabLst/>
+              <a:defRPr/>
+            </a:pPr>
+            <a:r>
+              <a:rPr lang="zh-CN" altLang="en-US" dirty="0"/>
+              <a:t>耦合：数据耦合，控制耦合，</a:t>
+            </a:r>
+            <a:endParaRPr lang="en-US" altLang="zh-CN" dirty="0"/>
+          </a:p>
+          <a:p>
+            <a:pPr marL="0" marR="0" lvl="0" indent="0" algn="l" defTabSz="914400" rtl="0" eaLnBrk="1" fontAlgn="auto" latinLnBrk="0" hangingPunct="1">
+              <a:lnSpc>
+                <a:spcPct val="100000"/>
+              </a:lnSpc>
+              <a:spcBef>
+                <a:spcPts val="0"/>
+              </a:spcBef>
+              <a:spcAft>
+                <a:spcPts val="0"/>
+              </a:spcAft>
+              <a:buClrTx/>
+              <a:buSzTx/>
+              <a:buFontTx/>
+              <a:buNone/>
+              <a:tabLst/>
+              <a:defRPr/>
+            </a:pPr>
+            <a:r>
+              <a:rPr lang="zh-CN" altLang="en-US" dirty="0"/>
+              <a:t>异步本质是时间耦合。</a:t>
+            </a:r>
+            <a:endParaRPr lang="en-US" altLang="zh-CN" dirty="0"/>
+          </a:p>
+          <a:p>
+            <a:pPr marL="0" marR="0" lvl="0" indent="0" algn="l" defTabSz="914400" rtl="0" eaLnBrk="1" fontAlgn="auto" latinLnBrk="0" hangingPunct="1">
+              <a:lnSpc>
+                <a:spcPct val="100000"/>
+              </a:lnSpc>
+              <a:spcBef>
+                <a:spcPts val="0"/>
+              </a:spcBef>
+              <a:spcAft>
+                <a:spcPts val="0"/>
+              </a:spcAft>
+              <a:buClrTx/>
+              <a:buSzTx/>
+              <a:buFontTx/>
+              <a:buNone/>
+              <a:tabLst/>
+              <a:defRPr/>
+            </a:pPr>
+            <a:r>
+              <a:rPr lang="zh-CN" altLang="en-US" dirty="0"/>
+              <a:t>解耦是空间层次的解耦。</a:t>
+            </a:r>
+            <a:endParaRPr lang="en-US" altLang="zh-CN" dirty="0"/>
+          </a:p>
+          <a:p>
+            <a:pPr marL="0" marR="0" lvl="0" indent="0" algn="l" defTabSz="914400" rtl="0" eaLnBrk="1" fontAlgn="auto" latinLnBrk="0" hangingPunct="1">
+              <a:lnSpc>
+                <a:spcPct val="100000"/>
+              </a:lnSpc>
+              <a:spcBef>
+                <a:spcPts val="0"/>
+              </a:spcBef>
+              <a:spcAft>
+                <a:spcPts val="0"/>
+              </a:spcAft>
+              <a:buClrTx/>
+              <a:buSzTx/>
+              <a:buFontTx/>
+              <a:buNone/>
+              <a:tabLst/>
+              <a:defRPr/>
+            </a:pPr>
+            <a:endParaRPr lang="zh-CN" altLang="en-US" dirty="0"/>
           </a:p>
           <a:p>
             <a:endParaRPr lang="zh-CN" altLang="en-US" dirty="0"/>
@@ -3951,8 +4789,185 @@
           <a:p>
             <a:r>
               <a:rPr lang="zh-CN" altLang="en-US" dirty="0"/>
-              <a:t>想到第一步怎么优化？</a:t>
-            </a:r>
+              <a:t>想到第一步怎么优化？这张图像什么？ 最后一个服务挂了，系统不可能。船舱模式，</a:t>
+            </a:r>
+            <a:r>
+              <a:rPr lang="en-US" altLang="zh-CN" sz="1200" b="0" i="0" u="none" strike="noStrike" kern="1200" dirty="0" err="1">
+                <a:solidFill>
+                  <a:schemeClr val="tx1"/>
+                </a:solidFill>
+                <a:effectLst/>
+                <a:latin typeface="+mn-lt"/>
+                <a:ea typeface="+mn-ea"/>
+                <a:cs typeface="+mn-cs"/>
+                <a:hlinkClick r:id="rId3"/>
+              </a:rPr>
+              <a:t>RateLimiter</a:t>
+            </a:r>
+            <a:r>
+              <a:rPr lang="zh-CN" altLang="en-US" sz="1200" b="0" i="0" u="none" strike="noStrike" kern="1200" dirty="0">
+                <a:solidFill>
+                  <a:schemeClr val="tx1"/>
+                </a:solidFill>
+                <a:effectLst/>
+                <a:latin typeface="+mn-lt"/>
+                <a:ea typeface="+mn-ea"/>
+                <a:cs typeface="+mn-cs"/>
+              </a:rPr>
+              <a:t>，</a:t>
+            </a:r>
+            <a:r>
+              <a:rPr lang="en-US" altLang="zh-CN" sz="1200" b="0" i="0" u="none" strike="noStrike" kern="1200" dirty="0" err="1">
+                <a:solidFill>
+                  <a:schemeClr val="tx1"/>
+                </a:solidFill>
+                <a:effectLst/>
+                <a:latin typeface="+mn-lt"/>
+                <a:ea typeface="+mn-ea"/>
+                <a:cs typeface="+mn-cs"/>
+                <a:hlinkClick r:id="rId4"/>
+              </a:rPr>
+              <a:t>CircuitBreaker</a:t>
+            </a:r>
+            <a:r>
+              <a:rPr lang="en-US" altLang="zh-CN" sz="1200" b="0" i="0" u="none" strike="noStrike" kern="1200" dirty="0">
+                <a:solidFill>
+                  <a:schemeClr val="tx1"/>
+                </a:solidFill>
+                <a:effectLst/>
+                <a:latin typeface="+mn-lt"/>
+                <a:ea typeface="+mn-ea"/>
+                <a:cs typeface="+mn-cs"/>
+                <a:hlinkClick r:id="rId4"/>
+              </a:rPr>
+              <a:t>, Retry and Fallback</a:t>
+            </a:r>
+            <a:endParaRPr lang="en-US" altLang="zh-CN" dirty="0"/>
+          </a:p>
+          <a:p>
+            <a:r>
+              <a:rPr lang="zh-CN" altLang="en-US" dirty="0"/>
+              <a:t>这个系统可能面临什么问题：</a:t>
+            </a:r>
+            <a:endParaRPr lang="en-US" altLang="zh-CN" dirty="0"/>
+          </a:p>
+          <a:p>
+            <a:pPr marL="228600" indent="-228600">
+              <a:buAutoNum type="arabicPlain"/>
+            </a:pPr>
+            <a:r>
+              <a:rPr lang="zh-CN" altLang="en-US" dirty="0"/>
+              <a:t>系统雪崩    </a:t>
+            </a:r>
+            <a:endParaRPr lang="en-US" altLang="zh-CN" dirty="0"/>
+          </a:p>
+          <a:p>
+            <a:pPr marL="0" indent="0">
+              <a:buNone/>
+            </a:pPr>
+            <a:r>
+              <a:rPr lang="en-US" altLang="zh-CN" sz="1200" b="0" i="0" kern="1200" dirty="0">
+                <a:solidFill>
+                  <a:schemeClr val="tx1"/>
+                </a:solidFill>
+                <a:effectLst/>
+                <a:latin typeface="+mn-lt"/>
+                <a:ea typeface="+mn-ea"/>
+                <a:cs typeface="+mn-cs"/>
+              </a:rPr>
+              <a:t>            </a:t>
+            </a:r>
+            <a:r>
+              <a:rPr lang="zh-CN" altLang="en-US" sz="1200" b="0" i="0" kern="1200" dirty="0">
+                <a:solidFill>
+                  <a:schemeClr val="tx1"/>
+                </a:solidFill>
+                <a:effectLst/>
+                <a:latin typeface="+mn-lt"/>
+                <a:ea typeface="+mn-ea"/>
+                <a:cs typeface="+mn-cs"/>
+              </a:rPr>
+              <a:t>这个图和微服务区别？像不像微服务？</a:t>
+            </a:r>
+            <a:r>
+              <a:rPr lang="en-US" altLang="zh-CN" sz="1200" b="0" i="0" kern="1200" dirty="0">
+                <a:solidFill>
+                  <a:schemeClr val="tx1"/>
+                </a:solidFill>
+                <a:effectLst/>
+                <a:latin typeface="+mn-lt"/>
+                <a:ea typeface="+mn-ea"/>
+                <a:cs typeface="+mn-cs"/>
+              </a:rPr>
+              <a:t>       1</a:t>
+            </a:r>
+            <a:r>
+              <a:rPr lang="zh-CN" altLang="en-US" sz="1200" b="0" i="0" kern="1200" dirty="0">
+                <a:solidFill>
+                  <a:schemeClr val="tx1"/>
+                </a:solidFill>
+                <a:effectLst/>
+                <a:latin typeface="+mn-lt"/>
+                <a:ea typeface="+mn-ea"/>
+                <a:cs typeface="+mn-cs"/>
+              </a:rPr>
+              <a:t>个应用依赖</a:t>
+            </a:r>
+            <a:r>
+              <a:rPr lang="en-US" altLang="zh-CN" sz="1200" b="0" i="0" kern="1200" dirty="0">
+                <a:solidFill>
+                  <a:schemeClr val="tx1"/>
+                </a:solidFill>
+                <a:effectLst/>
+                <a:latin typeface="+mn-lt"/>
+                <a:ea typeface="+mn-ea"/>
+                <a:cs typeface="+mn-cs"/>
+              </a:rPr>
+              <a:t>30</a:t>
+            </a:r>
+            <a:r>
+              <a:rPr lang="zh-CN" altLang="en-US" sz="1200" b="0" i="0" kern="1200" dirty="0">
+                <a:solidFill>
+                  <a:schemeClr val="tx1"/>
+                </a:solidFill>
+                <a:effectLst/>
+                <a:latin typeface="+mn-lt"/>
+                <a:ea typeface="+mn-ea"/>
+                <a:cs typeface="+mn-cs"/>
+              </a:rPr>
+              <a:t>个服务，每个服务有</a:t>
+            </a:r>
+            <a:r>
+              <a:rPr lang="en-US" altLang="zh-CN" sz="1200" b="0" i="0" kern="1200" dirty="0">
+                <a:solidFill>
+                  <a:schemeClr val="tx1"/>
+                </a:solidFill>
+                <a:effectLst/>
+                <a:latin typeface="+mn-lt"/>
+                <a:ea typeface="+mn-ea"/>
+                <a:cs typeface="+mn-cs"/>
+              </a:rPr>
+              <a:t>99.99%</a:t>
+            </a:r>
+            <a:r>
+              <a:rPr lang="zh-CN" altLang="en-US" sz="1200" b="0" i="0" kern="1200" dirty="0">
+                <a:solidFill>
+                  <a:schemeClr val="tx1"/>
+                </a:solidFill>
+                <a:effectLst/>
+                <a:latin typeface="+mn-lt"/>
+                <a:ea typeface="+mn-ea"/>
+                <a:cs typeface="+mn-cs"/>
+              </a:rPr>
+              <a:t>。   熔断器</a:t>
+            </a:r>
+            <a:endParaRPr lang="en-US" altLang="zh-CN" dirty="0"/>
+          </a:p>
+          <a:p>
+            <a:pPr marL="228600" indent="-228600">
+              <a:buAutoNum type="arabicPlain"/>
+            </a:pPr>
+            <a:endParaRPr lang="zh-CN" altLang="en-US" dirty="0"/>
           </a:p>
         </p:txBody>
       </p:sp>
@@ -4040,6 +5055,129 @@
               <a:rPr lang="zh-CN" altLang="en-US" dirty="0"/>
               <a:t>多接口并行返回数据，并且保证有序。怎么处理失败的数据呢？</a:t>
             </a:r>
+            <a:r>
+              <a:rPr lang="en-US" altLang="zh-CN" dirty="0"/>
+              <a:t>CPU</a:t>
+            </a:r>
+            <a:r>
+              <a:rPr lang="zh-CN" altLang="en-US" dirty="0"/>
+              <a:t>足够快了，</a:t>
+            </a:r>
+            <a:r>
+              <a:rPr lang="en-US" altLang="zh-CN" dirty="0"/>
+              <a:t>IO</a:t>
+            </a:r>
+            <a:r>
+              <a:rPr lang="zh-CN" altLang="en-US" dirty="0"/>
+              <a:t>还是很慢。多线程</a:t>
+            </a:r>
+            <a:r>
+              <a:rPr lang="en-US" altLang="zh-CN" dirty="0"/>
+              <a:t>+NIO</a:t>
+            </a:r>
+            <a:r>
+              <a:rPr lang="zh-CN" altLang="en-US" dirty="0"/>
+              <a:t>。多线程再快没用，</a:t>
+            </a:r>
+            <a:r>
+              <a:rPr lang="en-US" altLang="zh-CN" dirty="0"/>
+              <a:t>IO</a:t>
+            </a:r>
+            <a:r>
+              <a:rPr lang="zh-CN" altLang="en-US" dirty="0"/>
+              <a:t>很慢（网络</a:t>
+            </a:r>
+            <a:r>
+              <a:rPr lang="en-US" altLang="zh-CN" dirty="0"/>
+              <a:t>IO</a:t>
+            </a:r>
+            <a:r>
+              <a:rPr lang="zh-CN" altLang="en-US" dirty="0"/>
+              <a:t>）</a:t>
+            </a:r>
+            <a:endParaRPr lang="en-US" altLang="zh-CN" dirty="0"/>
+          </a:p>
+          <a:p>
+            <a:r>
+              <a:rPr lang="zh-CN" altLang="en-US" dirty="0"/>
+              <a:t>这张图启示：并行，多线程一定快吗？</a:t>
+            </a:r>
+            <a:endParaRPr lang="en-US" altLang="zh-CN" dirty="0"/>
+          </a:p>
+          <a:p>
+            <a:r>
+              <a:rPr lang="zh-CN" altLang="en-US" dirty="0"/>
+              <a:t>为什么这样吞吐量上不来？吞吐量</a:t>
+            </a:r>
+            <a:r>
+              <a:rPr lang="en-US" altLang="zh-CN" dirty="0"/>
+              <a:t>=IO+</a:t>
+            </a:r>
+            <a:r>
+              <a:rPr lang="zh-CN" altLang="en-US" dirty="0"/>
+              <a:t>处理时间</a:t>
+            </a:r>
+            <a:endParaRPr lang="en-US" altLang="zh-CN" dirty="0"/>
+          </a:p>
+          <a:p>
+            <a:r>
+              <a:rPr lang="zh-CN" altLang="en-US" dirty="0"/>
+              <a:t>性能优化：处理时间快，</a:t>
+            </a:r>
+            <a:r>
+              <a:rPr lang="en-US" altLang="zh-CN" dirty="0"/>
+              <a:t>IO</a:t>
+            </a:r>
+            <a:r>
+              <a:rPr lang="zh-CN" altLang="en-US" dirty="0"/>
+              <a:t>吞吐快，</a:t>
+            </a:r>
+            <a:r>
+              <a:rPr lang="en-US" altLang="zh-CN" dirty="0" err="1"/>
+              <a:t>PublicInfo</a:t>
+            </a:r>
+            <a:r>
+              <a:rPr lang="zh-CN" altLang="en-US" dirty="0"/>
+              <a:t>接口优化。因为慢，慢在了哪里？大量</a:t>
+            </a:r>
+            <a:r>
+              <a:rPr lang="en-US" altLang="zh-CN" dirty="0"/>
+              <a:t>IO</a:t>
+            </a:r>
+            <a:r>
+              <a:rPr lang="zh-CN" altLang="en-US" dirty="0"/>
+              <a:t>操作串行。那么为什么要加缓存？（缓存</a:t>
+            </a:r>
+            <a:r>
+              <a:rPr lang="en-US" altLang="zh-CN" dirty="0"/>
+              <a:t>IO</a:t>
+            </a:r>
+            <a:r>
+              <a:rPr lang="zh-CN" altLang="en-US" dirty="0"/>
+              <a:t>结果）多线程</a:t>
+            </a:r>
+            <a:r>
+              <a:rPr lang="en-US" altLang="zh-CN" dirty="0"/>
+              <a:t>merge</a:t>
+            </a:r>
+            <a:r>
+              <a:rPr lang="zh-CN" altLang="en-US" dirty="0"/>
+              <a:t>。本质是锁</a:t>
+            </a:r>
+            <a:endParaRPr lang="en-US" altLang="zh-CN" dirty="0"/>
+          </a:p>
+          <a:p>
+            <a:r>
+              <a:rPr lang="zh-CN" altLang="en-US" dirty="0"/>
+              <a:t>粒度减少过程。实时性，读多个版本。</a:t>
+            </a:r>
+            <a:endParaRPr lang="en-US" altLang="zh-CN" dirty="0"/>
+          </a:p>
+          <a:p>
+            <a:endParaRPr lang="en-US" altLang="zh-CN" dirty="0"/>
+          </a:p>
+          <a:p>
+            <a:endParaRPr lang="zh-CN" altLang="en-US" dirty="0"/>
           </a:p>
         </p:txBody>
       </p:sp>
@@ -4133,6 +5271,21 @@
             <a:r>
               <a:rPr lang="zh-CN" altLang="en-US" dirty="0"/>
               <a:t>场外下单举例，发送短信邮件过程消息化。</a:t>
+            </a:r>
+            <a:endParaRPr lang="en-US" altLang="zh-CN" dirty="0"/>
+          </a:p>
+          <a:p>
+            <a:r>
+              <a:rPr lang="zh-CN" altLang="en-US" dirty="0"/>
+              <a:t>系统吞吐量上来了。因为吞吐量</a:t>
+            </a:r>
+            <a:r>
+              <a:rPr lang="en-US" altLang="zh-CN" dirty="0"/>
+              <a:t>=IO+</a:t>
+            </a:r>
+            <a:r>
+              <a:rPr lang="zh-CN" altLang="en-US" dirty="0"/>
+              <a:t>处理时间</a:t>
             </a:r>
           </a:p>
         </p:txBody>
@@ -4320,7 +5473,7 @@
           <a:p>
             <a:fld id="{BAD17A96-C760-4264-8D5F-C0E7021052D6}" type="datetimeFigureOut">
               <a:rPr lang="zh-CN" altLang="en-US" smtClean="0"/>
-              <a:t>2020/3/25</a:t>
+              <a:t>2020/3/31</a:t>
             </a:fld>
             <a:endParaRPr lang="zh-CN" altLang="en-US"/>
           </a:p>
@@ -4518,7 +5671,7 @@
           <a:p>
             <a:fld id="{BAD17A96-C760-4264-8D5F-C0E7021052D6}" type="datetimeFigureOut">
               <a:rPr lang="zh-CN" altLang="en-US" smtClean="0"/>
-              <a:t>2020/3/25</a:t>
+              <a:t>2020/3/31</a:t>
             </a:fld>
             <a:endParaRPr lang="zh-CN" altLang="en-US"/>
           </a:p>
@@ -4726,7 +5879,7 @@
           <a:p>
             <a:fld id="{BAD17A96-C760-4264-8D5F-C0E7021052D6}" type="datetimeFigureOut">
               <a:rPr lang="zh-CN" altLang="en-US" smtClean="0"/>
-              <a:t>2020/3/25</a:t>
+              <a:t>2020/3/31</a:t>
             </a:fld>
             <a:endParaRPr lang="zh-CN" altLang="en-US"/>
           </a:p>
@@ -4924,7 +6077,7 @@
           <a:p>
             <a:fld id="{BAD17A96-C760-4264-8D5F-C0E7021052D6}" type="datetimeFigureOut">
               <a:rPr lang="zh-CN" altLang="en-US" smtClean="0"/>
-              <a:t>2020/3/25</a:t>
+              <a:t>2020/3/31</a:t>
             </a:fld>
             <a:endParaRPr lang="zh-CN" altLang="en-US"/>
           </a:p>
@@ -5199,7 +6352,7 @@
           <a:p>
             <a:fld id="{BAD17A96-C760-4264-8D5F-C0E7021052D6}" type="datetimeFigureOut">
               <a:rPr lang="zh-CN" altLang="en-US" smtClean="0"/>
-              <a:t>2020/3/25</a:t>
+              <a:t>2020/3/31</a:t>
             </a:fld>
             <a:endParaRPr lang="zh-CN" altLang="en-US"/>
           </a:p>
@@ -5464,7 +6617,7 @@
           <a:p>
             <a:fld id="{BAD17A96-C760-4264-8D5F-C0E7021052D6}" type="datetimeFigureOut">
               <a:rPr lang="zh-CN" altLang="en-US" smtClean="0"/>
-              <a:t>2020/3/25</a:t>
+              <a:t>2020/3/31</a:t>
             </a:fld>
             <a:endParaRPr lang="zh-CN" altLang="en-US"/>
           </a:p>
@@ -5876,7 +7029,7 @@
           <a:p>
             <a:fld id="{BAD17A96-C760-4264-8D5F-C0E7021052D6}" type="datetimeFigureOut">
               <a:rPr lang="zh-CN" altLang="en-US" smtClean="0"/>
-              <a:t>2020/3/25</a:t>
+              <a:t>2020/3/31</a:t>
             </a:fld>
             <a:endParaRPr lang="zh-CN" altLang="en-US"/>
           </a:p>
@@ -6017,7 +7170,7 @@
           <a:p>
             <a:fld id="{BAD17A96-C760-4264-8D5F-C0E7021052D6}" type="datetimeFigureOut">
               <a:rPr lang="zh-CN" altLang="en-US" smtClean="0"/>
-              <a:t>2020/3/25</a:t>
+              <a:t>2020/3/31</a:t>
             </a:fld>
             <a:endParaRPr lang="zh-CN" altLang="en-US"/>
           </a:p>
@@ -6130,7 +7283,7 @@
           <a:p>
             <a:fld id="{BAD17A96-C760-4264-8D5F-C0E7021052D6}" type="datetimeFigureOut">
               <a:rPr lang="zh-CN" altLang="en-US" smtClean="0"/>
-              <a:t>2020/3/25</a:t>
+              <a:t>2020/3/31</a:t>
             </a:fld>
             <a:endParaRPr lang="zh-CN" altLang="en-US"/>
           </a:p>
@@ -6441,7 +7594,7 @@
           <a:p>
             <a:fld id="{BAD17A96-C760-4264-8D5F-C0E7021052D6}" type="datetimeFigureOut">
               <a:rPr lang="zh-CN" altLang="en-US" smtClean="0"/>
-              <a:t>2020/3/25</a:t>
+              <a:t>2020/3/31</a:t>
             </a:fld>
             <a:endParaRPr lang="zh-CN" altLang="en-US"/>
           </a:p>
@@ -6729,7 +7882,7 @@
           <a:p>
             <a:fld id="{BAD17A96-C760-4264-8D5F-C0E7021052D6}" type="datetimeFigureOut">
               <a:rPr lang="zh-CN" altLang="en-US" smtClean="0"/>
-              <a:t>2020/3/25</a:t>
+              <a:t>2020/3/31</a:t>
             </a:fld>
             <a:endParaRPr lang="zh-CN" altLang="en-US"/>
           </a:p>
@@ -6970,7 +8123,7 @@
           <a:p>
             <a:fld id="{BAD17A96-C760-4264-8D5F-C0E7021052D6}" type="datetimeFigureOut">
               <a:rPr lang="zh-CN" altLang="en-US" smtClean="0"/>
-              <a:t>2020/3/25</a:t>
+              <a:t>2020/3/31</a:t>
             </a:fld>
             <a:endParaRPr lang="zh-CN" altLang="en-US"/>
           </a:p>
@@ -7913,61 +9066,40 @@
       </p:grpSpPr>
       <p:sp>
         <p:nvSpPr>
-          <p:cNvPr id="4" name="矩形 3">
-            <a:extLst>
-              <a:ext uri="{FF2B5EF4-FFF2-40B4-BE49-F238E27FC236}">
-                <a16:creationId xmlns:a16="http://schemas.microsoft.com/office/drawing/2014/main" id="{229E0BF7-B941-4845-8911-7FC3B4F6985B}"/>
-              </a:ext>
-            </a:extLst>
-          </p:cNvPr>
-          <p:cNvSpPr/>
-          <p:nvPr/>
-        </p:nvSpPr>
-        <p:spPr>
-          <a:xfrm>
-            <a:off x="0" y="2103783"/>
-            <a:ext cx="12192000" cy="1709531"/>
-          </a:xfrm>
-          <a:prstGeom prst="rect">
-            <a:avLst/>
-          </a:prstGeom>
-        </p:spPr>
-        <p:style>
-          <a:lnRef idx="2">
-            <a:schemeClr val="accent1">
-              <a:shade val="50000"/>
-            </a:schemeClr>
-          </a:lnRef>
-          <a:fillRef idx="1">
-            <a:schemeClr val="accent1"/>
-          </a:fillRef>
-          <a:effectRef idx="0">
-            <a:schemeClr val="accent1"/>
-          </a:effectRef>
-          <a:fontRef idx="minor">
-            <a:schemeClr val="lt1"/>
-          </a:fontRef>
-        </p:style>
-        <p:txBody>
-          <a:bodyPr rtlCol="0" anchor="ctr"/>
-          <a:lstStyle/>
-          <a:p>
-            <a:pPr algn="ctr"/>
-            <a:r>
-              <a:rPr lang="en-US" altLang="zh-CN" sz="5400" dirty="0"/>
-              <a:t>							 ONS</a:t>
-            </a:r>
-            <a:r>
-              <a:rPr lang="zh-CN" altLang="en-US" sz="5400" dirty="0"/>
-              <a:t>设计分析</a:t>
-            </a:r>
+          <p:cNvPr id="3" name="内容占位符 2">
+            <a:extLst>
+              <a:ext uri="{FF2B5EF4-FFF2-40B4-BE49-F238E27FC236}">
+                <a16:creationId xmlns:a16="http://schemas.microsoft.com/office/drawing/2014/main" id="{023F9E46-F831-41C8-9C5B-0CE1E1408358}"/>
+              </a:ext>
+            </a:extLst>
+          </p:cNvPr>
+          <p:cNvSpPr>
+            <a:spLocks noGrp="1"/>
+          </p:cNvSpPr>
+          <p:nvPr>
+            <p:ph idx="1"/>
+          </p:nvPr>
+        </p:nvSpPr>
+        <p:spPr/>
+        <p:txBody>
+          <a:bodyPr/>
+          <a:lstStyle/>
+          <a:p>
+            <a:r>
+              <a:rPr lang="zh-CN" altLang="en-US" dirty="0"/>
+              <a:t>容易理解的模型性能往往不好，性能好的模式往往不容易理解。这就是生活。</a:t>
+            </a:r>
+            <a:endParaRPr lang="zh-CN" altLang="en-US" b="1" dirty="0"/>
+          </a:p>
+          <a:p>
+            <a:endParaRPr lang="zh-CN" altLang="en-US" dirty="0"/>
           </a:p>
         </p:txBody>
       </p:sp>
     </p:spTree>
     <p:extLst>
       <p:ext uri="{BB962C8B-B14F-4D97-AF65-F5344CB8AC3E}">
-        <p14:creationId xmlns:p14="http://schemas.microsoft.com/office/powerpoint/2010/main" val="1211827285"/>
+        <p14:creationId xmlns:p14="http://schemas.microsoft.com/office/powerpoint/2010/main" val="1528019568"/>
       </p:ext>
     </p:extLst>
   </p:cSld>
@@ -7996,94 +9128,53 @@
       </p:grpSpPr>
       <p:sp>
         <p:nvSpPr>
-          <p:cNvPr id="2" name="标题 1">
-            <a:extLst>
-              <a:ext uri="{FF2B5EF4-FFF2-40B4-BE49-F238E27FC236}">
-                <a16:creationId xmlns:a16="http://schemas.microsoft.com/office/drawing/2014/main" id="{44051F35-F75B-4485-9F34-C5384D7CEA4E}"/>
-              </a:ext>
-            </a:extLst>
-          </p:cNvPr>
-          <p:cNvSpPr>
-            <a:spLocks noGrp="1"/>
-          </p:cNvSpPr>
-          <p:nvPr>
-            <p:ph type="title"/>
-          </p:nvPr>
-        </p:nvSpPr>
-        <p:spPr/>
-        <p:txBody>
-          <a:bodyPr/>
-          <a:lstStyle/>
-          <a:p>
-            <a:r>
-              <a:rPr lang="en-US" altLang="zh-CN" dirty="0"/>
-              <a:t>MQ</a:t>
-            </a:r>
-            <a:r>
-              <a:rPr lang="zh-CN" altLang="en-US" dirty="0"/>
-              <a:t>理想状态</a:t>
-            </a:r>
-          </a:p>
-        </p:txBody>
-      </p:sp>
-      <p:sp>
-        <p:nvSpPr>
-          <p:cNvPr id="3" name="内容占位符 2">
-            <a:extLst>
-              <a:ext uri="{FF2B5EF4-FFF2-40B4-BE49-F238E27FC236}">
-                <a16:creationId xmlns:a16="http://schemas.microsoft.com/office/drawing/2014/main" id="{7113B371-1E9D-4CD5-9578-10F064D6881D}"/>
-              </a:ext>
-            </a:extLst>
-          </p:cNvPr>
-          <p:cNvSpPr>
-            <a:spLocks noGrp="1"/>
-          </p:cNvSpPr>
-          <p:nvPr>
-            <p:ph idx="1"/>
-          </p:nvPr>
-        </p:nvSpPr>
-        <p:spPr/>
-        <p:txBody>
-          <a:bodyPr/>
-          <a:lstStyle/>
-          <a:p>
-            <a:r>
-              <a:rPr lang="en-US" altLang="zh-CN" dirty="0"/>
-              <a:t>1  </a:t>
-            </a:r>
-            <a:r>
-              <a:rPr lang="zh-CN" altLang="en-US" dirty="0"/>
-              <a:t>消息堆积无限不降低延时。</a:t>
-            </a:r>
-            <a:endParaRPr lang="en-US" altLang="zh-CN" dirty="0"/>
-          </a:p>
-          <a:p>
-            <a:r>
-              <a:rPr lang="en-US" altLang="zh-CN" dirty="0"/>
-              <a:t>2  </a:t>
-            </a:r>
-            <a:r>
-              <a:rPr lang="zh-CN" altLang="en-US" dirty="0"/>
-              <a:t>有发必收。</a:t>
-            </a:r>
-            <a:r>
-              <a:rPr lang="en-US" altLang="zh-CN" dirty="0"/>
-              <a:t> </a:t>
-            </a:r>
-            <a:r>
-              <a:rPr lang="zh-CN" altLang="en-US" dirty="0"/>
-              <a:t> </a:t>
-            </a:r>
-            <a:endParaRPr lang="en-US" altLang="zh-CN" dirty="0"/>
-          </a:p>
-          <a:p>
-            <a:r>
-              <a:rPr lang="en-US" altLang="zh-CN" dirty="0"/>
-              <a:t>3  </a:t>
-            </a:r>
-            <a:r>
-              <a:rPr lang="zh-CN" altLang="en-US" dirty="0"/>
-              <a:t>无限扩展。</a:t>
+          <p:cNvPr id="4" name="矩形 3">
+            <a:extLst>
+              <a:ext uri="{FF2B5EF4-FFF2-40B4-BE49-F238E27FC236}">
+                <a16:creationId xmlns:a16="http://schemas.microsoft.com/office/drawing/2014/main" id="{229E0BF7-B941-4845-8911-7FC3B4F6985B}"/>
+              </a:ext>
+            </a:extLst>
+          </p:cNvPr>
+          <p:cNvSpPr/>
+          <p:nvPr/>
+        </p:nvSpPr>
+        <p:spPr>
+          <a:xfrm>
+            <a:off x="0" y="2103783"/>
+            <a:ext cx="12192000" cy="1709531"/>
+          </a:xfrm>
+          <a:prstGeom prst="rect">
+            <a:avLst/>
+          </a:prstGeom>
+        </p:spPr>
+        <p:style>
+          <a:lnRef idx="2">
+            <a:schemeClr val="accent1">
+              <a:shade val="50000"/>
+            </a:schemeClr>
+          </a:lnRef>
+          <a:fillRef idx="1">
+            <a:schemeClr val="accent1"/>
+          </a:fillRef>
+          <a:effectRef idx="0">
+            <a:schemeClr val="accent1"/>
+          </a:effectRef>
+          <a:fontRef idx="minor">
+            <a:schemeClr val="lt1"/>
+          </a:fontRef>
+        </p:style>
+        <p:txBody>
+          <a:bodyPr rtlCol="0" anchor="ctr"/>
+          <a:lstStyle/>
+          <a:p>
+            <a:pPr algn="ctr"/>
+            <a:r>
+              <a:rPr lang="en-US" altLang="zh-CN" sz="5400" dirty="0"/>
+              <a:t>							 ONS</a:t>
+            </a:r>
+            <a:r>
+              <a:rPr lang="zh-CN" altLang="en-US" sz="5400" dirty="0"/>
+              <a:t>设计分析</a:t>
             </a:r>
           </a:p>
         </p:txBody>
@@ -8091,7 +9182,7 @@
     </p:spTree>
     <p:extLst>
       <p:ext uri="{BB962C8B-B14F-4D97-AF65-F5344CB8AC3E}">
-        <p14:creationId xmlns:p14="http://schemas.microsoft.com/office/powerpoint/2010/main" val="3790359709"/>
+        <p14:creationId xmlns:p14="http://schemas.microsoft.com/office/powerpoint/2010/main" val="1211827285"/>
       </p:ext>
     </p:extLst>
   </p:cSld>
@@ -8123,6 +9214,130 @@
           <p:cNvPr id="2" name="标题 1">
             <a:extLst>
               <a:ext uri="{FF2B5EF4-FFF2-40B4-BE49-F238E27FC236}">
+                <a16:creationId xmlns:a16="http://schemas.microsoft.com/office/drawing/2014/main" id="{44051F35-F75B-4485-9F34-C5384D7CEA4E}"/>
+              </a:ext>
+            </a:extLst>
+          </p:cNvPr>
+          <p:cNvSpPr>
+            <a:spLocks noGrp="1"/>
+          </p:cNvSpPr>
+          <p:nvPr>
+            <p:ph type="title"/>
+          </p:nvPr>
+        </p:nvSpPr>
+        <p:spPr/>
+        <p:txBody>
+          <a:bodyPr/>
+          <a:lstStyle/>
+          <a:p>
+            <a:r>
+              <a:rPr lang="en-US" altLang="zh-CN" dirty="0"/>
+              <a:t>MQ</a:t>
+            </a:r>
+            <a:r>
+              <a:rPr lang="zh-CN" altLang="en-US" dirty="0"/>
+              <a:t>理想状态</a:t>
+            </a:r>
+          </a:p>
+        </p:txBody>
+      </p:sp>
+      <p:sp>
+        <p:nvSpPr>
+          <p:cNvPr id="3" name="内容占位符 2">
+            <a:extLst>
+              <a:ext uri="{FF2B5EF4-FFF2-40B4-BE49-F238E27FC236}">
+                <a16:creationId xmlns:a16="http://schemas.microsoft.com/office/drawing/2014/main" id="{7113B371-1E9D-4CD5-9578-10F064D6881D}"/>
+              </a:ext>
+            </a:extLst>
+          </p:cNvPr>
+          <p:cNvSpPr>
+            <a:spLocks noGrp="1"/>
+          </p:cNvSpPr>
+          <p:nvPr>
+            <p:ph idx="1"/>
+          </p:nvPr>
+        </p:nvSpPr>
+        <p:spPr/>
+        <p:txBody>
+          <a:bodyPr/>
+          <a:lstStyle/>
+          <a:p>
+            <a:r>
+              <a:rPr lang="en-US" altLang="zh-CN" dirty="0"/>
+              <a:t>1  </a:t>
+            </a:r>
+            <a:r>
+              <a:rPr lang="zh-CN" altLang="en-US" dirty="0"/>
+              <a:t>消息堆积无限不降低延时。</a:t>
+            </a:r>
+            <a:endParaRPr lang="en-US" altLang="zh-CN" dirty="0"/>
+          </a:p>
+          <a:p>
+            <a:r>
+              <a:rPr lang="en-US" altLang="zh-CN" dirty="0"/>
+              <a:t>2  </a:t>
+            </a:r>
+            <a:r>
+              <a:rPr lang="zh-CN" altLang="en-US" dirty="0"/>
+              <a:t>有发必收。</a:t>
+            </a:r>
+            <a:r>
+              <a:rPr lang="en-US" altLang="zh-CN" dirty="0"/>
+              <a:t> </a:t>
+            </a:r>
+            <a:r>
+              <a:rPr lang="zh-CN" altLang="en-US" dirty="0"/>
+              <a:t> </a:t>
+            </a:r>
+            <a:endParaRPr lang="en-US" altLang="zh-CN" dirty="0"/>
+          </a:p>
+          <a:p>
+            <a:r>
+              <a:rPr lang="en-US" altLang="zh-CN" dirty="0"/>
+              <a:t>3  </a:t>
+            </a:r>
+            <a:r>
+              <a:rPr lang="zh-CN" altLang="en-US" dirty="0"/>
+              <a:t>无限扩展。</a:t>
+            </a:r>
+          </a:p>
+        </p:txBody>
+      </p:sp>
+    </p:spTree>
+    <p:extLst>
+      <p:ext uri="{BB962C8B-B14F-4D97-AF65-F5344CB8AC3E}">
+        <p14:creationId xmlns:p14="http://schemas.microsoft.com/office/powerpoint/2010/main" val="3790359709"/>
+      </p:ext>
+    </p:extLst>
+  </p:cSld>
+  <p:clrMapOvr>
+    <a:masterClrMapping/>
+  </p:clrMapOvr>
+</p:sld>
+</file>
+
+<file path=ppt/slides/slide17.xml><?xml version="1.0" encoding="utf-8"?>
+<p:sld xmlns:a="http://schemas.openxmlformats.org/drawingml/2006/main" xmlns:r="http://schemas.openxmlformats.org/officeDocument/2006/relationships" xmlns:p="http://schemas.openxmlformats.org/presentationml/2006/main">
+  <p:cSld>
+    <p:spTree>
+      <p:nvGrpSpPr>
+        <p:cNvPr id="1" name=""/>
+        <p:cNvGrpSpPr/>
+        <p:nvPr/>
+      </p:nvGrpSpPr>
+      <p:grpSpPr>
+        <a:xfrm>
+          <a:off x="0" y="0"/>
+          <a:ext cx="0" cy="0"/>
+          <a:chOff x="0" y="0"/>
+          <a:chExt cx="0" cy="0"/>
+        </a:xfrm>
+      </p:grpSpPr>
+      <p:sp>
+        <p:nvSpPr>
+          <p:cNvPr id="2" name="标题 1">
+            <a:extLst>
+              <a:ext uri="{FF2B5EF4-FFF2-40B4-BE49-F238E27FC236}">
                 <a16:creationId xmlns:a16="http://schemas.microsoft.com/office/drawing/2014/main" id="{C2215B48-32B5-45B6-807E-E9AF5C4058E8}"/>
               </a:ext>
             </a:extLst>
@@ -8295,7 +9510,7 @@
 </p:sld>
 </file>
 
-<file path=ppt/slides/slide17.xml><?xml version="1.0" encoding="utf-8"?>
+<file path=ppt/slides/slide18.xml><?xml version="1.0" encoding="utf-8"?>
 <p:sld xmlns:a="http://schemas.openxmlformats.org/drawingml/2006/main" xmlns:r="http://schemas.openxmlformats.org/officeDocument/2006/relationships" xmlns:p="http://schemas.openxmlformats.org/presentationml/2006/main">
   <p:cSld>
     <p:spTree>
@@ -8421,7 +9636,7 @@
 </p:sld>
 </file>
 
-<file path=ppt/slides/slide18.xml><?xml version="1.0" encoding="utf-8"?>
+<file path=ppt/slides/slide19.xml><?xml version="1.0" encoding="utf-8"?>
 <p:sld xmlns:a="http://schemas.openxmlformats.org/drawingml/2006/main" xmlns:r="http://schemas.openxmlformats.org/officeDocument/2006/relationships" xmlns:p="http://schemas.openxmlformats.org/presentationml/2006/main">
   <p:cSld>
     <p:spTree>
@@ -8534,199 +9749,6 @@
 </p:sld>
 </file>
 
-<file path=ppt/slides/slide19.xml><?xml version="1.0" encoding="utf-8"?>
-<p:sld xmlns:a="http://schemas.openxmlformats.org/drawingml/2006/main" xmlns:r="http://schemas.openxmlformats.org/officeDocument/2006/relationships" xmlns:p="http://schemas.openxmlformats.org/presentationml/2006/main">
-  <p:cSld>
-    <p:spTree>
-      <p:nvGrpSpPr>
-        <p:cNvPr id="1" name=""/>
-        <p:cNvGrpSpPr/>
-        <p:nvPr/>
-      </p:nvGrpSpPr>
-      <p:grpSpPr>
-        <a:xfrm>
-          <a:off x="0" y="0"/>
-          <a:ext cx="0" cy="0"/>
-          <a:chOff x="0" y="0"/>
-          <a:chExt cx="0" cy="0"/>
-        </a:xfrm>
-      </p:grpSpPr>
-      <p:sp>
-        <p:nvSpPr>
-          <p:cNvPr id="2" name="标题 1">
-            <a:extLst>
-              <a:ext uri="{FF2B5EF4-FFF2-40B4-BE49-F238E27FC236}">
-                <a16:creationId xmlns:a16="http://schemas.microsoft.com/office/drawing/2014/main" id="{5DD1E536-E7AB-410E-971C-5F653A1D1821}"/>
-              </a:ext>
-            </a:extLst>
-          </p:cNvPr>
-          <p:cNvSpPr>
-            <a:spLocks noGrp="1"/>
-          </p:cNvSpPr>
-          <p:nvPr>
-            <p:ph type="title"/>
-          </p:nvPr>
-        </p:nvSpPr>
-        <p:spPr/>
-        <p:txBody>
-          <a:bodyPr/>
-          <a:lstStyle/>
-          <a:p>
-            <a:r>
-              <a:rPr lang="zh-CN" altLang="en-US" dirty="0"/>
-              <a:t>消息丢失怎么办？</a:t>
-            </a:r>
-          </a:p>
-        </p:txBody>
-      </p:sp>
-      <p:sp>
-        <p:nvSpPr>
-          <p:cNvPr id="3" name="内容占位符 2">
-            <a:extLst>
-              <a:ext uri="{FF2B5EF4-FFF2-40B4-BE49-F238E27FC236}">
-                <a16:creationId xmlns:a16="http://schemas.microsoft.com/office/drawing/2014/main" id="{DDA1B0BC-80BE-409C-B283-2DC226E167A9}"/>
-              </a:ext>
-            </a:extLst>
-          </p:cNvPr>
-          <p:cNvSpPr>
-            <a:spLocks noGrp="1"/>
-          </p:cNvSpPr>
-          <p:nvPr>
-            <p:ph idx="1"/>
-          </p:nvPr>
-        </p:nvSpPr>
-        <p:spPr/>
-        <p:txBody>
-          <a:bodyPr/>
-          <a:lstStyle/>
-          <a:p>
-            <a:r>
-              <a:rPr lang="en-US" altLang="zh-CN" dirty="0"/>
-              <a:t>1   MQ</a:t>
-            </a:r>
-            <a:r>
-              <a:rPr lang="zh-CN" altLang="en-US" dirty="0"/>
-              <a:t>增量更新</a:t>
-            </a:r>
-            <a:r>
-              <a:rPr lang="en-US" altLang="zh-CN" dirty="0" err="1"/>
-              <a:t>Mysql</a:t>
-            </a:r>
-            <a:r>
-              <a:rPr lang="zh-CN" altLang="en-US" dirty="0"/>
-              <a:t>课程信息到</a:t>
-            </a:r>
-            <a:r>
-              <a:rPr lang="en-US" altLang="zh-CN" dirty="0"/>
-              <a:t>ES</a:t>
-            </a:r>
-            <a:r>
-              <a:rPr lang="zh-CN" altLang="en-US" dirty="0"/>
-              <a:t>构建倒排索引，</a:t>
-            </a:r>
-            <a:r>
-              <a:rPr lang="zh-CN" altLang="en-US" dirty="0">
-                <a:solidFill>
-                  <a:srgbClr val="FF0000"/>
-                </a:solidFill>
-              </a:rPr>
-              <a:t>但是</a:t>
-            </a:r>
-            <a:r>
-              <a:rPr lang="en-US" altLang="zh-CN" dirty="0">
-                <a:solidFill>
-                  <a:srgbClr val="FF0000"/>
-                </a:solidFill>
-              </a:rPr>
-              <a:t>MQ</a:t>
-            </a:r>
-            <a:r>
-              <a:rPr lang="zh-CN" altLang="en-US" dirty="0">
-                <a:solidFill>
-                  <a:srgbClr val="FF0000"/>
-                </a:solidFill>
-              </a:rPr>
-              <a:t>挂了</a:t>
-            </a:r>
-            <a:r>
-              <a:rPr lang="zh-CN" altLang="en-US" dirty="0"/>
-              <a:t>。课程数据不更新了。</a:t>
-            </a:r>
-            <a:endParaRPr lang="en-US" altLang="zh-CN" dirty="0"/>
-          </a:p>
-          <a:p>
-            <a:endParaRPr lang="en-US" altLang="zh-CN" dirty="0"/>
-          </a:p>
-          <a:p>
-            <a:pPr marL="0" indent="0">
-              <a:buNone/>
-            </a:pPr>
-            <a:endParaRPr lang="en-US" altLang="zh-CN" dirty="0"/>
-          </a:p>
-          <a:p>
-            <a:endParaRPr lang="en-US" altLang="zh-CN" dirty="0"/>
-          </a:p>
-          <a:p>
-            <a:r>
-              <a:rPr lang="en-US" altLang="zh-CN" dirty="0"/>
-              <a:t>2  10</a:t>
-            </a:r>
-            <a:r>
-              <a:rPr lang="zh-CN" altLang="en-US" dirty="0"/>
-              <a:t>个节点网关</a:t>
-            </a:r>
-            <a:r>
-              <a:rPr lang="en-US" altLang="zh-CN" dirty="0"/>
-              <a:t>API</a:t>
-            </a:r>
-            <a:r>
-              <a:rPr lang="zh-CN" altLang="en-US" dirty="0"/>
-              <a:t>数据内存实时更新，</a:t>
-            </a:r>
-            <a:r>
-              <a:rPr lang="zh-CN" altLang="en-US" dirty="0">
-                <a:solidFill>
-                  <a:srgbClr val="FF0000"/>
-                </a:solidFill>
-              </a:rPr>
-              <a:t>但是</a:t>
-            </a:r>
-            <a:r>
-              <a:rPr lang="en-US" altLang="zh-CN" dirty="0">
-                <a:solidFill>
-                  <a:srgbClr val="FF0000"/>
-                </a:solidFill>
-              </a:rPr>
-              <a:t>MQ</a:t>
-            </a:r>
-            <a:r>
-              <a:rPr lang="zh-CN" altLang="en-US" dirty="0">
-                <a:solidFill>
-                  <a:srgbClr val="FF0000"/>
-                </a:solidFill>
-              </a:rPr>
-              <a:t>挂了</a:t>
-            </a:r>
-            <a:r>
-              <a:rPr lang="zh-CN" altLang="en-US" dirty="0"/>
-              <a:t>，请求报错。</a:t>
-            </a:r>
-          </a:p>
-        </p:txBody>
-      </p:sp>
-    </p:spTree>
-    <p:extLst>
-      <p:ext uri="{BB962C8B-B14F-4D97-AF65-F5344CB8AC3E}">
-        <p14:creationId xmlns:p14="http://schemas.microsoft.com/office/powerpoint/2010/main" val="2985794979"/>
-      </p:ext>
-    </p:extLst>
-  </p:cSld>
-  <p:clrMapOvr>
-    <a:masterClrMapping/>
-  </p:clrMapOvr>
-</p:sld>
-</file>
-
 <file path=ppt/slides/slide2.xml><?xml version="1.0" encoding="utf-8"?>
 <p:sld xmlns:a="http://schemas.openxmlformats.org/drawingml/2006/main" xmlns:r="http://schemas.openxmlformats.org/officeDocument/2006/relationships" xmlns:p="http://schemas.openxmlformats.org/presentationml/2006/main">
   <p:cSld>
@@ -8922,6 +9944,199 @@
           <p:cNvPr id="2" name="标题 1">
             <a:extLst>
               <a:ext uri="{FF2B5EF4-FFF2-40B4-BE49-F238E27FC236}">
+                <a16:creationId xmlns:a16="http://schemas.microsoft.com/office/drawing/2014/main" id="{5DD1E536-E7AB-410E-971C-5F653A1D1821}"/>
+              </a:ext>
+            </a:extLst>
+          </p:cNvPr>
+          <p:cNvSpPr>
+            <a:spLocks noGrp="1"/>
+          </p:cNvSpPr>
+          <p:nvPr>
+            <p:ph type="title"/>
+          </p:nvPr>
+        </p:nvSpPr>
+        <p:spPr/>
+        <p:txBody>
+          <a:bodyPr/>
+          <a:lstStyle/>
+          <a:p>
+            <a:r>
+              <a:rPr lang="zh-CN" altLang="en-US" dirty="0"/>
+              <a:t>消息丢失怎么办？</a:t>
+            </a:r>
+          </a:p>
+        </p:txBody>
+      </p:sp>
+      <p:sp>
+        <p:nvSpPr>
+          <p:cNvPr id="3" name="内容占位符 2">
+            <a:extLst>
+              <a:ext uri="{FF2B5EF4-FFF2-40B4-BE49-F238E27FC236}">
+                <a16:creationId xmlns:a16="http://schemas.microsoft.com/office/drawing/2014/main" id="{DDA1B0BC-80BE-409C-B283-2DC226E167A9}"/>
+              </a:ext>
+            </a:extLst>
+          </p:cNvPr>
+          <p:cNvSpPr>
+            <a:spLocks noGrp="1"/>
+          </p:cNvSpPr>
+          <p:nvPr>
+            <p:ph idx="1"/>
+          </p:nvPr>
+        </p:nvSpPr>
+        <p:spPr/>
+        <p:txBody>
+          <a:bodyPr/>
+          <a:lstStyle/>
+          <a:p>
+            <a:r>
+              <a:rPr lang="en-US" altLang="zh-CN" dirty="0"/>
+              <a:t>1   MQ</a:t>
+            </a:r>
+            <a:r>
+              <a:rPr lang="zh-CN" altLang="en-US" dirty="0"/>
+              <a:t>增量更新</a:t>
+            </a:r>
+            <a:r>
+              <a:rPr lang="en-US" altLang="zh-CN" dirty="0" err="1"/>
+              <a:t>Mysql</a:t>
+            </a:r>
+            <a:r>
+              <a:rPr lang="zh-CN" altLang="en-US" dirty="0"/>
+              <a:t>课程信息到</a:t>
+            </a:r>
+            <a:r>
+              <a:rPr lang="en-US" altLang="zh-CN" dirty="0"/>
+              <a:t>ES</a:t>
+            </a:r>
+            <a:r>
+              <a:rPr lang="zh-CN" altLang="en-US" dirty="0"/>
+              <a:t>构建倒排索引，</a:t>
+            </a:r>
+            <a:r>
+              <a:rPr lang="zh-CN" altLang="en-US" dirty="0">
+                <a:solidFill>
+                  <a:srgbClr val="FF0000"/>
+                </a:solidFill>
+              </a:rPr>
+              <a:t>但是</a:t>
+            </a:r>
+            <a:r>
+              <a:rPr lang="en-US" altLang="zh-CN" dirty="0">
+                <a:solidFill>
+                  <a:srgbClr val="FF0000"/>
+                </a:solidFill>
+              </a:rPr>
+              <a:t>MQ</a:t>
+            </a:r>
+            <a:r>
+              <a:rPr lang="zh-CN" altLang="en-US" dirty="0">
+                <a:solidFill>
+                  <a:srgbClr val="FF0000"/>
+                </a:solidFill>
+              </a:rPr>
+              <a:t>挂了</a:t>
+            </a:r>
+            <a:r>
+              <a:rPr lang="zh-CN" altLang="en-US" dirty="0"/>
+              <a:t>。课程数据不更新了。</a:t>
+            </a:r>
+            <a:endParaRPr lang="en-US" altLang="zh-CN" dirty="0"/>
+          </a:p>
+          <a:p>
+            <a:endParaRPr lang="en-US" altLang="zh-CN" dirty="0"/>
+          </a:p>
+          <a:p>
+            <a:pPr marL="0" indent="0">
+              <a:buNone/>
+            </a:pPr>
+            <a:endParaRPr lang="en-US" altLang="zh-CN" dirty="0"/>
+          </a:p>
+          <a:p>
+            <a:endParaRPr lang="en-US" altLang="zh-CN" dirty="0"/>
+          </a:p>
+          <a:p>
+            <a:r>
+              <a:rPr lang="en-US" altLang="zh-CN" dirty="0"/>
+              <a:t>2  10</a:t>
+            </a:r>
+            <a:r>
+              <a:rPr lang="zh-CN" altLang="en-US" dirty="0"/>
+              <a:t>个节点网关</a:t>
+            </a:r>
+            <a:r>
+              <a:rPr lang="en-US" altLang="zh-CN" dirty="0"/>
+              <a:t>API</a:t>
+            </a:r>
+            <a:r>
+              <a:rPr lang="zh-CN" altLang="en-US" dirty="0"/>
+              <a:t>数据内存实时更新，</a:t>
+            </a:r>
+            <a:r>
+              <a:rPr lang="zh-CN" altLang="en-US" dirty="0">
+                <a:solidFill>
+                  <a:srgbClr val="FF0000"/>
+                </a:solidFill>
+              </a:rPr>
+              <a:t>但是</a:t>
+            </a:r>
+            <a:r>
+              <a:rPr lang="en-US" altLang="zh-CN" dirty="0">
+                <a:solidFill>
+                  <a:srgbClr val="FF0000"/>
+                </a:solidFill>
+              </a:rPr>
+              <a:t>MQ</a:t>
+            </a:r>
+            <a:r>
+              <a:rPr lang="zh-CN" altLang="en-US" dirty="0">
+                <a:solidFill>
+                  <a:srgbClr val="FF0000"/>
+                </a:solidFill>
+              </a:rPr>
+              <a:t>挂了</a:t>
+            </a:r>
+            <a:r>
+              <a:rPr lang="zh-CN" altLang="en-US" dirty="0"/>
+              <a:t>，请求报错。</a:t>
+            </a:r>
+          </a:p>
+        </p:txBody>
+      </p:sp>
+    </p:spTree>
+    <p:extLst>
+      <p:ext uri="{BB962C8B-B14F-4D97-AF65-F5344CB8AC3E}">
+        <p14:creationId xmlns:p14="http://schemas.microsoft.com/office/powerpoint/2010/main" val="2985794979"/>
+      </p:ext>
+    </p:extLst>
+  </p:cSld>
+  <p:clrMapOvr>
+    <a:masterClrMapping/>
+  </p:clrMapOvr>
+</p:sld>
+</file>
+
+<file path=ppt/slides/slide21.xml><?xml version="1.0" encoding="utf-8"?>
+<p:sld xmlns:a="http://schemas.openxmlformats.org/drawingml/2006/main" xmlns:r="http://schemas.openxmlformats.org/officeDocument/2006/relationships" xmlns:p="http://schemas.openxmlformats.org/presentationml/2006/main">
+  <p:cSld>
+    <p:spTree>
+      <p:nvGrpSpPr>
+        <p:cNvPr id="1" name=""/>
+        <p:cNvGrpSpPr/>
+        <p:nvPr/>
+      </p:nvGrpSpPr>
+      <p:grpSpPr>
+        <a:xfrm>
+          <a:off x="0" y="0"/>
+          <a:ext cx="0" cy="0"/>
+          <a:chOff x="0" y="0"/>
+          <a:chExt cx="0" cy="0"/>
+        </a:xfrm>
+      </p:grpSpPr>
+      <p:sp>
+        <p:nvSpPr>
+          <p:cNvPr id="2" name="标题 1">
+            <a:extLst>
+              <a:ext uri="{FF2B5EF4-FFF2-40B4-BE49-F238E27FC236}">
                 <a16:creationId xmlns:a16="http://schemas.microsoft.com/office/drawing/2014/main" id="{3B54AB44-5544-4787-8F46-8AF73DFE55F2}"/>
               </a:ext>
             </a:extLst>
@@ -9140,7 +10355,7 @@
 </p:sld>
 </file>
 
-<file path=ppt/slides/slide21.xml><?xml version="1.0" encoding="utf-8"?>
+<file path=ppt/slides/slide22.xml><?xml version="1.0" encoding="utf-8"?>
 <p:sld xmlns:a="http://schemas.openxmlformats.org/drawingml/2006/main" xmlns:r="http://schemas.openxmlformats.org/officeDocument/2006/relationships" xmlns:p="http://schemas.openxmlformats.org/presentationml/2006/main">
   <p:cSld>
     <p:spTree>
@@ -9263,150 +10478,6 @@
 </p:sld>
 </file>
 
-<file path=ppt/slides/slide22.xml><?xml version="1.0" encoding="utf-8"?>
-<p:sld xmlns:a="http://schemas.openxmlformats.org/drawingml/2006/main" xmlns:r="http://schemas.openxmlformats.org/officeDocument/2006/relationships" xmlns:p="http://schemas.openxmlformats.org/presentationml/2006/main">
-  <p:cSld>
-    <p:spTree>
-      <p:nvGrpSpPr>
-        <p:cNvPr id="1" name=""/>
-        <p:cNvGrpSpPr/>
-        <p:nvPr/>
-      </p:nvGrpSpPr>
-      <p:grpSpPr>
-        <a:xfrm>
-          <a:off x="0" y="0"/>
-          <a:ext cx="0" cy="0"/>
-          <a:chOff x="0" y="0"/>
-          <a:chExt cx="0" cy="0"/>
-        </a:xfrm>
-      </p:grpSpPr>
-      <p:sp>
-        <p:nvSpPr>
-          <p:cNvPr id="2" name="标题 1">
-            <a:extLst>
-              <a:ext uri="{FF2B5EF4-FFF2-40B4-BE49-F238E27FC236}">
-                <a16:creationId xmlns:a16="http://schemas.microsoft.com/office/drawing/2014/main" id="{A8240C22-CCD9-44AF-B621-17E57B59C663}"/>
-              </a:ext>
-            </a:extLst>
-          </p:cNvPr>
-          <p:cNvSpPr>
-            <a:spLocks noGrp="1"/>
-          </p:cNvSpPr>
-          <p:nvPr>
-            <p:ph type="title"/>
-          </p:nvPr>
-        </p:nvSpPr>
-        <p:spPr/>
-        <p:txBody>
-          <a:bodyPr/>
-          <a:lstStyle/>
-          <a:p>
-            <a:r>
-              <a:rPr lang="zh-CN" altLang="en-US" dirty="0"/>
-              <a:t>海量数据堆积能力</a:t>
-            </a:r>
-          </a:p>
-        </p:txBody>
-      </p:sp>
-      <p:sp>
-        <p:nvSpPr>
-          <p:cNvPr id="3" name="内容占位符 2">
-            <a:extLst>
-              <a:ext uri="{FF2B5EF4-FFF2-40B4-BE49-F238E27FC236}">
-                <a16:creationId xmlns:a16="http://schemas.microsoft.com/office/drawing/2014/main" id="{0C86E23F-FA68-4815-845A-EAFD917FBE0A}"/>
-              </a:ext>
-            </a:extLst>
-          </p:cNvPr>
-          <p:cNvSpPr>
-            <a:spLocks noGrp="1"/>
-          </p:cNvSpPr>
-          <p:nvPr>
-            <p:ph idx="1"/>
-          </p:nvPr>
-        </p:nvSpPr>
-        <p:spPr/>
-        <p:txBody>
-          <a:bodyPr/>
-          <a:lstStyle/>
-          <a:p>
-            <a:r>
-              <a:rPr lang="zh-CN" altLang="en-US" dirty="0"/>
-              <a:t>面向堆积设计</a:t>
-            </a:r>
-            <a:endParaRPr lang="en-US" altLang="zh-CN" dirty="0"/>
-          </a:p>
-          <a:p>
-            <a:r>
-              <a:rPr lang="en-US" altLang="zh-CN" dirty="0"/>
-              <a:t> </a:t>
-            </a:r>
-            <a:r>
-              <a:rPr lang="zh-CN" altLang="en-US" dirty="0"/>
-              <a:t>大量堆积，系统稳定，延迟不增</a:t>
-            </a:r>
-            <a:endParaRPr lang="en-US" altLang="zh-CN" dirty="0"/>
-          </a:p>
-          <a:p>
-            <a:pPr lvl="2"/>
-            <a:r>
-              <a:rPr lang="zh-CN" altLang="en-US" dirty="0"/>
-              <a:t>百亿级别的消息堆积能力</a:t>
-            </a:r>
-            <a:endParaRPr lang="en-US" altLang="zh-CN" dirty="0"/>
-          </a:p>
-          <a:p>
-            <a:pPr lvl="2"/>
-            <a:r>
-              <a:rPr lang="zh-CN" altLang="en-US" dirty="0"/>
-              <a:t>双十一多年考验</a:t>
-            </a:r>
-            <a:endParaRPr lang="en-US" altLang="zh-CN" dirty="0"/>
-          </a:p>
-          <a:p>
-            <a:pPr lvl="2"/>
-            <a:r>
-              <a:rPr lang="zh-CN" altLang="en-US" dirty="0"/>
-              <a:t>单消息</a:t>
-            </a:r>
-            <a:r>
-              <a:rPr lang="en-US" altLang="zh-CN" dirty="0"/>
-              <a:t>server</a:t>
-            </a:r>
-            <a:r>
-              <a:rPr lang="zh-CN" altLang="en-US" dirty="0"/>
-              <a:t>不可用数据不丢</a:t>
-            </a:r>
-            <a:endParaRPr lang="en-US" altLang="zh-CN" dirty="0"/>
-          </a:p>
-          <a:p>
-            <a:r>
-              <a:rPr lang="zh-CN" altLang="en-US" dirty="0"/>
-              <a:t>默认落磁盘策略，并针对磁盘吞吐做优化。</a:t>
-            </a:r>
-            <a:endParaRPr lang="en-US" altLang="zh-CN" dirty="0"/>
-          </a:p>
-          <a:p>
-            <a:r>
-              <a:rPr lang="zh-CN" altLang="en-US" dirty="0"/>
-              <a:t>集群可无限扩展，保证足够堆积能力。</a:t>
-            </a:r>
-            <a:endParaRPr lang="en-US" altLang="zh-CN" dirty="0"/>
-          </a:p>
-        </p:txBody>
-      </p:sp>
-    </p:spTree>
-    <p:extLst>
-      <p:ext uri="{BB962C8B-B14F-4D97-AF65-F5344CB8AC3E}">
-        <p14:creationId xmlns:p14="http://schemas.microsoft.com/office/powerpoint/2010/main" val="2161584966"/>
-      </p:ext>
-    </p:extLst>
-  </p:cSld>
-  <p:clrMapOvr>
-    <a:masterClrMapping/>
-  </p:clrMapOvr>
-</p:sld>
-</file>
-
 <file path=ppt/slides/slide23.xml><?xml version="1.0" encoding="utf-8"?>
 <p:sld xmlns:a="http://schemas.openxmlformats.org/drawingml/2006/main" xmlns:r="http://schemas.openxmlformats.org/officeDocument/2006/relationships" xmlns:p="http://schemas.openxmlformats.org/presentationml/2006/main">
   <p:cSld>
@@ -9429,7 +10500,7 @@
           <p:cNvPr id="2" name="标题 1">
             <a:extLst>
               <a:ext uri="{FF2B5EF4-FFF2-40B4-BE49-F238E27FC236}">
-                <a16:creationId xmlns:a16="http://schemas.microsoft.com/office/drawing/2014/main" id="{9B7B0009-FBA6-4C52-A0DE-8F08C801A447}"/>
+                <a16:creationId xmlns:a16="http://schemas.microsoft.com/office/drawing/2014/main" id="{A8240C22-CCD9-44AF-B621-17E57B59C663}"/>
               </a:ext>
             </a:extLst>
           </p:cNvPr>
@@ -9447,7 +10518,7 @@
           <a:p>
             <a:r>
               <a:rPr lang="zh-CN" altLang="en-US" dirty="0"/>
-              <a:t>毫秒级别投递延迟</a:t>
+              <a:t>海量数据堆积能力</a:t>
             </a:r>
           </a:p>
         </p:txBody>
@@ -9457,7 +10528,7 @@
           <p:cNvPr id="3" name="内容占位符 2">
             <a:extLst>
               <a:ext uri="{FF2B5EF4-FFF2-40B4-BE49-F238E27FC236}">
-                <a16:creationId xmlns:a16="http://schemas.microsoft.com/office/drawing/2014/main" id="{DEBC67DD-1CF0-42F1-9607-496F62B11A0B}"/>
+                <a16:creationId xmlns:a16="http://schemas.microsoft.com/office/drawing/2014/main" id="{0C86E23F-FA68-4815-845A-EAFD917FBE0A}"/>
               </a:ext>
             </a:extLst>
           </p:cNvPr>
@@ -9475,43 +10546,73 @@
           <a:p>
             <a:r>
               <a:rPr lang="zh-CN" altLang="en-US" dirty="0"/>
-              <a:t>采用长轮询</a:t>
-            </a:r>
-            <a:r>
-              <a:rPr lang="en-US" altLang="zh-CN" dirty="0"/>
-              <a:t>/</a:t>
-            </a:r>
-            <a:r>
-              <a:rPr lang="zh-CN" altLang="en-US" dirty="0"/>
-              <a:t>推送方式</a:t>
-            </a:r>
-            <a:endParaRPr lang="en-US" altLang="zh-CN" dirty="0"/>
-          </a:p>
-          <a:p>
-            <a:endParaRPr lang="en-US" altLang="zh-CN" dirty="0"/>
-          </a:p>
-          <a:p>
-            <a:endParaRPr lang="en-US" altLang="zh-CN" dirty="0"/>
-          </a:p>
-          <a:p>
-            <a:r>
-              <a:rPr lang="zh-CN" altLang="en-US" dirty="0"/>
-              <a:t>应用准备好时候，如何消费一个消息？轮询消费者</a:t>
-            </a:r>
-            <a:endParaRPr lang="en-US" altLang="zh-CN" dirty="0"/>
-          </a:p>
-          <a:p>
-            <a:r>
-              <a:rPr lang="zh-CN" altLang="en-US" dirty="0"/>
-              <a:t>消息达到时候如何让应用自动消费一个消息？事件驱动消费者</a:t>
-            </a:r>
+              <a:t>面向堆积设计</a:t>
+            </a:r>
+            <a:endParaRPr lang="en-US" altLang="zh-CN" dirty="0"/>
+          </a:p>
+          <a:p>
+            <a:r>
+              <a:rPr lang="en-US" altLang="zh-CN" dirty="0"/>
+              <a:t> </a:t>
+            </a:r>
+            <a:r>
+              <a:rPr lang="zh-CN" altLang="en-US" dirty="0"/>
+              <a:t>大量堆积，系统稳定，延迟不增</a:t>
+            </a:r>
+            <a:endParaRPr lang="en-US" altLang="zh-CN" dirty="0"/>
+          </a:p>
+          <a:p>
+            <a:pPr lvl="2"/>
+            <a:r>
+              <a:rPr lang="zh-CN" altLang="en-US" dirty="0"/>
+              <a:t>百亿级别的消息堆积能力</a:t>
+            </a:r>
+            <a:endParaRPr lang="en-US" altLang="zh-CN" dirty="0"/>
+          </a:p>
+          <a:p>
+            <a:pPr lvl="2"/>
+            <a:r>
+              <a:rPr lang="zh-CN" altLang="en-US" dirty="0"/>
+              <a:t>双十一多年考验</a:t>
+            </a:r>
+            <a:endParaRPr lang="en-US" altLang="zh-CN" dirty="0"/>
+          </a:p>
+          <a:p>
+            <a:pPr lvl="2"/>
+            <a:r>
+              <a:rPr lang="zh-CN" altLang="en-US" dirty="0"/>
+              <a:t>单消息</a:t>
+            </a:r>
+            <a:r>
+              <a:rPr lang="en-US" altLang="zh-CN" dirty="0"/>
+              <a:t>server</a:t>
+            </a:r>
+            <a:r>
+              <a:rPr lang="zh-CN" altLang="en-US" dirty="0"/>
+              <a:t>不可用数据不丢</a:t>
+            </a:r>
+            <a:endParaRPr lang="en-US" altLang="zh-CN" dirty="0"/>
+          </a:p>
+          <a:p>
+            <a:r>
+              <a:rPr lang="zh-CN" altLang="en-US" dirty="0"/>
+              <a:t>默认落磁盘策略，并针对磁盘吞吐做优化。</a:t>
+            </a:r>
+            <a:endParaRPr lang="en-US" altLang="zh-CN" dirty="0"/>
+          </a:p>
+          <a:p>
+            <a:r>
+              <a:rPr lang="zh-CN" altLang="en-US" dirty="0"/>
+              <a:t>集群可无限扩展，保证足够堆积能力。</a:t>
+            </a:r>
+            <a:endParaRPr lang="en-US" altLang="zh-CN" dirty="0"/>
           </a:p>
         </p:txBody>
       </p:sp>
     </p:spTree>
     <p:extLst>
       <p:ext uri="{BB962C8B-B14F-4D97-AF65-F5344CB8AC3E}">
-        <p14:creationId xmlns:p14="http://schemas.microsoft.com/office/powerpoint/2010/main" val="2794853240"/>
+        <p14:creationId xmlns:p14="http://schemas.microsoft.com/office/powerpoint/2010/main" val="2161584966"/>
       </p:ext>
     </p:extLst>
   </p:cSld>
@@ -9543,7 +10644,7 @@
           <p:cNvPr id="2" name="标题 1">
             <a:extLst>
               <a:ext uri="{FF2B5EF4-FFF2-40B4-BE49-F238E27FC236}">
-                <a16:creationId xmlns:a16="http://schemas.microsoft.com/office/drawing/2014/main" id="{26CC5124-5F0E-4217-B60B-58DF1C74A139}"/>
+                <a16:creationId xmlns:a16="http://schemas.microsoft.com/office/drawing/2014/main" id="{9B7B0009-FBA6-4C52-A0DE-8F08C801A447}"/>
               </a:ext>
             </a:extLst>
           </p:cNvPr>
@@ -9561,21 +10662,8 @@
           <a:p>
             <a:r>
               <a:rPr lang="zh-CN" altLang="en-US" dirty="0"/>
-              <a:t>关键概念</a:t>
-            </a:r>
-            <a:r>
-              <a:rPr lang="en-US" altLang="zh-CN" dirty="0"/>
-              <a:t>-</a:t>
-            </a:r>
-            <a:r>
-              <a:rPr lang="zh-CN" altLang="en-US" dirty="0"/>
-              <a:t>主题</a:t>
-            </a:r>
-            <a:r>
-              <a:rPr lang="en-US" altLang="zh-CN" dirty="0"/>
-              <a:t>Topic</a:t>
-            </a:r>
-            <a:endParaRPr lang="zh-CN" altLang="en-US" dirty="0"/>
+              <a:t>毫秒级别投递延迟</a:t>
+            </a:r>
           </a:p>
         </p:txBody>
       </p:sp>
@@ -9584,7 +10672,7 @@
           <p:cNvPr id="3" name="内容占位符 2">
             <a:extLst>
               <a:ext uri="{FF2B5EF4-FFF2-40B4-BE49-F238E27FC236}">
-                <a16:creationId xmlns:a16="http://schemas.microsoft.com/office/drawing/2014/main" id="{42FF38F2-C6B3-49A1-B3B0-3990056FBBBC}"/>
+                <a16:creationId xmlns:a16="http://schemas.microsoft.com/office/drawing/2014/main" id="{DEBC67DD-1CF0-42F1-9607-496F62B11A0B}"/>
               </a:ext>
             </a:extLst>
           </p:cNvPr>
@@ -9602,21 +10690,35 @@
           <a:p>
             <a:r>
               <a:rPr lang="zh-CN" altLang="en-US" dirty="0"/>
-              <a:t>第一级消息类型</a:t>
-            </a:r>
-            <a:endParaRPr lang="en-US" altLang="zh-CN" dirty="0"/>
-          </a:p>
-          <a:p>
-            <a:r>
-              <a:rPr lang="zh-CN" altLang="en-US" dirty="0"/>
-              <a:t>书的标题</a:t>
-            </a:r>
-            <a:endParaRPr lang="en-US" altLang="zh-CN" dirty="0"/>
-          </a:p>
-          <a:p>
-            <a:r>
-              <a:rPr lang="zh-CN" altLang="en-US" dirty="0"/>
-              <a:t>交易消息</a:t>
+              <a:t>采用长轮询</a:t>
+            </a:r>
+            <a:r>
+              <a:rPr lang="en-US" altLang="zh-CN" dirty="0"/>
+              <a:t>/</a:t>
+            </a:r>
+            <a:r>
+              <a:rPr lang="zh-CN" altLang="en-US" dirty="0"/>
+              <a:t>推送方式</a:t>
+            </a:r>
+            <a:endParaRPr lang="en-US" altLang="zh-CN" dirty="0"/>
+          </a:p>
+          <a:p>
+            <a:endParaRPr lang="en-US" altLang="zh-CN" dirty="0"/>
+          </a:p>
+          <a:p>
+            <a:endParaRPr lang="en-US" altLang="zh-CN" dirty="0"/>
+          </a:p>
+          <a:p>
+            <a:r>
+              <a:rPr lang="zh-CN" altLang="en-US" dirty="0"/>
+              <a:t>应用准备好时候，如何消费一个消息？轮询消费者</a:t>
+            </a:r>
+            <a:endParaRPr lang="en-US" altLang="zh-CN" dirty="0"/>
+          </a:p>
+          <a:p>
+            <a:r>
+              <a:rPr lang="zh-CN" altLang="en-US" dirty="0"/>
+              <a:t>消息达到时候如何让应用自动消费一个消息？事件驱动消费者</a:t>
             </a:r>
           </a:p>
         </p:txBody>
@@ -9624,7 +10726,7 @@
     </p:spTree>
     <p:extLst>
       <p:ext uri="{BB962C8B-B14F-4D97-AF65-F5344CB8AC3E}">
-        <p14:creationId xmlns:p14="http://schemas.microsoft.com/office/powerpoint/2010/main" val="2056728826"/>
+        <p14:creationId xmlns:p14="http://schemas.microsoft.com/office/powerpoint/2010/main" val="2794853240"/>
       </p:ext>
     </p:extLst>
   </p:cSld>
@@ -9656,7 +10758,7 @@
           <p:cNvPr id="2" name="标题 1">
             <a:extLst>
               <a:ext uri="{FF2B5EF4-FFF2-40B4-BE49-F238E27FC236}">
-                <a16:creationId xmlns:a16="http://schemas.microsoft.com/office/drawing/2014/main" id="{FDBF2192-4EAF-4FA9-8CC4-5C2FD7A5FCF3}"/>
+                <a16:creationId xmlns:a16="http://schemas.microsoft.com/office/drawing/2014/main" id="{26CC5124-5F0E-4217-B60B-58DF1C74A139}"/>
               </a:ext>
             </a:extLst>
           </p:cNvPr>
@@ -9674,11 +10776,19 @@
           <a:p>
             <a:r>
               <a:rPr lang="zh-CN" altLang="en-US" dirty="0"/>
-              <a:t>消息类型</a:t>
-            </a:r>
-            <a:r>
-              <a:rPr lang="en-US" altLang="zh-CN" dirty="0"/>
-              <a:t>Tag</a:t>
+              <a:t>关键概念</a:t>
+            </a:r>
+            <a:r>
+              <a:rPr lang="en-US" altLang="zh-CN" dirty="0"/>
+              <a:t>-</a:t>
+            </a:r>
+            <a:r>
+              <a:rPr lang="zh-CN" altLang="en-US" dirty="0"/>
+              <a:t>主题</a:t>
+            </a:r>
+            <a:r>
+              <a:rPr lang="en-US" altLang="zh-CN" dirty="0"/>
+              <a:t>Topic</a:t>
             </a:r>
             <a:endParaRPr lang="zh-CN" altLang="en-US" dirty="0"/>
           </a:p>
@@ -9689,7 +10799,7 @@
           <p:cNvPr id="3" name="内容占位符 2">
             <a:extLst>
               <a:ext uri="{FF2B5EF4-FFF2-40B4-BE49-F238E27FC236}">
-                <a16:creationId xmlns:a16="http://schemas.microsoft.com/office/drawing/2014/main" id="{525BA4E8-2DCF-4ECB-9746-1796895406F3}"/>
+                <a16:creationId xmlns:a16="http://schemas.microsoft.com/office/drawing/2014/main" id="{42FF38F2-C6B3-49A1-B3B0-3990056FBBBC}"/>
               </a:ext>
             </a:extLst>
           </p:cNvPr>
@@ -9707,51 +10817,21 @@
           <a:p>
             <a:r>
               <a:rPr lang="zh-CN" altLang="en-US" dirty="0"/>
-              <a:t>第二级消息类型</a:t>
-            </a:r>
-            <a:endParaRPr lang="en-US" altLang="zh-CN" dirty="0"/>
-          </a:p>
-          <a:p>
-            <a:r>
-              <a:rPr lang="zh-CN" altLang="en-US" dirty="0"/>
-              <a:t>书的目录</a:t>
-            </a:r>
-            <a:endParaRPr lang="en-US" altLang="zh-CN" dirty="0"/>
-          </a:p>
-          <a:p>
-            <a:r>
-              <a:rPr lang="en-US" altLang="zh-CN" dirty="0"/>
-              <a:t>-</a:t>
-            </a:r>
-            <a:r>
-              <a:rPr lang="zh-CN" altLang="en-US" dirty="0"/>
-              <a:t>方便检索</a:t>
-            </a:r>
-            <a:endParaRPr lang="en-US" altLang="zh-CN" dirty="0"/>
-          </a:p>
-          <a:p>
+              <a:t>第一级消息类型</a:t>
+            </a:r>
+            <a:endParaRPr lang="en-US" altLang="zh-CN" dirty="0"/>
+          </a:p>
+          <a:p>
+            <a:r>
+              <a:rPr lang="zh-CN" altLang="en-US" dirty="0"/>
+              <a:t>书的标题</a:t>
+            </a:r>
             <a:endParaRPr lang="en-US" altLang="zh-CN" dirty="0"/>
           </a:p>
           <a:p>
             <a:r>
               <a:rPr lang="zh-CN" altLang="en-US" dirty="0"/>
               <a:t>交易消息</a:t>
-            </a:r>
-            <a:endParaRPr lang="en-US" altLang="zh-CN" dirty="0"/>
-          </a:p>
-          <a:p>
-            <a:pPr lvl="1"/>
-            <a:r>
-              <a:rPr lang="zh-CN" altLang="en-US" dirty="0"/>
-              <a:t>交易创建</a:t>
-            </a:r>
-            <a:endParaRPr lang="en-US" altLang="zh-CN" dirty="0"/>
-          </a:p>
-          <a:p>
-            <a:pPr lvl="1"/>
-            <a:r>
-              <a:rPr lang="zh-CN" altLang="en-US" dirty="0"/>
-              <a:t>交易完成</a:t>
             </a:r>
           </a:p>
         </p:txBody>
@@ -9759,7 +10839,7 @@
     </p:spTree>
     <p:extLst>
       <p:ext uri="{BB962C8B-B14F-4D97-AF65-F5344CB8AC3E}">
-        <p14:creationId xmlns:p14="http://schemas.microsoft.com/office/powerpoint/2010/main" val="641350505"/>
+        <p14:creationId xmlns:p14="http://schemas.microsoft.com/office/powerpoint/2010/main" val="2056728826"/>
       </p:ext>
     </p:extLst>
   </p:cSld>
@@ -9786,42 +10866,12 @@
           <a:chExt cx="0" cy="0"/>
         </a:xfrm>
       </p:grpSpPr>
-      <p:pic>
-        <p:nvPicPr>
-          <p:cNvPr id="5" name="图片 4">
-            <a:extLst>
-              <a:ext uri="{FF2B5EF4-FFF2-40B4-BE49-F238E27FC236}">
-                <a16:creationId xmlns:a16="http://schemas.microsoft.com/office/drawing/2014/main" id="{894D98FB-A0AB-4D0D-95BA-F4363756A01D}"/>
-              </a:ext>
-            </a:extLst>
-          </p:cNvPr>
-          <p:cNvPicPr>
-            <a:picLocks noChangeAspect="1"/>
-          </p:cNvPicPr>
-          <p:nvPr/>
-        </p:nvPicPr>
-        <p:blipFill>
-          <a:blip r:embed="rId3"/>
-          <a:stretch>
-            <a:fillRect/>
-          </a:stretch>
-        </p:blipFill>
-        <p:spPr>
-          <a:xfrm>
-            <a:off x="2325348" y="1270553"/>
-            <a:ext cx="7869094" cy="4906410"/>
-          </a:xfrm>
-          <a:prstGeom prst="rect">
-            <a:avLst/>
-          </a:prstGeom>
-        </p:spPr>
-      </p:pic>
       <p:sp>
         <p:nvSpPr>
           <p:cNvPr id="2" name="标题 1">
             <a:extLst>
               <a:ext uri="{FF2B5EF4-FFF2-40B4-BE49-F238E27FC236}">
-                <a16:creationId xmlns:a16="http://schemas.microsoft.com/office/drawing/2014/main" id="{B8D8F14F-094D-4537-BD18-25BC80E53F61}"/>
+                <a16:creationId xmlns:a16="http://schemas.microsoft.com/office/drawing/2014/main" id="{FDBF2192-4EAF-4FA9-8CC4-5C2FD7A5FCF3}"/>
               </a:ext>
             </a:extLst>
           </p:cNvPr>
@@ -9839,8 +10889,13 @@
           <a:p>
             <a:r>
               <a:rPr lang="zh-CN" altLang="en-US" dirty="0"/>
-              <a:t>发送和订阅组</a:t>
-            </a:r>
+              <a:t>消息类型</a:t>
+            </a:r>
+            <a:r>
+              <a:rPr lang="en-US" altLang="zh-CN" dirty="0"/>
+              <a:t>Tag</a:t>
+            </a:r>
+            <a:endParaRPr lang="zh-CN" altLang="en-US" dirty="0"/>
           </a:p>
         </p:txBody>
       </p:sp>
@@ -9849,7 +10904,7 @@
           <p:cNvPr id="3" name="内容占位符 2">
             <a:extLst>
               <a:ext uri="{FF2B5EF4-FFF2-40B4-BE49-F238E27FC236}">
-                <a16:creationId xmlns:a16="http://schemas.microsoft.com/office/drawing/2014/main" id="{C350169F-3C4D-46A6-9734-E1DEC6B8381B}"/>
+                <a16:creationId xmlns:a16="http://schemas.microsoft.com/office/drawing/2014/main" id="{525BA4E8-2DCF-4ECB-9746-1796895406F3}"/>
               </a:ext>
             </a:extLst>
           </p:cNvPr>
@@ -9867,30 +10922,59 @@
           <a:p>
             <a:r>
               <a:rPr lang="zh-CN" altLang="en-US" dirty="0"/>
-              <a:t>发送</a:t>
-            </a:r>
-            <a:r>
-              <a:rPr lang="en-US" altLang="zh-CN" dirty="0"/>
-              <a:t>/</a:t>
-            </a:r>
-            <a:r>
-              <a:rPr lang="zh-CN" altLang="en-US" dirty="0"/>
-              <a:t>接受机器集群</a:t>
-            </a:r>
-            <a:endParaRPr lang="en-US" altLang="zh-CN" dirty="0"/>
-          </a:p>
-          <a:p>
-            <a:endParaRPr lang="en-US" altLang="zh-CN" dirty="0"/>
-          </a:p>
-          <a:p>
-            <a:endParaRPr lang="zh-CN" altLang="en-US" dirty="0"/>
+              <a:t>第二级消息类型</a:t>
+            </a:r>
+            <a:endParaRPr lang="en-US" altLang="zh-CN" dirty="0"/>
+          </a:p>
+          <a:p>
+            <a:r>
+              <a:rPr lang="zh-CN" altLang="en-US" dirty="0"/>
+              <a:t>书的目录</a:t>
+            </a:r>
+            <a:endParaRPr lang="en-US" altLang="zh-CN" dirty="0"/>
+          </a:p>
+          <a:p>
+            <a:r>
+              <a:rPr lang="en-US" altLang="zh-CN" dirty="0"/>
+              <a:t>-</a:t>
+            </a:r>
+            <a:r>
+              <a:rPr lang="zh-CN" altLang="en-US" dirty="0"/>
+              <a:t>方便检索</a:t>
+            </a:r>
+            <a:endParaRPr lang="en-US" altLang="zh-CN" dirty="0"/>
+          </a:p>
+          <a:p>
+            <a:endParaRPr lang="en-US" altLang="zh-CN" dirty="0"/>
+          </a:p>
+          <a:p>
+            <a:r>
+              <a:rPr lang="zh-CN" altLang="en-US" dirty="0"/>
+              <a:t>交易消息</a:t>
+            </a:r>
+            <a:endParaRPr lang="en-US" altLang="zh-CN" dirty="0"/>
+          </a:p>
+          <a:p>
+            <a:pPr lvl="1"/>
+            <a:r>
+              <a:rPr lang="zh-CN" altLang="en-US" dirty="0"/>
+              <a:t>交易创建</a:t>
+            </a:r>
+            <a:endParaRPr lang="en-US" altLang="zh-CN" dirty="0"/>
+          </a:p>
+          <a:p>
+            <a:pPr lvl="1"/>
+            <a:r>
+              <a:rPr lang="zh-CN" altLang="en-US" dirty="0"/>
+              <a:t>交易完成</a:t>
+            </a:r>
           </a:p>
         </p:txBody>
       </p:sp>
     </p:spTree>
     <p:extLst>
       <p:ext uri="{BB962C8B-B14F-4D97-AF65-F5344CB8AC3E}">
-        <p14:creationId xmlns:p14="http://schemas.microsoft.com/office/powerpoint/2010/main" val="1394943608"/>
+        <p14:creationId xmlns:p14="http://schemas.microsoft.com/office/powerpoint/2010/main" val="641350505"/>
       </p:ext>
     </p:extLst>
   </p:cSld>
@@ -9917,59 +11001,111 @@
           <a:chExt cx="0" cy="0"/>
         </a:xfrm>
       </p:grpSpPr>
-      <p:sp>
-        <p:nvSpPr>
-          <p:cNvPr id="5" name="矩形 4">
-            <a:extLst>
-              <a:ext uri="{FF2B5EF4-FFF2-40B4-BE49-F238E27FC236}">
-                <a16:creationId xmlns:a16="http://schemas.microsoft.com/office/drawing/2014/main" id="{ADBE9B92-7036-4D95-8CB3-6D7E8CFD3102}"/>
-              </a:ext>
-            </a:extLst>
-          </p:cNvPr>
-          <p:cNvSpPr/>
+      <p:pic>
+        <p:nvPicPr>
+          <p:cNvPr id="5" name="图片 4">
+            <a:extLst>
+              <a:ext uri="{FF2B5EF4-FFF2-40B4-BE49-F238E27FC236}">
+                <a16:creationId xmlns:a16="http://schemas.microsoft.com/office/drawing/2014/main" id="{894D98FB-A0AB-4D0D-95BA-F4363756A01D}"/>
+              </a:ext>
+            </a:extLst>
+          </p:cNvPr>
+          <p:cNvPicPr>
+            <a:picLocks noChangeAspect="1"/>
+          </p:cNvPicPr>
           <p:nvPr/>
-        </p:nvSpPr>
+        </p:nvPicPr>
+        <p:blipFill>
+          <a:blip r:embed="rId3"/>
+          <a:stretch>
+            <a:fillRect/>
+          </a:stretch>
+        </p:blipFill>
         <p:spPr>
           <a:xfrm>
-            <a:off x="0" y="2186608"/>
-            <a:ext cx="12192000" cy="1709531"/>
+            <a:off x="2325348" y="1270553"/>
+            <a:ext cx="7869094" cy="4906410"/>
           </a:xfrm>
           <a:prstGeom prst="rect">
             <a:avLst/>
           </a:prstGeom>
         </p:spPr>
-        <p:style>
-          <a:lnRef idx="2">
-            <a:schemeClr val="accent1">
-              <a:shade val="50000"/>
-            </a:schemeClr>
-          </a:lnRef>
-          <a:fillRef idx="1">
-            <a:schemeClr val="accent1"/>
-          </a:fillRef>
-          <a:effectRef idx="0">
-            <a:schemeClr val="accent1"/>
-          </a:effectRef>
-          <a:fontRef idx="minor">
-            <a:schemeClr val="lt1"/>
-          </a:fontRef>
-        </p:style>
-        <p:txBody>
-          <a:bodyPr rtlCol="0" anchor="ctr"/>
-          <a:lstStyle/>
-          <a:p>
-            <a:pPr algn="ctr"/>
-            <a:r>
-              <a:rPr lang="zh-CN" altLang="en-US" sz="5400" dirty="0"/>
-              <a:t>消息乱序问题</a:t>
-            </a:r>
+      </p:pic>
+      <p:sp>
+        <p:nvSpPr>
+          <p:cNvPr id="2" name="标题 1">
+            <a:extLst>
+              <a:ext uri="{FF2B5EF4-FFF2-40B4-BE49-F238E27FC236}">
+                <a16:creationId xmlns:a16="http://schemas.microsoft.com/office/drawing/2014/main" id="{B8D8F14F-094D-4537-BD18-25BC80E53F61}"/>
+              </a:ext>
+            </a:extLst>
+          </p:cNvPr>
+          <p:cNvSpPr>
+            <a:spLocks noGrp="1"/>
+          </p:cNvSpPr>
+          <p:nvPr>
+            <p:ph type="title"/>
+          </p:nvPr>
+        </p:nvSpPr>
+        <p:spPr/>
+        <p:txBody>
+          <a:bodyPr/>
+          <a:lstStyle/>
+          <a:p>
+            <a:r>
+              <a:rPr lang="zh-CN" altLang="en-US" dirty="0"/>
+              <a:t>发送和订阅组</a:t>
+            </a:r>
+          </a:p>
+        </p:txBody>
+      </p:sp>
+      <p:sp>
+        <p:nvSpPr>
+          <p:cNvPr id="3" name="内容占位符 2">
+            <a:extLst>
+              <a:ext uri="{FF2B5EF4-FFF2-40B4-BE49-F238E27FC236}">
+                <a16:creationId xmlns:a16="http://schemas.microsoft.com/office/drawing/2014/main" id="{C350169F-3C4D-46A6-9734-E1DEC6B8381B}"/>
+              </a:ext>
+            </a:extLst>
+          </p:cNvPr>
+          <p:cNvSpPr>
+            <a:spLocks noGrp="1"/>
+          </p:cNvSpPr>
+          <p:nvPr>
+            <p:ph idx="1"/>
+          </p:nvPr>
+        </p:nvSpPr>
+        <p:spPr/>
+        <p:txBody>
+          <a:bodyPr/>
+          <a:lstStyle/>
+          <a:p>
+            <a:r>
+              <a:rPr lang="zh-CN" altLang="en-US" dirty="0"/>
+              <a:t>发送</a:t>
+            </a:r>
+            <a:r>
+              <a:rPr lang="en-US" altLang="zh-CN" dirty="0"/>
+              <a:t>/</a:t>
+            </a:r>
+            <a:r>
+              <a:rPr lang="zh-CN" altLang="en-US" dirty="0"/>
+              <a:t>接受机器集群</a:t>
+            </a:r>
+            <a:endParaRPr lang="en-US" altLang="zh-CN" dirty="0"/>
+          </a:p>
+          <a:p>
+            <a:endParaRPr lang="en-US" altLang="zh-CN" dirty="0"/>
+          </a:p>
+          <a:p>
+            <a:endParaRPr lang="zh-CN" altLang="en-US" dirty="0"/>
           </a:p>
         </p:txBody>
       </p:sp>
     </p:spTree>
     <p:extLst>
       <p:ext uri="{BB962C8B-B14F-4D97-AF65-F5344CB8AC3E}">
-        <p14:creationId xmlns:p14="http://schemas.microsoft.com/office/powerpoint/2010/main" val="3547896743"/>
+        <p14:creationId xmlns:p14="http://schemas.microsoft.com/office/powerpoint/2010/main" val="1394943608"/>
       </p:ext>
     </p:extLst>
   </p:cSld>
@@ -9998,6 +11134,85 @@
       </p:grpSpPr>
       <p:sp>
         <p:nvSpPr>
+          <p:cNvPr id="5" name="矩形 4">
+            <a:extLst>
+              <a:ext uri="{FF2B5EF4-FFF2-40B4-BE49-F238E27FC236}">
+                <a16:creationId xmlns:a16="http://schemas.microsoft.com/office/drawing/2014/main" id="{ADBE9B92-7036-4D95-8CB3-6D7E8CFD3102}"/>
+              </a:ext>
+            </a:extLst>
+          </p:cNvPr>
+          <p:cNvSpPr/>
+          <p:nvPr/>
+        </p:nvSpPr>
+        <p:spPr>
+          <a:xfrm>
+            <a:off x="0" y="2186608"/>
+            <a:ext cx="12192000" cy="1709531"/>
+          </a:xfrm>
+          <a:prstGeom prst="rect">
+            <a:avLst/>
+          </a:prstGeom>
+        </p:spPr>
+        <p:style>
+          <a:lnRef idx="2">
+            <a:schemeClr val="accent1">
+              <a:shade val="50000"/>
+            </a:schemeClr>
+          </a:lnRef>
+          <a:fillRef idx="1">
+            <a:schemeClr val="accent1"/>
+          </a:fillRef>
+          <a:effectRef idx="0">
+            <a:schemeClr val="accent1"/>
+          </a:effectRef>
+          <a:fontRef idx="minor">
+            <a:schemeClr val="lt1"/>
+          </a:fontRef>
+        </p:style>
+        <p:txBody>
+          <a:bodyPr rtlCol="0" anchor="ctr"/>
+          <a:lstStyle/>
+          <a:p>
+            <a:pPr algn="ctr"/>
+            <a:r>
+              <a:rPr lang="zh-CN" altLang="en-US" sz="5400" dirty="0"/>
+              <a:t>消息乱序问题</a:t>
+            </a:r>
+          </a:p>
+        </p:txBody>
+      </p:sp>
+    </p:spTree>
+    <p:extLst>
+      <p:ext uri="{BB962C8B-B14F-4D97-AF65-F5344CB8AC3E}">
+        <p14:creationId xmlns:p14="http://schemas.microsoft.com/office/powerpoint/2010/main" val="3547896743"/>
+      </p:ext>
+    </p:extLst>
+  </p:cSld>
+  <p:clrMapOvr>
+    <a:masterClrMapping/>
+  </p:clrMapOvr>
+</p:sld>
+</file>
+
+<file path=ppt/slides/slide29.xml><?xml version="1.0" encoding="utf-8"?>
+<p:sld xmlns:a="http://schemas.openxmlformats.org/drawingml/2006/main" xmlns:r="http://schemas.openxmlformats.org/officeDocument/2006/relationships" xmlns:p="http://schemas.openxmlformats.org/presentationml/2006/main">
+  <p:cSld>
+    <p:spTree>
+      <p:nvGrpSpPr>
+        <p:cNvPr id="1" name=""/>
+        <p:cNvGrpSpPr/>
+        <p:nvPr/>
+      </p:nvGrpSpPr>
+      <p:grpSpPr>
+        <a:xfrm>
+          <a:off x="0" y="0"/>
+          <a:ext cx="0" cy="0"/>
+          <a:chOff x="0" y="0"/>
+          <a:chExt cx="0" cy="0"/>
+        </a:xfrm>
+      </p:grpSpPr>
+      <p:sp>
+        <p:nvSpPr>
           <p:cNvPr id="2" name="标题 1">
             <a:extLst>
               <a:ext uri="{FF2B5EF4-FFF2-40B4-BE49-F238E27FC236}">
@@ -10069,7 +11284,90 @@
 </p:sld>
 </file>
 
-<file path=ppt/slides/slide29.xml><?xml version="1.0" encoding="utf-8"?>
+<file path=ppt/slides/slide3.xml><?xml version="1.0" encoding="utf-8"?>
+<p:sld xmlns:a="http://schemas.openxmlformats.org/drawingml/2006/main" xmlns:r="http://schemas.openxmlformats.org/officeDocument/2006/relationships" xmlns:p="http://schemas.openxmlformats.org/presentationml/2006/main">
+  <p:cSld>
+    <p:spTree>
+      <p:nvGrpSpPr>
+        <p:cNvPr id="1" name=""/>
+        <p:cNvGrpSpPr/>
+        <p:nvPr/>
+      </p:nvGrpSpPr>
+      <p:grpSpPr>
+        <a:xfrm>
+          <a:off x="0" y="0"/>
+          <a:ext cx="0" cy="0"/>
+          <a:chOff x="0" y="0"/>
+          <a:chExt cx="0" cy="0"/>
+        </a:xfrm>
+      </p:grpSpPr>
+      <p:sp>
+        <p:nvSpPr>
+          <p:cNvPr id="4" name="矩形 3">
+            <a:extLst>
+              <a:ext uri="{FF2B5EF4-FFF2-40B4-BE49-F238E27FC236}">
+                <a16:creationId xmlns:a16="http://schemas.microsoft.com/office/drawing/2014/main" id="{25A4BEBC-4503-420D-8A6E-FC1763682075}"/>
+              </a:ext>
+            </a:extLst>
+          </p:cNvPr>
+          <p:cNvSpPr/>
+          <p:nvPr/>
+        </p:nvSpPr>
+        <p:spPr>
+          <a:xfrm>
+            <a:off x="0" y="2103783"/>
+            <a:ext cx="12192000" cy="1709531"/>
+          </a:xfrm>
+          <a:prstGeom prst="rect">
+            <a:avLst/>
+          </a:prstGeom>
+        </p:spPr>
+        <p:style>
+          <a:lnRef idx="2">
+            <a:schemeClr val="accent1">
+              <a:shade val="50000"/>
+            </a:schemeClr>
+          </a:lnRef>
+          <a:fillRef idx="1">
+            <a:schemeClr val="accent1"/>
+          </a:fillRef>
+          <a:effectRef idx="0">
+            <a:schemeClr val="accent1"/>
+          </a:effectRef>
+          <a:fontRef idx="minor">
+            <a:schemeClr val="lt1"/>
+          </a:fontRef>
+        </p:style>
+        <p:txBody>
+          <a:bodyPr rtlCol="0" anchor="ctr"/>
+          <a:lstStyle/>
+          <a:p>
+            <a:pPr algn="ctr"/>
+            <a:r>
+              <a:rPr lang="en-US" altLang="zh-CN" sz="5400" dirty="0"/>
+              <a:t>							</a:t>
+            </a:r>
+            <a:r>
+              <a:rPr lang="zh-CN" altLang="en-US" sz="5400" dirty="0"/>
+              <a:t>基本概念</a:t>
+            </a:r>
+          </a:p>
+        </p:txBody>
+      </p:sp>
+    </p:spTree>
+    <p:extLst>
+      <p:ext uri="{BB962C8B-B14F-4D97-AF65-F5344CB8AC3E}">
+        <p14:creationId xmlns:p14="http://schemas.microsoft.com/office/powerpoint/2010/main" val="4234323535"/>
+      </p:ext>
+    </p:extLst>
+  </p:cSld>
+  <p:clrMapOvr>
+    <a:masterClrMapping/>
+  </p:clrMapOvr>
+</p:sld>
+</file>
+
+<file path=ppt/slides/slide30.xml><?xml version="1.0" encoding="utf-8"?>
 <p:sld xmlns:a="http://schemas.openxmlformats.org/drawingml/2006/main" xmlns:r="http://schemas.openxmlformats.org/officeDocument/2006/relationships" xmlns:p="http://schemas.openxmlformats.org/presentationml/2006/main">
   <p:cSld>
     <p:spTree>
@@ -10208,250 +11506,6 @@
 </p:sld>
 </file>
 
-<file path=ppt/slides/slide3.xml><?xml version="1.0" encoding="utf-8"?>
-<p:sld xmlns:a="http://schemas.openxmlformats.org/drawingml/2006/main" xmlns:r="http://schemas.openxmlformats.org/officeDocument/2006/relationships" xmlns:p="http://schemas.openxmlformats.org/presentationml/2006/main">
-  <p:cSld>
-    <p:spTree>
-      <p:nvGrpSpPr>
-        <p:cNvPr id="1" name=""/>
-        <p:cNvGrpSpPr/>
-        <p:nvPr/>
-      </p:nvGrpSpPr>
-      <p:grpSpPr>
-        <a:xfrm>
-          <a:off x="0" y="0"/>
-          <a:ext cx="0" cy="0"/>
-          <a:chOff x="0" y="0"/>
-          <a:chExt cx="0" cy="0"/>
-        </a:xfrm>
-      </p:grpSpPr>
-      <p:sp>
-        <p:nvSpPr>
-          <p:cNvPr id="4" name="矩形 3">
-            <a:extLst>
-              <a:ext uri="{FF2B5EF4-FFF2-40B4-BE49-F238E27FC236}">
-                <a16:creationId xmlns:a16="http://schemas.microsoft.com/office/drawing/2014/main" id="{25A4BEBC-4503-420D-8A6E-FC1763682075}"/>
-              </a:ext>
-            </a:extLst>
-          </p:cNvPr>
-          <p:cNvSpPr/>
-          <p:nvPr/>
-        </p:nvSpPr>
-        <p:spPr>
-          <a:xfrm>
-            <a:off x="0" y="2103783"/>
-            <a:ext cx="12192000" cy="1709531"/>
-          </a:xfrm>
-          <a:prstGeom prst="rect">
-            <a:avLst/>
-          </a:prstGeom>
-        </p:spPr>
-        <p:style>
-          <a:lnRef idx="2">
-            <a:schemeClr val="accent1">
-              <a:shade val="50000"/>
-            </a:schemeClr>
-          </a:lnRef>
-          <a:fillRef idx="1">
-            <a:schemeClr val="accent1"/>
-          </a:fillRef>
-          <a:effectRef idx="0">
-            <a:schemeClr val="accent1"/>
-          </a:effectRef>
-          <a:fontRef idx="minor">
-            <a:schemeClr val="lt1"/>
-          </a:fontRef>
-        </p:style>
-        <p:txBody>
-          <a:bodyPr rtlCol="0" anchor="ctr"/>
-          <a:lstStyle/>
-          <a:p>
-            <a:pPr algn="ctr"/>
-            <a:r>
-              <a:rPr lang="en-US" altLang="zh-CN" sz="5400" dirty="0"/>
-              <a:t>							</a:t>
-            </a:r>
-            <a:r>
-              <a:rPr lang="zh-CN" altLang="en-US" sz="5400" dirty="0"/>
-              <a:t>基本概念</a:t>
-            </a:r>
-          </a:p>
-        </p:txBody>
-      </p:sp>
-    </p:spTree>
-    <p:extLst>
-      <p:ext uri="{BB962C8B-B14F-4D97-AF65-F5344CB8AC3E}">
-        <p14:creationId xmlns:p14="http://schemas.microsoft.com/office/powerpoint/2010/main" val="4234323535"/>
-      </p:ext>
-    </p:extLst>
-  </p:cSld>
-  <p:clrMapOvr>
-    <a:masterClrMapping/>
-  </p:clrMapOvr>
-</p:sld>
-</file>
-
-<file path=ppt/slides/slide30.xml><?xml version="1.0" encoding="utf-8"?>
-<p:sld xmlns:a="http://schemas.openxmlformats.org/drawingml/2006/main" xmlns:r="http://schemas.openxmlformats.org/officeDocument/2006/relationships" xmlns:p="http://schemas.openxmlformats.org/presentationml/2006/main">
-  <p:cSld>
-    <p:spTree>
-      <p:nvGrpSpPr>
-        <p:cNvPr id="1" name=""/>
-        <p:cNvGrpSpPr/>
-        <p:nvPr/>
-      </p:nvGrpSpPr>
-      <p:grpSpPr>
-        <a:xfrm>
-          <a:off x="0" y="0"/>
-          <a:ext cx="0" cy="0"/>
-          <a:chOff x="0" y="0"/>
-          <a:chExt cx="0" cy="0"/>
-        </a:xfrm>
-      </p:grpSpPr>
-      <p:sp>
-        <p:nvSpPr>
-          <p:cNvPr id="2" name="标题 1">
-            <a:extLst>
-              <a:ext uri="{FF2B5EF4-FFF2-40B4-BE49-F238E27FC236}">
-                <a16:creationId xmlns:a16="http://schemas.microsoft.com/office/drawing/2014/main" id="{EA3954F2-1D5A-4F77-8418-89C02BAF4F10}"/>
-              </a:ext>
-            </a:extLst>
-          </p:cNvPr>
-          <p:cNvSpPr>
-            <a:spLocks noGrp="1"/>
-          </p:cNvSpPr>
-          <p:nvPr>
-            <p:ph type="title"/>
-          </p:nvPr>
-        </p:nvSpPr>
-        <p:spPr/>
-        <p:txBody>
-          <a:bodyPr/>
-          <a:lstStyle/>
-          <a:p>
-            <a:r>
-              <a:rPr lang="zh-CN" altLang="en-US" dirty="0"/>
-              <a:t>有序队列优劣分析</a:t>
-            </a:r>
-          </a:p>
-        </p:txBody>
-      </p:sp>
-      <p:sp>
-        <p:nvSpPr>
-          <p:cNvPr id="3" name="内容占位符 2">
-            <a:extLst>
-              <a:ext uri="{FF2B5EF4-FFF2-40B4-BE49-F238E27FC236}">
-                <a16:creationId xmlns:a16="http://schemas.microsoft.com/office/drawing/2014/main" id="{FBBF5FD3-1BC5-4827-9101-D7DA5DE8AACE}"/>
-              </a:ext>
-            </a:extLst>
-          </p:cNvPr>
-          <p:cNvSpPr>
-            <a:spLocks noGrp="1"/>
-          </p:cNvSpPr>
-          <p:nvPr>
-            <p:ph idx="1"/>
-          </p:nvPr>
-        </p:nvSpPr>
-        <p:spPr/>
-        <p:txBody>
-          <a:bodyPr>
-            <a:normAutofit lnSpcReduction="10000"/>
-          </a:bodyPr>
-          <a:lstStyle/>
-          <a:p>
-            <a:r>
-              <a:rPr lang="zh-CN" altLang="en-US" dirty="0"/>
-              <a:t>优势：</a:t>
-            </a:r>
-            <a:r>
-              <a:rPr lang="en-US" altLang="zh-CN" dirty="0"/>
-              <a:t>	</a:t>
-            </a:r>
-          </a:p>
-          <a:p>
-            <a:pPr lvl="1"/>
-            <a:r>
-              <a:rPr lang="en-US" altLang="zh-CN" dirty="0"/>
-              <a:t>  </a:t>
-            </a:r>
-            <a:r>
-              <a:rPr lang="zh-CN" altLang="en-US" dirty="0"/>
-              <a:t>容易理解</a:t>
-            </a:r>
-            <a:endParaRPr lang="en-US" altLang="zh-CN" dirty="0"/>
-          </a:p>
-          <a:p>
-            <a:pPr lvl="1"/>
-            <a:r>
-              <a:rPr lang="zh-CN" altLang="en-US" dirty="0"/>
-              <a:t>处理问题容易</a:t>
-            </a:r>
-            <a:endParaRPr lang="en-US" altLang="zh-CN" dirty="0"/>
-          </a:p>
-          <a:p>
-            <a:pPr lvl="1"/>
-            <a:endParaRPr lang="en-US" altLang="zh-CN" dirty="0"/>
-          </a:p>
-          <a:p>
-            <a:pPr lvl="1"/>
-            <a:endParaRPr lang="en-US" altLang="zh-CN" dirty="0"/>
-          </a:p>
-          <a:p>
-            <a:r>
-              <a:rPr lang="zh-CN" altLang="en-US" dirty="0"/>
-              <a:t>劣势：</a:t>
-            </a:r>
-            <a:endParaRPr lang="en-US" altLang="zh-CN" dirty="0"/>
-          </a:p>
-          <a:p>
-            <a:pPr lvl="1"/>
-            <a:r>
-              <a:rPr lang="zh-CN" altLang="en-US" dirty="0"/>
-              <a:t>并行度瓶颈</a:t>
-            </a:r>
-            <a:endParaRPr lang="en-US" altLang="zh-CN" dirty="0"/>
-          </a:p>
-          <a:p>
-            <a:pPr lvl="1"/>
-            <a:r>
-              <a:rPr lang="zh-CN" altLang="en-US" dirty="0"/>
-              <a:t>异常处理</a:t>
-            </a:r>
-            <a:endParaRPr lang="en-US" altLang="zh-CN" dirty="0"/>
-          </a:p>
-          <a:p>
-            <a:pPr lvl="1"/>
-            <a:endParaRPr lang="en-US" altLang="zh-CN" dirty="0"/>
-          </a:p>
-          <a:p>
-            <a:r>
-              <a:rPr lang="en-US" altLang="zh-CN" dirty="0"/>
-              <a:t>BUT</a:t>
-            </a:r>
-          </a:p>
-          <a:p>
-            <a:pPr lvl="1"/>
-            <a:r>
-              <a:rPr lang="zh-CN" altLang="en-US" dirty="0"/>
-              <a:t>我们需要集群容错性和高吞吐！</a:t>
-            </a:r>
-            <a:endParaRPr lang="en-US" altLang="zh-CN" dirty="0"/>
-          </a:p>
-        </p:txBody>
-      </p:sp>
-    </p:spTree>
-    <p:extLst>
-      <p:ext uri="{BB962C8B-B14F-4D97-AF65-F5344CB8AC3E}">
-        <p14:creationId xmlns:p14="http://schemas.microsoft.com/office/powerpoint/2010/main" val="2271129364"/>
-      </p:ext>
-    </p:extLst>
-  </p:cSld>
-  <p:clrMapOvr>
-    <a:masterClrMapping/>
-  </p:clrMapOvr>
-</p:sld>
-</file>
-
 <file path=ppt/slides/slide31.xml><?xml version="1.0" encoding="utf-8"?>
 <p:sld xmlns:a="http://schemas.openxmlformats.org/drawingml/2006/main" xmlns:r="http://schemas.openxmlformats.org/officeDocument/2006/relationships" xmlns:p="http://schemas.openxmlformats.org/presentationml/2006/main">
   <p:cSld>
@@ -10474,7 +11528,7 @@
           <p:cNvPr id="2" name="标题 1">
             <a:extLst>
               <a:ext uri="{FF2B5EF4-FFF2-40B4-BE49-F238E27FC236}">
-                <a16:creationId xmlns:a16="http://schemas.microsoft.com/office/drawing/2014/main" id="{0B30EEDF-9476-4842-8D20-AC235E62339C}"/>
+                <a16:creationId xmlns:a16="http://schemas.microsoft.com/office/drawing/2014/main" id="{EA3954F2-1D5A-4F77-8418-89C02BAF4F10}"/>
               </a:ext>
             </a:extLst>
           </p:cNvPr>
@@ -10490,7 +11544,10 @@
           <a:bodyPr/>
           <a:lstStyle/>
           <a:p>
-            <a:endParaRPr lang="zh-CN" altLang="en-US"/>
+            <a:r>
+              <a:rPr lang="zh-CN" altLang="en-US" dirty="0"/>
+              <a:t>有序队列优劣分析</a:t>
+            </a:r>
           </a:p>
         </p:txBody>
       </p:sp>
@@ -10499,7 +11556,7 @@
           <p:cNvPr id="3" name="内容占位符 2">
             <a:extLst>
               <a:ext uri="{FF2B5EF4-FFF2-40B4-BE49-F238E27FC236}">
-                <a16:creationId xmlns:a16="http://schemas.microsoft.com/office/drawing/2014/main" id="{0B40D793-E414-41C1-870E-8F1182D674BA}"/>
+                <a16:creationId xmlns:a16="http://schemas.microsoft.com/office/drawing/2014/main" id="{FBBF5FD3-1BC5-4827-9101-D7DA5DE8AACE}"/>
               </a:ext>
             </a:extLst>
           </p:cNvPr>
@@ -10512,28 +11569,25 @@
         </p:nvSpPr>
         <p:spPr/>
         <p:txBody>
-          <a:bodyPr/>
-          <a:lstStyle/>
-          <a:p>
-            <a:r>
-              <a:rPr lang="zh-CN" altLang="en-US" dirty="0"/>
-              <a:t>在世界上解决计算机问题的最简单方法：</a:t>
-            </a:r>
-            <a:endParaRPr lang="en-US" altLang="zh-CN" dirty="0"/>
+          <a:bodyPr>
+            <a:normAutofit lnSpcReduction="10000"/>
+          </a:bodyPr>
+          <a:lstStyle/>
+          <a:p>
+            <a:r>
+              <a:rPr lang="zh-CN" altLang="en-US" dirty="0"/>
+              <a:t>优势：</a:t>
+            </a:r>
+            <a:r>
+              <a:rPr lang="en-US" altLang="zh-CN" dirty="0"/>
+              <a:t>	</a:t>
+            </a:r>
           </a:p>
           <a:p>
             <a:pPr lvl="1"/>
             <a:r>
               <a:rPr lang="zh-CN" altLang="en-US" dirty="0"/>
-              <a:t>“恰好</a:t>
-            </a:r>
-            <a:r>
-              <a:rPr lang="en-US" altLang="zh-CN" dirty="0"/>
-              <a:t>”</a:t>
-            </a:r>
-            <a:r>
-              <a:rPr lang="zh-CN" altLang="en-US" dirty="0"/>
-              <a:t>不需要解决它。</a:t>
+              <a:t>容易理解</a:t>
             </a:r>
             <a:endParaRPr lang="en-US" altLang="zh-CN" dirty="0"/>
           </a:p>
@@ -10541,15 +11595,65 @@
             <a:pPr lvl="1"/>
             <a:r>
               <a:rPr lang="zh-CN" altLang="en-US" dirty="0"/>
-              <a:t>因为解决任何一个问题都有付出代价。</a:t>
-            </a:r>
+              <a:t>处理问题容易</a:t>
+            </a:r>
+            <a:endParaRPr lang="en-US" altLang="zh-CN" dirty="0"/>
+          </a:p>
+          <a:p>
+            <a:pPr lvl="1"/>
+            <a:endParaRPr lang="en-US" altLang="zh-CN" dirty="0"/>
+          </a:p>
+          <a:p>
+            <a:pPr lvl="1"/>
+            <a:endParaRPr lang="en-US" altLang="zh-CN" dirty="0"/>
+          </a:p>
+          <a:p>
+            <a:r>
+              <a:rPr lang="zh-CN" altLang="en-US" dirty="0"/>
+              <a:t>劣势：</a:t>
+            </a:r>
+            <a:endParaRPr lang="en-US" altLang="zh-CN" dirty="0"/>
+          </a:p>
+          <a:p>
+            <a:pPr lvl="1"/>
+            <a:r>
+              <a:rPr lang="zh-CN" altLang="en-US" dirty="0"/>
+              <a:t>并行度瓶颈</a:t>
+            </a:r>
+            <a:endParaRPr lang="en-US" altLang="zh-CN" dirty="0"/>
+          </a:p>
+          <a:p>
+            <a:pPr lvl="1"/>
+            <a:r>
+              <a:rPr lang="zh-CN" altLang="en-US" dirty="0"/>
+              <a:t>异常处理</a:t>
+            </a:r>
+            <a:endParaRPr lang="en-US" altLang="zh-CN" dirty="0"/>
+          </a:p>
+          <a:p>
+            <a:pPr lvl="1"/>
+            <a:endParaRPr lang="en-US" altLang="zh-CN" dirty="0"/>
+          </a:p>
+          <a:p>
+            <a:r>
+              <a:rPr lang="en-US" altLang="zh-CN" dirty="0"/>
+              <a:t>BUT</a:t>
+            </a:r>
+          </a:p>
+          <a:p>
+            <a:pPr lvl="1"/>
+            <a:r>
+              <a:rPr lang="zh-CN" altLang="en-US" dirty="0"/>
+              <a:t>我们需要集群容错性和高吞吐！</a:t>
+            </a:r>
+            <a:endParaRPr lang="en-US" altLang="zh-CN" dirty="0"/>
           </a:p>
         </p:txBody>
       </p:sp>
     </p:spTree>
     <p:extLst>
       <p:ext uri="{BB962C8B-B14F-4D97-AF65-F5344CB8AC3E}">
-        <p14:creationId xmlns:p14="http://schemas.microsoft.com/office/powerpoint/2010/main" val="1561047756"/>
+        <p14:creationId xmlns:p14="http://schemas.microsoft.com/office/powerpoint/2010/main" val="2271129364"/>
       </p:ext>
     </p:extLst>
   </p:cSld>
@@ -10581,6 +11685,196 @@
           <p:cNvPr id="2" name="标题 1">
             <a:extLst>
               <a:ext uri="{FF2B5EF4-FFF2-40B4-BE49-F238E27FC236}">
+                <a16:creationId xmlns:a16="http://schemas.microsoft.com/office/drawing/2014/main" id="{05FAEF28-2FA2-4742-B64E-D161D7BE5A27}"/>
+              </a:ext>
+            </a:extLst>
+          </p:cNvPr>
+          <p:cNvSpPr>
+            <a:spLocks noGrp="1"/>
+          </p:cNvSpPr>
+          <p:nvPr>
+            <p:ph type="title"/>
+          </p:nvPr>
+        </p:nvSpPr>
+        <p:spPr/>
+        <p:txBody>
+          <a:bodyPr/>
+          <a:lstStyle/>
+          <a:p>
+            <a:endParaRPr lang="zh-CN" altLang="en-US"/>
+          </a:p>
+        </p:txBody>
+      </p:sp>
+      <p:sp>
+        <p:nvSpPr>
+          <p:cNvPr id="3" name="内容占位符 2">
+            <a:extLst>
+              <a:ext uri="{FF2B5EF4-FFF2-40B4-BE49-F238E27FC236}">
+                <a16:creationId xmlns:a16="http://schemas.microsoft.com/office/drawing/2014/main" id="{8407FE95-FA8E-43D8-8D0D-1C6C4E21EAF1}"/>
+              </a:ext>
+            </a:extLst>
+          </p:cNvPr>
+          <p:cNvSpPr>
+            <a:spLocks noGrp="1"/>
+          </p:cNvSpPr>
+          <p:nvPr>
+            <p:ph idx="1"/>
+          </p:nvPr>
+        </p:nvSpPr>
+        <p:spPr/>
+        <p:txBody>
+          <a:bodyPr/>
+          <a:lstStyle/>
+          <a:p>
+            <a:r>
+              <a:rPr lang="zh-CN" altLang="en-US" dirty="0"/>
+              <a:t>人类对数据库事务的优化到了极致。</a:t>
+            </a:r>
+          </a:p>
+        </p:txBody>
+      </p:sp>
+    </p:spTree>
+    <p:extLst>
+      <p:ext uri="{BB962C8B-B14F-4D97-AF65-F5344CB8AC3E}">
+        <p14:creationId xmlns:p14="http://schemas.microsoft.com/office/powerpoint/2010/main" val="2203866256"/>
+      </p:ext>
+    </p:extLst>
+  </p:cSld>
+  <p:clrMapOvr>
+    <a:masterClrMapping/>
+  </p:clrMapOvr>
+</p:sld>
+</file>
+
+<file path=ppt/slides/slide33.xml><?xml version="1.0" encoding="utf-8"?>
+<p:sld xmlns:a="http://schemas.openxmlformats.org/drawingml/2006/main" xmlns:r="http://schemas.openxmlformats.org/officeDocument/2006/relationships" xmlns:p="http://schemas.openxmlformats.org/presentationml/2006/main">
+  <p:cSld>
+    <p:spTree>
+      <p:nvGrpSpPr>
+        <p:cNvPr id="1" name=""/>
+        <p:cNvGrpSpPr/>
+        <p:nvPr/>
+      </p:nvGrpSpPr>
+      <p:grpSpPr>
+        <a:xfrm>
+          <a:off x="0" y="0"/>
+          <a:ext cx="0" cy="0"/>
+          <a:chOff x="0" y="0"/>
+          <a:chExt cx="0" cy="0"/>
+        </a:xfrm>
+      </p:grpSpPr>
+      <p:sp>
+        <p:nvSpPr>
+          <p:cNvPr id="2" name="标题 1">
+            <a:extLst>
+              <a:ext uri="{FF2B5EF4-FFF2-40B4-BE49-F238E27FC236}">
+                <a16:creationId xmlns:a16="http://schemas.microsoft.com/office/drawing/2014/main" id="{0B30EEDF-9476-4842-8D20-AC235E62339C}"/>
+              </a:ext>
+            </a:extLst>
+          </p:cNvPr>
+          <p:cNvSpPr>
+            <a:spLocks noGrp="1"/>
+          </p:cNvSpPr>
+          <p:nvPr>
+            <p:ph type="title"/>
+          </p:nvPr>
+        </p:nvSpPr>
+        <p:spPr/>
+        <p:txBody>
+          <a:bodyPr/>
+          <a:lstStyle/>
+          <a:p>
+            <a:endParaRPr lang="zh-CN" altLang="en-US"/>
+          </a:p>
+        </p:txBody>
+      </p:sp>
+      <p:sp>
+        <p:nvSpPr>
+          <p:cNvPr id="3" name="内容占位符 2">
+            <a:extLst>
+              <a:ext uri="{FF2B5EF4-FFF2-40B4-BE49-F238E27FC236}">
+                <a16:creationId xmlns:a16="http://schemas.microsoft.com/office/drawing/2014/main" id="{0B40D793-E414-41C1-870E-8F1182D674BA}"/>
+              </a:ext>
+            </a:extLst>
+          </p:cNvPr>
+          <p:cNvSpPr>
+            <a:spLocks noGrp="1"/>
+          </p:cNvSpPr>
+          <p:nvPr>
+            <p:ph idx="1"/>
+          </p:nvPr>
+        </p:nvSpPr>
+        <p:spPr/>
+        <p:txBody>
+          <a:bodyPr/>
+          <a:lstStyle/>
+          <a:p>
+            <a:r>
+              <a:rPr lang="zh-CN" altLang="en-US" dirty="0"/>
+              <a:t>在世界上解决计算机问题的最简单方法：</a:t>
+            </a:r>
+            <a:endParaRPr lang="en-US" altLang="zh-CN" dirty="0"/>
+          </a:p>
+          <a:p>
+            <a:pPr lvl="1"/>
+            <a:r>
+              <a:rPr lang="zh-CN" altLang="en-US" dirty="0"/>
+              <a:t>“恰好</a:t>
+            </a:r>
+            <a:r>
+              <a:rPr lang="en-US" altLang="zh-CN" dirty="0"/>
+              <a:t>”</a:t>
+            </a:r>
+            <a:r>
+              <a:rPr lang="zh-CN" altLang="en-US" dirty="0"/>
+              <a:t>不需要解决它。</a:t>
+            </a:r>
+            <a:endParaRPr lang="en-US" altLang="zh-CN" dirty="0"/>
+          </a:p>
+          <a:p>
+            <a:pPr lvl="1"/>
+            <a:r>
+              <a:rPr lang="zh-CN" altLang="en-US" dirty="0"/>
+              <a:t>因为解决任何一个问题都有付出代价。</a:t>
+            </a:r>
+          </a:p>
+        </p:txBody>
+      </p:sp>
+    </p:spTree>
+    <p:extLst>
+      <p:ext uri="{BB962C8B-B14F-4D97-AF65-F5344CB8AC3E}">
+        <p14:creationId xmlns:p14="http://schemas.microsoft.com/office/powerpoint/2010/main" val="1561047756"/>
+      </p:ext>
+    </p:extLst>
+  </p:cSld>
+  <p:clrMapOvr>
+    <a:masterClrMapping/>
+  </p:clrMapOvr>
+</p:sld>
+</file>
+
+<file path=ppt/slides/slide34.xml><?xml version="1.0" encoding="utf-8"?>
+<p:sld xmlns:a="http://schemas.openxmlformats.org/drawingml/2006/main" xmlns:r="http://schemas.openxmlformats.org/officeDocument/2006/relationships" xmlns:p="http://schemas.openxmlformats.org/presentationml/2006/main">
+  <p:cSld>
+    <p:spTree>
+      <p:nvGrpSpPr>
+        <p:cNvPr id="1" name=""/>
+        <p:cNvGrpSpPr/>
+        <p:nvPr/>
+      </p:nvGrpSpPr>
+      <p:grpSpPr>
+        <a:xfrm>
+          <a:off x="0" y="0"/>
+          <a:ext cx="0" cy="0"/>
+          <a:chOff x="0" y="0"/>
+          <a:chExt cx="0" cy="0"/>
+        </a:xfrm>
+      </p:grpSpPr>
+      <p:sp>
+        <p:nvSpPr>
+          <p:cNvPr id="2" name="标题 1">
+            <a:extLst>
+              <a:ext uri="{FF2B5EF4-FFF2-40B4-BE49-F238E27FC236}">
                 <a16:creationId xmlns:a16="http://schemas.microsoft.com/office/drawing/2014/main" id="{C779D828-633C-40ED-B5DE-77C2EA897AA1}"/>
               </a:ext>
             </a:extLst>
@@ -10670,7 +11964,7 @@
 </p:sld>
 </file>
 
-<file path=ppt/slides/slide33.xml><?xml version="1.0" encoding="utf-8"?>
+<file path=ppt/slides/slide35.xml><?xml version="1.0" encoding="utf-8"?>
 <p:sld xmlns:a="http://schemas.openxmlformats.org/drawingml/2006/main" xmlns:r="http://schemas.openxmlformats.org/officeDocument/2006/relationships" xmlns:p="http://schemas.openxmlformats.org/presentationml/2006/main">
   <p:cSld>
     <p:spTree>
@@ -10783,7 +12077,7 @@
 </p:sld>
 </file>
 
-<file path=ppt/slides/slide34.xml><?xml version="1.0" encoding="utf-8"?>
+<file path=ppt/slides/slide36.xml><?xml version="1.0" encoding="utf-8"?>
 <p:sld xmlns:a="http://schemas.openxmlformats.org/drawingml/2006/main" xmlns:r="http://schemas.openxmlformats.org/officeDocument/2006/relationships" xmlns:p="http://schemas.openxmlformats.org/presentationml/2006/main">
   <p:cSld>
     <p:spTree>
@@ -10871,7 +12165,7 @@
 </p:sld>
 </file>
 
-<file path=ppt/slides/slide35.xml><?xml version="1.0" encoding="utf-8"?>
+<file path=ppt/slides/slide37.xml><?xml version="1.0" encoding="utf-8"?>
 <p:sld xmlns:a="http://schemas.openxmlformats.org/drawingml/2006/main" xmlns:r="http://schemas.openxmlformats.org/officeDocument/2006/relationships" xmlns:p="http://schemas.openxmlformats.org/presentationml/2006/main">
   <p:cSld>
     <p:spTree>
@@ -11010,7 +12304,7 @@
 </p:sld>
 </file>
 
-<file path=ppt/slides/slide36.xml><?xml version="1.0" encoding="utf-8"?>
+<file path=ppt/slides/slide38.xml><?xml version="1.0" encoding="utf-8"?>
 <p:sld xmlns:a="http://schemas.openxmlformats.org/drawingml/2006/main" xmlns:r="http://schemas.openxmlformats.org/officeDocument/2006/relationships" xmlns:p="http://schemas.openxmlformats.org/presentationml/2006/main">
   <p:cSld>
     <p:spTree>
@@ -11089,7 +12383,7 @@
 </p:sld>
 </file>
 
-<file path=ppt/slides/slide37.xml><?xml version="1.0" encoding="utf-8"?>
+<file path=ppt/slides/slide39.xml><?xml version="1.0" encoding="utf-8"?>
 <p:sld xmlns:a="http://schemas.openxmlformats.org/drawingml/2006/main" xmlns:r="http://schemas.openxmlformats.org/officeDocument/2006/relationships" xmlns:p="http://schemas.openxmlformats.org/presentationml/2006/main">
   <p:cSld>
     <p:spTree>
@@ -11242,7 +12536,126 @@
 </p:sld>
 </file>
 
-<file path=ppt/slides/slide38.xml><?xml version="1.0" encoding="utf-8"?>
+<file path=ppt/slides/slide4.xml><?xml version="1.0" encoding="utf-8"?>
+<p:sld xmlns:a="http://schemas.openxmlformats.org/drawingml/2006/main" xmlns:r="http://schemas.openxmlformats.org/officeDocument/2006/relationships" xmlns:p="http://schemas.openxmlformats.org/presentationml/2006/main">
+  <p:cSld>
+    <p:spTree>
+      <p:nvGrpSpPr>
+        <p:cNvPr id="1" name=""/>
+        <p:cNvGrpSpPr/>
+        <p:nvPr/>
+      </p:nvGrpSpPr>
+      <p:grpSpPr>
+        <a:xfrm>
+          <a:off x="0" y="0"/>
+          <a:ext cx="0" cy="0"/>
+          <a:chOff x="0" y="0"/>
+          <a:chExt cx="0" cy="0"/>
+        </a:xfrm>
+      </p:grpSpPr>
+      <p:sp>
+        <p:nvSpPr>
+          <p:cNvPr id="2" name="标题 1">
+            <a:extLst>
+              <a:ext uri="{FF2B5EF4-FFF2-40B4-BE49-F238E27FC236}">
+                <a16:creationId xmlns:a16="http://schemas.microsoft.com/office/drawing/2014/main" id="{735D7670-AB98-4339-BC94-791FCB7E67B3}"/>
+              </a:ext>
+            </a:extLst>
+          </p:cNvPr>
+          <p:cNvSpPr>
+            <a:spLocks noGrp="1"/>
+          </p:cNvSpPr>
+          <p:nvPr>
+            <p:ph type="title"/>
+          </p:nvPr>
+        </p:nvSpPr>
+        <p:spPr/>
+        <p:txBody>
+          <a:bodyPr/>
+          <a:lstStyle/>
+          <a:p>
+            <a:r>
+              <a:rPr lang="zh-CN" altLang="en-US" dirty="0"/>
+              <a:t>什么是消息传递</a:t>
+            </a:r>
+          </a:p>
+        </p:txBody>
+      </p:sp>
+      <p:sp>
+        <p:nvSpPr>
+          <p:cNvPr id="3" name="内容占位符 2">
+            <a:extLst>
+              <a:ext uri="{FF2B5EF4-FFF2-40B4-BE49-F238E27FC236}">
+                <a16:creationId xmlns:a16="http://schemas.microsoft.com/office/drawing/2014/main" id="{798271A4-5AC3-4419-8487-D130BE5AFBF3}"/>
+              </a:ext>
+            </a:extLst>
+          </p:cNvPr>
+          <p:cNvSpPr>
+            <a:spLocks noGrp="1"/>
+          </p:cNvSpPr>
+          <p:nvPr>
+            <p:ph idx="1"/>
+          </p:nvPr>
+        </p:nvSpPr>
+        <p:spPr/>
+        <p:txBody>
+          <a:bodyPr/>
+          <a:lstStyle/>
+          <a:p>
+            <a:r>
+              <a:rPr lang="en-US" altLang="zh-CN" dirty="0"/>
+              <a:t> </a:t>
+            </a:r>
+            <a:r>
+              <a:rPr lang="zh-CN" altLang="en-US" dirty="0"/>
+              <a:t>通信方式。</a:t>
+            </a:r>
+            <a:endParaRPr lang="en-US" altLang="zh-CN" dirty="0"/>
+          </a:p>
+          <a:p>
+            <a:endParaRPr lang="en-US" altLang="zh-CN" dirty="0"/>
+          </a:p>
+          <a:p>
+            <a:endParaRPr lang="en-US" altLang="zh-CN" dirty="0"/>
+          </a:p>
+          <a:p>
+            <a:r>
+              <a:rPr lang="zh-CN" altLang="en-US" dirty="0"/>
+              <a:t>异步。</a:t>
+            </a:r>
+            <a:r>
+              <a:rPr lang="en-US" altLang="zh-CN" dirty="0"/>
+              <a:t>  </a:t>
+            </a:r>
+          </a:p>
+          <a:p>
+            <a:endParaRPr lang="en-US" altLang="zh-CN" dirty="0"/>
+          </a:p>
+          <a:p>
+            <a:endParaRPr lang="en-US" altLang="zh-CN" dirty="0"/>
+          </a:p>
+          <a:p>
+            <a:r>
+              <a:rPr lang="zh-CN" altLang="en-US" dirty="0"/>
+              <a:t>同步编程和异步编程</a:t>
+            </a:r>
+          </a:p>
+        </p:txBody>
+      </p:sp>
+    </p:spTree>
+    <p:extLst>
+      <p:ext uri="{BB962C8B-B14F-4D97-AF65-F5344CB8AC3E}">
+        <p14:creationId xmlns:p14="http://schemas.microsoft.com/office/powerpoint/2010/main" val="3804619524"/>
+      </p:ext>
+    </p:extLst>
+  </p:cSld>
+  <p:clrMapOvr>
+    <a:masterClrMapping/>
+  </p:clrMapOvr>
+</p:sld>
+</file>
+
+<file path=ppt/slides/slide40.xml><?xml version="1.0" encoding="utf-8"?>
 <p:sld xmlns:a="http://schemas.openxmlformats.org/drawingml/2006/main" xmlns:r="http://schemas.openxmlformats.org/officeDocument/2006/relationships" xmlns:p="http://schemas.openxmlformats.org/presentationml/2006/main">
   <p:cSld>
     <p:spTree>
@@ -11381,435 +12794,6 @@
 </p:sld>
 </file>
 
-<file path=ppt/slides/slide39.xml><?xml version="1.0" encoding="utf-8"?>
-<p:sld xmlns:a="http://schemas.openxmlformats.org/drawingml/2006/main" xmlns:r="http://schemas.openxmlformats.org/officeDocument/2006/relationships" xmlns:p="http://schemas.openxmlformats.org/presentationml/2006/main">
-  <p:cSld>
-    <p:spTree>
-      <p:nvGrpSpPr>
-        <p:cNvPr id="1" name=""/>
-        <p:cNvGrpSpPr/>
-        <p:nvPr/>
-      </p:nvGrpSpPr>
-      <p:grpSpPr>
-        <a:xfrm>
-          <a:off x="0" y="0"/>
-          <a:ext cx="0" cy="0"/>
-          <a:chOff x="0" y="0"/>
-          <a:chExt cx="0" cy="0"/>
-        </a:xfrm>
-      </p:grpSpPr>
-      <p:sp>
-        <p:nvSpPr>
-          <p:cNvPr id="2" name="标题 1">
-            <a:extLst>
-              <a:ext uri="{FF2B5EF4-FFF2-40B4-BE49-F238E27FC236}">
-                <a16:creationId xmlns:a16="http://schemas.microsoft.com/office/drawing/2014/main" id="{2FFB66C6-CE93-4478-8834-EEEF048AFDD4}"/>
-              </a:ext>
-            </a:extLst>
-          </p:cNvPr>
-          <p:cNvSpPr>
-            <a:spLocks noGrp="1"/>
-          </p:cNvSpPr>
-          <p:nvPr>
-            <p:ph type="title"/>
-          </p:nvPr>
-        </p:nvSpPr>
-        <p:spPr/>
-        <p:txBody>
-          <a:bodyPr/>
-          <a:lstStyle/>
-          <a:p>
-            <a:r>
-              <a:rPr lang="zh-CN" altLang="en-US" dirty="0"/>
-              <a:t>如何获得幂等？</a:t>
-            </a:r>
-          </a:p>
-        </p:txBody>
-      </p:sp>
-      <p:sp>
-        <p:nvSpPr>
-          <p:cNvPr id="3" name="内容占位符 2">
-            <a:extLst>
-              <a:ext uri="{FF2B5EF4-FFF2-40B4-BE49-F238E27FC236}">
-                <a16:creationId xmlns:a16="http://schemas.microsoft.com/office/drawing/2014/main" id="{3A2C091F-C9E9-4551-9BC4-7A74C7CC86AA}"/>
-              </a:ext>
-            </a:extLst>
-          </p:cNvPr>
-          <p:cNvSpPr>
-            <a:spLocks noGrp="1"/>
-          </p:cNvSpPr>
-          <p:nvPr>
-            <p:ph idx="1"/>
-          </p:nvPr>
-        </p:nvSpPr>
-        <p:spPr/>
-        <p:txBody>
-          <a:bodyPr>
-            <a:normAutofit fontScale="85000" lnSpcReduction="20000"/>
-          </a:bodyPr>
-          <a:lstStyle/>
-          <a:p>
-            <a:r>
-              <a:rPr lang="zh-CN" altLang="en-US" sz="3400" dirty="0"/>
-              <a:t>幂等消息本身不需要去重</a:t>
-            </a:r>
-            <a:endParaRPr lang="en-US" altLang="zh-CN" sz="3400" dirty="0"/>
-          </a:p>
-          <a:p>
-            <a:r>
-              <a:rPr lang="zh-CN" altLang="en-US" sz="3400" dirty="0"/>
-              <a:t>非幂等消息去重：</a:t>
-            </a:r>
-            <a:endParaRPr lang="en-US" altLang="zh-CN" sz="3400" dirty="0"/>
-          </a:p>
-          <a:p>
-            <a:pPr lvl="1"/>
-            <a:r>
-              <a:rPr lang="zh-CN" altLang="en-US" sz="3400" dirty="0"/>
-              <a:t>显示去重：保证有唯一</a:t>
-            </a:r>
-            <a:r>
-              <a:rPr lang="en-US" altLang="zh-CN" sz="3400" dirty="0"/>
-              <a:t>ID</a:t>
-            </a:r>
-            <a:r>
-              <a:rPr lang="zh-CN" altLang="en-US" sz="3400" dirty="0"/>
-              <a:t>标记每一条消息，保证消息处理成功和去重表日志同时出现。代价？</a:t>
-            </a:r>
-            <a:endParaRPr lang="en-US" altLang="zh-CN" sz="3400" dirty="0"/>
-          </a:p>
-          <a:p>
-            <a:pPr marL="457200" lvl="1" indent="0">
-              <a:buNone/>
-            </a:pPr>
-            <a:r>
-              <a:rPr lang="en-US" altLang="zh-CN" sz="3400" dirty="0"/>
-              <a:t>   TCP</a:t>
-            </a:r>
-            <a:r>
-              <a:rPr lang="zh-CN" altLang="en-US" sz="3400" dirty="0"/>
-              <a:t>协议消除包重复。</a:t>
-            </a:r>
-            <a:endParaRPr lang="en-US" altLang="zh-CN" sz="3400" dirty="0"/>
-          </a:p>
-          <a:p>
-            <a:pPr lvl="1"/>
-            <a:r>
-              <a:rPr lang="zh-CN" altLang="en-US" sz="3400" dirty="0"/>
-              <a:t>重新定义消息语义，使之幂等。（持久层去重）</a:t>
-            </a:r>
-            <a:endParaRPr lang="en-US" altLang="zh-CN" sz="3400" dirty="0"/>
-          </a:p>
-          <a:p>
-            <a:endParaRPr lang="en-US" altLang="zh-CN" dirty="0"/>
-          </a:p>
-          <a:p>
-            <a:endParaRPr lang="en-US" altLang="zh-CN" dirty="0"/>
-          </a:p>
-          <a:p>
-            <a:endParaRPr lang="en-US" altLang="zh-CN" dirty="0"/>
-          </a:p>
-          <a:p>
-            <a:r>
-              <a:rPr lang="en-US" altLang="zh-CN" dirty="0">
-                <a:hlinkClick r:id="rId3"/>
-              </a:rPr>
-              <a:t>https://www.enterpriseintegrationpatterns.com/patterns/messaging/IdempotentReceiver.html</a:t>
-            </a:r>
-            <a:endParaRPr lang="zh-CN" altLang="en-US" dirty="0"/>
-          </a:p>
-        </p:txBody>
-      </p:sp>
-    </p:spTree>
-    <p:extLst>
-      <p:ext uri="{BB962C8B-B14F-4D97-AF65-F5344CB8AC3E}">
-        <p14:creationId xmlns:p14="http://schemas.microsoft.com/office/powerpoint/2010/main" val="916052367"/>
-      </p:ext>
-    </p:extLst>
-  </p:cSld>
-  <p:clrMapOvr>
-    <a:masterClrMapping/>
-  </p:clrMapOvr>
-</p:sld>
-</file>
-
-<file path=ppt/slides/slide4.xml><?xml version="1.0" encoding="utf-8"?>
-<p:sld xmlns:a="http://schemas.openxmlformats.org/drawingml/2006/main" xmlns:r="http://schemas.openxmlformats.org/officeDocument/2006/relationships" xmlns:p="http://schemas.openxmlformats.org/presentationml/2006/main">
-  <p:cSld>
-    <p:spTree>
-      <p:nvGrpSpPr>
-        <p:cNvPr id="1" name=""/>
-        <p:cNvGrpSpPr/>
-        <p:nvPr/>
-      </p:nvGrpSpPr>
-      <p:grpSpPr>
-        <a:xfrm>
-          <a:off x="0" y="0"/>
-          <a:ext cx="0" cy="0"/>
-          <a:chOff x="0" y="0"/>
-          <a:chExt cx="0" cy="0"/>
-        </a:xfrm>
-      </p:grpSpPr>
-      <p:sp>
-        <p:nvSpPr>
-          <p:cNvPr id="2" name="标题 1">
-            <a:extLst>
-              <a:ext uri="{FF2B5EF4-FFF2-40B4-BE49-F238E27FC236}">
-                <a16:creationId xmlns:a16="http://schemas.microsoft.com/office/drawing/2014/main" id="{735D7670-AB98-4339-BC94-791FCB7E67B3}"/>
-              </a:ext>
-            </a:extLst>
-          </p:cNvPr>
-          <p:cNvSpPr>
-            <a:spLocks noGrp="1"/>
-          </p:cNvSpPr>
-          <p:nvPr>
-            <p:ph type="title"/>
-          </p:nvPr>
-        </p:nvSpPr>
-        <p:spPr/>
-        <p:txBody>
-          <a:bodyPr/>
-          <a:lstStyle/>
-          <a:p>
-            <a:r>
-              <a:rPr lang="zh-CN" altLang="en-US" dirty="0"/>
-              <a:t>什么是消息传递</a:t>
-            </a:r>
-          </a:p>
-        </p:txBody>
-      </p:sp>
-      <p:sp>
-        <p:nvSpPr>
-          <p:cNvPr id="3" name="内容占位符 2">
-            <a:extLst>
-              <a:ext uri="{FF2B5EF4-FFF2-40B4-BE49-F238E27FC236}">
-                <a16:creationId xmlns:a16="http://schemas.microsoft.com/office/drawing/2014/main" id="{798271A4-5AC3-4419-8487-D130BE5AFBF3}"/>
-              </a:ext>
-            </a:extLst>
-          </p:cNvPr>
-          <p:cNvSpPr>
-            <a:spLocks noGrp="1"/>
-          </p:cNvSpPr>
-          <p:nvPr>
-            <p:ph idx="1"/>
-          </p:nvPr>
-        </p:nvSpPr>
-        <p:spPr/>
-        <p:txBody>
-          <a:bodyPr/>
-          <a:lstStyle/>
-          <a:p>
-            <a:r>
-              <a:rPr lang="en-US" altLang="zh-CN" dirty="0"/>
-              <a:t> </a:t>
-            </a:r>
-            <a:r>
-              <a:rPr lang="zh-CN" altLang="en-US" dirty="0"/>
-              <a:t>通信方式。</a:t>
-            </a:r>
-            <a:endParaRPr lang="en-US" altLang="zh-CN" dirty="0"/>
-          </a:p>
-          <a:p>
-            <a:endParaRPr lang="en-US" altLang="zh-CN" dirty="0"/>
-          </a:p>
-          <a:p>
-            <a:endParaRPr lang="en-US" altLang="zh-CN" dirty="0"/>
-          </a:p>
-          <a:p>
-            <a:r>
-              <a:rPr lang="zh-CN" altLang="en-US" dirty="0"/>
-              <a:t>异步。</a:t>
-            </a:r>
-            <a:r>
-              <a:rPr lang="en-US" altLang="zh-CN" dirty="0"/>
-              <a:t>  </a:t>
-            </a:r>
-          </a:p>
-          <a:p>
-            <a:endParaRPr lang="en-US" altLang="zh-CN" dirty="0"/>
-          </a:p>
-          <a:p>
-            <a:endParaRPr lang="en-US" altLang="zh-CN" dirty="0"/>
-          </a:p>
-          <a:p>
-            <a:r>
-              <a:rPr lang="zh-CN" altLang="en-US" dirty="0"/>
-              <a:t>同步编程和异步编程</a:t>
-            </a:r>
-          </a:p>
-        </p:txBody>
-      </p:sp>
-    </p:spTree>
-    <p:extLst>
-      <p:ext uri="{BB962C8B-B14F-4D97-AF65-F5344CB8AC3E}">
-        <p14:creationId xmlns:p14="http://schemas.microsoft.com/office/powerpoint/2010/main" val="3804619524"/>
-      </p:ext>
-    </p:extLst>
-  </p:cSld>
-  <p:clrMapOvr>
-    <a:masterClrMapping/>
-  </p:clrMapOvr>
-</p:sld>
-</file>
-
-<file path=ppt/slides/slide40.xml><?xml version="1.0" encoding="utf-8"?>
-<p:sld xmlns:a="http://schemas.openxmlformats.org/drawingml/2006/main" xmlns:r="http://schemas.openxmlformats.org/officeDocument/2006/relationships" xmlns:p="http://schemas.openxmlformats.org/presentationml/2006/main">
-  <p:cSld>
-    <p:spTree>
-      <p:nvGrpSpPr>
-        <p:cNvPr id="1" name=""/>
-        <p:cNvGrpSpPr/>
-        <p:nvPr/>
-      </p:nvGrpSpPr>
-      <p:grpSpPr>
-        <a:xfrm>
-          <a:off x="0" y="0"/>
-          <a:ext cx="0" cy="0"/>
-          <a:chOff x="0" y="0"/>
-          <a:chExt cx="0" cy="0"/>
-        </a:xfrm>
-      </p:grpSpPr>
-      <p:sp>
-        <p:nvSpPr>
-          <p:cNvPr id="2" name="标题 1">
-            <a:extLst>
-              <a:ext uri="{FF2B5EF4-FFF2-40B4-BE49-F238E27FC236}">
-                <a16:creationId xmlns:a16="http://schemas.microsoft.com/office/drawing/2014/main" id="{C19AD3CB-214B-4487-8833-0DD1DF9F55E5}"/>
-              </a:ext>
-            </a:extLst>
-          </p:cNvPr>
-          <p:cNvSpPr>
-            <a:spLocks noGrp="1"/>
-          </p:cNvSpPr>
-          <p:nvPr>
-            <p:ph type="title"/>
-          </p:nvPr>
-        </p:nvSpPr>
-        <p:spPr/>
-        <p:txBody>
-          <a:bodyPr/>
-          <a:lstStyle/>
-          <a:p>
-            <a:r>
-              <a:rPr lang="en-US" altLang="zh-CN" dirty="0"/>
-              <a:t>TCP</a:t>
-            </a:r>
-            <a:r>
-              <a:rPr lang="zh-CN" altLang="en-US" dirty="0"/>
-              <a:t>协议给我们的启示</a:t>
-            </a:r>
-          </a:p>
-        </p:txBody>
-      </p:sp>
-      <p:sp>
-        <p:nvSpPr>
-          <p:cNvPr id="3" name="内容占位符 2">
-            <a:extLst>
-              <a:ext uri="{FF2B5EF4-FFF2-40B4-BE49-F238E27FC236}">
-                <a16:creationId xmlns:a16="http://schemas.microsoft.com/office/drawing/2014/main" id="{443875CA-DC81-4A0D-9182-E704A70F414D}"/>
-              </a:ext>
-            </a:extLst>
-          </p:cNvPr>
-          <p:cNvSpPr>
-            <a:spLocks noGrp="1"/>
-          </p:cNvSpPr>
-          <p:nvPr>
-            <p:ph idx="1"/>
-          </p:nvPr>
-        </p:nvSpPr>
-        <p:spPr/>
-        <p:txBody>
-          <a:bodyPr>
-            <a:normAutofit lnSpcReduction="10000"/>
-          </a:bodyPr>
-          <a:lstStyle/>
-          <a:p>
-            <a:r>
-              <a:rPr lang="zh-CN" altLang="en-US" dirty="0"/>
-              <a:t>解决包顺序问题。</a:t>
-            </a:r>
-            <a:endParaRPr lang="en-US" altLang="zh-CN" dirty="0"/>
-          </a:p>
-          <a:p>
-            <a:r>
-              <a:rPr lang="zh-CN" altLang="en-US" dirty="0"/>
-              <a:t>解决包重复问题。</a:t>
-            </a:r>
-            <a:endParaRPr lang="en-US" altLang="zh-CN" dirty="0"/>
-          </a:p>
-          <a:p>
-            <a:endParaRPr lang="en-US" altLang="zh-CN" dirty="0"/>
-          </a:p>
-          <a:p>
-            <a:r>
-              <a:rPr lang="zh-CN" altLang="en-US" dirty="0"/>
-              <a:t>解决消息顺序。</a:t>
-            </a:r>
-            <a:endParaRPr lang="en-US" altLang="zh-CN" dirty="0"/>
-          </a:p>
-          <a:p>
-            <a:r>
-              <a:rPr lang="zh-CN" altLang="en-US" dirty="0"/>
-              <a:t>解决消息重复。</a:t>
-            </a:r>
-            <a:r>
-              <a:rPr lang="en-US" altLang="zh-CN" dirty="0"/>
-              <a:t>MQ</a:t>
-            </a:r>
-            <a:r>
-              <a:rPr lang="zh-CN" altLang="en-US" dirty="0"/>
-              <a:t>内部 </a:t>
-            </a:r>
-            <a:r>
-              <a:rPr lang="en-US" altLang="zh-CN" dirty="0"/>
-              <a:t>VS </a:t>
-            </a:r>
-            <a:r>
-              <a:rPr lang="zh-CN" altLang="en-US" dirty="0"/>
-              <a:t>应用系统</a:t>
-            </a:r>
-            <a:endParaRPr lang="en-US" altLang="zh-CN" dirty="0"/>
-          </a:p>
-          <a:p>
-            <a:endParaRPr lang="en-US" altLang="zh-CN" dirty="0"/>
-          </a:p>
-          <a:p>
-            <a:r>
-              <a:rPr lang="zh-CN" altLang="en-US" dirty="0"/>
-              <a:t>为什么市面主流</a:t>
-            </a:r>
-            <a:r>
-              <a:rPr lang="en-US" altLang="zh-CN" dirty="0"/>
-              <a:t>MQ</a:t>
-            </a:r>
-            <a:r>
-              <a:rPr lang="zh-CN" altLang="en-US" dirty="0"/>
-              <a:t>对顺序消息支持少，对消息重复支持少呢？为什么消息重复要应用系统做呢？</a:t>
-            </a:r>
-            <a:endParaRPr lang="en-US" altLang="zh-CN" dirty="0"/>
-          </a:p>
-          <a:p>
-            <a:r>
-              <a:rPr lang="en-US" altLang="zh-CN" dirty="0"/>
-              <a:t>End-To-End Arguments in System Design </a:t>
-            </a:r>
-            <a:endParaRPr lang="zh-CN" altLang="en-US" dirty="0"/>
-          </a:p>
-        </p:txBody>
-      </p:sp>
-    </p:spTree>
-    <p:extLst>
-      <p:ext uri="{BB962C8B-B14F-4D97-AF65-F5344CB8AC3E}">
-        <p14:creationId xmlns:p14="http://schemas.microsoft.com/office/powerpoint/2010/main" val="3423811554"/>
-      </p:ext>
-    </p:extLst>
-  </p:cSld>
-  <p:clrMapOvr>
-    <a:masterClrMapping/>
-  </p:clrMapOvr>
-</p:sld>
-</file>
-
 <file path=ppt/slides/slide41.xml><?xml version="1.0" encoding="utf-8"?>
 <p:sld xmlns:a="http://schemas.openxmlformats.org/drawingml/2006/main" xmlns:r="http://schemas.openxmlformats.org/officeDocument/2006/relationships" xmlns:p="http://schemas.openxmlformats.org/presentationml/2006/main">
   <p:cSld>
@@ -11829,57 +12813,130 @@
       </p:grpSpPr>
       <p:sp>
         <p:nvSpPr>
-          <p:cNvPr id="4" name="矩形 3">
-            <a:extLst>
-              <a:ext uri="{FF2B5EF4-FFF2-40B4-BE49-F238E27FC236}">
-                <a16:creationId xmlns:a16="http://schemas.microsoft.com/office/drawing/2014/main" id="{BF1940D5-62FA-40BD-A3C2-D23398D4EB83}"/>
-              </a:ext>
-            </a:extLst>
-          </p:cNvPr>
-          <p:cNvSpPr/>
-          <p:nvPr/>
-        </p:nvSpPr>
-        <p:spPr>
-          <a:xfrm>
-            <a:off x="0" y="2186608"/>
-            <a:ext cx="12192000" cy="1709531"/>
-          </a:xfrm>
-          <a:prstGeom prst="rect">
-            <a:avLst/>
-          </a:prstGeom>
-        </p:spPr>
-        <p:style>
-          <a:lnRef idx="2">
-            <a:schemeClr val="accent1">
-              <a:shade val="50000"/>
-            </a:schemeClr>
-          </a:lnRef>
-          <a:fillRef idx="1">
-            <a:schemeClr val="accent1"/>
-          </a:fillRef>
-          <a:effectRef idx="0">
-            <a:schemeClr val="accent1"/>
-          </a:effectRef>
-          <a:fontRef idx="minor">
-            <a:schemeClr val="lt1"/>
-          </a:fontRef>
-        </p:style>
-        <p:txBody>
-          <a:bodyPr rtlCol="0" anchor="ctr"/>
-          <a:lstStyle/>
-          <a:p>
-            <a:pPr algn="ctr"/>
-            <a:r>
-              <a:rPr lang="zh-CN" altLang="en-US" sz="5400" dirty="0"/>
-              <a:t>分布式事务与消息队列</a:t>
-            </a:r>
+          <p:cNvPr id="2" name="标题 1">
+            <a:extLst>
+              <a:ext uri="{FF2B5EF4-FFF2-40B4-BE49-F238E27FC236}">
+                <a16:creationId xmlns:a16="http://schemas.microsoft.com/office/drawing/2014/main" id="{2FFB66C6-CE93-4478-8834-EEEF048AFDD4}"/>
+              </a:ext>
+            </a:extLst>
+          </p:cNvPr>
+          <p:cNvSpPr>
+            <a:spLocks noGrp="1"/>
+          </p:cNvSpPr>
+          <p:nvPr>
+            <p:ph type="title"/>
+          </p:nvPr>
+        </p:nvSpPr>
+        <p:spPr/>
+        <p:txBody>
+          <a:bodyPr/>
+          <a:lstStyle/>
+          <a:p>
+            <a:r>
+              <a:rPr lang="zh-CN" altLang="en-US" dirty="0"/>
+              <a:t>如何获得幂等？</a:t>
+            </a:r>
+          </a:p>
+        </p:txBody>
+      </p:sp>
+      <p:sp>
+        <p:nvSpPr>
+          <p:cNvPr id="3" name="内容占位符 2">
+            <a:extLst>
+              <a:ext uri="{FF2B5EF4-FFF2-40B4-BE49-F238E27FC236}">
+                <a16:creationId xmlns:a16="http://schemas.microsoft.com/office/drawing/2014/main" id="{3A2C091F-C9E9-4551-9BC4-7A74C7CC86AA}"/>
+              </a:ext>
+            </a:extLst>
+          </p:cNvPr>
+          <p:cNvSpPr>
+            <a:spLocks noGrp="1"/>
+          </p:cNvSpPr>
+          <p:nvPr>
+            <p:ph idx="1"/>
+          </p:nvPr>
+        </p:nvSpPr>
+        <p:spPr/>
+        <p:txBody>
+          <a:bodyPr>
+            <a:normAutofit fontScale="85000" lnSpcReduction="20000"/>
+          </a:bodyPr>
+          <a:lstStyle/>
+          <a:p>
+            <a:r>
+              <a:rPr lang="zh-CN" altLang="en-US" sz="3400" dirty="0"/>
+              <a:t>幂等消息本身不需要去重</a:t>
+            </a:r>
+            <a:endParaRPr lang="en-US" altLang="zh-CN" sz="3400" dirty="0"/>
+          </a:p>
+          <a:p>
+            <a:r>
+              <a:rPr lang="zh-CN" altLang="en-US" sz="3400" dirty="0"/>
+              <a:t>非幂等消息去重：</a:t>
+            </a:r>
+            <a:endParaRPr lang="en-US" altLang="zh-CN" sz="3400" dirty="0"/>
+          </a:p>
+          <a:p>
+            <a:pPr lvl="1"/>
+            <a:r>
+              <a:rPr lang="zh-CN" altLang="en-US" sz="3400" dirty="0"/>
+              <a:t>显示去重：保证有唯一</a:t>
+            </a:r>
+            <a:r>
+              <a:rPr lang="en-US" altLang="zh-CN" sz="3400" dirty="0"/>
+              <a:t>ID</a:t>
+            </a:r>
+            <a:r>
+              <a:rPr lang="zh-CN" altLang="en-US" sz="3400" dirty="0"/>
+              <a:t>标记每一条消息，保证消息处理成功和去重表日志同时出现。代价？</a:t>
+            </a:r>
+            <a:endParaRPr lang="en-US" altLang="zh-CN" sz="3400" dirty="0"/>
+          </a:p>
+          <a:p>
+            <a:pPr marL="457200" lvl="1" indent="0">
+              <a:buNone/>
+            </a:pPr>
+            <a:r>
+              <a:rPr lang="en-US" altLang="zh-CN" sz="3400" dirty="0"/>
+              <a:t>   TCP</a:t>
+            </a:r>
+            <a:r>
+              <a:rPr lang="zh-CN" altLang="en-US" sz="3400" dirty="0"/>
+              <a:t>协议消除包重复。</a:t>
+            </a:r>
+            <a:endParaRPr lang="en-US" altLang="zh-CN" sz="3400" dirty="0"/>
+          </a:p>
+          <a:p>
+            <a:pPr lvl="1"/>
+            <a:r>
+              <a:rPr lang="zh-CN" altLang="en-US" sz="3400" dirty="0"/>
+              <a:t>重新定义消息语义，使之幂等。（持久层去重）</a:t>
+            </a:r>
+            <a:endParaRPr lang="en-US" altLang="zh-CN" sz="3400" dirty="0"/>
+          </a:p>
+          <a:p>
+            <a:endParaRPr lang="en-US" altLang="zh-CN" dirty="0"/>
+          </a:p>
+          <a:p>
+            <a:endParaRPr lang="en-US" altLang="zh-CN" dirty="0"/>
+          </a:p>
+          <a:p>
+            <a:endParaRPr lang="en-US" altLang="zh-CN" dirty="0"/>
+          </a:p>
+          <a:p>
+            <a:r>
+              <a:rPr lang="en-US" altLang="zh-CN" dirty="0">
+                <a:hlinkClick r:id="rId3"/>
+              </a:rPr>
+              <a:t>https://www.enterpriseintegrationpatterns.com/patterns/messaging/IdempotentReceiver.html</a:t>
+            </a:r>
+            <a:endParaRPr lang="zh-CN" altLang="en-US" dirty="0"/>
           </a:p>
         </p:txBody>
       </p:sp>
     </p:spTree>
     <p:extLst>
       <p:ext uri="{BB962C8B-B14F-4D97-AF65-F5344CB8AC3E}">
-        <p14:creationId xmlns:p14="http://schemas.microsoft.com/office/powerpoint/2010/main" val="3556490959"/>
+        <p14:creationId xmlns:p14="http://schemas.microsoft.com/office/powerpoint/2010/main" val="916052367"/>
       </p:ext>
     </p:extLst>
   </p:cSld>
@@ -11906,42 +12963,12 @@
           <a:chExt cx="0" cy="0"/>
         </a:xfrm>
       </p:grpSpPr>
-      <p:pic>
-        <p:nvPicPr>
-          <p:cNvPr id="4" name="图片 3">
-            <a:extLst>
-              <a:ext uri="{FF2B5EF4-FFF2-40B4-BE49-F238E27FC236}">
-                <a16:creationId xmlns:a16="http://schemas.microsoft.com/office/drawing/2014/main" id="{7B086ED8-0A00-4C27-A61D-201018BEB924}"/>
-              </a:ext>
-            </a:extLst>
-          </p:cNvPr>
-          <p:cNvPicPr>
-            <a:picLocks noChangeAspect="1"/>
-          </p:cNvPicPr>
-          <p:nvPr/>
-        </p:nvPicPr>
-        <p:blipFill>
-          <a:blip r:embed="rId2"/>
-          <a:stretch>
-            <a:fillRect/>
-          </a:stretch>
-        </p:blipFill>
-        <p:spPr>
-          <a:xfrm>
-            <a:off x="1919287" y="1042988"/>
-            <a:ext cx="8353425" cy="5133975"/>
-          </a:xfrm>
-          <a:prstGeom prst="rect">
-            <a:avLst/>
-          </a:prstGeom>
-        </p:spPr>
-      </p:pic>
       <p:sp>
         <p:nvSpPr>
           <p:cNvPr id="2" name="标题 1">
             <a:extLst>
               <a:ext uri="{FF2B5EF4-FFF2-40B4-BE49-F238E27FC236}">
-                <a16:creationId xmlns:a16="http://schemas.microsoft.com/office/drawing/2014/main" id="{89220E3F-1985-42E9-B894-A54E76478830}"/>
+                <a16:creationId xmlns:a16="http://schemas.microsoft.com/office/drawing/2014/main" id="{C19AD3CB-214B-4487-8833-0DD1DF9F55E5}"/>
               </a:ext>
             </a:extLst>
           </p:cNvPr>
@@ -11958,16 +12985,116 @@
           <a:lstStyle/>
           <a:p>
             <a:r>
-              <a:rPr lang="zh-CN" altLang="en-US" dirty="0"/>
-              <a:t>事务的分布式优化</a:t>
-            </a:r>
+              <a:rPr lang="en-US" altLang="zh-CN" dirty="0"/>
+              <a:t>TCP</a:t>
+            </a:r>
+            <a:r>
+              <a:rPr lang="zh-CN" altLang="en-US" dirty="0"/>
+              <a:t>协议给我们的启示</a:t>
+            </a:r>
+          </a:p>
+        </p:txBody>
+      </p:sp>
+      <p:sp>
+        <p:nvSpPr>
+          <p:cNvPr id="3" name="内容占位符 2">
+            <a:extLst>
+              <a:ext uri="{FF2B5EF4-FFF2-40B4-BE49-F238E27FC236}">
+                <a16:creationId xmlns:a16="http://schemas.microsoft.com/office/drawing/2014/main" id="{443875CA-DC81-4A0D-9182-E704A70F414D}"/>
+              </a:ext>
+            </a:extLst>
+          </p:cNvPr>
+          <p:cNvSpPr>
+            <a:spLocks noGrp="1"/>
+          </p:cNvSpPr>
+          <p:nvPr>
+            <p:ph idx="1"/>
+          </p:nvPr>
+        </p:nvSpPr>
+        <p:spPr/>
+        <p:txBody>
+          <a:bodyPr>
+            <a:normAutofit lnSpcReduction="10000"/>
+          </a:bodyPr>
+          <a:lstStyle/>
+          <a:p>
+            <a:r>
+              <a:rPr lang="zh-CN" altLang="en-US" dirty="0"/>
+              <a:t>解决包顺序问题。</a:t>
+            </a:r>
+            <a:endParaRPr lang="en-US" altLang="zh-CN" dirty="0"/>
+          </a:p>
+          <a:p>
+            <a:r>
+              <a:rPr lang="zh-CN" altLang="en-US" dirty="0"/>
+              <a:t>解决包重复问题。</a:t>
+            </a:r>
+            <a:endParaRPr lang="en-US" altLang="zh-CN" dirty="0"/>
+          </a:p>
+          <a:p>
+            <a:endParaRPr lang="en-US" altLang="zh-CN" dirty="0"/>
+          </a:p>
+          <a:p>
+            <a:r>
+              <a:rPr lang="zh-CN" altLang="en-US" dirty="0"/>
+              <a:t>解决消息顺序。</a:t>
+            </a:r>
+            <a:endParaRPr lang="en-US" altLang="zh-CN" dirty="0"/>
+          </a:p>
+          <a:p>
+            <a:r>
+              <a:rPr lang="zh-CN" altLang="en-US" dirty="0"/>
+              <a:t>解决消息重复。</a:t>
+            </a:r>
+            <a:r>
+              <a:rPr lang="en-US" altLang="zh-CN" dirty="0"/>
+              <a:t>MQ</a:t>
+            </a:r>
+            <a:r>
+              <a:rPr lang="zh-CN" altLang="en-US" dirty="0"/>
+              <a:t>内部 </a:t>
+            </a:r>
+            <a:r>
+              <a:rPr lang="en-US" altLang="zh-CN" dirty="0"/>
+              <a:t>VS </a:t>
+            </a:r>
+            <a:r>
+              <a:rPr lang="zh-CN" altLang="en-US" dirty="0"/>
+              <a:t>应用系统</a:t>
+            </a:r>
+            <a:endParaRPr lang="en-US" altLang="zh-CN" dirty="0"/>
+          </a:p>
+          <a:p>
+            <a:endParaRPr lang="en-US" altLang="zh-CN" dirty="0"/>
+          </a:p>
+          <a:p>
+            <a:r>
+              <a:rPr lang="zh-CN" altLang="en-US" dirty="0"/>
+              <a:t>为什么市面主流</a:t>
+            </a:r>
+            <a:r>
+              <a:rPr lang="en-US" altLang="zh-CN" dirty="0"/>
+              <a:t>MQ</a:t>
+            </a:r>
+            <a:r>
+              <a:rPr lang="zh-CN" altLang="en-US" dirty="0"/>
+              <a:t>对顺序消息支持少，对消息重复支持少呢？为什么消息重复要应用系统做呢？</a:t>
+            </a:r>
+            <a:endParaRPr lang="en-US" altLang="zh-CN" dirty="0"/>
+          </a:p>
+          <a:p>
+            <a:r>
+              <a:rPr lang="en-US" altLang="zh-CN" dirty="0"/>
+              <a:t>End-To-End Arguments in System Design </a:t>
+            </a:r>
+            <a:endParaRPr lang="zh-CN" altLang="en-US" dirty="0"/>
           </a:p>
         </p:txBody>
       </p:sp>
     </p:spTree>
     <p:extLst>
       <p:ext uri="{BB962C8B-B14F-4D97-AF65-F5344CB8AC3E}">
-        <p14:creationId xmlns:p14="http://schemas.microsoft.com/office/powerpoint/2010/main" val="896264082"/>
+        <p14:creationId xmlns:p14="http://schemas.microsoft.com/office/powerpoint/2010/main" val="3423811554"/>
       </p:ext>
     </p:extLst>
   </p:cSld>
@@ -11994,12 +13121,291 @@
           <a:chExt cx="0" cy="0"/>
         </a:xfrm>
       </p:grpSpPr>
+      <p:sp>
+        <p:nvSpPr>
+          <p:cNvPr id="4" name="矩形 3">
+            <a:extLst>
+              <a:ext uri="{FF2B5EF4-FFF2-40B4-BE49-F238E27FC236}">
+                <a16:creationId xmlns:a16="http://schemas.microsoft.com/office/drawing/2014/main" id="{BF1940D5-62FA-40BD-A3C2-D23398D4EB83}"/>
+              </a:ext>
+            </a:extLst>
+          </p:cNvPr>
+          <p:cNvSpPr/>
+          <p:nvPr/>
+        </p:nvSpPr>
+        <p:spPr>
+          <a:xfrm>
+            <a:off x="0" y="2186608"/>
+            <a:ext cx="12192000" cy="1709531"/>
+          </a:xfrm>
+          <a:prstGeom prst="rect">
+            <a:avLst/>
+          </a:prstGeom>
+        </p:spPr>
+        <p:style>
+          <a:lnRef idx="2">
+            <a:schemeClr val="accent1">
+              <a:shade val="50000"/>
+            </a:schemeClr>
+          </a:lnRef>
+          <a:fillRef idx="1">
+            <a:schemeClr val="accent1"/>
+          </a:fillRef>
+          <a:effectRef idx="0">
+            <a:schemeClr val="accent1"/>
+          </a:effectRef>
+          <a:fontRef idx="minor">
+            <a:schemeClr val="lt1"/>
+          </a:fontRef>
+        </p:style>
+        <p:txBody>
+          <a:bodyPr rtlCol="0" anchor="ctr"/>
+          <a:lstStyle/>
+          <a:p>
+            <a:pPr algn="ctr"/>
+            <a:r>
+              <a:rPr lang="zh-CN" altLang="en-US" sz="5400" dirty="0"/>
+              <a:t>分布式事务与消息队列</a:t>
+            </a:r>
+          </a:p>
+        </p:txBody>
+      </p:sp>
+    </p:spTree>
+    <p:extLst>
+      <p:ext uri="{BB962C8B-B14F-4D97-AF65-F5344CB8AC3E}">
+        <p14:creationId xmlns:p14="http://schemas.microsoft.com/office/powerpoint/2010/main" val="3556490959"/>
+      </p:ext>
+    </p:extLst>
+  </p:cSld>
+  <p:clrMapOvr>
+    <a:masterClrMapping/>
+  </p:clrMapOvr>
+</p:sld>
+</file>
+
+<file path=ppt/slides/slide44.xml><?xml version="1.0" encoding="utf-8"?>
+<p:sld xmlns:a="http://schemas.openxmlformats.org/drawingml/2006/main" xmlns:r="http://schemas.openxmlformats.org/officeDocument/2006/relationships" xmlns:p="http://schemas.openxmlformats.org/presentationml/2006/main">
+  <p:cSld>
+    <p:spTree>
+      <p:nvGrpSpPr>
+        <p:cNvPr id="1" name=""/>
+        <p:cNvGrpSpPr/>
+        <p:nvPr/>
+      </p:nvGrpSpPr>
+      <p:grpSpPr>
+        <a:xfrm>
+          <a:off x="0" y="0"/>
+          <a:ext cx="0" cy="0"/>
+          <a:chOff x="0" y="0"/>
+          <a:chExt cx="0" cy="0"/>
+        </a:xfrm>
+      </p:grpSpPr>
+      <p:sp>
+        <p:nvSpPr>
+          <p:cNvPr id="2" name="标题 1">
+            <a:extLst>
+              <a:ext uri="{FF2B5EF4-FFF2-40B4-BE49-F238E27FC236}">
+                <a16:creationId xmlns:a16="http://schemas.microsoft.com/office/drawing/2014/main" id="{F227271E-2B22-4A26-B3D7-5E76DDAA52AF}"/>
+              </a:ext>
+            </a:extLst>
+          </p:cNvPr>
+          <p:cNvSpPr>
+            <a:spLocks noGrp="1"/>
+          </p:cNvSpPr>
+          <p:nvPr>
+            <p:ph type="title"/>
+          </p:nvPr>
+        </p:nvSpPr>
+        <p:spPr/>
+        <p:txBody>
+          <a:bodyPr/>
+          <a:lstStyle/>
+          <a:p>
+            <a:r>
+              <a:rPr lang="zh-CN" altLang="en-US" dirty="0"/>
+              <a:t>单机事务实现</a:t>
+            </a:r>
+          </a:p>
+        </p:txBody>
+      </p:sp>
+      <p:sp>
+        <p:nvSpPr>
+          <p:cNvPr id="3" name="内容占位符 2">
+            <a:extLst>
+              <a:ext uri="{FF2B5EF4-FFF2-40B4-BE49-F238E27FC236}">
+                <a16:creationId xmlns:a16="http://schemas.microsoft.com/office/drawing/2014/main" id="{9B740E74-987D-422D-B9B2-97887000AEE1}"/>
+              </a:ext>
+            </a:extLst>
+          </p:cNvPr>
+          <p:cNvSpPr>
+            <a:spLocks noGrp="1"/>
+          </p:cNvSpPr>
+          <p:nvPr>
+            <p:ph idx="1"/>
+          </p:nvPr>
+        </p:nvSpPr>
+        <p:spPr>
+          <a:xfrm>
+            <a:off x="838200" y="1632089"/>
+            <a:ext cx="10515600" cy="4351338"/>
+          </a:xfrm>
+        </p:spPr>
+        <p:txBody>
+          <a:bodyPr/>
+          <a:lstStyle/>
+          <a:p>
+            <a:pPr marL="0" indent="0">
+              <a:buNone/>
+            </a:pPr>
+            <a:endParaRPr lang="en-US" altLang="zh-CN" dirty="0"/>
+          </a:p>
+          <a:p>
+            <a:r>
+              <a:rPr lang="en-US" altLang="zh-CN" dirty="0"/>
+              <a:t>2PL</a:t>
+            </a:r>
+          </a:p>
+          <a:p>
+            <a:r>
+              <a:rPr lang="en-US" altLang="zh-CN" dirty="0"/>
+              <a:t>MVCC</a:t>
+            </a:r>
+            <a:endParaRPr lang="zh-CN" altLang="en-US" dirty="0"/>
+          </a:p>
+        </p:txBody>
+      </p:sp>
+    </p:spTree>
+    <p:extLst>
+      <p:ext uri="{BB962C8B-B14F-4D97-AF65-F5344CB8AC3E}">
+        <p14:creationId xmlns:p14="http://schemas.microsoft.com/office/powerpoint/2010/main" val="1985404736"/>
+      </p:ext>
+    </p:extLst>
+  </p:cSld>
+  <p:clrMapOvr>
+    <a:masterClrMapping/>
+  </p:clrMapOvr>
+</p:sld>
+</file>
+
+<file path=ppt/slides/slide45.xml><?xml version="1.0" encoding="utf-8"?>
+<p:sld xmlns:a="http://schemas.openxmlformats.org/drawingml/2006/main" xmlns:r="http://schemas.openxmlformats.org/officeDocument/2006/relationships" xmlns:p="http://schemas.openxmlformats.org/presentationml/2006/main">
+  <p:cSld>
+    <p:spTree>
+      <p:nvGrpSpPr>
+        <p:cNvPr id="1" name=""/>
+        <p:cNvGrpSpPr/>
+        <p:nvPr/>
+      </p:nvGrpSpPr>
+      <p:grpSpPr>
+        <a:xfrm>
+          <a:off x="0" y="0"/>
+          <a:ext cx="0" cy="0"/>
+          <a:chOff x="0" y="0"/>
+          <a:chExt cx="0" cy="0"/>
+        </a:xfrm>
+      </p:grpSpPr>
+      <p:sp>
+        <p:nvSpPr>
+          <p:cNvPr id="2" name="标题 1">
+            <a:extLst>
+              <a:ext uri="{FF2B5EF4-FFF2-40B4-BE49-F238E27FC236}">
+                <a16:creationId xmlns:a16="http://schemas.microsoft.com/office/drawing/2014/main" id="{3C0A7B75-1E7C-4641-9DD4-26634ED80766}"/>
+              </a:ext>
+            </a:extLst>
+          </p:cNvPr>
+          <p:cNvSpPr>
+            <a:spLocks noGrp="1"/>
+          </p:cNvSpPr>
+          <p:nvPr>
+            <p:ph type="title"/>
+          </p:nvPr>
+        </p:nvSpPr>
+        <p:spPr/>
+        <p:txBody>
+          <a:bodyPr/>
+          <a:lstStyle/>
+          <a:p>
+            <a:r>
+              <a:rPr lang="zh-CN" altLang="en-US" dirty="0"/>
+              <a:t>分布式事务</a:t>
+            </a:r>
+          </a:p>
+        </p:txBody>
+      </p:sp>
+      <p:sp>
+        <p:nvSpPr>
+          <p:cNvPr id="3" name="内容占位符 2">
+            <a:extLst>
+              <a:ext uri="{FF2B5EF4-FFF2-40B4-BE49-F238E27FC236}">
+                <a16:creationId xmlns:a16="http://schemas.microsoft.com/office/drawing/2014/main" id="{4FA2C708-1881-4E56-A59D-366BC23FED29}"/>
+              </a:ext>
+            </a:extLst>
+          </p:cNvPr>
+          <p:cNvSpPr>
+            <a:spLocks noGrp="1"/>
+          </p:cNvSpPr>
+          <p:nvPr>
+            <p:ph idx="1"/>
+          </p:nvPr>
+        </p:nvSpPr>
+        <p:spPr/>
+        <p:txBody>
+          <a:bodyPr/>
+          <a:lstStyle/>
+          <a:p>
+            <a:r>
+              <a:rPr lang="en-US" altLang="zh-CN" dirty="0"/>
+              <a:t>2PC</a:t>
+            </a:r>
+          </a:p>
+          <a:p>
+            <a:r>
+              <a:rPr lang="en-US" altLang="zh-CN" dirty="0"/>
+              <a:t>Why not MVCC</a:t>
+            </a:r>
+            <a:r>
+              <a:rPr lang="zh-CN" altLang="en-US" dirty="0"/>
+              <a:t>？</a:t>
+            </a:r>
+          </a:p>
+        </p:txBody>
+      </p:sp>
+    </p:spTree>
+    <p:extLst>
+      <p:ext uri="{BB962C8B-B14F-4D97-AF65-F5344CB8AC3E}">
+        <p14:creationId xmlns:p14="http://schemas.microsoft.com/office/powerpoint/2010/main" val="931233608"/>
+      </p:ext>
+    </p:extLst>
+  </p:cSld>
+  <p:clrMapOvr>
+    <a:masterClrMapping/>
+  </p:clrMapOvr>
+</p:sld>
+</file>
+
+<file path=ppt/slides/slide46.xml><?xml version="1.0" encoding="utf-8"?>
+<p:sld xmlns:a="http://schemas.openxmlformats.org/drawingml/2006/main" xmlns:r="http://schemas.openxmlformats.org/officeDocument/2006/relationships" xmlns:p="http://schemas.openxmlformats.org/presentationml/2006/main">
+  <p:cSld>
+    <p:spTree>
+      <p:nvGrpSpPr>
+        <p:cNvPr id="1" name=""/>
+        <p:cNvGrpSpPr/>
+        <p:nvPr/>
+      </p:nvGrpSpPr>
+      <p:grpSpPr>
+        <a:xfrm>
+          <a:off x="0" y="0"/>
+          <a:ext cx="0" cy="0"/>
+          <a:chOff x="0" y="0"/>
+          <a:chExt cx="0" cy="0"/>
+        </a:xfrm>
+      </p:grpSpPr>
       <p:pic>
         <p:nvPicPr>
           <p:cNvPr id="4" name="图片 3">
             <a:extLst>
               <a:ext uri="{FF2B5EF4-FFF2-40B4-BE49-F238E27FC236}">
-                <a16:creationId xmlns:a16="http://schemas.microsoft.com/office/drawing/2014/main" id="{5A79A657-3425-4232-BA31-F33AF03D8BF0}"/>
+                <a16:creationId xmlns:a16="http://schemas.microsoft.com/office/drawing/2014/main" id="{7B086ED8-0A00-4C27-A61D-201018BEB924}"/>
               </a:ext>
             </a:extLst>
           </p:cNvPr>
@@ -12010,6 +13416,94 @@
         </p:nvPicPr>
         <p:blipFill>
           <a:blip r:embed="rId2"/>
+          <a:stretch>
+            <a:fillRect/>
+          </a:stretch>
+        </p:blipFill>
+        <p:spPr>
+          <a:xfrm>
+            <a:off x="1919287" y="1042988"/>
+            <a:ext cx="8353425" cy="5133975"/>
+          </a:xfrm>
+          <a:prstGeom prst="rect">
+            <a:avLst/>
+          </a:prstGeom>
+        </p:spPr>
+      </p:pic>
+      <p:sp>
+        <p:nvSpPr>
+          <p:cNvPr id="2" name="标题 1">
+            <a:extLst>
+              <a:ext uri="{FF2B5EF4-FFF2-40B4-BE49-F238E27FC236}">
+                <a16:creationId xmlns:a16="http://schemas.microsoft.com/office/drawing/2014/main" id="{89220E3F-1985-42E9-B894-A54E76478830}"/>
+              </a:ext>
+            </a:extLst>
+          </p:cNvPr>
+          <p:cNvSpPr>
+            <a:spLocks noGrp="1"/>
+          </p:cNvSpPr>
+          <p:nvPr>
+            <p:ph type="title"/>
+          </p:nvPr>
+        </p:nvSpPr>
+        <p:spPr/>
+        <p:txBody>
+          <a:bodyPr/>
+          <a:lstStyle/>
+          <a:p>
+            <a:r>
+              <a:rPr lang="zh-CN" altLang="en-US" dirty="0"/>
+              <a:t>事务的分布式优化</a:t>
+            </a:r>
+          </a:p>
+        </p:txBody>
+      </p:sp>
+    </p:spTree>
+    <p:extLst>
+      <p:ext uri="{BB962C8B-B14F-4D97-AF65-F5344CB8AC3E}">
+        <p14:creationId xmlns:p14="http://schemas.microsoft.com/office/powerpoint/2010/main" val="896264082"/>
+      </p:ext>
+    </p:extLst>
+  </p:cSld>
+  <p:clrMapOvr>
+    <a:masterClrMapping/>
+  </p:clrMapOvr>
+</p:sld>
+</file>
+
+<file path=ppt/slides/slide47.xml><?xml version="1.0" encoding="utf-8"?>
+<p:sld xmlns:a="http://schemas.openxmlformats.org/drawingml/2006/main" xmlns:r="http://schemas.openxmlformats.org/officeDocument/2006/relationships" xmlns:p="http://schemas.openxmlformats.org/presentationml/2006/main">
+  <p:cSld>
+    <p:spTree>
+      <p:nvGrpSpPr>
+        <p:cNvPr id="1" name=""/>
+        <p:cNvGrpSpPr/>
+        <p:nvPr/>
+      </p:nvGrpSpPr>
+      <p:grpSpPr>
+        <a:xfrm>
+          <a:off x="0" y="0"/>
+          <a:ext cx="0" cy="0"/>
+          <a:chOff x="0" y="0"/>
+          <a:chExt cx="0" cy="0"/>
+        </a:xfrm>
+      </p:grpSpPr>
+      <p:pic>
+        <p:nvPicPr>
+          <p:cNvPr id="4" name="图片 3">
+            <a:extLst>
+              <a:ext uri="{FF2B5EF4-FFF2-40B4-BE49-F238E27FC236}">
+                <a16:creationId xmlns:a16="http://schemas.microsoft.com/office/drawing/2014/main" id="{5A79A657-3425-4232-BA31-F33AF03D8BF0}"/>
+              </a:ext>
+            </a:extLst>
+          </p:cNvPr>
+          <p:cNvPicPr>
+            <a:picLocks noChangeAspect="1"/>
+          </p:cNvPicPr>
+          <p:nvPr/>
+        </p:nvPicPr>
+        <p:blipFill>
+          <a:blip r:embed="rId3"/>
           <a:stretch>
             <a:fillRect/>
           </a:stretch>
@@ -12037,7 +13531,7 @@
 </p:sld>
 </file>
 
-<file path=ppt/slides/slide44.xml><?xml version="1.0" encoding="utf-8"?>
+<file path=ppt/slides/slide48.xml><?xml version="1.0" encoding="utf-8"?>
 <p:sld xmlns:a="http://schemas.openxmlformats.org/drawingml/2006/main" xmlns:r="http://schemas.openxmlformats.org/officeDocument/2006/relationships" xmlns:p="http://schemas.openxmlformats.org/presentationml/2006/main">
   <p:cSld>
     <p:spTree>
@@ -12069,7 +13563,7 @@
           <p:nvPr/>
         </p:nvPicPr>
         <p:blipFill>
-          <a:blip r:embed="rId2"/>
+          <a:blip r:embed="rId3"/>
           <a:stretch>
             <a:fillRect/>
           </a:stretch>
@@ -12097,7 +13591,7 @@
 </p:sld>
 </file>
 
-<file path=ppt/slides/slide45.xml><?xml version="1.0" encoding="utf-8"?>
+<file path=ppt/slides/slide49.xml><?xml version="1.0" encoding="utf-8"?>
 <p:sld xmlns:a="http://schemas.openxmlformats.org/drawingml/2006/main" xmlns:r="http://schemas.openxmlformats.org/officeDocument/2006/relationships" xmlns:p="http://schemas.openxmlformats.org/presentationml/2006/main">
   <p:cSld>
     <p:spTree>
@@ -12157,7 +13651,7 @@
 </p:sld>
 </file>
 
-<file path=ppt/slides/slide46.xml><?xml version="1.0" encoding="utf-8"?>
+<file path=ppt/slides/slide5.xml><?xml version="1.0" encoding="utf-8"?>
 <p:sld xmlns:a="http://schemas.openxmlformats.org/drawingml/2006/main" xmlns:r="http://schemas.openxmlformats.org/officeDocument/2006/relationships" xmlns:p="http://schemas.openxmlformats.org/presentationml/2006/main">
   <p:cSld>
     <p:spTree>
@@ -12179,6 +13673,133 @@
           <p:cNvPr id="2" name="标题 1">
             <a:extLst>
               <a:ext uri="{FF2B5EF4-FFF2-40B4-BE49-F238E27FC236}">
+                <a16:creationId xmlns:a16="http://schemas.microsoft.com/office/drawing/2014/main" id="{1C645FD8-F644-4A69-A9D1-1C0DA3677183}"/>
+              </a:ext>
+            </a:extLst>
+          </p:cNvPr>
+          <p:cNvSpPr>
+            <a:spLocks noGrp="1"/>
+          </p:cNvSpPr>
+          <p:nvPr>
+            <p:ph type="title"/>
+          </p:nvPr>
+        </p:nvSpPr>
+        <p:spPr/>
+        <p:txBody>
+          <a:bodyPr/>
+          <a:lstStyle/>
+          <a:p>
+            <a:r>
+              <a:rPr lang="zh-CN" altLang="en-US" dirty="0"/>
+              <a:t>应用集成通信模式</a:t>
+            </a:r>
+          </a:p>
+        </p:txBody>
+      </p:sp>
+      <p:sp>
+        <p:nvSpPr>
+          <p:cNvPr id="3" name="内容占位符 2">
+            <a:extLst>
+              <a:ext uri="{FF2B5EF4-FFF2-40B4-BE49-F238E27FC236}">
+                <a16:creationId xmlns:a16="http://schemas.microsoft.com/office/drawing/2014/main" id="{D514E1AC-6DFF-4474-85FE-ABF99F0BEAAE}"/>
+              </a:ext>
+            </a:extLst>
+          </p:cNvPr>
+          <p:cNvSpPr>
+            <a:spLocks noGrp="1"/>
+          </p:cNvSpPr>
+          <p:nvPr>
+            <p:ph idx="1"/>
+          </p:nvPr>
+        </p:nvSpPr>
+        <p:spPr/>
+        <p:txBody>
+          <a:bodyPr/>
+          <a:lstStyle/>
+          <a:p>
+            <a:r>
+              <a:rPr lang="en-US" altLang="zh-CN" dirty="0"/>
+              <a:t>1  </a:t>
+            </a:r>
+            <a:r>
+              <a:rPr lang="zh-CN" altLang="en-US" dirty="0"/>
+              <a:t>文件传输</a:t>
+            </a:r>
+            <a:endParaRPr lang="en-US" altLang="zh-CN" dirty="0"/>
+          </a:p>
+          <a:p>
+            <a:endParaRPr lang="en-US" altLang="zh-CN" dirty="0"/>
+          </a:p>
+          <a:p>
+            <a:r>
+              <a:rPr lang="en-US" altLang="zh-CN" dirty="0"/>
+              <a:t>2  </a:t>
+            </a:r>
+            <a:r>
+              <a:rPr lang="zh-CN" altLang="en-US" dirty="0"/>
+              <a:t>共享数据库</a:t>
+            </a:r>
+            <a:endParaRPr lang="en-US" altLang="zh-CN" dirty="0"/>
+          </a:p>
+          <a:p>
+            <a:endParaRPr lang="en-US" altLang="zh-CN" dirty="0"/>
+          </a:p>
+          <a:p>
+            <a:r>
+              <a:rPr lang="en-US" altLang="zh-CN" dirty="0"/>
+              <a:t>3 RPC</a:t>
+            </a:r>
+          </a:p>
+          <a:p>
+            <a:endParaRPr lang="en-US" altLang="zh-CN" dirty="0"/>
+          </a:p>
+          <a:p>
+            <a:r>
+              <a:rPr lang="en-US" altLang="zh-CN" dirty="0"/>
+              <a:t>4 </a:t>
+            </a:r>
+            <a:r>
+              <a:rPr lang="zh-CN" altLang="en-US" dirty="0"/>
+              <a:t>消息</a:t>
+            </a:r>
+          </a:p>
+        </p:txBody>
+      </p:sp>
+    </p:spTree>
+    <p:extLst>
+      <p:ext uri="{BB962C8B-B14F-4D97-AF65-F5344CB8AC3E}">
+        <p14:creationId xmlns:p14="http://schemas.microsoft.com/office/powerpoint/2010/main" val="1685372794"/>
+      </p:ext>
+    </p:extLst>
+  </p:cSld>
+  <p:clrMapOvr>
+    <a:masterClrMapping/>
+  </p:clrMapOvr>
+</p:sld>
+</file>
+
+<file path=ppt/slides/slide50.xml><?xml version="1.0" encoding="utf-8"?>
+<p:sld xmlns:a="http://schemas.openxmlformats.org/drawingml/2006/main" xmlns:r="http://schemas.openxmlformats.org/officeDocument/2006/relationships" xmlns:p="http://schemas.openxmlformats.org/presentationml/2006/main">
+  <p:cSld>
+    <p:spTree>
+      <p:nvGrpSpPr>
+        <p:cNvPr id="1" name=""/>
+        <p:cNvGrpSpPr/>
+        <p:nvPr/>
+      </p:nvGrpSpPr>
+      <p:grpSpPr>
+        <a:xfrm>
+          <a:off x="0" y="0"/>
+          <a:ext cx="0" cy="0"/>
+          <a:chOff x="0" y="0"/>
+          <a:chExt cx="0" cy="0"/>
+        </a:xfrm>
+      </p:grpSpPr>
+      <p:sp>
+        <p:nvSpPr>
+          <p:cNvPr id="2" name="标题 1">
+            <a:extLst>
+              <a:ext uri="{FF2B5EF4-FFF2-40B4-BE49-F238E27FC236}">
                 <a16:creationId xmlns:a16="http://schemas.microsoft.com/office/drawing/2014/main" id="{22F9BCE8-C65B-4954-BFA4-32220607A889}"/>
               </a:ext>
             </a:extLst>
@@ -12302,7 +13923,7 @@
 </p:sld>
 </file>
 
-<file path=ppt/slides/slide47.xml><?xml version="1.0" encoding="utf-8"?>
+<file path=ppt/slides/slide51.xml><?xml version="1.0" encoding="utf-8"?>
 <p:sld xmlns:a="http://schemas.openxmlformats.org/drawingml/2006/main" xmlns:r="http://schemas.openxmlformats.org/officeDocument/2006/relationships" xmlns:p="http://schemas.openxmlformats.org/presentationml/2006/main">
   <p:cSld>
     <p:spTree>
@@ -12362,7 +13983,7 @@
 </p:sld>
 </file>
 
-<file path=ppt/slides/slide48.xml><?xml version="1.0" encoding="utf-8"?>
+<file path=ppt/slides/slide52.xml><?xml version="1.0" encoding="utf-8"?>
 <p:sld xmlns:a="http://schemas.openxmlformats.org/drawingml/2006/main" xmlns:r="http://schemas.openxmlformats.org/officeDocument/2006/relationships" xmlns:p="http://schemas.openxmlformats.org/presentationml/2006/main">
   <p:cSld>
     <p:spTree>
@@ -12450,7 +14071,7 @@
 </p:sld>
 </file>
 
-<file path=ppt/slides/slide49.xml><?xml version="1.0" encoding="utf-8"?>
+<file path=ppt/slides/slide53.xml><?xml version="1.0" encoding="utf-8"?>
 <p:sld xmlns:a="http://schemas.openxmlformats.org/drawingml/2006/main" xmlns:r="http://schemas.openxmlformats.org/officeDocument/2006/relationships" xmlns:p="http://schemas.openxmlformats.org/presentationml/2006/main">
   <p:cSld>
     <p:spTree>
@@ -12510,134 +14131,7 @@
 </p:sld>
 </file>
 
-<file path=ppt/slides/slide5.xml><?xml version="1.0" encoding="utf-8"?>
-<p:sld xmlns:a="http://schemas.openxmlformats.org/drawingml/2006/main" xmlns:r="http://schemas.openxmlformats.org/officeDocument/2006/relationships" xmlns:p="http://schemas.openxmlformats.org/presentationml/2006/main">
-  <p:cSld>
-    <p:spTree>
-      <p:nvGrpSpPr>
-        <p:cNvPr id="1" name=""/>
-        <p:cNvGrpSpPr/>
-        <p:nvPr/>
-      </p:nvGrpSpPr>
-      <p:grpSpPr>
-        <a:xfrm>
-          <a:off x="0" y="0"/>
-          <a:ext cx="0" cy="0"/>
-          <a:chOff x="0" y="0"/>
-          <a:chExt cx="0" cy="0"/>
-        </a:xfrm>
-      </p:grpSpPr>
-      <p:sp>
-        <p:nvSpPr>
-          <p:cNvPr id="2" name="标题 1">
-            <a:extLst>
-              <a:ext uri="{FF2B5EF4-FFF2-40B4-BE49-F238E27FC236}">
-                <a16:creationId xmlns:a16="http://schemas.microsoft.com/office/drawing/2014/main" id="{1C645FD8-F644-4A69-A9D1-1C0DA3677183}"/>
-              </a:ext>
-            </a:extLst>
-          </p:cNvPr>
-          <p:cNvSpPr>
-            <a:spLocks noGrp="1"/>
-          </p:cNvSpPr>
-          <p:nvPr>
-            <p:ph type="title"/>
-          </p:nvPr>
-        </p:nvSpPr>
-        <p:spPr/>
-        <p:txBody>
-          <a:bodyPr/>
-          <a:lstStyle/>
-          <a:p>
-            <a:r>
-              <a:rPr lang="zh-CN" altLang="en-US" dirty="0"/>
-              <a:t>应用集成通信模式</a:t>
-            </a:r>
-          </a:p>
-        </p:txBody>
-      </p:sp>
-      <p:sp>
-        <p:nvSpPr>
-          <p:cNvPr id="3" name="内容占位符 2">
-            <a:extLst>
-              <a:ext uri="{FF2B5EF4-FFF2-40B4-BE49-F238E27FC236}">
-                <a16:creationId xmlns:a16="http://schemas.microsoft.com/office/drawing/2014/main" id="{D514E1AC-6DFF-4474-85FE-ABF99F0BEAAE}"/>
-              </a:ext>
-            </a:extLst>
-          </p:cNvPr>
-          <p:cNvSpPr>
-            <a:spLocks noGrp="1"/>
-          </p:cNvSpPr>
-          <p:nvPr>
-            <p:ph idx="1"/>
-          </p:nvPr>
-        </p:nvSpPr>
-        <p:spPr/>
-        <p:txBody>
-          <a:bodyPr/>
-          <a:lstStyle/>
-          <a:p>
-            <a:r>
-              <a:rPr lang="en-US" altLang="zh-CN" dirty="0"/>
-              <a:t>1  </a:t>
-            </a:r>
-            <a:r>
-              <a:rPr lang="zh-CN" altLang="en-US" dirty="0"/>
-              <a:t>文件传输</a:t>
-            </a:r>
-            <a:endParaRPr lang="en-US" altLang="zh-CN" dirty="0"/>
-          </a:p>
-          <a:p>
-            <a:endParaRPr lang="en-US" altLang="zh-CN" dirty="0"/>
-          </a:p>
-          <a:p>
-            <a:r>
-              <a:rPr lang="en-US" altLang="zh-CN" dirty="0"/>
-              <a:t>2  </a:t>
-            </a:r>
-            <a:r>
-              <a:rPr lang="zh-CN" altLang="en-US" dirty="0"/>
-              <a:t>共享数据库</a:t>
-            </a:r>
-            <a:endParaRPr lang="en-US" altLang="zh-CN" dirty="0"/>
-          </a:p>
-          <a:p>
-            <a:endParaRPr lang="en-US" altLang="zh-CN" dirty="0"/>
-          </a:p>
-          <a:p>
-            <a:r>
-              <a:rPr lang="en-US" altLang="zh-CN" dirty="0"/>
-              <a:t>3 RPC</a:t>
-            </a:r>
-          </a:p>
-          <a:p>
-            <a:endParaRPr lang="en-US" altLang="zh-CN" dirty="0"/>
-          </a:p>
-          <a:p>
-            <a:r>
-              <a:rPr lang="en-US" altLang="zh-CN" dirty="0"/>
-              <a:t>4 </a:t>
-            </a:r>
-            <a:r>
-              <a:rPr lang="zh-CN" altLang="en-US" dirty="0"/>
-              <a:t>消息</a:t>
-            </a:r>
-          </a:p>
-        </p:txBody>
-      </p:sp>
-    </p:spTree>
-    <p:extLst>
-      <p:ext uri="{BB962C8B-B14F-4D97-AF65-F5344CB8AC3E}">
-        <p14:creationId xmlns:p14="http://schemas.microsoft.com/office/powerpoint/2010/main" val="1685372794"/>
-      </p:ext>
-    </p:extLst>
-  </p:cSld>
-  <p:clrMapOvr>
-    <a:masterClrMapping/>
-  </p:clrMapOvr>
-</p:sld>
-</file>
-
-<file path=ppt/slides/slide50.xml><?xml version="1.0" encoding="utf-8"?>
+<file path=ppt/slides/slide54.xml><?xml version="1.0" encoding="utf-8"?>
 <p:sld xmlns:a="http://schemas.openxmlformats.org/drawingml/2006/main" xmlns:r="http://schemas.openxmlformats.org/officeDocument/2006/relationships" xmlns:p="http://schemas.openxmlformats.org/presentationml/2006/main">
   <p:cSld>
     <p:spTree>
@@ -12725,69 +14219,7 @@
 </p:sld>
 </file>
 
-<file path=ppt/slides/slide51.xml><?xml version="1.0" encoding="utf-8"?>
-<p:sld xmlns:a="http://schemas.openxmlformats.org/drawingml/2006/main" xmlns:r="http://schemas.openxmlformats.org/officeDocument/2006/relationships" xmlns:p="http://schemas.openxmlformats.org/presentationml/2006/main">
-  <p:cSld>
-    <p:spTree>
-      <p:nvGrpSpPr>
-        <p:cNvPr id="1" name=""/>
-        <p:cNvGrpSpPr/>
-        <p:nvPr/>
-      </p:nvGrpSpPr>
-      <p:grpSpPr>
-        <a:xfrm>
-          <a:off x="0" y="0"/>
-          <a:ext cx="0" cy="0"/>
-          <a:chOff x="0" y="0"/>
-          <a:chExt cx="0" cy="0"/>
-        </a:xfrm>
-      </p:grpSpPr>
-      <p:pic>
-        <p:nvPicPr>
-          <p:cNvPr id="4" name="内容占位符 3">
-            <a:extLst>
-              <a:ext uri="{FF2B5EF4-FFF2-40B4-BE49-F238E27FC236}">
-                <a16:creationId xmlns:a16="http://schemas.microsoft.com/office/drawing/2014/main" id="{54E4D5DB-38B4-4885-BB47-F273DB8FCC11}"/>
-              </a:ext>
-            </a:extLst>
-          </p:cNvPr>
-          <p:cNvPicPr>
-            <a:picLocks noGrp="1" noChangeAspect="1"/>
-          </p:cNvPicPr>
-          <p:nvPr>
-            <p:ph idx="1"/>
-          </p:nvPr>
-        </p:nvPicPr>
-        <p:blipFill>
-          <a:blip r:embed="rId3"/>
-          <a:stretch>
-            <a:fillRect/>
-          </a:stretch>
-        </p:blipFill>
-        <p:spPr>
-          <a:xfrm>
-            <a:off x="2207774" y="1136513"/>
-            <a:ext cx="7193355" cy="4351338"/>
-          </a:xfrm>
-          <a:prstGeom prst="rect">
-            <a:avLst/>
-          </a:prstGeom>
-        </p:spPr>
-      </p:pic>
-    </p:spTree>
-    <p:extLst>
-      <p:ext uri="{BB962C8B-B14F-4D97-AF65-F5344CB8AC3E}">
-        <p14:creationId xmlns:p14="http://schemas.microsoft.com/office/powerpoint/2010/main" val="3381447373"/>
-      </p:ext>
-    </p:extLst>
-  </p:cSld>
-  <p:clrMapOvr>
-    <a:masterClrMapping/>
-  </p:clrMapOvr>
-</p:sld>
-</file>
-
-<file path=ppt/slides/slide52.xml><?xml version="1.0" encoding="utf-8"?>
+<file path=ppt/slides/slide55.xml><?xml version="1.0" encoding="utf-8"?>
 <p:sld xmlns:a="http://schemas.openxmlformats.org/drawingml/2006/main" xmlns:r="http://schemas.openxmlformats.org/officeDocument/2006/relationships" xmlns:p="http://schemas.openxmlformats.org/presentationml/2006/main">
   <p:cSld>
     <p:spTree>
@@ -12900,7 +14332,7 @@
 </p:sld>
 </file>
 
-<file path=ppt/slides/slide53.xml><?xml version="1.0" encoding="utf-8"?>
+<file path=ppt/slides/slide56.xml><?xml version="1.0" encoding="utf-8"?>
 <p:sld xmlns:a="http://schemas.openxmlformats.org/drawingml/2006/main" xmlns:r="http://schemas.openxmlformats.org/officeDocument/2006/relationships" xmlns:p="http://schemas.openxmlformats.org/presentationml/2006/main">
   <p:cSld>
     <p:spTree>
@@ -13035,7 +14467,7 @@
 </p:sld>
 </file>
 
-<file path=ppt/slides/slide54.xml><?xml version="1.0" encoding="utf-8"?>
+<file path=ppt/slides/slide57.xml><?xml version="1.0" encoding="utf-8"?>
 <p:sld xmlns:a="http://schemas.openxmlformats.org/drawingml/2006/main" xmlns:r="http://schemas.openxmlformats.org/officeDocument/2006/relationships" xmlns:p="http://schemas.openxmlformats.org/presentationml/2006/main">
   <p:cSld>
     <p:spTree>
@@ -13134,7 +14566,7 @@
 </p:sld>
 </file>
 
-<file path=ppt/slides/slide55.xml><?xml version="1.0" encoding="utf-8"?>
+<file path=ppt/slides/slide58.xml><?xml version="1.0" encoding="utf-8"?>
 <p:sld xmlns:a="http://schemas.openxmlformats.org/drawingml/2006/main" xmlns:r="http://schemas.openxmlformats.org/officeDocument/2006/relationships" xmlns:p="http://schemas.openxmlformats.org/presentationml/2006/main">
   <p:cSld>
     <p:spTree>
@@ -13271,7 +14703,7 @@
 </p:sld>
 </file>
 
-<file path=ppt/slides/slide56.xml><?xml version="1.0" encoding="utf-8"?>
+<file path=ppt/slides/slide59.xml><?xml version="1.0" encoding="utf-8"?>
 <p:sld xmlns:a="http://schemas.openxmlformats.org/drawingml/2006/main" xmlns:r="http://schemas.openxmlformats.org/officeDocument/2006/relationships" xmlns:p="http://schemas.openxmlformats.org/presentationml/2006/main">
   <p:cSld>
     <p:spTree>
@@ -13365,7 +14797,93 @@
 </p:sld>
 </file>
 
-<file path=ppt/slides/slide57.xml><?xml version="1.0" encoding="utf-8"?>
+<file path=ppt/slides/slide6.xml><?xml version="1.0" encoding="utf-8"?>
+<p:sld xmlns:a="http://schemas.openxmlformats.org/drawingml/2006/main" xmlns:r="http://schemas.openxmlformats.org/officeDocument/2006/relationships" xmlns:p="http://schemas.openxmlformats.org/presentationml/2006/main">
+  <p:cSld>
+    <p:spTree>
+      <p:nvGrpSpPr>
+        <p:cNvPr id="1" name=""/>
+        <p:cNvGrpSpPr/>
+        <p:nvPr/>
+      </p:nvGrpSpPr>
+      <p:grpSpPr>
+        <a:xfrm>
+          <a:off x="0" y="0"/>
+          <a:ext cx="0" cy="0"/>
+          <a:chOff x="0" y="0"/>
+          <a:chExt cx="0" cy="0"/>
+        </a:xfrm>
+      </p:grpSpPr>
+      <p:sp>
+        <p:nvSpPr>
+          <p:cNvPr id="2" name="标题 1">
+            <a:extLst>
+              <a:ext uri="{FF2B5EF4-FFF2-40B4-BE49-F238E27FC236}">
+                <a16:creationId xmlns:a16="http://schemas.microsoft.com/office/drawing/2014/main" id="{EE73747F-661A-419B-9B6E-4F7B1F89967F}"/>
+              </a:ext>
+            </a:extLst>
+          </p:cNvPr>
+          <p:cNvSpPr>
+            <a:spLocks noGrp="1"/>
+          </p:cNvSpPr>
+          <p:nvPr>
+            <p:ph type="title"/>
+          </p:nvPr>
+        </p:nvSpPr>
+        <p:spPr/>
+        <p:txBody>
+          <a:bodyPr/>
+          <a:lstStyle/>
+          <a:p>
+            <a:r>
+              <a:rPr lang="zh-CN" altLang="en-US" dirty="0"/>
+              <a:t>什么是消息队列</a:t>
+            </a:r>
+          </a:p>
+        </p:txBody>
+      </p:sp>
+      <p:sp>
+        <p:nvSpPr>
+          <p:cNvPr id="3" name="内容占位符 2">
+            <a:extLst>
+              <a:ext uri="{FF2B5EF4-FFF2-40B4-BE49-F238E27FC236}">
+                <a16:creationId xmlns:a16="http://schemas.microsoft.com/office/drawing/2014/main" id="{9775FE2D-CE8F-4AC3-B5C0-8E2AF73E1C43}"/>
+              </a:ext>
+            </a:extLst>
+          </p:cNvPr>
+          <p:cNvSpPr>
+            <a:spLocks noGrp="1"/>
+          </p:cNvSpPr>
+          <p:nvPr>
+            <p:ph idx="1"/>
+          </p:nvPr>
+        </p:nvSpPr>
+        <p:spPr/>
+        <p:txBody>
+          <a:bodyPr/>
+          <a:lstStyle/>
+          <a:p>
+            <a:r>
+              <a:rPr lang="zh-CN" altLang="en-US" dirty="0"/>
+              <a:t>消息的载体。</a:t>
+            </a:r>
+          </a:p>
+        </p:txBody>
+      </p:sp>
+    </p:spTree>
+    <p:extLst>
+      <p:ext uri="{BB962C8B-B14F-4D97-AF65-F5344CB8AC3E}">
+        <p14:creationId xmlns:p14="http://schemas.microsoft.com/office/powerpoint/2010/main" val="3670960668"/>
+      </p:ext>
+    </p:extLst>
+  </p:cSld>
+  <p:clrMapOvr>
+    <a:masterClrMapping/>
+  </p:clrMapOvr>
+</p:sld>
+</file>
+
+<file path=ppt/slides/slide60.xml><?xml version="1.0" encoding="utf-8"?>
 <p:sld xmlns:a="http://schemas.openxmlformats.org/drawingml/2006/main" xmlns:r="http://schemas.openxmlformats.org/officeDocument/2006/relationships" xmlns:p="http://schemas.openxmlformats.org/presentationml/2006/main">
   <p:cSld>
     <p:spTree>
@@ -13475,7 +14993,7 @@
 </p:sld>
 </file>
 
-<file path=ppt/slides/slide58.xml><?xml version="1.0" encoding="utf-8"?>
+<file path=ppt/slides/slide61.xml><?xml version="1.0" encoding="utf-8"?>
 <p:sld xmlns:a="http://schemas.openxmlformats.org/drawingml/2006/main" xmlns:r="http://schemas.openxmlformats.org/officeDocument/2006/relationships" xmlns:p="http://schemas.openxmlformats.org/presentationml/2006/main">
   <p:cSld>
     <p:spTree>
@@ -13585,7 +15103,7 @@
 </p:sld>
 </file>
 
-<file path=ppt/slides/slide59.xml><?xml version="1.0" encoding="utf-8"?>
+<file path=ppt/slides/slide62.xml><?xml version="1.0" encoding="utf-8"?>
 <p:sld xmlns:a="http://schemas.openxmlformats.org/drawingml/2006/main" xmlns:r="http://schemas.openxmlformats.org/officeDocument/2006/relationships" xmlns:p="http://schemas.openxmlformats.org/presentationml/2006/main">
   <p:cSld>
     <p:spTree>
@@ -13695,93 +15213,7 @@
 </p:sld>
 </file>
 
-<file path=ppt/slides/slide6.xml><?xml version="1.0" encoding="utf-8"?>
-<p:sld xmlns:a="http://schemas.openxmlformats.org/drawingml/2006/main" xmlns:r="http://schemas.openxmlformats.org/officeDocument/2006/relationships" xmlns:p="http://schemas.openxmlformats.org/presentationml/2006/main">
-  <p:cSld>
-    <p:spTree>
-      <p:nvGrpSpPr>
-        <p:cNvPr id="1" name=""/>
-        <p:cNvGrpSpPr/>
-        <p:nvPr/>
-      </p:nvGrpSpPr>
-      <p:grpSpPr>
-        <a:xfrm>
-          <a:off x="0" y="0"/>
-          <a:ext cx="0" cy="0"/>
-          <a:chOff x="0" y="0"/>
-          <a:chExt cx="0" cy="0"/>
-        </a:xfrm>
-      </p:grpSpPr>
-      <p:sp>
-        <p:nvSpPr>
-          <p:cNvPr id="2" name="标题 1">
-            <a:extLst>
-              <a:ext uri="{FF2B5EF4-FFF2-40B4-BE49-F238E27FC236}">
-                <a16:creationId xmlns:a16="http://schemas.microsoft.com/office/drawing/2014/main" id="{EE73747F-661A-419B-9B6E-4F7B1F89967F}"/>
-              </a:ext>
-            </a:extLst>
-          </p:cNvPr>
-          <p:cNvSpPr>
-            <a:spLocks noGrp="1"/>
-          </p:cNvSpPr>
-          <p:nvPr>
-            <p:ph type="title"/>
-          </p:nvPr>
-        </p:nvSpPr>
-        <p:spPr/>
-        <p:txBody>
-          <a:bodyPr/>
-          <a:lstStyle/>
-          <a:p>
-            <a:r>
-              <a:rPr lang="zh-CN" altLang="en-US" dirty="0"/>
-              <a:t>什么是消息队列</a:t>
-            </a:r>
-          </a:p>
-        </p:txBody>
-      </p:sp>
-      <p:sp>
-        <p:nvSpPr>
-          <p:cNvPr id="3" name="内容占位符 2">
-            <a:extLst>
-              <a:ext uri="{FF2B5EF4-FFF2-40B4-BE49-F238E27FC236}">
-                <a16:creationId xmlns:a16="http://schemas.microsoft.com/office/drawing/2014/main" id="{9775FE2D-CE8F-4AC3-B5C0-8E2AF73E1C43}"/>
-              </a:ext>
-            </a:extLst>
-          </p:cNvPr>
-          <p:cNvSpPr>
-            <a:spLocks noGrp="1"/>
-          </p:cNvSpPr>
-          <p:nvPr>
-            <p:ph idx="1"/>
-          </p:nvPr>
-        </p:nvSpPr>
-        <p:spPr/>
-        <p:txBody>
-          <a:bodyPr/>
-          <a:lstStyle/>
-          <a:p>
-            <a:r>
-              <a:rPr lang="zh-CN" altLang="en-US" dirty="0"/>
-              <a:t>消息的载体。</a:t>
-            </a:r>
-          </a:p>
-        </p:txBody>
-      </p:sp>
-    </p:spTree>
-    <p:extLst>
-      <p:ext uri="{BB962C8B-B14F-4D97-AF65-F5344CB8AC3E}">
-        <p14:creationId xmlns:p14="http://schemas.microsoft.com/office/powerpoint/2010/main" val="3670960668"/>
-      </p:ext>
-    </p:extLst>
-  </p:cSld>
-  <p:clrMapOvr>
-    <a:masterClrMapping/>
-  </p:clrMapOvr>
-</p:sld>
-</file>
-
-<file path=ppt/slides/slide60.xml><?xml version="1.0" encoding="utf-8"?>
+<file path=ppt/slides/slide63.xml><?xml version="1.0" encoding="utf-8"?>
 <p:sld xmlns:a="http://schemas.openxmlformats.org/drawingml/2006/main" xmlns:r="http://schemas.openxmlformats.org/officeDocument/2006/relationships" xmlns:p="http://schemas.openxmlformats.org/presentationml/2006/main">
   <p:cSld>
     <p:spTree>
@@ -13891,7 +15323,7 @@
 </p:sld>
 </file>
 
-<file path=ppt/slides/slide61.xml><?xml version="1.0" encoding="utf-8"?>
+<file path=ppt/slides/slide64.xml><?xml version="1.0" encoding="utf-8"?>
 <p:sld xmlns:a="http://schemas.openxmlformats.org/drawingml/2006/main" xmlns:r="http://schemas.openxmlformats.org/officeDocument/2006/relationships" xmlns:p="http://schemas.openxmlformats.org/presentationml/2006/main">
   <p:cSld>
     <p:spTree>
@@ -13971,7 +15403,7 @@
 </p:sld>
 </file>
 
-<file path=ppt/slides/slide62.xml><?xml version="1.0" encoding="utf-8"?>
+<file path=ppt/slides/slide65.xml><?xml version="1.0" encoding="utf-8"?>
 <p:sld xmlns:a="http://schemas.openxmlformats.org/drawingml/2006/main" xmlns:r="http://schemas.openxmlformats.org/officeDocument/2006/relationships" xmlns:p="http://schemas.openxmlformats.org/presentationml/2006/main">
   <p:cSld>
     <p:spTree>
@@ -14170,13 +15602,6 @@
             </a:r>
             <a:endParaRPr lang="en-US" altLang="zh-CN" dirty="0"/>
           </a:p>
-          <a:p>
-            <a:r>
-              <a:rPr lang="en-US" altLang="zh-CN" dirty="0"/>
-              <a:t>6 </a:t>
-            </a:r>
-            <a:endParaRPr lang="zh-CN" altLang="en-US" dirty="0"/>
-          </a:p>
         </p:txBody>
       </p:sp>
     </p:spTree>
@@ -14347,14 +15772,20 @@
               <a:rPr lang="zh-CN" altLang="en-US" dirty="0"/>
               <a:t>异步</a:t>
             </a:r>
-            <a:endParaRPr lang="en-US" altLang="zh-CN" dirty="0"/>
+            <a:r>
+              <a:rPr lang="en-US" altLang="zh-CN" dirty="0"/>
+              <a:t>-asynchronous</a:t>
+            </a:r>
           </a:p>
           <a:p>
             <a:r>
               <a:rPr lang="zh-CN" altLang="en-US" dirty="0"/>
               <a:t>解耦</a:t>
             </a:r>
-            <a:endParaRPr lang="en-US" altLang="zh-CN" dirty="0"/>
+            <a:r>
+              <a:rPr lang="en-US" altLang="zh-CN" dirty="0"/>
+              <a:t>-decoupling</a:t>
+            </a:r>
           </a:p>
           <a:p>
             <a:r>

--- a/简单理解mq.pptx
+++ b/简单理解mq.pptx
@@ -5,7 +5,7 @@
     <p:sldMasterId id="2147483648" r:id="rId1"/>
   </p:sldMasterIdLst>
   <p:notesMasterIdLst>
-    <p:notesMasterId r:id="rId67"/>
+    <p:notesMasterId r:id="rId60"/>
   </p:notesMasterIdLst>
   <p:sldIdLst>
     <p:sldId id="256" r:id="rId2"/>
@@ -39,40 +39,33 @@
     <p:sldId id="286" r:id="rId30"/>
     <p:sldId id="287" r:id="rId31"/>
     <p:sldId id="288" r:id="rId32"/>
-    <p:sldId id="326" r:id="rId33"/>
-    <p:sldId id="289" r:id="rId34"/>
-    <p:sldId id="290" r:id="rId35"/>
-    <p:sldId id="291" r:id="rId36"/>
-    <p:sldId id="292" r:id="rId37"/>
-    <p:sldId id="293" r:id="rId38"/>
-    <p:sldId id="295" r:id="rId39"/>
-    <p:sldId id="296" r:id="rId40"/>
-    <p:sldId id="297" r:id="rId41"/>
-    <p:sldId id="298" r:id="rId42"/>
-    <p:sldId id="305" r:id="rId43"/>
-    <p:sldId id="299" r:id="rId44"/>
-    <p:sldId id="328" r:id="rId45"/>
-    <p:sldId id="329" r:id="rId46"/>
-    <p:sldId id="300" r:id="rId47"/>
-    <p:sldId id="301" r:id="rId48"/>
-    <p:sldId id="302" r:id="rId49"/>
-    <p:sldId id="303" r:id="rId50"/>
-    <p:sldId id="304" r:id="rId51"/>
-    <p:sldId id="308" r:id="rId52"/>
-    <p:sldId id="309" r:id="rId53"/>
-    <p:sldId id="310" r:id="rId54"/>
-    <p:sldId id="311" r:id="rId55"/>
-    <p:sldId id="312" r:id="rId56"/>
-    <p:sldId id="315" r:id="rId57"/>
-    <p:sldId id="317" r:id="rId58"/>
-    <p:sldId id="318" r:id="rId59"/>
-    <p:sldId id="321" r:id="rId60"/>
-    <p:sldId id="322" r:id="rId61"/>
-    <p:sldId id="323" r:id="rId62"/>
-    <p:sldId id="324" r:id="rId63"/>
-    <p:sldId id="325" r:id="rId64"/>
-    <p:sldId id="273" r:id="rId65"/>
-    <p:sldId id="306" r:id="rId66"/>
+    <p:sldId id="289" r:id="rId33"/>
+    <p:sldId id="290" r:id="rId34"/>
+    <p:sldId id="291" r:id="rId35"/>
+    <p:sldId id="292" r:id="rId36"/>
+    <p:sldId id="293" r:id="rId37"/>
+    <p:sldId id="295" r:id="rId38"/>
+    <p:sldId id="296" r:id="rId39"/>
+    <p:sldId id="297" r:id="rId40"/>
+    <p:sldId id="298" r:id="rId41"/>
+    <p:sldId id="305" r:id="rId42"/>
+    <p:sldId id="299" r:id="rId43"/>
+    <p:sldId id="328" r:id="rId44"/>
+    <p:sldId id="329" r:id="rId45"/>
+    <p:sldId id="300" r:id="rId46"/>
+    <p:sldId id="301" r:id="rId47"/>
+    <p:sldId id="302" r:id="rId48"/>
+    <p:sldId id="303" r:id="rId49"/>
+    <p:sldId id="304" r:id="rId50"/>
+    <p:sldId id="308" r:id="rId51"/>
+    <p:sldId id="309" r:id="rId52"/>
+    <p:sldId id="310" r:id="rId53"/>
+    <p:sldId id="311" r:id="rId54"/>
+    <p:sldId id="312" r:id="rId55"/>
+    <p:sldId id="317" r:id="rId56"/>
+    <p:sldId id="318" r:id="rId57"/>
+    <p:sldId id="273" r:id="rId58"/>
+    <p:sldId id="306" r:id="rId59"/>
   </p:sldIdLst>
   <p:sldSz cx="12192000" cy="6858000"/>
   <p:notesSz cx="6858000" cy="9144000"/>
@@ -2532,7 +2525,7 @@
           <a:p>
             <a:fld id="{4B582AF9-37B1-44A1-84CA-4FD7192A976E}" type="slidenum">
               <a:rPr lang="zh-CN" altLang="en-US" smtClean="0"/>
-              <a:t>33</a:t>
+              <a:t>32</a:t>
             </a:fld>
             <a:endParaRPr lang="zh-CN" altLang="en-US"/>
           </a:p>
@@ -2619,7 +2612,7 @@
           <a:p>
             <a:fld id="{4B582AF9-37B1-44A1-84CA-4FD7192A976E}" type="slidenum">
               <a:rPr lang="zh-CN" altLang="en-US" smtClean="0"/>
-              <a:t>34</a:t>
+              <a:t>33</a:t>
             </a:fld>
             <a:endParaRPr lang="zh-CN" altLang="en-US"/>
           </a:p>
@@ -2719,7 +2712,7 @@
           <a:p>
             <a:fld id="{4B582AF9-37B1-44A1-84CA-4FD7192A976E}" type="slidenum">
               <a:rPr lang="zh-CN" altLang="en-US" smtClean="0"/>
-              <a:t>36</a:t>
+              <a:t>35</a:t>
             </a:fld>
             <a:endParaRPr lang="zh-CN" altLang="en-US"/>
           </a:p>
@@ -2803,7 +2796,7 @@
           <a:p>
             <a:fld id="{4B582AF9-37B1-44A1-84CA-4FD7192A976E}" type="slidenum">
               <a:rPr lang="zh-CN" altLang="en-US" smtClean="0"/>
-              <a:t>37</a:t>
+              <a:t>36</a:t>
             </a:fld>
             <a:endParaRPr lang="zh-CN" altLang="en-US"/>
           </a:p>
@@ -2911,7 +2904,7 @@
           <a:p>
             <a:fld id="{4B582AF9-37B1-44A1-84CA-4FD7192A976E}" type="slidenum">
               <a:rPr lang="zh-CN" altLang="en-US" smtClean="0"/>
-              <a:t>41</a:t>
+              <a:t>40</a:t>
             </a:fld>
             <a:endParaRPr lang="zh-CN" altLang="en-US"/>
           </a:p>
@@ -3002,7 +2995,7 @@
           <a:p>
             <a:fld id="{4B582AF9-37B1-44A1-84CA-4FD7192A976E}" type="slidenum">
               <a:rPr lang="zh-CN" altLang="en-US" smtClean="0"/>
-              <a:t>42</a:t>
+              <a:t>41</a:t>
             </a:fld>
             <a:endParaRPr lang="zh-CN" altLang="en-US"/>
           </a:p>
@@ -3120,7 +3113,7 @@
           <a:p>
             <a:fld id="{4B582AF9-37B1-44A1-84CA-4FD7192A976E}" type="slidenum">
               <a:rPr lang="zh-CN" altLang="en-US" smtClean="0"/>
-              <a:t>43</a:t>
+              <a:t>42</a:t>
             </a:fld>
             <a:endParaRPr lang="zh-CN" altLang="en-US"/>
           </a:p>
@@ -3225,7 +3218,7 @@
           <a:p>
             <a:fld id="{4B582AF9-37B1-44A1-84CA-4FD7192A976E}" type="slidenum">
               <a:rPr lang="zh-CN" altLang="en-US" smtClean="0"/>
-              <a:t>44</a:t>
+              <a:t>43</a:t>
             </a:fld>
             <a:endParaRPr lang="zh-CN" altLang="en-US"/>
           </a:p>
@@ -3515,7 +3508,7 @@
           <a:p>
             <a:fld id="{4B582AF9-37B1-44A1-84CA-4FD7192A976E}" type="slidenum">
               <a:rPr lang="zh-CN" altLang="en-US" smtClean="0"/>
-              <a:t>47</a:t>
+              <a:t>46</a:t>
             </a:fld>
             <a:endParaRPr lang="zh-CN" altLang="en-US"/>
           </a:p>
@@ -3599,7 +3592,7 @@
           <a:p>
             <a:fld id="{4B582AF9-37B1-44A1-84CA-4FD7192A976E}" type="slidenum">
               <a:rPr lang="zh-CN" altLang="en-US" smtClean="0"/>
-              <a:t>48</a:t>
+              <a:t>47</a:t>
             </a:fld>
             <a:endParaRPr lang="zh-CN" altLang="en-US"/>
           </a:p>
@@ -3686,7 +3679,7 @@
           <a:p>
             <a:fld id="{4B582AF9-37B1-44A1-84CA-4FD7192A976E}" type="slidenum">
               <a:rPr lang="zh-CN" altLang="en-US" smtClean="0"/>
-              <a:t>51</a:t>
+              <a:t>50</a:t>
             </a:fld>
             <a:endParaRPr lang="zh-CN" altLang="en-US"/>
           </a:p>
@@ -3773,7 +3766,7 @@
           <a:p>
             <a:fld id="{4B582AF9-37B1-44A1-84CA-4FD7192A976E}" type="slidenum">
               <a:rPr lang="zh-CN" altLang="en-US" smtClean="0"/>
-              <a:t>52</a:t>
+              <a:t>51</a:t>
             </a:fld>
             <a:endParaRPr lang="zh-CN" altLang="en-US"/>
           </a:p>
@@ -3860,7 +3853,7 @@
           <a:p>
             <a:fld id="{4B582AF9-37B1-44A1-84CA-4FD7192A976E}" type="slidenum">
               <a:rPr lang="zh-CN" altLang="en-US" smtClean="0"/>
-              <a:t>53</a:t>
+              <a:t>52</a:t>
             </a:fld>
             <a:endParaRPr lang="zh-CN" altLang="en-US"/>
           </a:p>
@@ -3944,7 +3937,7 @@
           <a:p>
             <a:fld id="{4B582AF9-37B1-44A1-84CA-4FD7192A976E}" type="slidenum">
               <a:rPr lang="zh-CN" altLang="en-US" smtClean="0"/>
-              <a:t>55</a:t>
+              <a:t>54</a:t>
             </a:fld>
             <a:endParaRPr lang="zh-CN" altLang="en-US"/>
           </a:p>
@@ -4054,7 +4047,7 @@
           <a:p>
             <a:fld id="{4B582AF9-37B1-44A1-84CA-4FD7192A976E}" type="slidenum">
               <a:rPr lang="zh-CN" altLang="en-US" smtClean="0"/>
-              <a:t>57</a:t>
+              <a:t>55</a:t>
             </a:fld>
             <a:endParaRPr lang="zh-CN" altLang="en-US"/>
           </a:p>
@@ -4213,7 +4206,7 @@
           <a:p>
             <a:fld id="{4B582AF9-37B1-44A1-84CA-4FD7192A976E}" type="slidenum">
               <a:rPr lang="zh-CN" altLang="en-US" smtClean="0"/>
-              <a:t>58</a:t>
+              <a:t>56</a:t>
             </a:fld>
             <a:endParaRPr lang="zh-CN" altLang="en-US"/>
           </a:p>
@@ -4223,93 +4216,6 @@
     <p:extLst>
       <p:ext uri="{BB962C8B-B14F-4D97-AF65-F5344CB8AC3E}">
         <p14:creationId xmlns:p14="http://schemas.microsoft.com/office/powerpoint/2010/main" val="3673277086"/>
-      </p:ext>
-    </p:extLst>
-  </p:cSld>
-  <p:clrMapOvr>
-    <a:masterClrMapping/>
-  </p:clrMapOvr>
-</p:notes>
-</file>
-
-<file path=ppt/notesSlides/notesSlide38.xml><?xml version="1.0" encoding="utf-8"?>
-<p:notes xmlns:a="http://schemas.openxmlformats.org/drawingml/2006/main" xmlns:r="http://schemas.openxmlformats.org/officeDocument/2006/relationships" xmlns:p="http://schemas.openxmlformats.org/presentationml/2006/main">
-  <p:cSld>
-    <p:spTree>
-      <p:nvGrpSpPr>
-        <p:cNvPr id="1" name=""/>
-        <p:cNvGrpSpPr/>
-        <p:nvPr/>
-      </p:nvGrpSpPr>
-      <p:grpSpPr>
-        <a:xfrm>
-          <a:off x="0" y="0"/>
-          <a:ext cx="0" cy="0"/>
-          <a:chOff x="0" y="0"/>
-          <a:chExt cx="0" cy="0"/>
-        </a:xfrm>
-      </p:grpSpPr>
-      <p:sp>
-        <p:nvSpPr>
-          <p:cNvPr id="2" name="幻灯片图像占位符 1"/>
-          <p:cNvSpPr>
-            <a:spLocks noGrp="1" noRot="1" noChangeAspect="1"/>
-          </p:cNvSpPr>
-          <p:nvPr>
-            <p:ph type="sldImg"/>
-          </p:nvPr>
-        </p:nvSpPr>
-        <p:spPr/>
-      </p:sp>
-      <p:sp>
-        <p:nvSpPr>
-          <p:cNvPr id="3" name="备注占位符 2"/>
-          <p:cNvSpPr>
-            <a:spLocks noGrp="1"/>
-          </p:cNvSpPr>
-          <p:nvPr>
-            <p:ph type="body" idx="1"/>
-          </p:nvPr>
-        </p:nvSpPr>
-        <p:spPr/>
-        <p:txBody>
-          <a:bodyPr/>
-          <a:lstStyle/>
-          <a:p>
-            <a:r>
-              <a:rPr lang="zh-CN" altLang="en-US" dirty="0"/>
-              <a:t>关键在于系统交互模式变化了！！！！！！</a:t>
-            </a:r>
-          </a:p>
-        </p:txBody>
-      </p:sp>
-      <p:sp>
-        <p:nvSpPr>
-          <p:cNvPr id="4" name="灯片编号占位符 3"/>
-          <p:cNvSpPr>
-            <a:spLocks noGrp="1"/>
-          </p:cNvSpPr>
-          <p:nvPr>
-            <p:ph type="sldNum" sz="quarter" idx="5"/>
-          </p:nvPr>
-        </p:nvSpPr>
-        <p:spPr/>
-        <p:txBody>
-          <a:bodyPr/>
-          <a:lstStyle/>
-          <a:p>
-            <a:fld id="{4B582AF9-37B1-44A1-84CA-4FD7192A976E}" type="slidenum">
-              <a:rPr lang="zh-CN" altLang="en-US" smtClean="0"/>
-              <a:t>62</a:t>
-            </a:fld>
-            <a:endParaRPr lang="zh-CN" altLang="en-US"/>
-          </a:p>
-        </p:txBody>
-      </p:sp>
-    </p:spTree>
-    <p:extLst>
-      <p:ext uri="{BB962C8B-B14F-4D97-AF65-F5344CB8AC3E}">
-        <p14:creationId xmlns:p14="http://schemas.microsoft.com/office/powerpoint/2010/main" val="2754251585"/>
       </p:ext>
     </p:extLst>
   </p:cSld>
@@ -11685,7 +11591,7 @@
           <p:cNvPr id="2" name="标题 1">
             <a:extLst>
               <a:ext uri="{FF2B5EF4-FFF2-40B4-BE49-F238E27FC236}">
-                <a16:creationId xmlns:a16="http://schemas.microsoft.com/office/drawing/2014/main" id="{05FAEF28-2FA2-4742-B64E-D161D7BE5A27}"/>
+                <a16:creationId xmlns:a16="http://schemas.microsoft.com/office/drawing/2014/main" id="{0B30EEDF-9476-4842-8D20-AC235E62339C}"/>
               </a:ext>
             </a:extLst>
           </p:cNvPr>
@@ -11710,7 +11616,7 @@
           <p:cNvPr id="3" name="内容占位符 2">
             <a:extLst>
               <a:ext uri="{FF2B5EF4-FFF2-40B4-BE49-F238E27FC236}">
-                <a16:creationId xmlns:a16="http://schemas.microsoft.com/office/drawing/2014/main" id="{8407FE95-FA8E-43D8-8D0D-1C6C4E21EAF1}"/>
+                <a16:creationId xmlns:a16="http://schemas.microsoft.com/office/drawing/2014/main" id="{0B40D793-E414-41C1-870E-8F1182D674BA}"/>
               </a:ext>
             </a:extLst>
           </p:cNvPr>
@@ -11728,7 +11634,31 @@
           <a:p>
             <a:r>
               <a:rPr lang="zh-CN" altLang="en-US" dirty="0"/>
-              <a:t>人类对数据库事务的优化到了极致。</a:t>
+              <a:t>在世界上解决计算机问题的最简单方法：</a:t>
+            </a:r>
+            <a:endParaRPr lang="en-US" altLang="zh-CN" dirty="0"/>
+          </a:p>
+          <a:p>
+            <a:pPr lvl="1"/>
+            <a:r>
+              <a:rPr lang="zh-CN" altLang="en-US" dirty="0"/>
+              <a:t>“恰好</a:t>
+            </a:r>
+            <a:r>
+              <a:rPr lang="en-US" altLang="zh-CN" dirty="0"/>
+              <a:t>”</a:t>
+            </a:r>
+            <a:r>
+              <a:rPr lang="zh-CN" altLang="en-US" dirty="0"/>
+              <a:t>不需要解决它。</a:t>
+            </a:r>
+            <a:endParaRPr lang="en-US" altLang="zh-CN" dirty="0"/>
+          </a:p>
+          <a:p>
+            <a:pPr lvl="1"/>
+            <a:r>
+              <a:rPr lang="zh-CN" altLang="en-US" dirty="0"/>
+              <a:t>因为解决任何一个问题都有付出代价。</a:t>
             </a:r>
           </a:p>
         </p:txBody>
@@ -11736,7 +11666,7 @@
     </p:spTree>
     <p:extLst>
       <p:ext uri="{BB962C8B-B14F-4D97-AF65-F5344CB8AC3E}">
-        <p14:creationId xmlns:p14="http://schemas.microsoft.com/office/powerpoint/2010/main" val="2203866256"/>
+        <p14:creationId xmlns:p14="http://schemas.microsoft.com/office/powerpoint/2010/main" val="1561047756"/>
       </p:ext>
     </p:extLst>
   </p:cSld>
@@ -11768,113 +11698,6 @@
           <p:cNvPr id="2" name="标题 1">
             <a:extLst>
               <a:ext uri="{FF2B5EF4-FFF2-40B4-BE49-F238E27FC236}">
-                <a16:creationId xmlns:a16="http://schemas.microsoft.com/office/drawing/2014/main" id="{0B30EEDF-9476-4842-8D20-AC235E62339C}"/>
-              </a:ext>
-            </a:extLst>
-          </p:cNvPr>
-          <p:cNvSpPr>
-            <a:spLocks noGrp="1"/>
-          </p:cNvSpPr>
-          <p:nvPr>
-            <p:ph type="title"/>
-          </p:nvPr>
-        </p:nvSpPr>
-        <p:spPr/>
-        <p:txBody>
-          <a:bodyPr/>
-          <a:lstStyle/>
-          <a:p>
-            <a:endParaRPr lang="zh-CN" altLang="en-US"/>
-          </a:p>
-        </p:txBody>
-      </p:sp>
-      <p:sp>
-        <p:nvSpPr>
-          <p:cNvPr id="3" name="内容占位符 2">
-            <a:extLst>
-              <a:ext uri="{FF2B5EF4-FFF2-40B4-BE49-F238E27FC236}">
-                <a16:creationId xmlns:a16="http://schemas.microsoft.com/office/drawing/2014/main" id="{0B40D793-E414-41C1-870E-8F1182D674BA}"/>
-              </a:ext>
-            </a:extLst>
-          </p:cNvPr>
-          <p:cNvSpPr>
-            <a:spLocks noGrp="1"/>
-          </p:cNvSpPr>
-          <p:nvPr>
-            <p:ph idx="1"/>
-          </p:nvPr>
-        </p:nvSpPr>
-        <p:spPr/>
-        <p:txBody>
-          <a:bodyPr/>
-          <a:lstStyle/>
-          <a:p>
-            <a:r>
-              <a:rPr lang="zh-CN" altLang="en-US" dirty="0"/>
-              <a:t>在世界上解决计算机问题的最简单方法：</a:t>
-            </a:r>
-            <a:endParaRPr lang="en-US" altLang="zh-CN" dirty="0"/>
-          </a:p>
-          <a:p>
-            <a:pPr lvl="1"/>
-            <a:r>
-              <a:rPr lang="zh-CN" altLang="en-US" dirty="0"/>
-              <a:t>“恰好</a:t>
-            </a:r>
-            <a:r>
-              <a:rPr lang="en-US" altLang="zh-CN" dirty="0"/>
-              <a:t>”</a:t>
-            </a:r>
-            <a:r>
-              <a:rPr lang="zh-CN" altLang="en-US" dirty="0"/>
-              <a:t>不需要解决它。</a:t>
-            </a:r>
-            <a:endParaRPr lang="en-US" altLang="zh-CN" dirty="0"/>
-          </a:p>
-          <a:p>
-            <a:pPr lvl="1"/>
-            <a:r>
-              <a:rPr lang="zh-CN" altLang="en-US" dirty="0"/>
-              <a:t>因为解决任何一个问题都有付出代价。</a:t>
-            </a:r>
-          </a:p>
-        </p:txBody>
-      </p:sp>
-    </p:spTree>
-    <p:extLst>
-      <p:ext uri="{BB962C8B-B14F-4D97-AF65-F5344CB8AC3E}">
-        <p14:creationId xmlns:p14="http://schemas.microsoft.com/office/powerpoint/2010/main" val="1561047756"/>
-      </p:ext>
-    </p:extLst>
-  </p:cSld>
-  <p:clrMapOvr>
-    <a:masterClrMapping/>
-  </p:clrMapOvr>
-</p:sld>
-</file>
-
-<file path=ppt/slides/slide34.xml><?xml version="1.0" encoding="utf-8"?>
-<p:sld xmlns:a="http://schemas.openxmlformats.org/drawingml/2006/main" xmlns:r="http://schemas.openxmlformats.org/officeDocument/2006/relationships" xmlns:p="http://schemas.openxmlformats.org/presentationml/2006/main">
-  <p:cSld>
-    <p:spTree>
-      <p:nvGrpSpPr>
-        <p:cNvPr id="1" name=""/>
-        <p:cNvGrpSpPr/>
-        <p:nvPr/>
-      </p:nvGrpSpPr>
-      <p:grpSpPr>
-        <a:xfrm>
-          <a:off x="0" y="0"/>
-          <a:ext cx="0" cy="0"/>
-          <a:chOff x="0" y="0"/>
-          <a:chExt cx="0" cy="0"/>
-        </a:xfrm>
-      </p:grpSpPr>
-      <p:sp>
-        <p:nvSpPr>
-          <p:cNvPr id="2" name="标题 1">
-            <a:extLst>
-              <a:ext uri="{FF2B5EF4-FFF2-40B4-BE49-F238E27FC236}">
                 <a16:creationId xmlns:a16="http://schemas.microsoft.com/office/drawing/2014/main" id="{C779D828-633C-40ED-B5DE-77C2EA897AA1}"/>
               </a:ext>
             </a:extLst>
@@ -11964,7 +11787,7 @@
 </p:sld>
 </file>
 
-<file path=ppt/slides/slide35.xml><?xml version="1.0" encoding="utf-8"?>
+<file path=ppt/slides/slide34.xml><?xml version="1.0" encoding="utf-8"?>
 <p:sld xmlns:a="http://schemas.openxmlformats.org/drawingml/2006/main" xmlns:r="http://schemas.openxmlformats.org/officeDocument/2006/relationships" xmlns:p="http://schemas.openxmlformats.org/presentationml/2006/main">
   <p:cSld>
     <p:spTree>
@@ -12077,7 +11900,7 @@
 </p:sld>
 </file>
 
-<file path=ppt/slides/slide36.xml><?xml version="1.0" encoding="utf-8"?>
+<file path=ppt/slides/slide35.xml><?xml version="1.0" encoding="utf-8"?>
 <p:sld xmlns:a="http://schemas.openxmlformats.org/drawingml/2006/main" xmlns:r="http://schemas.openxmlformats.org/officeDocument/2006/relationships" xmlns:p="http://schemas.openxmlformats.org/presentationml/2006/main">
   <p:cSld>
     <p:spTree>
@@ -12165,7 +11988,7 @@
 </p:sld>
 </file>
 
-<file path=ppt/slides/slide37.xml><?xml version="1.0" encoding="utf-8"?>
+<file path=ppt/slides/slide36.xml><?xml version="1.0" encoding="utf-8"?>
 <p:sld xmlns:a="http://schemas.openxmlformats.org/drawingml/2006/main" xmlns:r="http://schemas.openxmlformats.org/officeDocument/2006/relationships" xmlns:p="http://schemas.openxmlformats.org/presentationml/2006/main">
   <p:cSld>
     <p:spTree>
@@ -12304,7 +12127,7 @@
 </p:sld>
 </file>
 
-<file path=ppt/slides/slide38.xml><?xml version="1.0" encoding="utf-8"?>
+<file path=ppt/slides/slide37.xml><?xml version="1.0" encoding="utf-8"?>
 <p:sld xmlns:a="http://schemas.openxmlformats.org/drawingml/2006/main" xmlns:r="http://schemas.openxmlformats.org/officeDocument/2006/relationships" xmlns:p="http://schemas.openxmlformats.org/presentationml/2006/main">
   <p:cSld>
     <p:spTree>
@@ -12383,7 +12206,7 @@
 </p:sld>
 </file>
 
-<file path=ppt/slides/slide39.xml><?xml version="1.0" encoding="utf-8"?>
+<file path=ppt/slides/slide38.xml><?xml version="1.0" encoding="utf-8"?>
 <p:sld xmlns:a="http://schemas.openxmlformats.org/drawingml/2006/main" xmlns:r="http://schemas.openxmlformats.org/officeDocument/2006/relationships" xmlns:p="http://schemas.openxmlformats.org/presentationml/2006/main">
   <p:cSld>
     <p:spTree>
@@ -12536,126 +12359,7 @@
 </p:sld>
 </file>
 
-<file path=ppt/slides/slide4.xml><?xml version="1.0" encoding="utf-8"?>
-<p:sld xmlns:a="http://schemas.openxmlformats.org/drawingml/2006/main" xmlns:r="http://schemas.openxmlformats.org/officeDocument/2006/relationships" xmlns:p="http://schemas.openxmlformats.org/presentationml/2006/main">
-  <p:cSld>
-    <p:spTree>
-      <p:nvGrpSpPr>
-        <p:cNvPr id="1" name=""/>
-        <p:cNvGrpSpPr/>
-        <p:nvPr/>
-      </p:nvGrpSpPr>
-      <p:grpSpPr>
-        <a:xfrm>
-          <a:off x="0" y="0"/>
-          <a:ext cx="0" cy="0"/>
-          <a:chOff x="0" y="0"/>
-          <a:chExt cx="0" cy="0"/>
-        </a:xfrm>
-      </p:grpSpPr>
-      <p:sp>
-        <p:nvSpPr>
-          <p:cNvPr id="2" name="标题 1">
-            <a:extLst>
-              <a:ext uri="{FF2B5EF4-FFF2-40B4-BE49-F238E27FC236}">
-                <a16:creationId xmlns:a16="http://schemas.microsoft.com/office/drawing/2014/main" id="{735D7670-AB98-4339-BC94-791FCB7E67B3}"/>
-              </a:ext>
-            </a:extLst>
-          </p:cNvPr>
-          <p:cNvSpPr>
-            <a:spLocks noGrp="1"/>
-          </p:cNvSpPr>
-          <p:nvPr>
-            <p:ph type="title"/>
-          </p:nvPr>
-        </p:nvSpPr>
-        <p:spPr/>
-        <p:txBody>
-          <a:bodyPr/>
-          <a:lstStyle/>
-          <a:p>
-            <a:r>
-              <a:rPr lang="zh-CN" altLang="en-US" dirty="0"/>
-              <a:t>什么是消息传递</a:t>
-            </a:r>
-          </a:p>
-        </p:txBody>
-      </p:sp>
-      <p:sp>
-        <p:nvSpPr>
-          <p:cNvPr id="3" name="内容占位符 2">
-            <a:extLst>
-              <a:ext uri="{FF2B5EF4-FFF2-40B4-BE49-F238E27FC236}">
-                <a16:creationId xmlns:a16="http://schemas.microsoft.com/office/drawing/2014/main" id="{798271A4-5AC3-4419-8487-D130BE5AFBF3}"/>
-              </a:ext>
-            </a:extLst>
-          </p:cNvPr>
-          <p:cNvSpPr>
-            <a:spLocks noGrp="1"/>
-          </p:cNvSpPr>
-          <p:nvPr>
-            <p:ph idx="1"/>
-          </p:nvPr>
-        </p:nvSpPr>
-        <p:spPr/>
-        <p:txBody>
-          <a:bodyPr/>
-          <a:lstStyle/>
-          <a:p>
-            <a:r>
-              <a:rPr lang="en-US" altLang="zh-CN" dirty="0"/>
-              <a:t> </a:t>
-            </a:r>
-            <a:r>
-              <a:rPr lang="zh-CN" altLang="en-US" dirty="0"/>
-              <a:t>通信方式。</a:t>
-            </a:r>
-            <a:endParaRPr lang="en-US" altLang="zh-CN" dirty="0"/>
-          </a:p>
-          <a:p>
-            <a:endParaRPr lang="en-US" altLang="zh-CN" dirty="0"/>
-          </a:p>
-          <a:p>
-            <a:endParaRPr lang="en-US" altLang="zh-CN" dirty="0"/>
-          </a:p>
-          <a:p>
-            <a:r>
-              <a:rPr lang="zh-CN" altLang="en-US" dirty="0"/>
-              <a:t>异步。</a:t>
-            </a:r>
-            <a:r>
-              <a:rPr lang="en-US" altLang="zh-CN" dirty="0"/>
-              <a:t>  </a:t>
-            </a:r>
-          </a:p>
-          <a:p>
-            <a:endParaRPr lang="en-US" altLang="zh-CN" dirty="0"/>
-          </a:p>
-          <a:p>
-            <a:endParaRPr lang="en-US" altLang="zh-CN" dirty="0"/>
-          </a:p>
-          <a:p>
-            <a:r>
-              <a:rPr lang="zh-CN" altLang="en-US" dirty="0"/>
-              <a:t>同步编程和异步编程</a:t>
-            </a:r>
-          </a:p>
-        </p:txBody>
-      </p:sp>
-    </p:spTree>
-    <p:extLst>
-      <p:ext uri="{BB962C8B-B14F-4D97-AF65-F5344CB8AC3E}">
-        <p14:creationId xmlns:p14="http://schemas.microsoft.com/office/powerpoint/2010/main" val="3804619524"/>
-      </p:ext>
-    </p:extLst>
-  </p:cSld>
-  <p:clrMapOvr>
-    <a:masterClrMapping/>
-  </p:clrMapOvr>
-</p:sld>
-</file>
-
-<file path=ppt/slides/slide40.xml><?xml version="1.0" encoding="utf-8"?>
+<file path=ppt/slides/slide39.xml><?xml version="1.0" encoding="utf-8"?>
 <p:sld xmlns:a="http://schemas.openxmlformats.org/drawingml/2006/main" xmlns:r="http://schemas.openxmlformats.org/officeDocument/2006/relationships" xmlns:p="http://schemas.openxmlformats.org/presentationml/2006/main">
   <p:cSld>
     <p:spTree>
@@ -12794,6 +12498,277 @@
 </p:sld>
 </file>
 
+<file path=ppt/slides/slide4.xml><?xml version="1.0" encoding="utf-8"?>
+<p:sld xmlns:a="http://schemas.openxmlformats.org/drawingml/2006/main" xmlns:r="http://schemas.openxmlformats.org/officeDocument/2006/relationships" xmlns:p="http://schemas.openxmlformats.org/presentationml/2006/main">
+  <p:cSld>
+    <p:spTree>
+      <p:nvGrpSpPr>
+        <p:cNvPr id="1" name=""/>
+        <p:cNvGrpSpPr/>
+        <p:nvPr/>
+      </p:nvGrpSpPr>
+      <p:grpSpPr>
+        <a:xfrm>
+          <a:off x="0" y="0"/>
+          <a:ext cx="0" cy="0"/>
+          <a:chOff x="0" y="0"/>
+          <a:chExt cx="0" cy="0"/>
+        </a:xfrm>
+      </p:grpSpPr>
+      <p:sp>
+        <p:nvSpPr>
+          <p:cNvPr id="2" name="标题 1">
+            <a:extLst>
+              <a:ext uri="{FF2B5EF4-FFF2-40B4-BE49-F238E27FC236}">
+                <a16:creationId xmlns:a16="http://schemas.microsoft.com/office/drawing/2014/main" id="{735D7670-AB98-4339-BC94-791FCB7E67B3}"/>
+              </a:ext>
+            </a:extLst>
+          </p:cNvPr>
+          <p:cNvSpPr>
+            <a:spLocks noGrp="1"/>
+          </p:cNvSpPr>
+          <p:nvPr>
+            <p:ph type="title"/>
+          </p:nvPr>
+        </p:nvSpPr>
+        <p:spPr/>
+        <p:txBody>
+          <a:bodyPr/>
+          <a:lstStyle/>
+          <a:p>
+            <a:r>
+              <a:rPr lang="zh-CN" altLang="en-US" dirty="0"/>
+              <a:t>什么是消息传递</a:t>
+            </a:r>
+          </a:p>
+        </p:txBody>
+      </p:sp>
+      <p:sp>
+        <p:nvSpPr>
+          <p:cNvPr id="3" name="内容占位符 2">
+            <a:extLst>
+              <a:ext uri="{FF2B5EF4-FFF2-40B4-BE49-F238E27FC236}">
+                <a16:creationId xmlns:a16="http://schemas.microsoft.com/office/drawing/2014/main" id="{798271A4-5AC3-4419-8487-D130BE5AFBF3}"/>
+              </a:ext>
+            </a:extLst>
+          </p:cNvPr>
+          <p:cNvSpPr>
+            <a:spLocks noGrp="1"/>
+          </p:cNvSpPr>
+          <p:nvPr>
+            <p:ph idx="1"/>
+          </p:nvPr>
+        </p:nvSpPr>
+        <p:spPr/>
+        <p:txBody>
+          <a:bodyPr/>
+          <a:lstStyle/>
+          <a:p>
+            <a:r>
+              <a:rPr lang="en-US" altLang="zh-CN" dirty="0"/>
+              <a:t> </a:t>
+            </a:r>
+            <a:r>
+              <a:rPr lang="zh-CN" altLang="en-US" dirty="0"/>
+              <a:t>通信方式。</a:t>
+            </a:r>
+            <a:endParaRPr lang="en-US" altLang="zh-CN" dirty="0"/>
+          </a:p>
+          <a:p>
+            <a:endParaRPr lang="en-US" altLang="zh-CN" dirty="0"/>
+          </a:p>
+          <a:p>
+            <a:endParaRPr lang="en-US" altLang="zh-CN" dirty="0"/>
+          </a:p>
+          <a:p>
+            <a:r>
+              <a:rPr lang="zh-CN" altLang="en-US" dirty="0"/>
+              <a:t>异步。</a:t>
+            </a:r>
+            <a:r>
+              <a:rPr lang="en-US" altLang="zh-CN" dirty="0"/>
+              <a:t>  </a:t>
+            </a:r>
+          </a:p>
+          <a:p>
+            <a:endParaRPr lang="en-US" altLang="zh-CN" dirty="0"/>
+          </a:p>
+          <a:p>
+            <a:endParaRPr lang="en-US" altLang="zh-CN" dirty="0"/>
+          </a:p>
+          <a:p>
+            <a:r>
+              <a:rPr lang="zh-CN" altLang="en-US" dirty="0"/>
+              <a:t>同步编程和异步编程</a:t>
+            </a:r>
+          </a:p>
+        </p:txBody>
+      </p:sp>
+    </p:spTree>
+    <p:extLst>
+      <p:ext uri="{BB962C8B-B14F-4D97-AF65-F5344CB8AC3E}">
+        <p14:creationId xmlns:p14="http://schemas.microsoft.com/office/powerpoint/2010/main" val="3804619524"/>
+      </p:ext>
+    </p:extLst>
+  </p:cSld>
+  <p:clrMapOvr>
+    <a:masterClrMapping/>
+  </p:clrMapOvr>
+</p:sld>
+</file>
+
+<file path=ppt/slides/slide40.xml><?xml version="1.0" encoding="utf-8"?>
+<p:sld xmlns:a="http://schemas.openxmlformats.org/drawingml/2006/main" xmlns:r="http://schemas.openxmlformats.org/officeDocument/2006/relationships" xmlns:p="http://schemas.openxmlformats.org/presentationml/2006/main">
+  <p:cSld>
+    <p:spTree>
+      <p:nvGrpSpPr>
+        <p:cNvPr id="1" name=""/>
+        <p:cNvGrpSpPr/>
+        <p:nvPr/>
+      </p:nvGrpSpPr>
+      <p:grpSpPr>
+        <a:xfrm>
+          <a:off x="0" y="0"/>
+          <a:ext cx="0" cy="0"/>
+          <a:chOff x="0" y="0"/>
+          <a:chExt cx="0" cy="0"/>
+        </a:xfrm>
+      </p:grpSpPr>
+      <p:sp>
+        <p:nvSpPr>
+          <p:cNvPr id="2" name="标题 1">
+            <a:extLst>
+              <a:ext uri="{FF2B5EF4-FFF2-40B4-BE49-F238E27FC236}">
+                <a16:creationId xmlns:a16="http://schemas.microsoft.com/office/drawing/2014/main" id="{2FFB66C6-CE93-4478-8834-EEEF048AFDD4}"/>
+              </a:ext>
+            </a:extLst>
+          </p:cNvPr>
+          <p:cNvSpPr>
+            <a:spLocks noGrp="1"/>
+          </p:cNvSpPr>
+          <p:nvPr>
+            <p:ph type="title"/>
+          </p:nvPr>
+        </p:nvSpPr>
+        <p:spPr/>
+        <p:txBody>
+          <a:bodyPr/>
+          <a:lstStyle/>
+          <a:p>
+            <a:r>
+              <a:rPr lang="zh-CN" altLang="en-US" dirty="0"/>
+              <a:t>如何获得幂等？</a:t>
+            </a:r>
+          </a:p>
+        </p:txBody>
+      </p:sp>
+      <p:sp>
+        <p:nvSpPr>
+          <p:cNvPr id="3" name="内容占位符 2">
+            <a:extLst>
+              <a:ext uri="{FF2B5EF4-FFF2-40B4-BE49-F238E27FC236}">
+                <a16:creationId xmlns:a16="http://schemas.microsoft.com/office/drawing/2014/main" id="{3A2C091F-C9E9-4551-9BC4-7A74C7CC86AA}"/>
+              </a:ext>
+            </a:extLst>
+          </p:cNvPr>
+          <p:cNvSpPr>
+            <a:spLocks noGrp="1"/>
+          </p:cNvSpPr>
+          <p:nvPr>
+            <p:ph idx="1"/>
+          </p:nvPr>
+        </p:nvSpPr>
+        <p:spPr/>
+        <p:txBody>
+          <a:bodyPr>
+            <a:normAutofit fontScale="85000" lnSpcReduction="20000"/>
+          </a:bodyPr>
+          <a:lstStyle/>
+          <a:p>
+            <a:r>
+              <a:rPr lang="zh-CN" altLang="en-US" sz="3400" dirty="0"/>
+              <a:t>幂等消息本身不需要去重</a:t>
+            </a:r>
+            <a:endParaRPr lang="en-US" altLang="zh-CN" sz="3400" dirty="0"/>
+          </a:p>
+          <a:p>
+            <a:r>
+              <a:rPr lang="zh-CN" altLang="en-US" sz="3400" dirty="0"/>
+              <a:t>非幂等消息去重：</a:t>
+            </a:r>
+            <a:endParaRPr lang="en-US" altLang="zh-CN" sz="3400" dirty="0"/>
+          </a:p>
+          <a:p>
+            <a:pPr lvl="1"/>
+            <a:r>
+              <a:rPr lang="zh-CN" altLang="en-US" sz="3400" dirty="0"/>
+              <a:t>显示去重：保证有唯一</a:t>
+            </a:r>
+            <a:r>
+              <a:rPr lang="en-US" altLang="zh-CN" sz="3400" dirty="0"/>
+              <a:t>ID</a:t>
+            </a:r>
+            <a:r>
+              <a:rPr lang="zh-CN" altLang="en-US" sz="3400" dirty="0"/>
+              <a:t>标记每一条消息，保证消息处理成功和去重表日志同时出现。代价？</a:t>
+            </a:r>
+            <a:endParaRPr lang="en-US" altLang="zh-CN" sz="3400" dirty="0"/>
+          </a:p>
+          <a:p>
+            <a:pPr marL="457200" lvl="1" indent="0">
+              <a:buNone/>
+            </a:pPr>
+            <a:r>
+              <a:rPr lang="en-US" altLang="zh-CN" sz="3400" dirty="0"/>
+              <a:t>   TCP</a:t>
+            </a:r>
+            <a:r>
+              <a:rPr lang="zh-CN" altLang="en-US" sz="3400" dirty="0"/>
+              <a:t>协议消除包重复。</a:t>
+            </a:r>
+            <a:endParaRPr lang="en-US" altLang="zh-CN" sz="3400" dirty="0"/>
+          </a:p>
+          <a:p>
+            <a:pPr lvl="1"/>
+            <a:r>
+              <a:rPr lang="zh-CN" altLang="en-US" sz="3400" dirty="0"/>
+              <a:t>重新定义消息语义，使之幂等。（持久层去重）</a:t>
+            </a:r>
+            <a:endParaRPr lang="en-US" altLang="zh-CN" sz="3400" dirty="0"/>
+          </a:p>
+          <a:p>
+            <a:endParaRPr lang="en-US" altLang="zh-CN" dirty="0"/>
+          </a:p>
+          <a:p>
+            <a:endParaRPr lang="en-US" altLang="zh-CN" dirty="0"/>
+          </a:p>
+          <a:p>
+            <a:endParaRPr lang="en-US" altLang="zh-CN" dirty="0"/>
+          </a:p>
+          <a:p>
+            <a:r>
+              <a:rPr lang="en-US" altLang="zh-CN" dirty="0">
+                <a:hlinkClick r:id="rId3"/>
+              </a:rPr>
+              <a:t>https://www.enterpriseintegrationpatterns.com/patterns/messaging/IdempotentReceiver.html</a:t>
+            </a:r>
+            <a:endParaRPr lang="zh-CN" altLang="en-US" dirty="0"/>
+          </a:p>
+        </p:txBody>
+      </p:sp>
+    </p:spTree>
+    <p:extLst>
+      <p:ext uri="{BB962C8B-B14F-4D97-AF65-F5344CB8AC3E}">
+        <p14:creationId xmlns:p14="http://schemas.microsoft.com/office/powerpoint/2010/main" val="916052367"/>
+      </p:ext>
+    </p:extLst>
+  </p:cSld>
+  <p:clrMapOvr>
+    <a:masterClrMapping/>
+  </p:clrMapOvr>
+</p:sld>
+</file>
+
 <file path=ppt/slides/slide41.xml><?xml version="1.0" encoding="utf-8"?>
 <p:sld xmlns:a="http://schemas.openxmlformats.org/drawingml/2006/main" xmlns:r="http://schemas.openxmlformats.org/officeDocument/2006/relationships" xmlns:p="http://schemas.openxmlformats.org/presentationml/2006/main">
   <p:cSld>
@@ -12816,7 +12791,7 @@
           <p:cNvPr id="2" name="标题 1">
             <a:extLst>
               <a:ext uri="{FF2B5EF4-FFF2-40B4-BE49-F238E27FC236}">
-                <a16:creationId xmlns:a16="http://schemas.microsoft.com/office/drawing/2014/main" id="{2FFB66C6-CE93-4478-8834-EEEF048AFDD4}"/>
+                <a16:creationId xmlns:a16="http://schemas.microsoft.com/office/drawing/2014/main" id="{C19AD3CB-214B-4487-8833-0DD1DF9F55E5}"/>
               </a:ext>
             </a:extLst>
           </p:cNvPr>
@@ -12833,8 +12808,12 @@
           <a:lstStyle/>
           <a:p>
             <a:r>
-              <a:rPr lang="zh-CN" altLang="en-US" dirty="0"/>
-              <a:t>如何获得幂等？</a:t>
+              <a:rPr lang="en-US" altLang="zh-CN" dirty="0"/>
+              <a:t>TCP</a:t>
+            </a:r>
+            <a:r>
+              <a:rPr lang="zh-CN" altLang="en-US" dirty="0"/>
+              <a:t>协议给我们的启示</a:t>
             </a:r>
           </a:p>
         </p:txBody>
@@ -12844,7 +12823,7 @@
           <p:cNvPr id="3" name="内容占位符 2">
             <a:extLst>
               <a:ext uri="{FF2B5EF4-FFF2-40B4-BE49-F238E27FC236}">
-                <a16:creationId xmlns:a16="http://schemas.microsoft.com/office/drawing/2014/main" id="{3A2C091F-C9E9-4551-9BC4-7A74C7CC86AA}"/>
+                <a16:creationId xmlns:a16="http://schemas.microsoft.com/office/drawing/2014/main" id="{443875CA-DC81-4A0D-9182-E704A70F414D}"/>
               </a:ext>
             </a:extLst>
           </p:cNvPr>
@@ -12858,76 +12837,78 @@
         <p:spPr/>
         <p:txBody>
           <a:bodyPr>
-            <a:normAutofit fontScale="85000" lnSpcReduction="20000"/>
+            <a:normAutofit lnSpcReduction="10000"/>
           </a:bodyPr>
           <a:lstStyle/>
           <a:p>
             <a:r>
-              <a:rPr lang="zh-CN" altLang="en-US" sz="3400" dirty="0"/>
-              <a:t>幂等消息本身不需要去重</a:t>
-            </a:r>
-            <a:endParaRPr lang="en-US" altLang="zh-CN" sz="3400" dirty="0"/>
-          </a:p>
-          <a:p>
-            <a:r>
-              <a:rPr lang="zh-CN" altLang="en-US" sz="3400" dirty="0"/>
-              <a:t>非幂等消息去重：</a:t>
-            </a:r>
-            <a:endParaRPr lang="en-US" altLang="zh-CN" sz="3400" dirty="0"/>
-          </a:p>
-          <a:p>
-            <a:pPr lvl="1"/>
-            <a:r>
-              <a:rPr lang="zh-CN" altLang="en-US" sz="3400" dirty="0"/>
-              <a:t>显示去重：保证有唯一</a:t>
-            </a:r>
-            <a:r>
-              <a:rPr lang="en-US" altLang="zh-CN" sz="3400" dirty="0"/>
-              <a:t>ID</a:t>
-            </a:r>
-            <a:r>
-              <a:rPr lang="zh-CN" altLang="en-US" sz="3400" dirty="0"/>
-              <a:t>标记每一条消息，保证消息处理成功和去重表日志同时出现。代价？</a:t>
-            </a:r>
-            <a:endParaRPr lang="en-US" altLang="zh-CN" sz="3400" dirty="0"/>
-          </a:p>
-          <a:p>
-            <a:pPr marL="457200" lvl="1" indent="0">
-              <a:buNone/>
-            </a:pPr>
-            <a:r>
-              <a:rPr lang="en-US" altLang="zh-CN" sz="3400" dirty="0"/>
-              <a:t>   TCP</a:t>
-            </a:r>
-            <a:r>
-              <a:rPr lang="zh-CN" altLang="en-US" sz="3400" dirty="0"/>
-              <a:t>协议消除包重复。</a:t>
-            </a:r>
-            <a:endParaRPr lang="en-US" altLang="zh-CN" sz="3400" dirty="0"/>
-          </a:p>
-          <a:p>
-            <a:pPr lvl="1"/>
-            <a:r>
-              <a:rPr lang="zh-CN" altLang="en-US" sz="3400" dirty="0"/>
-              <a:t>重新定义消息语义，使之幂等。（持久层去重）</a:t>
-            </a:r>
-            <a:endParaRPr lang="en-US" altLang="zh-CN" sz="3400" dirty="0"/>
-          </a:p>
-          <a:p>
-            <a:endParaRPr lang="en-US" altLang="zh-CN" dirty="0"/>
-          </a:p>
-          <a:p>
-            <a:endParaRPr lang="en-US" altLang="zh-CN" dirty="0"/>
-          </a:p>
-          <a:p>
-            <a:endParaRPr lang="en-US" altLang="zh-CN" dirty="0"/>
-          </a:p>
-          <a:p>
-            <a:r>
-              <a:rPr lang="en-US" altLang="zh-CN" dirty="0">
-                <a:hlinkClick r:id="rId3"/>
-              </a:rPr>
-              <a:t>https://www.enterpriseintegrationpatterns.com/patterns/messaging/IdempotentReceiver.html</a:t>
+              <a:rPr lang="zh-CN" altLang="en-US" dirty="0"/>
+              <a:t>解决包顺序问题。</a:t>
+            </a:r>
+            <a:endParaRPr lang="en-US" altLang="zh-CN" dirty="0"/>
+          </a:p>
+          <a:p>
+            <a:r>
+              <a:rPr lang="zh-CN" altLang="en-US" dirty="0"/>
+              <a:t>解决包重复问题。</a:t>
+            </a:r>
+            <a:endParaRPr lang="en-US" altLang="zh-CN" dirty="0"/>
+          </a:p>
+          <a:p>
+            <a:endParaRPr lang="en-US" altLang="zh-CN" dirty="0"/>
+          </a:p>
+          <a:p>
+            <a:r>
+              <a:rPr lang="zh-CN" altLang="en-US" dirty="0"/>
+              <a:t>解决消息顺序。</a:t>
+            </a:r>
+            <a:endParaRPr lang="en-US" altLang="zh-CN" dirty="0"/>
+          </a:p>
+          <a:p>
+            <a:r>
+              <a:rPr lang="zh-CN" altLang="en-US" dirty="0"/>
+              <a:t>解决消息重复。</a:t>
+            </a:r>
+            <a:r>
+              <a:rPr lang="en-US" altLang="zh-CN" dirty="0"/>
+              <a:t>MQ</a:t>
+            </a:r>
+            <a:r>
+              <a:rPr lang="zh-CN" altLang="en-US" dirty="0"/>
+              <a:t>内部 </a:t>
+            </a:r>
+            <a:r>
+              <a:rPr lang="en-US" altLang="zh-CN" dirty="0"/>
+              <a:t>VS </a:t>
+            </a:r>
+            <a:r>
+              <a:rPr lang="zh-CN" altLang="en-US" dirty="0"/>
+              <a:t>应用系统</a:t>
+            </a:r>
+            <a:endParaRPr lang="en-US" altLang="zh-CN" dirty="0"/>
+          </a:p>
+          <a:p>
+            <a:endParaRPr lang="en-US" altLang="zh-CN" dirty="0"/>
+          </a:p>
+          <a:p>
+            <a:r>
+              <a:rPr lang="zh-CN" altLang="en-US" dirty="0"/>
+              <a:t>为什么市面主流</a:t>
+            </a:r>
+            <a:r>
+              <a:rPr lang="en-US" altLang="zh-CN" dirty="0"/>
+              <a:t>MQ</a:t>
+            </a:r>
+            <a:r>
+              <a:rPr lang="zh-CN" altLang="en-US" dirty="0"/>
+              <a:t>对顺序消息支持少，对消息重复支持少呢？为什么消息重复要应用系统做呢？</a:t>
+            </a:r>
+            <a:endParaRPr lang="en-US" altLang="zh-CN" dirty="0"/>
+          </a:p>
+          <a:p>
+            <a:r>
+              <a:rPr lang="en-US" altLang="zh-CN" dirty="0"/>
+              <a:t>End-To-End Arguments in System Design </a:t>
             </a:r>
             <a:endParaRPr lang="zh-CN" altLang="en-US" dirty="0"/>
           </a:p>
@@ -12936,7 +12917,7 @@
     </p:spTree>
     <p:extLst>
       <p:ext uri="{BB962C8B-B14F-4D97-AF65-F5344CB8AC3E}">
-        <p14:creationId xmlns:p14="http://schemas.microsoft.com/office/powerpoint/2010/main" val="916052367"/>
+        <p14:creationId xmlns:p14="http://schemas.microsoft.com/office/powerpoint/2010/main" val="3423811554"/>
       </p:ext>
     </p:extLst>
   </p:cSld>
@@ -12965,136 +12946,57 @@
       </p:grpSpPr>
       <p:sp>
         <p:nvSpPr>
-          <p:cNvPr id="2" name="标题 1">
-            <a:extLst>
-              <a:ext uri="{FF2B5EF4-FFF2-40B4-BE49-F238E27FC236}">
-                <a16:creationId xmlns:a16="http://schemas.microsoft.com/office/drawing/2014/main" id="{C19AD3CB-214B-4487-8833-0DD1DF9F55E5}"/>
-              </a:ext>
-            </a:extLst>
-          </p:cNvPr>
-          <p:cNvSpPr>
-            <a:spLocks noGrp="1"/>
-          </p:cNvSpPr>
-          <p:nvPr>
-            <p:ph type="title"/>
-          </p:nvPr>
-        </p:nvSpPr>
-        <p:spPr/>
-        <p:txBody>
-          <a:bodyPr/>
-          <a:lstStyle/>
-          <a:p>
-            <a:r>
-              <a:rPr lang="en-US" altLang="zh-CN" dirty="0"/>
-              <a:t>TCP</a:t>
-            </a:r>
-            <a:r>
-              <a:rPr lang="zh-CN" altLang="en-US" dirty="0"/>
-              <a:t>协议给我们的启示</a:t>
-            </a:r>
-          </a:p>
-        </p:txBody>
-      </p:sp>
-      <p:sp>
-        <p:nvSpPr>
-          <p:cNvPr id="3" name="内容占位符 2">
-            <a:extLst>
-              <a:ext uri="{FF2B5EF4-FFF2-40B4-BE49-F238E27FC236}">
-                <a16:creationId xmlns:a16="http://schemas.microsoft.com/office/drawing/2014/main" id="{443875CA-DC81-4A0D-9182-E704A70F414D}"/>
-              </a:ext>
-            </a:extLst>
-          </p:cNvPr>
-          <p:cNvSpPr>
-            <a:spLocks noGrp="1"/>
-          </p:cNvSpPr>
-          <p:nvPr>
-            <p:ph idx="1"/>
-          </p:nvPr>
-        </p:nvSpPr>
-        <p:spPr/>
-        <p:txBody>
-          <a:bodyPr>
-            <a:normAutofit lnSpcReduction="10000"/>
-          </a:bodyPr>
-          <a:lstStyle/>
-          <a:p>
-            <a:r>
-              <a:rPr lang="zh-CN" altLang="en-US" dirty="0"/>
-              <a:t>解决包顺序问题。</a:t>
-            </a:r>
-            <a:endParaRPr lang="en-US" altLang="zh-CN" dirty="0"/>
-          </a:p>
-          <a:p>
-            <a:r>
-              <a:rPr lang="zh-CN" altLang="en-US" dirty="0"/>
-              <a:t>解决包重复问题。</a:t>
-            </a:r>
-            <a:endParaRPr lang="en-US" altLang="zh-CN" dirty="0"/>
-          </a:p>
-          <a:p>
-            <a:endParaRPr lang="en-US" altLang="zh-CN" dirty="0"/>
-          </a:p>
-          <a:p>
-            <a:r>
-              <a:rPr lang="zh-CN" altLang="en-US" dirty="0"/>
-              <a:t>解决消息顺序。</a:t>
-            </a:r>
-            <a:endParaRPr lang="en-US" altLang="zh-CN" dirty="0"/>
-          </a:p>
-          <a:p>
-            <a:r>
-              <a:rPr lang="zh-CN" altLang="en-US" dirty="0"/>
-              <a:t>解决消息重复。</a:t>
-            </a:r>
-            <a:r>
-              <a:rPr lang="en-US" altLang="zh-CN" dirty="0"/>
-              <a:t>MQ</a:t>
-            </a:r>
-            <a:r>
-              <a:rPr lang="zh-CN" altLang="en-US" dirty="0"/>
-              <a:t>内部 </a:t>
-            </a:r>
-            <a:r>
-              <a:rPr lang="en-US" altLang="zh-CN" dirty="0"/>
-              <a:t>VS </a:t>
-            </a:r>
-            <a:r>
-              <a:rPr lang="zh-CN" altLang="en-US" dirty="0"/>
-              <a:t>应用系统</a:t>
-            </a:r>
-            <a:endParaRPr lang="en-US" altLang="zh-CN" dirty="0"/>
-          </a:p>
-          <a:p>
-            <a:endParaRPr lang="en-US" altLang="zh-CN" dirty="0"/>
-          </a:p>
-          <a:p>
-            <a:r>
-              <a:rPr lang="zh-CN" altLang="en-US" dirty="0"/>
-              <a:t>为什么市面主流</a:t>
-            </a:r>
-            <a:r>
-              <a:rPr lang="en-US" altLang="zh-CN" dirty="0"/>
-              <a:t>MQ</a:t>
-            </a:r>
-            <a:r>
-              <a:rPr lang="zh-CN" altLang="en-US" dirty="0"/>
-              <a:t>对顺序消息支持少，对消息重复支持少呢？为什么消息重复要应用系统做呢？</a:t>
-            </a:r>
-            <a:endParaRPr lang="en-US" altLang="zh-CN" dirty="0"/>
-          </a:p>
-          <a:p>
-            <a:r>
-              <a:rPr lang="en-US" altLang="zh-CN" dirty="0"/>
-              <a:t>End-To-End Arguments in System Design </a:t>
-            </a:r>
-            <a:endParaRPr lang="zh-CN" altLang="en-US" dirty="0"/>
+          <p:cNvPr id="4" name="矩形 3">
+            <a:extLst>
+              <a:ext uri="{FF2B5EF4-FFF2-40B4-BE49-F238E27FC236}">
+                <a16:creationId xmlns:a16="http://schemas.microsoft.com/office/drawing/2014/main" id="{BF1940D5-62FA-40BD-A3C2-D23398D4EB83}"/>
+              </a:ext>
+            </a:extLst>
+          </p:cNvPr>
+          <p:cNvSpPr/>
+          <p:nvPr/>
+        </p:nvSpPr>
+        <p:spPr>
+          <a:xfrm>
+            <a:off x="0" y="2186608"/>
+            <a:ext cx="12192000" cy="1709531"/>
+          </a:xfrm>
+          <a:prstGeom prst="rect">
+            <a:avLst/>
+          </a:prstGeom>
+        </p:spPr>
+        <p:style>
+          <a:lnRef idx="2">
+            <a:schemeClr val="accent1">
+              <a:shade val="50000"/>
+            </a:schemeClr>
+          </a:lnRef>
+          <a:fillRef idx="1">
+            <a:schemeClr val="accent1"/>
+          </a:fillRef>
+          <a:effectRef idx="0">
+            <a:schemeClr val="accent1"/>
+          </a:effectRef>
+          <a:fontRef idx="minor">
+            <a:schemeClr val="lt1"/>
+          </a:fontRef>
+        </p:style>
+        <p:txBody>
+          <a:bodyPr rtlCol="0" anchor="ctr"/>
+          <a:lstStyle/>
+          <a:p>
+            <a:pPr algn="ctr"/>
+            <a:r>
+              <a:rPr lang="zh-CN" altLang="en-US" sz="5400" dirty="0"/>
+              <a:t>分布式事务与消息队列</a:t>
+            </a:r>
           </a:p>
         </p:txBody>
       </p:sp>
     </p:spTree>
     <p:extLst>
       <p:ext uri="{BB962C8B-B14F-4D97-AF65-F5344CB8AC3E}">
-        <p14:creationId xmlns:p14="http://schemas.microsoft.com/office/powerpoint/2010/main" val="3423811554"/>
+        <p14:creationId xmlns:p14="http://schemas.microsoft.com/office/powerpoint/2010/main" val="3556490959"/>
       </p:ext>
     </p:extLst>
   </p:cSld>
@@ -13123,57 +13025,82 @@
       </p:grpSpPr>
       <p:sp>
         <p:nvSpPr>
-          <p:cNvPr id="4" name="矩形 3">
-            <a:extLst>
-              <a:ext uri="{FF2B5EF4-FFF2-40B4-BE49-F238E27FC236}">
-                <a16:creationId xmlns:a16="http://schemas.microsoft.com/office/drawing/2014/main" id="{BF1940D5-62FA-40BD-A3C2-D23398D4EB83}"/>
-              </a:ext>
-            </a:extLst>
-          </p:cNvPr>
-          <p:cNvSpPr/>
-          <p:nvPr/>
+          <p:cNvPr id="2" name="标题 1">
+            <a:extLst>
+              <a:ext uri="{FF2B5EF4-FFF2-40B4-BE49-F238E27FC236}">
+                <a16:creationId xmlns:a16="http://schemas.microsoft.com/office/drawing/2014/main" id="{F227271E-2B22-4A26-B3D7-5E76DDAA52AF}"/>
+              </a:ext>
+            </a:extLst>
+          </p:cNvPr>
+          <p:cNvSpPr>
+            <a:spLocks noGrp="1"/>
+          </p:cNvSpPr>
+          <p:nvPr>
+            <p:ph type="title"/>
+          </p:nvPr>
+        </p:nvSpPr>
+        <p:spPr/>
+        <p:txBody>
+          <a:bodyPr/>
+          <a:lstStyle/>
+          <a:p>
+            <a:r>
+              <a:rPr lang="zh-CN" altLang="en-US" dirty="0"/>
+              <a:t>单机事务实现</a:t>
+            </a:r>
+          </a:p>
+        </p:txBody>
+      </p:sp>
+      <p:sp>
+        <p:nvSpPr>
+          <p:cNvPr id="3" name="内容占位符 2">
+            <a:extLst>
+              <a:ext uri="{FF2B5EF4-FFF2-40B4-BE49-F238E27FC236}">
+                <a16:creationId xmlns:a16="http://schemas.microsoft.com/office/drawing/2014/main" id="{9B740E74-987D-422D-B9B2-97887000AEE1}"/>
+              </a:ext>
+            </a:extLst>
+          </p:cNvPr>
+          <p:cNvSpPr>
+            <a:spLocks noGrp="1"/>
+          </p:cNvSpPr>
+          <p:nvPr>
+            <p:ph idx="1"/>
+          </p:nvPr>
         </p:nvSpPr>
         <p:spPr>
           <a:xfrm>
-            <a:off x="0" y="2186608"/>
-            <a:ext cx="12192000" cy="1709531"/>
+            <a:off x="838200" y="1632089"/>
+            <a:ext cx="10515600" cy="4351338"/>
           </a:xfrm>
-          <a:prstGeom prst="rect">
-            <a:avLst/>
-          </a:prstGeom>
         </p:spPr>
-        <p:style>
-          <a:lnRef idx="2">
-            <a:schemeClr val="accent1">
-              <a:shade val="50000"/>
-            </a:schemeClr>
-          </a:lnRef>
-          <a:fillRef idx="1">
-            <a:schemeClr val="accent1"/>
-          </a:fillRef>
-          <a:effectRef idx="0">
-            <a:schemeClr val="accent1"/>
-          </a:effectRef>
-          <a:fontRef idx="minor">
-            <a:schemeClr val="lt1"/>
-          </a:fontRef>
-        </p:style>
-        <p:txBody>
-          <a:bodyPr rtlCol="0" anchor="ctr"/>
-          <a:lstStyle/>
-          <a:p>
-            <a:pPr algn="ctr"/>
-            <a:r>
-              <a:rPr lang="zh-CN" altLang="en-US" sz="5400" dirty="0"/>
-              <a:t>分布式事务与消息队列</a:t>
-            </a:r>
+        <p:txBody>
+          <a:bodyPr/>
+          <a:lstStyle/>
+          <a:p>
+            <a:pPr marL="0" indent="0">
+              <a:buNone/>
+            </a:pPr>
+            <a:endParaRPr lang="en-US" altLang="zh-CN" dirty="0"/>
+          </a:p>
+          <a:p>
+            <a:r>
+              <a:rPr lang="en-US" altLang="zh-CN" dirty="0"/>
+              <a:t>2PL</a:t>
+            </a:r>
+          </a:p>
+          <a:p>
+            <a:r>
+              <a:rPr lang="en-US" altLang="zh-CN" dirty="0"/>
+              <a:t>MVCC</a:t>
+            </a:r>
+            <a:endParaRPr lang="zh-CN" altLang="en-US" dirty="0"/>
           </a:p>
         </p:txBody>
       </p:sp>
     </p:spTree>
     <p:extLst>
       <p:ext uri="{BB962C8B-B14F-4D97-AF65-F5344CB8AC3E}">
-        <p14:creationId xmlns:p14="http://schemas.microsoft.com/office/powerpoint/2010/main" val="3556490959"/>
+        <p14:creationId xmlns:p14="http://schemas.microsoft.com/office/powerpoint/2010/main" val="1985404736"/>
       </p:ext>
     </p:extLst>
   </p:cSld>
@@ -13205,7 +13132,7 @@
           <p:cNvPr id="2" name="标题 1">
             <a:extLst>
               <a:ext uri="{FF2B5EF4-FFF2-40B4-BE49-F238E27FC236}">
-                <a16:creationId xmlns:a16="http://schemas.microsoft.com/office/drawing/2014/main" id="{F227271E-2B22-4A26-B3D7-5E76DDAA52AF}"/>
+                <a16:creationId xmlns:a16="http://schemas.microsoft.com/office/drawing/2014/main" id="{3C0A7B75-1E7C-4641-9DD4-26634ED80766}"/>
               </a:ext>
             </a:extLst>
           </p:cNvPr>
@@ -13223,7 +13150,7 @@
           <a:p>
             <a:r>
               <a:rPr lang="zh-CN" altLang="en-US" dirty="0"/>
-              <a:t>单机事务实现</a:t>
+              <a:t>分布式事务</a:t>
             </a:r>
           </a:p>
         </p:txBody>
@@ -13233,7 +13160,7 @@
           <p:cNvPr id="3" name="内容占位符 2">
             <a:extLst>
               <a:ext uri="{FF2B5EF4-FFF2-40B4-BE49-F238E27FC236}">
-                <a16:creationId xmlns:a16="http://schemas.microsoft.com/office/drawing/2014/main" id="{9B740E74-987D-422D-B9B2-97887000AEE1}"/>
+                <a16:creationId xmlns:a16="http://schemas.microsoft.com/office/drawing/2014/main" id="{4FA2C708-1881-4E56-A59D-366BC23FED29}"/>
               </a:ext>
             </a:extLst>
           </p:cNvPr>
@@ -13244,40 +13171,32 @@
             <p:ph idx="1"/>
           </p:nvPr>
         </p:nvSpPr>
-        <p:spPr>
-          <a:xfrm>
-            <a:off x="838200" y="1632089"/>
-            <a:ext cx="10515600" cy="4351338"/>
-          </a:xfrm>
-        </p:spPr>
-        <p:txBody>
-          <a:bodyPr/>
-          <a:lstStyle/>
-          <a:p>
-            <a:pPr marL="0" indent="0">
-              <a:buNone/>
-            </a:pPr>
-            <a:endParaRPr lang="en-US" altLang="zh-CN" dirty="0"/>
-          </a:p>
-          <a:p>
-            <a:r>
-              <a:rPr lang="en-US" altLang="zh-CN" dirty="0"/>
-              <a:t>2PL</a:t>
-            </a:r>
-          </a:p>
-          <a:p>
-            <a:r>
-              <a:rPr lang="en-US" altLang="zh-CN" dirty="0"/>
-              <a:t>MVCC</a:t>
-            </a:r>
-            <a:endParaRPr lang="zh-CN" altLang="en-US" dirty="0"/>
+        <p:spPr/>
+        <p:txBody>
+          <a:bodyPr/>
+          <a:lstStyle/>
+          <a:p>
+            <a:r>
+              <a:rPr lang="en-US" altLang="zh-CN" dirty="0"/>
+              <a:t>2PC</a:t>
+            </a:r>
+          </a:p>
+          <a:p>
+            <a:r>
+              <a:rPr lang="en-US" altLang="zh-CN" dirty="0"/>
+              <a:t>Why not MVCC</a:t>
+            </a:r>
+            <a:r>
+              <a:rPr lang="zh-CN" altLang="en-US" dirty="0"/>
+              <a:t>？</a:t>
+            </a:r>
           </a:p>
         </p:txBody>
       </p:sp>
     </p:spTree>
     <p:extLst>
       <p:ext uri="{BB962C8B-B14F-4D97-AF65-F5344CB8AC3E}">
-        <p14:creationId xmlns:p14="http://schemas.microsoft.com/office/powerpoint/2010/main" val="1985404736"/>
+        <p14:creationId xmlns:p14="http://schemas.microsoft.com/office/powerpoint/2010/main" val="931233608"/>
       </p:ext>
     </p:extLst>
   </p:cSld>
@@ -13304,102 +13223,6 @@
           <a:chExt cx="0" cy="0"/>
         </a:xfrm>
       </p:grpSpPr>
-      <p:sp>
-        <p:nvSpPr>
-          <p:cNvPr id="2" name="标题 1">
-            <a:extLst>
-              <a:ext uri="{FF2B5EF4-FFF2-40B4-BE49-F238E27FC236}">
-                <a16:creationId xmlns:a16="http://schemas.microsoft.com/office/drawing/2014/main" id="{3C0A7B75-1E7C-4641-9DD4-26634ED80766}"/>
-              </a:ext>
-            </a:extLst>
-          </p:cNvPr>
-          <p:cNvSpPr>
-            <a:spLocks noGrp="1"/>
-          </p:cNvSpPr>
-          <p:nvPr>
-            <p:ph type="title"/>
-          </p:nvPr>
-        </p:nvSpPr>
-        <p:spPr/>
-        <p:txBody>
-          <a:bodyPr/>
-          <a:lstStyle/>
-          <a:p>
-            <a:r>
-              <a:rPr lang="zh-CN" altLang="en-US" dirty="0"/>
-              <a:t>分布式事务</a:t>
-            </a:r>
-          </a:p>
-        </p:txBody>
-      </p:sp>
-      <p:sp>
-        <p:nvSpPr>
-          <p:cNvPr id="3" name="内容占位符 2">
-            <a:extLst>
-              <a:ext uri="{FF2B5EF4-FFF2-40B4-BE49-F238E27FC236}">
-                <a16:creationId xmlns:a16="http://schemas.microsoft.com/office/drawing/2014/main" id="{4FA2C708-1881-4E56-A59D-366BC23FED29}"/>
-              </a:ext>
-            </a:extLst>
-          </p:cNvPr>
-          <p:cNvSpPr>
-            <a:spLocks noGrp="1"/>
-          </p:cNvSpPr>
-          <p:nvPr>
-            <p:ph idx="1"/>
-          </p:nvPr>
-        </p:nvSpPr>
-        <p:spPr/>
-        <p:txBody>
-          <a:bodyPr/>
-          <a:lstStyle/>
-          <a:p>
-            <a:r>
-              <a:rPr lang="en-US" altLang="zh-CN" dirty="0"/>
-              <a:t>2PC</a:t>
-            </a:r>
-          </a:p>
-          <a:p>
-            <a:r>
-              <a:rPr lang="en-US" altLang="zh-CN" dirty="0"/>
-              <a:t>Why not MVCC</a:t>
-            </a:r>
-            <a:r>
-              <a:rPr lang="zh-CN" altLang="en-US" dirty="0"/>
-              <a:t>？</a:t>
-            </a:r>
-          </a:p>
-        </p:txBody>
-      </p:sp>
-    </p:spTree>
-    <p:extLst>
-      <p:ext uri="{BB962C8B-B14F-4D97-AF65-F5344CB8AC3E}">
-        <p14:creationId xmlns:p14="http://schemas.microsoft.com/office/powerpoint/2010/main" val="931233608"/>
-      </p:ext>
-    </p:extLst>
-  </p:cSld>
-  <p:clrMapOvr>
-    <a:masterClrMapping/>
-  </p:clrMapOvr>
-</p:sld>
-</file>
-
-<file path=ppt/slides/slide46.xml><?xml version="1.0" encoding="utf-8"?>
-<p:sld xmlns:a="http://schemas.openxmlformats.org/drawingml/2006/main" xmlns:r="http://schemas.openxmlformats.org/officeDocument/2006/relationships" xmlns:p="http://schemas.openxmlformats.org/presentationml/2006/main">
-  <p:cSld>
-    <p:spTree>
-      <p:nvGrpSpPr>
-        <p:cNvPr id="1" name=""/>
-        <p:cNvGrpSpPr/>
-        <p:nvPr/>
-      </p:nvGrpSpPr>
-      <p:grpSpPr>
-        <a:xfrm>
-          <a:off x="0" y="0"/>
-          <a:ext cx="0" cy="0"/>
-          <a:chOff x="0" y="0"/>
-          <a:chExt cx="0" cy="0"/>
-        </a:xfrm>
-      </p:grpSpPr>
       <p:pic>
         <p:nvPicPr>
           <p:cNvPr id="4" name="图片 3">
@@ -13471,7 +13294,7 @@
 </p:sld>
 </file>
 
-<file path=ppt/slides/slide47.xml><?xml version="1.0" encoding="utf-8"?>
+<file path=ppt/slides/slide46.xml><?xml version="1.0" encoding="utf-8"?>
 <p:sld xmlns:a="http://schemas.openxmlformats.org/drawingml/2006/main" xmlns:r="http://schemas.openxmlformats.org/officeDocument/2006/relationships" xmlns:p="http://schemas.openxmlformats.org/presentationml/2006/main">
   <p:cSld>
     <p:spTree>
@@ -13531,7 +13354,7 @@
 </p:sld>
 </file>
 
-<file path=ppt/slides/slide48.xml><?xml version="1.0" encoding="utf-8"?>
+<file path=ppt/slides/slide47.xml><?xml version="1.0" encoding="utf-8"?>
 <p:sld xmlns:a="http://schemas.openxmlformats.org/drawingml/2006/main" xmlns:r="http://schemas.openxmlformats.org/officeDocument/2006/relationships" xmlns:p="http://schemas.openxmlformats.org/presentationml/2006/main">
   <p:cSld>
     <p:spTree>
@@ -13591,7 +13414,7 @@
 </p:sld>
 </file>
 
-<file path=ppt/slides/slide49.xml><?xml version="1.0" encoding="utf-8"?>
+<file path=ppt/slides/slide48.xml><?xml version="1.0" encoding="utf-8"?>
 <p:sld xmlns:a="http://schemas.openxmlformats.org/drawingml/2006/main" xmlns:r="http://schemas.openxmlformats.org/officeDocument/2006/relationships" xmlns:p="http://schemas.openxmlformats.org/presentationml/2006/main">
   <p:cSld>
     <p:spTree>
@@ -13651,6 +13474,151 @@
 </p:sld>
 </file>
 
+<file path=ppt/slides/slide49.xml><?xml version="1.0" encoding="utf-8"?>
+<p:sld xmlns:a="http://schemas.openxmlformats.org/drawingml/2006/main" xmlns:r="http://schemas.openxmlformats.org/officeDocument/2006/relationships" xmlns:p="http://schemas.openxmlformats.org/presentationml/2006/main">
+  <p:cSld>
+    <p:spTree>
+      <p:nvGrpSpPr>
+        <p:cNvPr id="1" name=""/>
+        <p:cNvGrpSpPr/>
+        <p:nvPr/>
+      </p:nvGrpSpPr>
+      <p:grpSpPr>
+        <a:xfrm>
+          <a:off x="0" y="0"/>
+          <a:ext cx="0" cy="0"/>
+          <a:chOff x="0" y="0"/>
+          <a:chExt cx="0" cy="0"/>
+        </a:xfrm>
+      </p:grpSpPr>
+      <p:sp>
+        <p:nvSpPr>
+          <p:cNvPr id="2" name="标题 1">
+            <a:extLst>
+              <a:ext uri="{FF2B5EF4-FFF2-40B4-BE49-F238E27FC236}">
+                <a16:creationId xmlns:a16="http://schemas.microsoft.com/office/drawing/2014/main" id="{22F9BCE8-C65B-4954-BFA4-32220607A889}"/>
+              </a:ext>
+            </a:extLst>
+          </p:cNvPr>
+          <p:cNvSpPr>
+            <a:spLocks noGrp="1"/>
+          </p:cNvSpPr>
+          <p:nvPr>
+            <p:ph type="title"/>
+          </p:nvPr>
+        </p:nvSpPr>
+        <p:spPr/>
+        <p:txBody>
+          <a:bodyPr/>
+          <a:lstStyle/>
+          <a:p>
+            <a:r>
+              <a:rPr lang="zh-CN" altLang="en-US" dirty="0"/>
+              <a:t>消息与事务转账</a:t>
+            </a:r>
+          </a:p>
+        </p:txBody>
+      </p:sp>
+      <p:sp>
+        <p:nvSpPr>
+          <p:cNvPr id="3" name="内容占位符 2">
+            <a:extLst>
+              <a:ext uri="{FF2B5EF4-FFF2-40B4-BE49-F238E27FC236}">
+                <a16:creationId xmlns:a16="http://schemas.microsoft.com/office/drawing/2014/main" id="{B6E6DD01-24BF-4CA5-991E-43E213E92029}"/>
+              </a:ext>
+            </a:extLst>
+          </p:cNvPr>
+          <p:cNvSpPr>
+            <a:spLocks noGrp="1"/>
+          </p:cNvSpPr>
+          <p:nvPr>
+            <p:ph idx="1"/>
+          </p:nvPr>
+        </p:nvSpPr>
+        <p:spPr/>
+        <p:txBody>
+          <a:bodyPr/>
+          <a:lstStyle/>
+          <a:p>
+            <a:r>
+              <a:rPr lang="zh-CN" altLang="en-US" dirty="0"/>
+              <a:t>关键设计难点</a:t>
+            </a:r>
+            <a:endParaRPr lang="en-US" altLang="zh-CN" dirty="0"/>
+          </a:p>
+          <a:p>
+            <a:pPr lvl="1"/>
+            <a:r>
+              <a:rPr lang="en-US" altLang="zh-CN" dirty="0"/>
+              <a:t> </a:t>
+            </a:r>
+            <a:r>
+              <a:rPr lang="zh-CN" altLang="en-US" dirty="0"/>
+              <a:t>如何保证消息发出与</a:t>
+            </a:r>
+            <a:r>
+              <a:rPr lang="en-US" altLang="zh-CN" dirty="0"/>
+              <a:t>Bob</a:t>
+            </a:r>
+            <a:r>
+              <a:rPr lang="zh-CN" altLang="en-US" dirty="0"/>
+              <a:t>账户减钱同时成功或同时失败？</a:t>
+            </a:r>
+            <a:endParaRPr lang="en-US" altLang="zh-CN" dirty="0"/>
+          </a:p>
+          <a:p>
+            <a:pPr lvl="1"/>
+            <a:r>
+              <a:rPr lang="en-US" altLang="zh-CN" dirty="0"/>
+              <a:t> </a:t>
+            </a:r>
+            <a:r>
+              <a:rPr lang="zh-CN" altLang="en-US" dirty="0"/>
+              <a:t>消息处理超时如何解决？努力送达模型</a:t>
+            </a:r>
+            <a:endParaRPr lang="en-US" altLang="zh-CN" dirty="0"/>
+          </a:p>
+          <a:p>
+            <a:pPr lvl="1"/>
+            <a:r>
+              <a:rPr lang="zh-CN" altLang="en-US" dirty="0"/>
+              <a:t> 消息处理失败如何解决？人工介入</a:t>
+            </a:r>
+            <a:endParaRPr lang="en-US" altLang="zh-CN" dirty="0"/>
+          </a:p>
+          <a:p>
+            <a:pPr lvl="1"/>
+            <a:endParaRPr lang="en-US" altLang="zh-CN" dirty="0"/>
+          </a:p>
+          <a:p>
+            <a:pPr lvl="1"/>
+            <a:endParaRPr lang="en-US" altLang="zh-CN" dirty="0"/>
+          </a:p>
+          <a:p>
+            <a:pPr lvl="1"/>
+            <a:r>
+              <a:rPr lang="en-US" altLang="zh-CN" dirty="0">
+                <a:hlinkClick r:id="rId2"/>
+              </a:rPr>
+              <a:t>https://www.enterpriseintegrationpatterns.com/patterns/messaging/TransactionalClient.html</a:t>
+            </a:r>
+            <a:endParaRPr lang="zh-CN" altLang="en-US" dirty="0"/>
+          </a:p>
+        </p:txBody>
+      </p:sp>
+    </p:spTree>
+    <p:extLst>
+      <p:ext uri="{BB962C8B-B14F-4D97-AF65-F5344CB8AC3E}">
+        <p14:creationId xmlns:p14="http://schemas.microsoft.com/office/powerpoint/2010/main" val="788693766"/>
+      </p:ext>
+    </p:extLst>
+  </p:cSld>
+  <p:clrMapOvr>
+    <a:masterClrMapping/>
+  </p:clrMapOvr>
+</p:sld>
+</file>
+
 <file path=ppt/slides/slide5.xml><?xml version="1.0" encoding="utf-8"?>
 <p:sld xmlns:a="http://schemas.openxmlformats.org/drawingml/2006/main" xmlns:r="http://schemas.openxmlformats.org/officeDocument/2006/relationships" xmlns:p="http://schemas.openxmlformats.org/presentationml/2006/main">
   <p:cSld>
@@ -13779,151 +13747,6 @@
 </file>
 
 <file path=ppt/slides/slide50.xml><?xml version="1.0" encoding="utf-8"?>
-<p:sld xmlns:a="http://schemas.openxmlformats.org/drawingml/2006/main" xmlns:r="http://schemas.openxmlformats.org/officeDocument/2006/relationships" xmlns:p="http://schemas.openxmlformats.org/presentationml/2006/main">
-  <p:cSld>
-    <p:spTree>
-      <p:nvGrpSpPr>
-        <p:cNvPr id="1" name=""/>
-        <p:cNvGrpSpPr/>
-        <p:nvPr/>
-      </p:nvGrpSpPr>
-      <p:grpSpPr>
-        <a:xfrm>
-          <a:off x="0" y="0"/>
-          <a:ext cx="0" cy="0"/>
-          <a:chOff x="0" y="0"/>
-          <a:chExt cx="0" cy="0"/>
-        </a:xfrm>
-      </p:grpSpPr>
-      <p:sp>
-        <p:nvSpPr>
-          <p:cNvPr id="2" name="标题 1">
-            <a:extLst>
-              <a:ext uri="{FF2B5EF4-FFF2-40B4-BE49-F238E27FC236}">
-                <a16:creationId xmlns:a16="http://schemas.microsoft.com/office/drawing/2014/main" id="{22F9BCE8-C65B-4954-BFA4-32220607A889}"/>
-              </a:ext>
-            </a:extLst>
-          </p:cNvPr>
-          <p:cNvSpPr>
-            <a:spLocks noGrp="1"/>
-          </p:cNvSpPr>
-          <p:nvPr>
-            <p:ph type="title"/>
-          </p:nvPr>
-        </p:nvSpPr>
-        <p:spPr/>
-        <p:txBody>
-          <a:bodyPr/>
-          <a:lstStyle/>
-          <a:p>
-            <a:r>
-              <a:rPr lang="zh-CN" altLang="en-US" dirty="0"/>
-              <a:t>消息与事务转账</a:t>
-            </a:r>
-          </a:p>
-        </p:txBody>
-      </p:sp>
-      <p:sp>
-        <p:nvSpPr>
-          <p:cNvPr id="3" name="内容占位符 2">
-            <a:extLst>
-              <a:ext uri="{FF2B5EF4-FFF2-40B4-BE49-F238E27FC236}">
-                <a16:creationId xmlns:a16="http://schemas.microsoft.com/office/drawing/2014/main" id="{B6E6DD01-24BF-4CA5-991E-43E213E92029}"/>
-              </a:ext>
-            </a:extLst>
-          </p:cNvPr>
-          <p:cNvSpPr>
-            <a:spLocks noGrp="1"/>
-          </p:cNvSpPr>
-          <p:nvPr>
-            <p:ph idx="1"/>
-          </p:nvPr>
-        </p:nvSpPr>
-        <p:spPr/>
-        <p:txBody>
-          <a:bodyPr/>
-          <a:lstStyle/>
-          <a:p>
-            <a:r>
-              <a:rPr lang="zh-CN" altLang="en-US" dirty="0"/>
-              <a:t>关键设计难点</a:t>
-            </a:r>
-            <a:endParaRPr lang="en-US" altLang="zh-CN" dirty="0"/>
-          </a:p>
-          <a:p>
-            <a:pPr lvl="1"/>
-            <a:r>
-              <a:rPr lang="en-US" altLang="zh-CN" dirty="0"/>
-              <a:t> </a:t>
-            </a:r>
-            <a:r>
-              <a:rPr lang="zh-CN" altLang="en-US" dirty="0"/>
-              <a:t>如何保证消息发出与</a:t>
-            </a:r>
-            <a:r>
-              <a:rPr lang="en-US" altLang="zh-CN" dirty="0"/>
-              <a:t>Bob</a:t>
-            </a:r>
-            <a:r>
-              <a:rPr lang="zh-CN" altLang="en-US" dirty="0"/>
-              <a:t>账户减钱同时成功或同时失败？</a:t>
-            </a:r>
-            <a:endParaRPr lang="en-US" altLang="zh-CN" dirty="0"/>
-          </a:p>
-          <a:p>
-            <a:pPr lvl="1"/>
-            <a:r>
-              <a:rPr lang="en-US" altLang="zh-CN" dirty="0"/>
-              <a:t> </a:t>
-            </a:r>
-            <a:r>
-              <a:rPr lang="zh-CN" altLang="en-US" dirty="0"/>
-              <a:t>消息处理超时如何解决？努力送达模型</a:t>
-            </a:r>
-            <a:endParaRPr lang="en-US" altLang="zh-CN" dirty="0"/>
-          </a:p>
-          <a:p>
-            <a:pPr lvl="1"/>
-            <a:r>
-              <a:rPr lang="zh-CN" altLang="en-US" dirty="0"/>
-              <a:t> 消息处理失败如何解决？人工介入</a:t>
-            </a:r>
-            <a:endParaRPr lang="en-US" altLang="zh-CN" dirty="0"/>
-          </a:p>
-          <a:p>
-            <a:pPr lvl="1"/>
-            <a:endParaRPr lang="en-US" altLang="zh-CN" dirty="0"/>
-          </a:p>
-          <a:p>
-            <a:pPr lvl="1"/>
-            <a:endParaRPr lang="en-US" altLang="zh-CN" dirty="0"/>
-          </a:p>
-          <a:p>
-            <a:pPr lvl="1"/>
-            <a:r>
-              <a:rPr lang="en-US" altLang="zh-CN" dirty="0">
-                <a:hlinkClick r:id="rId2"/>
-              </a:rPr>
-              <a:t>https://www.enterpriseintegrationpatterns.com/patterns/messaging/TransactionalClient.html</a:t>
-            </a:r>
-            <a:endParaRPr lang="zh-CN" altLang="en-US" dirty="0"/>
-          </a:p>
-        </p:txBody>
-      </p:sp>
-    </p:spTree>
-    <p:extLst>
-      <p:ext uri="{BB962C8B-B14F-4D97-AF65-F5344CB8AC3E}">
-        <p14:creationId xmlns:p14="http://schemas.microsoft.com/office/powerpoint/2010/main" val="788693766"/>
-      </p:ext>
-    </p:extLst>
-  </p:cSld>
-  <p:clrMapOvr>
-    <a:masterClrMapping/>
-  </p:clrMapOvr>
-</p:sld>
-</file>
-
-<file path=ppt/slides/slide51.xml><?xml version="1.0" encoding="utf-8"?>
 <p:sld xmlns:a="http://schemas.openxmlformats.org/drawingml/2006/main" xmlns:r="http://schemas.openxmlformats.org/officeDocument/2006/relationships" xmlns:p="http://schemas.openxmlformats.org/presentationml/2006/main">
   <p:cSld>
     <p:spTree>
@@ -13983,7 +13806,7 @@
 </p:sld>
 </file>
 
-<file path=ppt/slides/slide52.xml><?xml version="1.0" encoding="utf-8"?>
+<file path=ppt/slides/slide51.xml><?xml version="1.0" encoding="utf-8"?>
 <p:sld xmlns:a="http://schemas.openxmlformats.org/drawingml/2006/main" xmlns:r="http://schemas.openxmlformats.org/officeDocument/2006/relationships" xmlns:p="http://schemas.openxmlformats.org/presentationml/2006/main">
   <p:cSld>
     <p:spTree>
@@ -14071,7 +13894,7 @@
 </p:sld>
 </file>
 
-<file path=ppt/slides/slide53.xml><?xml version="1.0" encoding="utf-8"?>
+<file path=ppt/slides/slide52.xml><?xml version="1.0" encoding="utf-8"?>
 <p:sld xmlns:a="http://schemas.openxmlformats.org/drawingml/2006/main" xmlns:r="http://schemas.openxmlformats.org/officeDocument/2006/relationships" xmlns:p="http://schemas.openxmlformats.org/presentationml/2006/main">
   <p:cSld>
     <p:spTree>
@@ -14131,7 +13954,7 @@
 </p:sld>
 </file>
 
-<file path=ppt/slides/slide54.xml><?xml version="1.0" encoding="utf-8"?>
+<file path=ppt/slides/slide53.xml><?xml version="1.0" encoding="utf-8"?>
 <p:sld xmlns:a="http://schemas.openxmlformats.org/drawingml/2006/main" xmlns:r="http://schemas.openxmlformats.org/officeDocument/2006/relationships" xmlns:p="http://schemas.openxmlformats.org/presentationml/2006/main">
   <p:cSld>
     <p:spTree>
@@ -14219,7 +14042,7 @@
 </p:sld>
 </file>
 
-<file path=ppt/slides/slide55.xml><?xml version="1.0" encoding="utf-8"?>
+<file path=ppt/slides/slide54.xml><?xml version="1.0" encoding="utf-8"?>
 <p:sld xmlns:a="http://schemas.openxmlformats.org/drawingml/2006/main" xmlns:r="http://schemas.openxmlformats.org/officeDocument/2006/relationships" xmlns:p="http://schemas.openxmlformats.org/presentationml/2006/main">
   <p:cSld>
     <p:spTree>
@@ -14332,6 +14155,105 @@
 </p:sld>
 </file>
 
+<file path=ppt/slides/slide55.xml><?xml version="1.0" encoding="utf-8"?>
+<p:sld xmlns:a="http://schemas.openxmlformats.org/drawingml/2006/main" xmlns:r="http://schemas.openxmlformats.org/officeDocument/2006/relationships" xmlns:p="http://schemas.openxmlformats.org/presentationml/2006/main">
+  <p:cSld>
+    <p:spTree>
+      <p:nvGrpSpPr>
+        <p:cNvPr id="1" name=""/>
+        <p:cNvGrpSpPr/>
+        <p:nvPr/>
+      </p:nvGrpSpPr>
+      <p:grpSpPr>
+        <a:xfrm>
+          <a:off x="0" y="0"/>
+          <a:ext cx="0" cy="0"/>
+          <a:chOff x="0" y="0"/>
+          <a:chExt cx="0" cy="0"/>
+        </a:xfrm>
+      </p:grpSpPr>
+      <p:sp>
+        <p:nvSpPr>
+          <p:cNvPr id="2" name="标题 1">
+            <a:extLst>
+              <a:ext uri="{FF2B5EF4-FFF2-40B4-BE49-F238E27FC236}">
+                <a16:creationId xmlns:a16="http://schemas.microsoft.com/office/drawing/2014/main" id="{CEC47573-FF34-4129-B336-C3D6D6F6A2F6}"/>
+              </a:ext>
+            </a:extLst>
+          </p:cNvPr>
+          <p:cNvSpPr>
+            <a:spLocks noGrp="1"/>
+          </p:cNvSpPr>
+          <p:nvPr>
+            <p:ph type="title"/>
+          </p:nvPr>
+        </p:nvSpPr>
+        <p:spPr/>
+        <p:txBody>
+          <a:bodyPr/>
+          <a:lstStyle/>
+          <a:p>
+            <a:r>
+              <a:rPr lang="zh-CN" altLang="en-US" dirty="0"/>
+              <a:t>事件驱动系统</a:t>
+            </a:r>
+          </a:p>
+        </p:txBody>
+      </p:sp>
+      <p:sp>
+        <p:nvSpPr>
+          <p:cNvPr id="3" name="内容占位符 2">
+            <a:extLst>
+              <a:ext uri="{FF2B5EF4-FFF2-40B4-BE49-F238E27FC236}">
+                <a16:creationId xmlns:a16="http://schemas.microsoft.com/office/drawing/2014/main" id="{DDB5F400-8453-4A33-B1FA-F68754287321}"/>
+              </a:ext>
+            </a:extLst>
+          </p:cNvPr>
+          <p:cNvSpPr>
+            <a:spLocks noGrp="1"/>
+          </p:cNvSpPr>
+          <p:nvPr>
+            <p:ph idx="1"/>
+          </p:nvPr>
+        </p:nvSpPr>
+        <p:spPr/>
+        <p:txBody>
+          <a:bodyPr/>
+          <a:lstStyle/>
+          <a:p>
+            <a:r>
+              <a:rPr lang="zh-CN" altLang="en-US" dirty="0"/>
+              <a:t>把消息构造成事件消息。</a:t>
+            </a:r>
+            <a:endParaRPr lang="en-US" altLang="zh-CN" dirty="0"/>
+          </a:p>
+          <a:p>
+            <a:endParaRPr lang="en-US" altLang="zh-CN" dirty="0"/>
+          </a:p>
+          <a:p>
+            <a:r>
+              <a:rPr lang="en-US" altLang="zh-CN" dirty="0">
+                <a:hlinkClick r:id="rId3"/>
+              </a:rPr>
+              <a:t>https://www.enterpriseintegrationpatterns.com/patterns/messaging/EventMessage.html</a:t>
+            </a:r>
+            <a:endParaRPr lang="zh-CN" altLang="en-US" dirty="0"/>
+          </a:p>
+        </p:txBody>
+      </p:sp>
+    </p:spTree>
+    <p:extLst>
+      <p:ext uri="{BB962C8B-B14F-4D97-AF65-F5344CB8AC3E}">
+        <p14:creationId xmlns:p14="http://schemas.microsoft.com/office/powerpoint/2010/main" val="525725438"/>
+      </p:ext>
+    </p:extLst>
+  </p:cSld>
+  <p:clrMapOvr>
+    <a:masterClrMapping/>
+  </p:clrMapOvr>
+</p:sld>
+</file>
+
 <file path=ppt/slides/slide56.xml><?xml version="1.0" encoding="utf-8"?>
 <p:sld xmlns:a="http://schemas.openxmlformats.org/drawingml/2006/main" xmlns:r="http://schemas.openxmlformats.org/officeDocument/2006/relationships" xmlns:p="http://schemas.openxmlformats.org/presentationml/2006/main">
   <p:cSld>
@@ -14354,7 +14276,7 @@
           <p:cNvPr id="2" name="标题 1">
             <a:extLst>
               <a:ext uri="{FF2B5EF4-FFF2-40B4-BE49-F238E27FC236}">
-                <a16:creationId xmlns:a16="http://schemas.microsoft.com/office/drawing/2014/main" id="{5CF0C405-E4C4-45A2-BE6D-38A80493B752}"/>
+                <a16:creationId xmlns:a16="http://schemas.microsoft.com/office/drawing/2014/main" id="{87396C7E-39DE-4447-A3B8-AFA4F7DDA714}"/>
               </a:ext>
             </a:extLst>
           </p:cNvPr>
@@ -14371,10 +14293,9 @@
           <a:lstStyle/>
           <a:p>
             <a:r>
-              <a:rPr lang="en-US" altLang="zh-CN" dirty="0"/>
-              <a:t>Messaging Channel</a:t>
-            </a:r>
-            <a:endParaRPr lang="zh-CN" altLang="en-US" dirty="0"/>
+              <a:rPr lang="zh-CN" altLang="en-US" dirty="0"/>
+              <a:t>思考</a:t>
+            </a:r>
           </a:p>
         </p:txBody>
       </p:sp>
@@ -14383,7 +14304,7 @@
           <p:cNvPr id="3" name="内容占位符 2">
             <a:extLst>
               <a:ext uri="{FF2B5EF4-FFF2-40B4-BE49-F238E27FC236}">
-                <a16:creationId xmlns:a16="http://schemas.microsoft.com/office/drawing/2014/main" id="{F3C563B8-4F41-44F3-994C-1CF757125DA5}"/>
+                <a16:creationId xmlns:a16="http://schemas.microsoft.com/office/drawing/2014/main" id="{8FC91616-AF1A-4A24-9227-D8B7E833AC8E}"/>
               </a:ext>
             </a:extLst>
           </p:cNvPr>
@@ -14405,19 +14326,44 @@
             </a:r>
             <a:r>
               <a:rPr lang="zh-CN" altLang="en-US" dirty="0"/>
-              <a:t>发布者如何保证只有一个接受者能接收呢？点对点</a:t>
-            </a:r>
-            <a:endParaRPr lang="en-US" altLang="zh-CN" dirty="0"/>
-          </a:p>
-          <a:p>
-            <a:r>
-              <a:rPr lang="en-US" altLang="zh-CN" dirty="0"/>
-              <a:t>2 </a:t>
-            </a:r>
-            <a:r>
-              <a:rPr lang="zh-CN" altLang="en-US" dirty="0"/>
-              <a:t>如何把发送者把消息广播到感兴趣的接受者呢？发布订阅</a:t>
-            </a:r>
+              <a:t>哪些应该应用系统做，哪些应该</a:t>
+            </a:r>
+            <a:r>
+              <a:rPr lang="en-US" altLang="zh-CN" dirty="0"/>
+              <a:t>MQ</a:t>
+            </a:r>
+            <a:r>
+              <a:rPr lang="zh-CN" altLang="en-US" dirty="0"/>
+              <a:t>做？或许有一天</a:t>
+            </a:r>
+            <a:r>
+              <a:rPr lang="en-US" altLang="zh-CN" dirty="0"/>
+              <a:t>MQ</a:t>
+            </a:r>
+            <a:r>
+              <a:rPr lang="zh-CN" altLang="en-US" dirty="0"/>
+              <a:t>也不做了怎么办？</a:t>
+            </a:r>
+            <a:endParaRPr lang="en-US" altLang="zh-CN" dirty="0"/>
+          </a:p>
+          <a:p>
+            <a:endParaRPr lang="en-US" altLang="zh-CN" dirty="0"/>
+          </a:p>
+          <a:p>
+            <a:r>
+              <a:rPr lang="en-US" altLang="zh-CN" dirty="0"/>
+              <a:t>2  </a:t>
+            </a:r>
+            <a:r>
+              <a:rPr lang="zh-CN" altLang="en-US" dirty="0"/>
+              <a:t>是否真的需要顺序和去重？还是恰好“不需要解决”</a:t>
+            </a:r>
+            <a:endParaRPr lang="en-US" altLang="zh-CN" dirty="0"/>
+          </a:p>
+          <a:p>
+            <a:endParaRPr lang="en-US" altLang="zh-CN" dirty="0"/>
+          </a:p>
+          <a:p>
             <a:endParaRPr lang="en-US" altLang="zh-CN" dirty="0"/>
           </a:p>
           <a:p>
@@ -14427,29 +14373,7 @@
             </a:r>
             <a:r>
               <a:rPr lang="zh-CN" altLang="en-US" dirty="0"/>
-              <a:t>接收无意义的消息，接收者如何处理？</a:t>
-            </a:r>
-            <a:endParaRPr lang="en-US" altLang="zh-CN" dirty="0"/>
-          </a:p>
-          <a:p>
-            <a:r>
-              <a:rPr lang="en-US" altLang="zh-CN" dirty="0"/>
-              <a:t>4 </a:t>
-            </a:r>
-            <a:r>
-              <a:rPr lang="zh-CN" altLang="en-US" dirty="0"/>
-              <a:t>消息系统如何处理无法传递的消息呢？死信队列</a:t>
-            </a:r>
-            <a:endParaRPr lang="en-US" altLang="zh-CN" dirty="0"/>
-          </a:p>
-          <a:p>
-            <a:r>
-              <a:rPr lang="en-US" altLang="zh-CN" dirty="0"/>
-              <a:t>5 </a:t>
-            </a:r>
-            <a:r>
-              <a:rPr lang="zh-CN" altLang="en-US" dirty="0"/>
-              <a:t>发送者如何确保消息系统失败消息也能成功传递？可靠传输</a:t>
+              <a:t>具体到消息产品时候具备哪些特点和这些特点到底能保证什么？</a:t>
             </a:r>
           </a:p>
         </p:txBody>
@@ -14457,7 +14381,7 @@
     </p:spTree>
     <p:extLst>
       <p:ext uri="{BB962C8B-B14F-4D97-AF65-F5344CB8AC3E}">
-        <p14:creationId xmlns:p14="http://schemas.microsoft.com/office/powerpoint/2010/main" val="682938392"/>
+        <p14:creationId xmlns:p14="http://schemas.microsoft.com/office/powerpoint/2010/main" val="1748139951"/>
       </p:ext>
     </p:extLst>
   </p:cSld>
@@ -14486,77 +14410,58 @@
       </p:grpSpPr>
       <p:sp>
         <p:nvSpPr>
-          <p:cNvPr id="2" name="标题 1">
-            <a:extLst>
-              <a:ext uri="{FF2B5EF4-FFF2-40B4-BE49-F238E27FC236}">
-                <a16:creationId xmlns:a16="http://schemas.microsoft.com/office/drawing/2014/main" id="{CEC47573-FF34-4129-B336-C3D6D6F6A2F6}"/>
-              </a:ext>
-            </a:extLst>
-          </p:cNvPr>
-          <p:cNvSpPr>
-            <a:spLocks noGrp="1"/>
-          </p:cNvSpPr>
-          <p:nvPr>
-            <p:ph type="title"/>
-          </p:nvPr>
-        </p:nvSpPr>
-        <p:spPr/>
-        <p:txBody>
-          <a:bodyPr/>
-          <a:lstStyle/>
-          <a:p>
-            <a:r>
-              <a:rPr lang="zh-CN" altLang="en-US" dirty="0"/>
-              <a:t>事件驱动系统</a:t>
-            </a:r>
-          </a:p>
-        </p:txBody>
-      </p:sp>
-      <p:sp>
-        <p:nvSpPr>
-          <p:cNvPr id="3" name="内容占位符 2">
-            <a:extLst>
-              <a:ext uri="{FF2B5EF4-FFF2-40B4-BE49-F238E27FC236}">
-                <a16:creationId xmlns:a16="http://schemas.microsoft.com/office/drawing/2014/main" id="{DDB5F400-8453-4A33-B1FA-F68754287321}"/>
-              </a:ext>
-            </a:extLst>
-          </p:cNvPr>
-          <p:cNvSpPr>
-            <a:spLocks noGrp="1"/>
-          </p:cNvSpPr>
-          <p:nvPr>
-            <p:ph idx="1"/>
-          </p:nvPr>
-        </p:nvSpPr>
-        <p:spPr/>
-        <p:txBody>
-          <a:bodyPr/>
-          <a:lstStyle/>
-          <a:p>
-            <a:r>
-              <a:rPr lang="zh-CN" altLang="en-US" dirty="0"/>
-              <a:t>把消息构造成事件消息。</a:t>
-            </a:r>
-            <a:endParaRPr lang="en-US" altLang="zh-CN" dirty="0"/>
-          </a:p>
-          <a:p>
-            <a:endParaRPr lang="en-US" altLang="zh-CN" dirty="0"/>
-          </a:p>
-          <a:p>
-            <a:r>
-              <a:rPr lang="en-US" altLang="zh-CN" dirty="0">
-                <a:hlinkClick r:id="rId3"/>
-              </a:rPr>
-              <a:t>https://www.enterpriseintegrationpatterns.com/patterns/messaging/EventMessage.html</a:t>
-            </a:r>
-            <a:endParaRPr lang="zh-CN" altLang="en-US" dirty="0"/>
+          <p:cNvPr id="6" name="矩形 5">
+            <a:extLst>
+              <a:ext uri="{FF2B5EF4-FFF2-40B4-BE49-F238E27FC236}">
+                <a16:creationId xmlns:a16="http://schemas.microsoft.com/office/drawing/2014/main" id="{8FEDD989-809D-472D-B409-32B265FE9100}"/>
+              </a:ext>
+            </a:extLst>
+          </p:cNvPr>
+          <p:cNvSpPr/>
+          <p:nvPr/>
+        </p:nvSpPr>
+        <p:spPr>
+          <a:xfrm>
+            <a:off x="0" y="2186608"/>
+            <a:ext cx="12192000" cy="1709531"/>
+          </a:xfrm>
+          <a:prstGeom prst="rect">
+            <a:avLst/>
+          </a:prstGeom>
+        </p:spPr>
+        <p:style>
+          <a:lnRef idx="2">
+            <a:schemeClr val="accent1">
+              <a:shade val="50000"/>
+            </a:schemeClr>
+          </a:lnRef>
+          <a:fillRef idx="1">
+            <a:schemeClr val="accent1"/>
+          </a:fillRef>
+          <a:effectRef idx="0">
+            <a:schemeClr val="accent1"/>
+          </a:effectRef>
+          <a:fontRef idx="minor">
+            <a:schemeClr val="lt1"/>
+          </a:fontRef>
+        </p:style>
+        <p:txBody>
+          <a:bodyPr rtlCol="0" anchor="ctr"/>
+          <a:lstStyle/>
+          <a:p>
+            <a:pPr algn="ctr"/>
+            <a:r>
+              <a:rPr lang="en-US" altLang="zh-CN" sz="5400" dirty="0"/>
+              <a:t>Q&amp;A</a:t>
+            </a:r>
+            <a:endParaRPr lang="zh-CN" altLang="en-US" sz="5400" dirty="0"/>
           </a:p>
         </p:txBody>
       </p:sp>
     </p:spTree>
     <p:extLst>
       <p:ext uri="{BB962C8B-B14F-4D97-AF65-F5344CB8AC3E}">
-        <p14:creationId xmlns:p14="http://schemas.microsoft.com/office/powerpoint/2010/main" val="525725438"/>
+        <p14:creationId xmlns:p14="http://schemas.microsoft.com/office/powerpoint/2010/main" val="3911165385"/>
       </p:ext>
     </p:extLst>
   </p:cSld>
@@ -14585,209 +14490,57 @@
       </p:grpSpPr>
       <p:sp>
         <p:nvSpPr>
-          <p:cNvPr id="2" name="标题 1">
-            <a:extLst>
-              <a:ext uri="{FF2B5EF4-FFF2-40B4-BE49-F238E27FC236}">
-                <a16:creationId xmlns:a16="http://schemas.microsoft.com/office/drawing/2014/main" id="{87396C7E-39DE-4447-A3B8-AFA4F7DDA714}"/>
-              </a:ext>
-            </a:extLst>
-          </p:cNvPr>
-          <p:cNvSpPr>
-            <a:spLocks noGrp="1"/>
-          </p:cNvSpPr>
-          <p:nvPr>
-            <p:ph type="title"/>
-          </p:nvPr>
-        </p:nvSpPr>
-        <p:spPr/>
-        <p:txBody>
-          <a:bodyPr/>
-          <a:lstStyle/>
-          <a:p>
-            <a:r>
-              <a:rPr lang="zh-CN" altLang="en-US" dirty="0"/>
-              <a:t>思考</a:t>
-            </a:r>
-          </a:p>
-        </p:txBody>
-      </p:sp>
-      <p:sp>
-        <p:nvSpPr>
-          <p:cNvPr id="3" name="内容占位符 2">
-            <a:extLst>
-              <a:ext uri="{FF2B5EF4-FFF2-40B4-BE49-F238E27FC236}">
-                <a16:creationId xmlns:a16="http://schemas.microsoft.com/office/drawing/2014/main" id="{8FC91616-AF1A-4A24-9227-D8B7E833AC8E}"/>
-              </a:ext>
-            </a:extLst>
-          </p:cNvPr>
-          <p:cNvSpPr>
-            <a:spLocks noGrp="1"/>
-          </p:cNvSpPr>
-          <p:nvPr>
-            <p:ph idx="1"/>
-          </p:nvPr>
-        </p:nvSpPr>
-        <p:spPr/>
-        <p:txBody>
-          <a:bodyPr/>
-          <a:lstStyle/>
-          <a:p>
-            <a:r>
-              <a:rPr lang="en-US" altLang="zh-CN" dirty="0"/>
-              <a:t>1 </a:t>
-            </a:r>
-            <a:r>
-              <a:rPr lang="zh-CN" altLang="en-US" dirty="0"/>
-              <a:t>哪些应该应用系统做，哪些应该</a:t>
-            </a:r>
-            <a:r>
-              <a:rPr lang="en-US" altLang="zh-CN" dirty="0"/>
-              <a:t>MQ</a:t>
-            </a:r>
-            <a:r>
-              <a:rPr lang="zh-CN" altLang="en-US" dirty="0"/>
-              <a:t>做？或许有一天</a:t>
-            </a:r>
-            <a:r>
-              <a:rPr lang="en-US" altLang="zh-CN" dirty="0"/>
-              <a:t>MQ</a:t>
-            </a:r>
-            <a:r>
-              <a:rPr lang="zh-CN" altLang="en-US" dirty="0"/>
-              <a:t>也不做了怎么办？</a:t>
-            </a:r>
-            <a:endParaRPr lang="en-US" altLang="zh-CN" dirty="0"/>
-          </a:p>
-          <a:p>
-            <a:endParaRPr lang="en-US" altLang="zh-CN" dirty="0"/>
-          </a:p>
-          <a:p>
-            <a:r>
-              <a:rPr lang="en-US" altLang="zh-CN" dirty="0"/>
-              <a:t>2  </a:t>
-            </a:r>
-            <a:r>
-              <a:rPr lang="zh-CN" altLang="en-US" dirty="0"/>
-              <a:t>是否真的需要顺序和去重？还是恰好“不需要解决”</a:t>
-            </a:r>
-            <a:endParaRPr lang="en-US" altLang="zh-CN" dirty="0"/>
-          </a:p>
-          <a:p>
-            <a:endParaRPr lang="en-US" altLang="zh-CN" dirty="0"/>
-          </a:p>
-          <a:p>
-            <a:endParaRPr lang="en-US" altLang="zh-CN" dirty="0"/>
-          </a:p>
-          <a:p>
-            <a:r>
-              <a:rPr lang="en-US" altLang="zh-CN" dirty="0"/>
-              <a:t>3 </a:t>
-            </a:r>
-            <a:r>
-              <a:rPr lang="zh-CN" altLang="en-US" dirty="0"/>
-              <a:t>具体到消息产品时候具备哪些特点和这些特点到底能保证什么？</a:t>
-            </a:r>
-          </a:p>
-        </p:txBody>
-      </p:sp>
-    </p:spTree>
-    <p:extLst>
-      <p:ext uri="{BB962C8B-B14F-4D97-AF65-F5344CB8AC3E}">
-        <p14:creationId xmlns:p14="http://schemas.microsoft.com/office/powerpoint/2010/main" val="1748139951"/>
-      </p:ext>
-    </p:extLst>
-  </p:cSld>
-  <p:clrMapOvr>
-    <a:masterClrMapping/>
-  </p:clrMapOvr>
-</p:sld>
-</file>
-
-<file path=ppt/slides/slide59.xml><?xml version="1.0" encoding="utf-8"?>
-<p:sld xmlns:a="http://schemas.openxmlformats.org/drawingml/2006/main" xmlns:r="http://schemas.openxmlformats.org/officeDocument/2006/relationships" xmlns:p="http://schemas.openxmlformats.org/presentationml/2006/main">
-  <p:cSld>
-    <p:spTree>
-      <p:nvGrpSpPr>
-        <p:cNvPr id="1" name=""/>
-        <p:cNvGrpSpPr/>
-        <p:nvPr/>
-      </p:nvGrpSpPr>
-      <p:grpSpPr>
-        <a:xfrm>
-          <a:off x="0" y="0"/>
-          <a:ext cx="0" cy="0"/>
-          <a:chOff x="0" y="0"/>
-          <a:chExt cx="0" cy="0"/>
-        </a:xfrm>
-      </p:grpSpPr>
-      <p:sp>
-        <p:nvSpPr>
-          <p:cNvPr id="2" name="标题 1">
-            <a:extLst>
-              <a:ext uri="{FF2B5EF4-FFF2-40B4-BE49-F238E27FC236}">
-                <a16:creationId xmlns:a16="http://schemas.microsoft.com/office/drawing/2014/main" id="{B9E09E33-B2AD-4B78-B574-0FCAA7ED29A8}"/>
-              </a:ext>
-            </a:extLst>
-          </p:cNvPr>
-          <p:cNvSpPr>
-            <a:spLocks noGrp="1"/>
-          </p:cNvSpPr>
-          <p:nvPr>
-            <p:ph type="title"/>
-          </p:nvPr>
-        </p:nvSpPr>
-        <p:spPr/>
-        <p:txBody>
-          <a:bodyPr/>
-          <a:lstStyle/>
-          <a:p>
-            <a:r>
-              <a:rPr lang="en-US" altLang="zh-CN" dirty="0" err="1"/>
-              <a:t>ServiceMesh</a:t>
-            </a:r>
-            <a:r>
-              <a:rPr lang="zh-CN" altLang="en-US" dirty="0"/>
-              <a:t>演进</a:t>
-            </a:r>
-          </a:p>
-        </p:txBody>
-      </p:sp>
-      <p:pic>
-        <p:nvPicPr>
-          <p:cNvPr id="4" name="内容占位符 3">
-            <a:extLst>
-              <a:ext uri="{FF2B5EF4-FFF2-40B4-BE49-F238E27FC236}">
-                <a16:creationId xmlns:a16="http://schemas.microsoft.com/office/drawing/2014/main" id="{8346BAC9-ACEC-4586-B0BE-5CBB8F657584}"/>
-              </a:ext>
-            </a:extLst>
-          </p:cNvPr>
-          <p:cNvPicPr>
-            <a:picLocks noGrp="1" noChangeAspect="1"/>
-          </p:cNvPicPr>
-          <p:nvPr>
-            <p:ph idx="1"/>
-          </p:nvPr>
-        </p:nvPicPr>
-        <p:blipFill>
-          <a:blip r:embed="rId2"/>
-          <a:stretch>
-            <a:fillRect/>
-          </a:stretch>
-        </p:blipFill>
+          <p:cNvPr id="4" name="矩形 3">
+            <a:extLst>
+              <a:ext uri="{FF2B5EF4-FFF2-40B4-BE49-F238E27FC236}">
+                <a16:creationId xmlns:a16="http://schemas.microsoft.com/office/drawing/2014/main" id="{87A0F59A-6F34-498B-87C3-BE3458A91548}"/>
+              </a:ext>
+            </a:extLst>
+          </p:cNvPr>
+          <p:cNvSpPr/>
+          <p:nvPr/>
+        </p:nvSpPr>
         <p:spPr>
           <a:xfrm>
-            <a:off x="1245705" y="1431235"/>
-            <a:ext cx="9634330" cy="5061640"/>
+            <a:off x="0" y="2107094"/>
+            <a:ext cx="12192000" cy="1709531"/>
           </a:xfrm>
           <a:prstGeom prst="rect">
             <a:avLst/>
           </a:prstGeom>
         </p:spPr>
-      </p:pic>
+        <p:style>
+          <a:lnRef idx="2">
+            <a:schemeClr val="accent1">
+              <a:shade val="50000"/>
+            </a:schemeClr>
+          </a:lnRef>
+          <a:fillRef idx="1">
+            <a:schemeClr val="accent1"/>
+          </a:fillRef>
+          <a:effectRef idx="0">
+            <a:schemeClr val="accent1"/>
+          </a:effectRef>
+          <a:fontRef idx="minor">
+            <a:schemeClr val="lt1"/>
+          </a:fontRef>
+        </p:style>
+        <p:txBody>
+          <a:bodyPr rtlCol="0" anchor="ctr"/>
+          <a:lstStyle/>
+          <a:p>
+            <a:pPr algn="ctr"/>
+            <a:r>
+              <a:rPr lang="zh-CN" altLang="en-US" sz="5400" dirty="0"/>
+              <a:t>感谢聆听</a:t>
+            </a:r>
+          </a:p>
+        </p:txBody>
+      </p:sp>
     </p:spTree>
     <p:extLst>
       <p:ext uri="{BB962C8B-B14F-4D97-AF65-F5344CB8AC3E}">
-        <p14:creationId xmlns:p14="http://schemas.microsoft.com/office/powerpoint/2010/main" val="3027966639"/>
+        <p14:creationId xmlns:p14="http://schemas.microsoft.com/office/powerpoint/2010/main" val="2993766654"/>
       </p:ext>
     </p:extLst>
   </p:cSld>
@@ -14874,605 +14627,6 @@
     <p:extLst>
       <p:ext uri="{BB962C8B-B14F-4D97-AF65-F5344CB8AC3E}">
         <p14:creationId xmlns:p14="http://schemas.microsoft.com/office/powerpoint/2010/main" val="3670960668"/>
-      </p:ext>
-    </p:extLst>
-  </p:cSld>
-  <p:clrMapOvr>
-    <a:masterClrMapping/>
-  </p:clrMapOvr>
-</p:sld>
-</file>
-
-<file path=ppt/slides/slide60.xml><?xml version="1.0" encoding="utf-8"?>
-<p:sld xmlns:a="http://schemas.openxmlformats.org/drawingml/2006/main" xmlns:r="http://schemas.openxmlformats.org/officeDocument/2006/relationships" xmlns:p="http://schemas.openxmlformats.org/presentationml/2006/main">
-  <p:cSld>
-    <p:spTree>
-      <p:nvGrpSpPr>
-        <p:cNvPr id="1" name=""/>
-        <p:cNvGrpSpPr/>
-        <p:nvPr/>
-      </p:nvGrpSpPr>
-      <p:grpSpPr>
-        <a:xfrm>
-          <a:off x="0" y="0"/>
-          <a:ext cx="0" cy="0"/>
-          <a:chOff x="0" y="0"/>
-          <a:chExt cx="0" cy="0"/>
-        </a:xfrm>
-      </p:grpSpPr>
-      <p:sp>
-        <p:nvSpPr>
-          <p:cNvPr id="2" name="标题 1">
-            <a:extLst>
-              <a:ext uri="{FF2B5EF4-FFF2-40B4-BE49-F238E27FC236}">
-                <a16:creationId xmlns:a16="http://schemas.microsoft.com/office/drawing/2014/main" id="{FDC7F6FB-6A41-4B2D-9BA5-CFCA4795BB64}"/>
-              </a:ext>
-            </a:extLst>
-          </p:cNvPr>
-          <p:cNvSpPr>
-            <a:spLocks noGrp="1"/>
-          </p:cNvSpPr>
-          <p:nvPr>
-            <p:ph type="title"/>
-          </p:nvPr>
-        </p:nvSpPr>
-        <p:spPr/>
-        <p:txBody>
-          <a:bodyPr/>
-          <a:lstStyle/>
-          <a:p>
-            <a:endParaRPr lang="zh-CN" altLang="en-US"/>
-          </a:p>
-        </p:txBody>
-      </p:sp>
-      <p:sp>
-        <p:nvSpPr>
-          <p:cNvPr id="3" name="内容占位符 2">
-            <a:extLst>
-              <a:ext uri="{FF2B5EF4-FFF2-40B4-BE49-F238E27FC236}">
-                <a16:creationId xmlns:a16="http://schemas.microsoft.com/office/drawing/2014/main" id="{0D461F47-0726-4739-B4C7-C3D69EE72AE5}"/>
-              </a:ext>
-            </a:extLst>
-          </p:cNvPr>
-          <p:cNvSpPr>
-            <a:spLocks noGrp="1"/>
-          </p:cNvSpPr>
-          <p:nvPr>
-            <p:ph idx="1"/>
-          </p:nvPr>
-        </p:nvSpPr>
-        <p:spPr/>
-        <p:txBody>
-          <a:bodyPr/>
-          <a:lstStyle/>
-          <a:p>
-            <a:endParaRPr lang="zh-CN" altLang="en-US"/>
-          </a:p>
-        </p:txBody>
-      </p:sp>
-      <p:pic>
-        <p:nvPicPr>
-          <p:cNvPr id="4" name="图片 3">
-            <a:extLst>
-              <a:ext uri="{FF2B5EF4-FFF2-40B4-BE49-F238E27FC236}">
-                <a16:creationId xmlns:a16="http://schemas.microsoft.com/office/drawing/2014/main" id="{1FD778B8-F2DA-4DFF-A94D-C95D33BD1BDC}"/>
-              </a:ext>
-            </a:extLst>
-          </p:cNvPr>
-          <p:cNvPicPr>
-            <a:picLocks noChangeAspect="1"/>
-          </p:cNvPicPr>
-          <p:nvPr/>
-        </p:nvPicPr>
-        <p:blipFill>
-          <a:blip r:embed="rId2"/>
-          <a:stretch>
-            <a:fillRect/>
-          </a:stretch>
-        </p:blipFill>
-        <p:spPr>
-          <a:xfrm>
-            <a:off x="719137" y="152400"/>
-            <a:ext cx="10753725" cy="6553200"/>
-          </a:xfrm>
-          <a:prstGeom prst="rect">
-            <a:avLst/>
-          </a:prstGeom>
-        </p:spPr>
-      </p:pic>
-    </p:spTree>
-    <p:extLst>
-      <p:ext uri="{BB962C8B-B14F-4D97-AF65-F5344CB8AC3E}">
-        <p14:creationId xmlns:p14="http://schemas.microsoft.com/office/powerpoint/2010/main" val="2314986478"/>
-      </p:ext>
-    </p:extLst>
-  </p:cSld>
-  <p:clrMapOvr>
-    <a:masterClrMapping/>
-  </p:clrMapOvr>
-</p:sld>
-</file>
-
-<file path=ppt/slides/slide61.xml><?xml version="1.0" encoding="utf-8"?>
-<p:sld xmlns:a="http://schemas.openxmlformats.org/drawingml/2006/main" xmlns:r="http://schemas.openxmlformats.org/officeDocument/2006/relationships" xmlns:p="http://schemas.openxmlformats.org/presentationml/2006/main">
-  <p:cSld>
-    <p:spTree>
-      <p:nvGrpSpPr>
-        <p:cNvPr id="1" name=""/>
-        <p:cNvGrpSpPr/>
-        <p:nvPr/>
-      </p:nvGrpSpPr>
-      <p:grpSpPr>
-        <a:xfrm>
-          <a:off x="0" y="0"/>
-          <a:ext cx="0" cy="0"/>
-          <a:chOff x="0" y="0"/>
-          <a:chExt cx="0" cy="0"/>
-        </a:xfrm>
-      </p:grpSpPr>
-      <p:sp>
-        <p:nvSpPr>
-          <p:cNvPr id="2" name="标题 1">
-            <a:extLst>
-              <a:ext uri="{FF2B5EF4-FFF2-40B4-BE49-F238E27FC236}">
-                <a16:creationId xmlns:a16="http://schemas.microsoft.com/office/drawing/2014/main" id="{26628DD0-294F-4E3A-A793-F9B12792F61B}"/>
-              </a:ext>
-            </a:extLst>
-          </p:cNvPr>
-          <p:cNvSpPr>
-            <a:spLocks noGrp="1"/>
-          </p:cNvSpPr>
-          <p:nvPr>
-            <p:ph type="title"/>
-          </p:nvPr>
-        </p:nvSpPr>
-        <p:spPr/>
-        <p:txBody>
-          <a:bodyPr/>
-          <a:lstStyle/>
-          <a:p>
-            <a:endParaRPr lang="zh-CN" altLang="en-US"/>
-          </a:p>
-        </p:txBody>
-      </p:sp>
-      <p:sp>
-        <p:nvSpPr>
-          <p:cNvPr id="3" name="内容占位符 2">
-            <a:extLst>
-              <a:ext uri="{FF2B5EF4-FFF2-40B4-BE49-F238E27FC236}">
-                <a16:creationId xmlns:a16="http://schemas.microsoft.com/office/drawing/2014/main" id="{3C7D327B-4E88-4CDD-966A-CDF5FE1A8460}"/>
-              </a:ext>
-            </a:extLst>
-          </p:cNvPr>
-          <p:cNvSpPr>
-            <a:spLocks noGrp="1"/>
-          </p:cNvSpPr>
-          <p:nvPr>
-            <p:ph idx="1"/>
-          </p:nvPr>
-        </p:nvSpPr>
-        <p:spPr/>
-        <p:txBody>
-          <a:bodyPr/>
-          <a:lstStyle/>
-          <a:p>
-            <a:endParaRPr lang="zh-CN" altLang="en-US"/>
-          </a:p>
-        </p:txBody>
-      </p:sp>
-      <p:pic>
-        <p:nvPicPr>
-          <p:cNvPr id="4" name="图片 3">
-            <a:extLst>
-              <a:ext uri="{FF2B5EF4-FFF2-40B4-BE49-F238E27FC236}">
-                <a16:creationId xmlns:a16="http://schemas.microsoft.com/office/drawing/2014/main" id="{07299021-D32E-478F-AD4F-EFD5FEB21F5D}"/>
-              </a:ext>
-            </a:extLst>
-          </p:cNvPr>
-          <p:cNvPicPr>
-            <a:picLocks noChangeAspect="1"/>
-          </p:cNvPicPr>
-          <p:nvPr/>
-        </p:nvPicPr>
-        <p:blipFill>
-          <a:blip r:embed="rId2"/>
-          <a:stretch>
-            <a:fillRect/>
-          </a:stretch>
-        </p:blipFill>
-        <p:spPr>
-          <a:xfrm>
-            <a:off x="442912" y="223837"/>
-            <a:ext cx="11306175" cy="6410325"/>
-          </a:xfrm>
-          <a:prstGeom prst="rect">
-            <a:avLst/>
-          </a:prstGeom>
-        </p:spPr>
-      </p:pic>
-    </p:spTree>
-    <p:extLst>
-      <p:ext uri="{BB962C8B-B14F-4D97-AF65-F5344CB8AC3E}">
-        <p14:creationId xmlns:p14="http://schemas.microsoft.com/office/powerpoint/2010/main" val="4163354970"/>
-      </p:ext>
-    </p:extLst>
-  </p:cSld>
-  <p:clrMapOvr>
-    <a:masterClrMapping/>
-  </p:clrMapOvr>
-</p:sld>
-</file>
-
-<file path=ppt/slides/slide62.xml><?xml version="1.0" encoding="utf-8"?>
-<p:sld xmlns:a="http://schemas.openxmlformats.org/drawingml/2006/main" xmlns:r="http://schemas.openxmlformats.org/officeDocument/2006/relationships" xmlns:p="http://schemas.openxmlformats.org/presentationml/2006/main">
-  <p:cSld>
-    <p:spTree>
-      <p:nvGrpSpPr>
-        <p:cNvPr id="1" name=""/>
-        <p:cNvGrpSpPr/>
-        <p:nvPr/>
-      </p:nvGrpSpPr>
-      <p:grpSpPr>
-        <a:xfrm>
-          <a:off x="0" y="0"/>
-          <a:ext cx="0" cy="0"/>
-          <a:chOff x="0" y="0"/>
-          <a:chExt cx="0" cy="0"/>
-        </a:xfrm>
-      </p:grpSpPr>
-      <p:sp>
-        <p:nvSpPr>
-          <p:cNvPr id="2" name="标题 1">
-            <a:extLst>
-              <a:ext uri="{FF2B5EF4-FFF2-40B4-BE49-F238E27FC236}">
-                <a16:creationId xmlns:a16="http://schemas.microsoft.com/office/drawing/2014/main" id="{BA194651-895A-4B61-A03F-F879633EEBEB}"/>
-              </a:ext>
-            </a:extLst>
-          </p:cNvPr>
-          <p:cNvSpPr>
-            <a:spLocks noGrp="1"/>
-          </p:cNvSpPr>
-          <p:nvPr>
-            <p:ph type="title"/>
-          </p:nvPr>
-        </p:nvSpPr>
-        <p:spPr/>
-        <p:txBody>
-          <a:bodyPr/>
-          <a:lstStyle/>
-          <a:p>
-            <a:endParaRPr lang="zh-CN" altLang="en-US"/>
-          </a:p>
-        </p:txBody>
-      </p:sp>
-      <p:sp>
-        <p:nvSpPr>
-          <p:cNvPr id="3" name="内容占位符 2">
-            <a:extLst>
-              <a:ext uri="{FF2B5EF4-FFF2-40B4-BE49-F238E27FC236}">
-                <a16:creationId xmlns:a16="http://schemas.microsoft.com/office/drawing/2014/main" id="{9075781C-ECED-43DE-99AA-29D7672B37AC}"/>
-              </a:ext>
-            </a:extLst>
-          </p:cNvPr>
-          <p:cNvSpPr>
-            <a:spLocks noGrp="1"/>
-          </p:cNvSpPr>
-          <p:nvPr>
-            <p:ph idx="1"/>
-          </p:nvPr>
-        </p:nvSpPr>
-        <p:spPr/>
-        <p:txBody>
-          <a:bodyPr/>
-          <a:lstStyle/>
-          <a:p>
-            <a:endParaRPr lang="zh-CN" altLang="en-US"/>
-          </a:p>
-        </p:txBody>
-      </p:sp>
-      <p:pic>
-        <p:nvPicPr>
-          <p:cNvPr id="4" name="图片 3">
-            <a:extLst>
-              <a:ext uri="{FF2B5EF4-FFF2-40B4-BE49-F238E27FC236}">
-                <a16:creationId xmlns:a16="http://schemas.microsoft.com/office/drawing/2014/main" id="{97FDB3AA-A48A-4F55-A1A3-A9120ABD0893}"/>
-              </a:ext>
-            </a:extLst>
-          </p:cNvPr>
-          <p:cNvPicPr>
-            <a:picLocks noChangeAspect="1"/>
-          </p:cNvPicPr>
-          <p:nvPr/>
-        </p:nvPicPr>
-        <p:blipFill>
-          <a:blip r:embed="rId3"/>
-          <a:stretch>
-            <a:fillRect/>
-          </a:stretch>
-        </p:blipFill>
-        <p:spPr>
-          <a:xfrm>
-            <a:off x="447675" y="333375"/>
-            <a:ext cx="11296650" cy="6191250"/>
-          </a:xfrm>
-          <a:prstGeom prst="rect">
-            <a:avLst/>
-          </a:prstGeom>
-        </p:spPr>
-      </p:pic>
-    </p:spTree>
-    <p:extLst>
-      <p:ext uri="{BB962C8B-B14F-4D97-AF65-F5344CB8AC3E}">
-        <p14:creationId xmlns:p14="http://schemas.microsoft.com/office/powerpoint/2010/main" val="2388857559"/>
-      </p:ext>
-    </p:extLst>
-  </p:cSld>
-  <p:clrMapOvr>
-    <a:masterClrMapping/>
-  </p:clrMapOvr>
-</p:sld>
-</file>
-
-<file path=ppt/slides/slide63.xml><?xml version="1.0" encoding="utf-8"?>
-<p:sld xmlns:a="http://schemas.openxmlformats.org/drawingml/2006/main" xmlns:r="http://schemas.openxmlformats.org/officeDocument/2006/relationships" xmlns:p="http://schemas.openxmlformats.org/presentationml/2006/main">
-  <p:cSld>
-    <p:spTree>
-      <p:nvGrpSpPr>
-        <p:cNvPr id="1" name=""/>
-        <p:cNvGrpSpPr/>
-        <p:nvPr/>
-      </p:nvGrpSpPr>
-      <p:grpSpPr>
-        <a:xfrm>
-          <a:off x="0" y="0"/>
-          <a:ext cx="0" cy="0"/>
-          <a:chOff x="0" y="0"/>
-          <a:chExt cx="0" cy="0"/>
-        </a:xfrm>
-      </p:grpSpPr>
-      <p:sp>
-        <p:nvSpPr>
-          <p:cNvPr id="2" name="标题 1">
-            <a:extLst>
-              <a:ext uri="{FF2B5EF4-FFF2-40B4-BE49-F238E27FC236}">
-                <a16:creationId xmlns:a16="http://schemas.microsoft.com/office/drawing/2014/main" id="{343CAEB9-905A-4759-B706-D4FDF2946FEE}"/>
-              </a:ext>
-            </a:extLst>
-          </p:cNvPr>
-          <p:cNvSpPr>
-            <a:spLocks noGrp="1"/>
-          </p:cNvSpPr>
-          <p:nvPr>
-            <p:ph type="title"/>
-          </p:nvPr>
-        </p:nvSpPr>
-        <p:spPr/>
-        <p:txBody>
-          <a:bodyPr/>
-          <a:lstStyle/>
-          <a:p>
-            <a:endParaRPr lang="zh-CN" altLang="en-US"/>
-          </a:p>
-        </p:txBody>
-      </p:sp>
-      <p:sp>
-        <p:nvSpPr>
-          <p:cNvPr id="3" name="内容占位符 2">
-            <a:extLst>
-              <a:ext uri="{FF2B5EF4-FFF2-40B4-BE49-F238E27FC236}">
-                <a16:creationId xmlns:a16="http://schemas.microsoft.com/office/drawing/2014/main" id="{455B9AF3-E72D-4D75-B4C6-B1D61413AA86}"/>
-              </a:ext>
-            </a:extLst>
-          </p:cNvPr>
-          <p:cNvSpPr>
-            <a:spLocks noGrp="1"/>
-          </p:cNvSpPr>
-          <p:nvPr>
-            <p:ph idx="1"/>
-          </p:nvPr>
-        </p:nvSpPr>
-        <p:spPr/>
-        <p:txBody>
-          <a:bodyPr/>
-          <a:lstStyle/>
-          <a:p>
-            <a:endParaRPr lang="zh-CN" altLang="en-US"/>
-          </a:p>
-        </p:txBody>
-      </p:sp>
-      <p:pic>
-        <p:nvPicPr>
-          <p:cNvPr id="4" name="图片 3">
-            <a:extLst>
-              <a:ext uri="{FF2B5EF4-FFF2-40B4-BE49-F238E27FC236}">
-                <a16:creationId xmlns:a16="http://schemas.microsoft.com/office/drawing/2014/main" id="{DD2A4B0D-FFB5-4D34-BE77-C74B730F13CB}"/>
-              </a:ext>
-            </a:extLst>
-          </p:cNvPr>
-          <p:cNvPicPr>
-            <a:picLocks noChangeAspect="1"/>
-          </p:cNvPicPr>
-          <p:nvPr/>
-        </p:nvPicPr>
-        <p:blipFill>
-          <a:blip r:embed="rId2"/>
-          <a:stretch>
-            <a:fillRect/>
-          </a:stretch>
-        </p:blipFill>
-        <p:spPr>
-          <a:xfrm>
-            <a:off x="636104" y="526331"/>
-            <a:ext cx="11223019" cy="5966544"/>
-          </a:xfrm>
-          <a:prstGeom prst="rect">
-            <a:avLst/>
-          </a:prstGeom>
-        </p:spPr>
-      </p:pic>
-    </p:spTree>
-    <p:extLst>
-      <p:ext uri="{BB962C8B-B14F-4D97-AF65-F5344CB8AC3E}">
-        <p14:creationId xmlns:p14="http://schemas.microsoft.com/office/powerpoint/2010/main" val="4131333543"/>
-      </p:ext>
-    </p:extLst>
-  </p:cSld>
-  <p:clrMapOvr>
-    <a:masterClrMapping/>
-  </p:clrMapOvr>
-</p:sld>
-</file>
-
-<file path=ppt/slides/slide64.xml><?xml version="1.0" encoding="utf-8"?>
-<p:sld xmlns:a="http://schemas.openxmlformats.org/drawingml/2006/main" xmlns:r="http://schemas.openxmlformats.org/officeDocument/2006/relationships" xmlns:p="http://schemas.openxmlformats.org/presentationml/2006/main">
-  <p:cSld>
-    <p:spTree>
-      <p:nvGrpSpPr>
-        <p:cNvPr id="1" name=""/>
-        <p:cNvGrpSpPr/>
-        <p:nvPr/>
-      </p:nvGrpSpPr>
-      <p:grpSpPr>
-        <a:xfrm>
-          <a:off x="0" y="0"/>
-          <a:ext cx="0" cy="0"/>
-          <a:chOff x="0" y="0"/>
-          <a:chExt cx="0" cy="0"/>
-        </a:xfrm>
-      </p:grpSpPr>
-      <p:sp>
-        <p:nvSpPr>
-          <p:cNvPr id="6" name="矩形 5">
-            <a:extLst>
-              <a:ext uri="{FF2B5EF4-FFF2-40B4-BE49-F238E27FC236}">
-                <a16:creationId xmlns:a16="http://schemas.microsoft.com/office/drawing/2014/main" id="{8FEDD989-809D-472D-B409-32B265FE9100}"/>
-              </a:ext>
-            </a:extLst>
-          </p:cNvPr>
-          <p:cNvSpPr/>
-          <p:nvPr/>
-        </p:nvSpPr>
-        <p:spPr>
-          <a:xfrm>
-            <a:off x="0" y="2186608"/>
-            <a:ext cx="12192000" cy="1709531"/>
-          </a:xfrm>
-          <a:prstGeom prst="rect">
-            <a:avLst/>
-          </a:prstGeom>
-        </p:spPr>
-        <p:style>
-          <a:lnRef idx="2">
-            <a:schemeClr val="accent1">
-              <a:shade val="50000"/>
-            </a:schemeClr>
-          </a:lnRef>
-          <a:fillRef idx="1">
-            <a:schemeClr val="accent1"/>
-          </a:fillRef>
-          <a:effectRef idx="0">
-            <a:schemeClr val="accent1"/>
-          </a:effectRef>
-          <a:fontRef idx="minor">
-            <a:schemeClr val="lt1"/>
-          </a:fontRef>
-        </p:style>
-        <p:txBody>
-          <a:bodyPr rtlCol="0" anchor="ctr"/>
-          <a:lstStyle/>
-          <a:p>
-            <a:pPr algn="ctr"/>
-            <a:r>
-              <a:rPr lang="en-US" altLang="zh-CN" sz="5400" dirty="0"/>
-              <a:t>Q&amp;A</a:t>
-            </a:r>
-            <a:endParaRPr lang="zh-CN" altLang="en-US" sz="5400" dirty="0"/>
-          </a:p>
-        </p:txBody>
-      </p:sp>
-    </p:spTree>
-    <p:extLst>
-      <p:ext uri="{BB962C8B-B14F-4D97-AF65-F5344CB8AC3E}">
-        <p14:creationId xmlns:p14="http://schemas.microsoft.com/office/powerpoint/2010/main" val="3911165385"/>
-      </p:ext>
-    </p:extLst>
-  </p:cSld>
-  <p:clrMapOvr>
-    <a:masterClrMapping/>
-  </p:clrMapOvr>
-</p:sld>
-</file>
-
-<file path=ppt/slides/slide65.xml><?xml version="1.0" encoding="utf-8"?>
-<p:sld xmlns:a="http://schemas.openxmlformats.org/drawingml/2006/main" xmlns:r="http://schemas.openxmlformats.org/officeDocument/2006/relationships" xmlns:p="http://schemas.openxmlformats.org/presentationml/2006/main">
-  <p:cSld>
-    <p:spTree>
-      <p:nvGrpSpPr>
-        <p:cNvPr id="1" name=""/>
-        <p:cNvGrpSpPr/>
-        <p:nvPr/>
-      </p:nvGrpSpPr>
-      <p:grpSpPr>
-        <a:xfrm>
-          <a:off x="0" y="0"/>
-          <a:ext cx="0" cy="0"/>
-          <a:chOff x="0" y="0"/>
-          <a:chExt cx="0" cy="0"/>
-        </a:xfrm>
-      </p:grpSpPr>
-      <p:sp>
-        <p:nvSpPr>
-          <p:cNvPr id="4" name="矩形 3">
-            <a:extLst>
-              <a:ext uri="{FF2B5EF4-FFF2-40B4-BE49-F238E27FC236}">
-                <a16:creationId xmlns:a16="http://schemas.microsoft.com/office/drawing/2014/main" id="{87A0F59A-6F34-498B-87C3-BE3458A91548}"/>
-              </a:ext>
-            </a:extLst>
-          </p:cNvPr>
-          <p:cNvSpPr/>
-          <p:nvPr/>
-        </p:nvSpPr>
-        <p:spPr>
-          <a:xfrm>
-            <a:off x="0" y="2107094"/>
-            <a:ext cx="12192000" cy="1709531"/>
-          </a:xfrm>
-          <a:prstGeom prst="rect">
-            <a:avLst/>
-          </a:prstGeom>
-        </p:spPr>
-        <p:style>
-          <a:lnRef idx="2">
-            <a:schemeClr val="accent1">
-              <a:shade val="50000"/>
-            </a:schemeClr>
-          </a:lnRef>
-          <a:fillRef idx="1">
-            <a:schemeClr val="accent1"/>
-          </a:fillRef>
-          <a:effectRef idx="0">
-            <a:schemeClr val="accent1"/>
-          </a:effectRef>
-          <a:fontRef idx="minor">
-            <a:schemeClr val="lt1"/>
-          </a:fontRef>
-        </p:style>
-        <p:txBody>
-          <a:bodyPr rtlCol="0" anchor="ctr"/>
-          <a:lstStyle/>
-          <a:p>
-            <a:pPr algn="ctr"/>
-            <a:r>
-              <a:rPr lang="zh-CN" altLang="en-US" sz="5400" dirty="0"/>
-              <a:t>感谢聆听</a:t>
-            </a:r>
-          </a:p>
-        </p:txBody>
-      </p:sp>
-    </p:spTree>
-    <p:extLst>
-      <p:ext uri="{BB962C8B-B14F-4D97-AF65-F5344CB8AC3E}">
-        <p14:creationId xmlns:p14="http://schemas.microsoft.com/office/powerpoint/2010/main" val="2993766654"/>
       </p:ext>
     </p:extLst>
   </p:cSld>

--- a/简单理解mq.pptx
+++ b/简单理解mq.pptx
@@ -10457,21 +10457,18 @@
             <a:endParaRPr lang="en-US" altLang="zh-CN" dirty="0"/>
           </a:p>
           <a:p>
-            <a:r>
-              <a:rPr lang="en-US" altLang="zh-CN" dirty="0"/>
-              <a:t> </a:t>
-            </a:r>
-            <a:r>
-              <a:rPr lang="zh-CN" altLang="en-US" dirty="0"/>
-              <a:t>大量堆积，系统稳定，延迟不增</a:t>
-            </a:r>
-            <a:endParaRPr lang="en-US" altLang="zh-CN" dirty="0"/>
-          </a:p>
-          <a:p>
             <a:pPr lvl="2"/>
             <a:r>
               <a:rPr lang="zh-CN" altLang="en-US" dirty="0"/>
-              <a:t>百亿级别的消息堆积能力</a:t>
+              <a:t>百亿级别的消息大量堆积，系统稳定，延迟不增</a:t>
+            </a:r>
+            <a:endParaRPr lang="en-US" altLang="zh-CN" dirty="0"/>
+          </a:p>
+          <a:p>
+            <a:pPr lvl="2"/>
+            <a:r>
+              <a:rPr lang="zh-CN" altLang="en-US" dirty="0"/>
+              <a:t>堆积能力</a:t>
             </a:r>
             <a:endParaRPr lang="en-US" altLang="zh-CN" dirty="0"/>
           </a:p>
@@ -14472,7 +14469,7 @@
 </file>
 
 <file path=ppt/slides/slide58.xml><?xml version="1.0" encoding="utf-8"?>
-<p:sld xmlns:a="http://schemas.openxmlformats.org/drawingml/2006/main" xmlns:r="http://schemas.openxmlformats.org/officeDocument/2006/relationships" xmlns:p="http://schemas.openxmlformats.org/presentationml/2006/main">
+<p:sld xmlns:a="http://schemas.openxmlformats.org/drawingml/2006/main" xmlns:r="http://schemas.openxmlformats.org/officeDocument/2006/relationships" xmlns:p="http://schemas.openxmlformats.org/presentationml/2006/main" show="0">
   <p:cSld>
     <p:spTree>
       <p:nvGrpSpPr>
